--- a/Document/넷겜플 하이레벨순서도.pptx
+++ b/Document/넷겜플 하이레벨순서도.pptx
@@ -7,6 +7,7 @@
   <p:sldIdLst>
     <p:sldId id="256" r:id="rId2"/>
     <p:sldId id="257" r:id="rId3"/>
+    <p:sldId id="258" r:id="rId4"/>
   </p:sldIdLst>
   <p:sldSz cx="12192000" cy="6858000"/>
   <p:notesSz cx="6858000" cy="9144000"/>
@@ -260,7 +261,7 @@
           <a:p>
             <a:fld id="{A84CD303-C271-4D5B-82FA-BA8C2E6EE6D5}" type="datetimeFigureOut">
               <a:rPr lang="ko-KR" altLang="en-US" smtClean="0"/>
-              <a:t>2019-10-28</a:t>
+              <a:t>2019-10-29</a:t>
             </a:fld>
             <a:endParaRPr lang="ko-KR" altLang="en-US"/>
           </a:p>
@@ -458,7 +459,7 @@
           <a:p>
             <a:fld id="{A84CD303-C271-4D5B-82FA-BA8C2E6EE6D5}" type="datetimeFigureOut">
               <a:rPr lang="ko-KR" altLang="en-US" smtClean="0"/>
-              <a:t>2019-10-28</a:t>
+              <a:t>2019-10-29</a:t>
             </a:fld>
             <a:endParaRPr lang="ko-KR" altLang="en-US"/>
           </a:p>
@@ -666,7 +667,7 @@
           <a:p>
             <a:fld id="{A84CD303-C271-4D5B-82FA-BA8C2E6EE6D5}" type="datetimeFigureOut">
               <a:rPr lang="ko-KR" altLang="en-US" smtClean="0"/>
-              <a:t>2019-10-28</a:t>
+              <a:t>2019-10-29</a:t>
             </a:fld>
             <a:endParaRPr lang="ko-KR" altLang="en-US"/>
           </a:p>
@@ -864,7 +865,7 @@
           <a:p>
             <a:fld id="{A84CD303-C271-4D5B-82FA-BA8C2E6EE6D5}" type="datetimeFigureOut">
               <a:rPr lang="ko-KR" altLang="en-US" smtClean="0"/>
-              <a:t>2019-10-28</a:t>
+              <a:t>2019-10-29</a:t>
             </a:fld>
             <a:endParaRPr lang="ko-KR" altLang="en-US"/>
           </a:p>
@@ -1139,7 +1140,7 @@
           <a:p>
             <a:fld id="{A84CD303-C271-4D5B-82FA-BA8C2E6EE6D5}" type="datetimeFigureOut">
               <a:rPr lang="ko-KR" altLang="en-US" smtClean="0"/>
-              <a:t>2019-10-28</a:t>
+              <a:t>2019-10-29</a:t>
             </a:fld>
             <a:endParaRPr lang="ko-KR" altLang="en-US"/>
           </a:p>
@@ -1404,7 +1405,7 @@
           <a:p>
             <a:fld id="{A84CD303-C271-4D5B-82FA-BA8C2E6EE6D5}" type="datetimeFigureOut">
               <a:rPr lang="ko-KR" altLang="en-US" smtClean="0"/>
-              <a:t>2019-10-28</a:t>
+              <a:t>2019-10-29</a:t>
             </a:fld>
             <a:endParaRPr lang="ko-KR" altLang="en-US"/>
           </a:p>
@@ -1816,7 +1817,7 @@
           <a:p>
             <a:fld id="{A84CD303-C271-4D5B-82FA-BA8C2E6EE6D5}" type="datetimeFigureOut">
               <a:rPr lang="ko-KR" altLang="en-US" smtClean="0"/>
-              <a:t>2019-10-28</a:t>
+              <a:t>2019-10-29</a:t>
             </a:fld>
             <a:endParaRPr lang="ko-KR" altLang="en-US"/>
           </a:p>
@@ -1957,7 +1958,7 @@
           <a:p>
             <a:fld id="{A84CD303-C271-4D5B-82FA-BA8C2E6EE6D5}" type="datetimeFigureOut">
               <a:rPr lang="ko-KR" altLang="en-US" smtClean="0"/>
-              <a:t>2019-10-28</a:t>
+              <a:t>2019-10-29</a:t>
             </a:fld>
             <a:endParaRPr lang="ko-KR" altLang="en-US"/>
           </a:p>
@@ -2070,7 +2071,7 @@
           <a:p>
             <a:fld id="{A84CD303-C271-4D5B-82FA-BA8C2E6EE6D5}" type="datetimeFigureOut">
               <a:rPr lang="ko-KR" altLang="en-US" smtClean="0"/>
-              <a:t>2019-10-28</a:t>
+              <a:t>2019-10-29</a:t>
             </a:fld>
             <a:endParaRPr lang="ko-KR" altLang="en-US"/>
           </a:p>
@@ -2381,7 +2382,7 @@
           <a:p>
             <a:fld id="{A84CD303-C271-4D5B-82FA-BA8C2E6EE6D5}" type="datetimeFigureOut">
               <a:rPr lang="ko-KR" altLang="en-US" smtClean="0"/>
-              <a:t>2019-10-28</a:t>
+              <a:t>2019-10-29</a:t>
             </a:fld>
             <a:endParaRPr lang="ko-KR" altLang="en-US"/>
           </a:p>
@@ -2669,7 +2670,7 @@
           <a:p>
             <a:fld id="{A84CD303-C271-4D5B-82FA-BA8C2E6EE6D5}" type="datetimeFigureOut">
               <a:rPr lang="ko-KR" altLang="en-US" smtClean="0"/>
-              <a:t>2019-10-28</a:t>
+              <a:t>2019-10-29</a:t>
             </a:fld>
             <a:endParaRPr lang="ko-KR" altLang="en-US"/>
           </a:p>
@@ -2910,7 +2911,7 @@
           <a:p>
             <a:fld id="{A84CD303-C271-4D5B-82FA-BA8C2E6EE6D5}" type="datetimeFigureOut">
               <a:rPr lang="ko-KR" altLang="en-US" smtClean="0"/>
-              <a:t>2019-10-28</a:t>
+              <a:t>2019-10-29</a:t>
             </a:fld>
             <a:endParaRPr lang="ko-KR" altLang="en-US"/>
           </a:p>
@@ -3327,1252 +3328,1718 @@
           <a:chExt cx="0" cy="0"/>
         </a:xfrm>
       </p:grpSpPr>
-      <p:sp>
-        <p:nvSpPr>
-          <p:cNvPr id="73" name="직사각형 72">
+      <p:grpSp>
+        <p:nvGrpSpPr>
+          <p:cNvPr id="185" name="그룹 184">
             <a:extLst>
               <a:ext uri="{FF2B5EF4-FFF2-40B4-BE49-F238E27FC236}">
-                <a16:creationId xmlns:a16="http://schemas.microsoft.com/office/drawing/2014/main" id="{4DDC733F-165C-4F3C-BADB-BF48B98A6077}"/>
+                <a16:creationId xmlns:a16="http://schemas.microsoft.com/office/drawing/2014/main" id="{4C28BF7E-6A98-4AAD-9B90-3A774C00ABBD}"/>
               </a:ext>
             </a:extLst>
           </p:cNvPr>
-          <p:cNvSpPr/>
+          <p:cNvGrpSpPr/>
           <p:nvPr/>
-        </p:nvSpPr>
-        <p:spPr>
+        </p:nvGrpSpPr>
+        <p:grpSpPr>
           <a:xfrm>
-            <a:off x="4246123" y="333759"/>
-            <a:ext cx="7553523" cy="1796598"/>
+            <a:off x="3300072" y="301300"/>
+            <a:ext cx="8499574" cy="6319633"/>
+            <a:chOff x="3300072" y="301300"/>
+            <a:chExt cx="8499574" cy="6319633"/>
           </a:xfrm>
-          <a:prstGeom prst="rect">
-            <a:avLst/>
-          </a:prstGeom>
-          <a:solidFill>
-            <a:schemeClr val="bg1"/>
-          </a:solidFill>
-          <a:ln w="127000">
+        </p:grpSpPr>
+        <p:sp>
+          <p:nvSpPr>
+            <p:cNvPr id="73" name="직사각형 72">
+              <a:extLst>
+                <a:ext uri="{FF2B5EF4-FFF2-40B4-BE49-F238E27FC236}">
+                  <a16:creationId xmlns:a16="http://schemas.microsoft.com/office/drawing/2014/main" id="{4DDC733F-165C-4F3C-BADB-BF48B98A6077}"/>
+                </a:ext>
+              </a:extLst>
+            </p:cNvPr>
+            <p:cNvSpPr/>
+            <p:nvPr/>
+          </p:nvSpPr>
+          <p:spPr>
+            <a:xfrm>
+              <a:off x="6231027" y="333758"/>
+              <a:ext cx="5568619" cy="6287175"/>
+            </a:xfrm>
+            <a:prstGeom prst="rect">
+              <a:avLst/>
+            </a:prstGeom>
             <a:solidFill>
-              <a:schemeClr val="accent2"/>
+              <a:schemeClr val="bg1"/>
             </a:solidFill>
-          </a:ln>
-        </p:spPr>
-        <p:style>
-          <a:lnRef idx="2">
-            <a:schemeClr val="accent1">
-              <a:shade val="50000"/>
-            </a:schemeClr>
-          </a:lnRef>
-          <a:fillRef idx="1">
-            <a:schemeClr val="accent1"/>
-          </a:fillRef>
-          <a:effectRef idx="0">
-            <a:schemeClr val="accent1"/>
-          </a:effectRef>
-          <a:fontRef idx="minor">
-            <a:schemeClr val="lt1"/>
-          </a:fontRef>
-        </p:style>
-        <p:txBody>
-          <a:bodyPr rtlCol="0" anchor="ctr"/>
-          <a:lstStyle/>
-          <a:p>
-            <a:pPr algn="ctr"/>
-            <a:r>
-              <a:rPr lang="en-US" altLang="ko-KR"/>
-              <a:t>①</a:t>
-            </a:r>
-            <a:endParaRPr lang="ko-KR" altLang="en-US"/>
-          </a:p>
-        </p:txBody>
-      </p:sp>
-      <p:sp>
-        <p:nvSpPr>
-          <p:cNvPr id="4" name="직사각형 3">
-            <a:extLst>
-              <a:ext uri="{FF2B5EF4-FFF2-40B4-BE49-F238E27FC236}">
-                <a16:creationId xmlns:a16="http://schemas.microsoft.com/office/drawing/2014/main" id="{EEDE0DA9-06C5-43FA-A088-C6C40C5F7172}"/>
-              </a:ext>
-            </a:extLst>
-          </p:cNvPr>
-          <p:cNvSpPr/>
-          <p:nvPr/>
-        </p:nvSpPr>
-        <p:spPr>
-          <a:xfrm>
-            <a:off x="2314432" y="2472330"/>
-            <a:ext cx="2082439" cy="1083734"/>
-          </a:xfrm>
-          <a:prstGeom prst="rect">
-            <a:avLst/>
-          </a:prstGeom>
-          <a:solidFill>
-            <a:schemeClr val="bg1"/>
-          </a:solidFill>
-        </p:spPr>
-        <p:style>
-          <a:lnRef idx="2">
-            <a:schemeClr val="accent1">
-              <a:shade val="50000"/>
-            </a:schemeClr>
-          </a:lnRef>
-          <a:fillRef idx="1">
-            <a:schemeClr val="accent1"/>
-          </a:fillRef>
-          <a:effectRef idx="0">
-            <a:schemeClr val="accent1"/>
-          </a:effectRef>
-          <a:fontRef idx="minor">
-            <a:schemeClr val="lt1"/>
-          </a:fontRef>
-        </p:style>
-        <p:txBody>
-          <a:bodyPr rtlCol="0" anchor="ctr"/>
-          <a:lstStyle/>
-          <a:p>
-            <a:pPr algn="ctr"/>
-            <a:r>
-              <a:rPr lang="en-US" altLang="ko-KR" dirty="0">
+            <a:ln w="127000">
+              <a:solidFill>
+                <a:schemeClr val="accent2"/>
+              </a:solidFill>
+            </a:ln>
+          </p:spPr>
+          <p:style>
+            <a:lnRef idx="2">
+              <a:schemeClr val="accent1">
+                <a:shade val="50000"/>
+              </a:schemeClr>
+            </a:lnRef>
+            <a:fillRef idx="1">
+              <a:schemeClr val="accent1"/>
+            </a:fillRef>
+            <a:effectRef idx="0">
+              <a:schemeClr val="accent1"/>
+            </a:effectRef>
+            <a:fontRef idx="minor">
+              <a:schemeClr val="lt1"/>
+            </a:fontRef>
+          </p:style>
+          <p:txBody>
+            <a:bodyPr rtlCol="0" anchor="ctr"/>
+            <a:lstStyle/>
+            <a:p>
+              <a:r>
+                <a:rPr lang="ko-KR" altLang="en-US"/>
+                <a:t>⑤</a:t>
+              </a:r>
+              <a:endParaRPr lang="ko-KR" altLang="en-US" dirty="0"/>
+            </a:p>
+          </p:txBody>
+        </p:sp>
+        <p:sp>
+          <p:nvSpPr>
+            <p:cNvPr id="4" name="직사각형 3">
+              <a:extLst>
+                <a:ext uri="{FF2B5EF4-FFF2-40B4-BE49-F238E27FC236}">
+                  <a16:creationId xmlns:a16="http://schemas.microsoft.com/office/drawing/2014/main" id="{EEDE0DA9-06C5-43FA-A088-C6C40C5F7172}"/>
+                </a:ext>
+              </a:extLst>
+            </p:cNvPr>
+            <p:cNvSpPr/>
+            <p:nvPr/>
+          </p:nvSpPr>
+          <p:spPr>
+            <a:xfrm>
+              <a:off x="3300072" y="1061811"/>
+              <a:ext cx="2082439" cy="661121"/>
+            </a:xfrm>
+            <a:prstGeom prst="rect">
+              <a:avLst/>
+            </a:prstGeom>
+            <a:solidFill>
+              <a:schemeClr val="bg1"/>
+            </a:solidFill>
+          </p:spPr>
+          <p:style>
+            <a:lnRef idx="2">
+              <a:schemeClr val="accent1">
+                <a:shade val="50000"/>
+              </a:schemeClr>
+            </a:lnRef>
+            <a:fillRef idx="1">
+              <a:schemeClr val="accent1"/>
+            </a:fillRef>
+            <a:effectRef idx="0">
+              <a:schemeClr val="accent1"/>
+            </a:effectRef>
+            <a:fontRef idx="minor">
+              <a:schemeClr val="lt1"/>
+            </a:fontRef>
+          </p:style>
+          <p:txBody>
+            <a:bodyPr rtlCol="0" anchor="ctr"/>
+            <a:lstStyle/>
+            <a:p>
+              <a:pPr algn="ctr"/>
+              <a:r>
+                <a:rPr lang="en-US" altLang="ko-KR" dirty="0">
+                  <a:solidFill>
+                    <a:schemeClr val="tx1"/>
+                  </a:solidFill>
+                </a:rPr>
+                <a:t>Title Scene</a:t>
+              </a:r>
+              <a:endParaRPr lang="ko-KR" altLang="en-US" dirty="0">
                 <a:solidFill>
                   <a:schemeClr val="tx1"/>
                 </a:solidFill>
-              </a:rPr>
-              <a:t>Title Scene</a:t>
-            </a:r>
-            <a:endParaRPr lang="ko-KR" altLang="en-US" dirty="0">
+              </a:endParaRPr>
+            </a:p>
+          </p:txBody>
+        </p:sp>
+        <p:sp>
+          <p:nvSpPr>
+            <p:cNvPr id="6" name="직사각형 5">
+              <a:extLst>
+                <a:ext uri="{FF2B5EF4-FFF2-40B4-BE49-F238E27FC236}">
+                  <a16:creationId xmlns:a16="http://schemas.microsoft.com/office/drawing/2014/main" id="{D780A06F-7CA1-4002-B812-2F51CD046F07}"/>
+                </a:ext>
+              </a:extLst>
+            </p:cNvPr>
+            <p:cNvSpPr/>
+            <p:nvPr/>
+          </p:nvSpPr>
+          <p:spPr>
+            <a:xfrm>
+              <a:off x="7990869" y="962990"/>
+              <a:ext cx="2048933" cy="1083734"/>
+            </a:xfrm>
+            <a:prstGeom prst="rect">
+              <a:avLst/>
+            </a:prstGeom>
+            <a:solidFill>
+              <a:schemeClr val="bg1"/>
+            </a:solidFill>
+            <a:ln>
+              <a:solidFill>
+                <a:schemeClr val="accent2"/>
+              </a:solidFill>
+            </a:ln>
+          </p:spPr>
+          <p:style>
+            <a:lnRef idx="2">
+              <a:schemeClr val="accent1">
+                <a:shade val="50000"/>
+              </a:schemeClr>
+            </a:lnRef>
+            <a:fillRef idx="1">
+              <a:schemeClr val="accent1"/>
+            </a:fillRef>
+            <a:effectRef idx="0">
+              <a:schemeClr val="accent1"/>
+            </a:effectRef>
+            <a:fontRef idx="minor">
+              <a:schemeClr val="lt1"/>
+            </a:fontRef>
+          </p:style>
+          <p:txBody>
+            <a:bodyPr rtlCol="0" anchor="ctr"/>
+            <a:lstStyle/>
+            <a:p>
+              <a:pPr algn="ctr"/>
+              <a:r>
+                <a:rPr lang="en-US" altLang="ko-KR" dirty="0">
+                  <a:solidFill>
+                    <a:schemeClr val="tx1"/>
+                  </a:solidFill>
+                </a:rPr>
+                <a:t>Matching</a:t>
+              </a:r>
+            </a:p>
+            <a:p>
+              <a:pPr algn="ctr"/>
+              <a:r>
+                <a:rPr lang="en-US" altLang="ko-KR" dirty="0">
+                  <a:solidFill>
+                    <a:schemeClr val="tx1"/>
+                  </a:solidFill>
+                </a:rPr>
+                <a:t>Thread</a:t>
+              </a:r>
+              <a:endParaRPr lang="ko-KR" altLang="en-US" dirty="0">
+                <a:solidFill>
+                  <a:schemeClr val="tx1"/>
+                </a:solidFill>
+              </a:endParaRPr>
+            </a:p>
+          </p:txBody>
+        </p:sp>
+        <p:sp>
+          <p:nvSpPr>
+            <p:cNvPr id="17" name="직사각형 16">
+              <a:extLst>
+                <a:ext uri="{FF2B5EF4-FFF2-40B4-BE49-F238E27FC236}">
+                  <a16:creationId xmlns:a16="http://schemas.microsoft.com/office/drawing/2014/main" id="{9D848FAF-E4AE-4CD0-9FA6-C886809A043C}"/>
+                </a:ext>
+              </a:extLst>
+            </p:cNvPr>
+            <p:cNvSpPr/>
+            <p:nvPr/>
+          </p:nvSpPr>
+          <p:spPr>
+            <a:xfrm>
+              <a:off x="3300072" y="1814984"/>
+              <a:ext cx="2082439" cy="661121"/>
+            </a:xfrm>
+            <a:prstGeom prst="rect">
+              <a:avLst/>
+            </a:prstGeom>
+            <a:solidFill>
+              <a:schemeClr val="bg1"/>
+            </a:solidFill>
+          </p:spPr>
+          <p:style>
+            <a:lnRef idx="2">
+              <a:schemeClr val="accent1">
+                <a:shade val="50000"/>
+              </a:schemeClr>
+            </a:lnRef>
+            <a:fillRef idx="1">
+              <a:schemeClr val="accent1"/>
+            </a:fillRef>
+            <a:effectRef idx="0">
+              <a:schemeClr val="accent1"/>
+            </a:effectRef>
+            <a:fontRef idx="minor">
+              <a:schemeClr val="lt1"/>
+            </a:fontRef>
+          </p:style>
+          <p:txBody>
+            <a:bodyPr rtlCol="0" anchor="ctr"/>
+            <a:lstStyle/>
+            <a:p>
+              <a:pPr algn="ctr"/>
+              <a:r>
+                <a:rPr lang="en-US" altLang="ko-KR" dirty="0">
+                  <a:solidFill>
+                    <a:schemeClr val="tx1"/>
+                  </a:solidFill>
+                </a:rPr>
+                <a:t>Title Scene</a:t>
+              </a:r>
+              <a:endParaRPr lang="ko-KR" altLang="en-US" dirty="0">
+                <a:solidFill>
+                  <a:schemeClr val="tx1"/>
+                </a:solidFill>
+              </a:endParaRPr>
+            </a:p>
+          </p:txBody>
+        </p:sp>
+        <p:sp>
+          <p:nvSpPr>
+            <p:cNvPr id="20" name="직사각형 19">
+              <a:extLst>
+                <a:ext uri="{FF2B5EF4-FFF2-40B4-BE49-F238E27FC236}">
+                  <a16:creationId xmlns:a16="http://schemas.microsoft.com/office/drawing/2014/main" id="{05C1F157-A0CA-4F10-B69F-D779030C76CD}"/>
+                </a:ext>
+              </a:extLst>
+            </p:cNvPr>
+            <p:cNvSpPr/>
+            <p:nvPr/>
+          </p:nvSpPr>
+          <p:spPr>
+            <a:xfrm>
+              <a:off x="3300072" y="301300"/>
+              <a:ext cx="2082439" cy="661121"/>
+            </a:xfrm>
+            <a:prstGeom prst="rect">
+              <a:avLst/>
+            </a:prstGeom>
+            <a:solidFill>
+              <a:schemeClr val="bg1"/>
+            </a:solidFill>
+          </p:spPr>
+          <p:style>
+            <a:lnRef idx="2">
+              <a:schemeClr val="accent1">
+                <a:shade val="50000"/>
+              </a:schemeClr>
+            </a:lnRef>
+            <a:fillRef idx="1">
+              <a:schemeClr val="accent1"/>
+            </a:fillRef>
+            <a:effectRef idx="0">
+              <a:schemeClr val="accent1"/>
+            </a:effectRef>
+            <a:fontRef idx="minor">
+              <a:schemeClr val="lt1"/>
+            </a:fontRef>
+          </p:style>
+          <p:txBody>
+            <a:bodyPr rtlCol="0" anchor="ctr"/>
+            <a:lstStyle/>
+            <a:p>
+              <a:pPr algn="ctr"/>
+              <a:r>
+                <a:rPr lang="en-US" altLang="ko-KR" dirty="0">
+                  <a:solidFill>
+                    <a:schemeClr val="tx1"/>
+                  </a:solidFill>
+                </a:rPr>
+                <a:t>Title Scene</a:t>
+              </a:r>
+              <a:endParaRPr lang="ko-KR" altLang="en-US" dirty="0">
+                <a:solidFill>
+                  <a:schemeClr val="tx1"/>
+                </a:solidFill>
+              </a:endParaRPr>
+            </a:p>
+          </p:txBody>
+        </p:sp>
+        <p:sp>
+          <p:nvSpPr>
+            <p:cNvPr id="57" name="직사각형 56">
+              <a:extLst>
+                <a:ext uri="{FF2B5EF4-FFF2-40B4-BE49-F238E27FC236}">
+                  <a16:creationId xmlns:a16="http://schemas.microsoft.com/office/drawing/2014/main" id="{2F3BA3C9-1B10-4F8E-9093-8AECB4103013}"/>
+                </a:ext>
+              </a:extLst>
+            </p:cNvPr>
+            <p:cNvSpPr/>
+            <p:nvPr/>
+          </p:nvSpPr>
+          <p:spPr>
+            <a:xfrm>
+              <a:off x="9428580" y="3703566"/>
+              <a:ext cx="2048933" cy="1083734"/>
+            </a:xfrm>
+            <a:prstGeom prst="rect">
+              <a:avLst/>
+            </a:prstGeom>
+            <a:solidFill>
+              <a:schemeClr val="bg1"/>
+            </a:solidFill>
+            <a:ln>
+              <a:solidFill>
+                <a:schemeClr val="accent2"/>
+              </a:solidFill>
+            </a:ln>
+          </p:spPr>
+          <p:style>
+            <a:lnRef idx="2">
+              <a:schemeClr val="accent1">
+                <a:shade val="50000"/>
+              </a:schemeClr>
+            </a:lnRef>
+            <a:fillRef idx="1">
+              <a:schemeClr val="accent1"/>
+            </a:fillRef>
+            <a:effectRef idx="0">
+              <a:schemeClr val="accent1"/>
+            </a:effectRef>
+            <a:fontRef idx="minor">
+              <a:schemeClr val="lt1"/>
+            </a:fontRef>
+          </p:style>
+          <p:txBody>
+            <a:bodyPr rtlCol="0" anchor="ctr"/>
+            <a:lstStyle/>
+            <a:p>
+              <a:pPr algn="ctr"/>
+              <a:r>
+                <a:rPr lang="en-US" altLang="ko-KR" dirty="0">
+                  <a:solidFill>
+                    <a:schemeClr val="tx1"/>
+                  </a:solidFill>
+                </a:rPr>
+                <a:t>Game Server</a:t>
+              </a:r>
+            </a:p>
+            <a:p>
+              <a:pPr algn="ctr"/>
+              <a:r>
+                <a:rPr lang="en-US" altLang="ko-KR" dirty="0">
+                  <a:solidFill>
+                    <a:schemeClr val="tx1"/>
+                  </a:solidFill>
+                </a:rPr>
+                <a:t>Thread</a:t>
+              </a:r>
+              <a:endParaRPr lang="ko-KR" altLang="en-US" dirty="0">
+                <a:solidFill>
+                  <a:schemeClr val="tx1"/>
+                </a:solidFill>
+              </a:endParaRPr>
+            </a:p>
+          </p:txBody>
+        </p:sp>
+        <p:cxnSp>
+          <p:nvCxnSpPr>
+            <p:cNvPr id="70" name="직선 화살표 연결선 69">
+              <a:extLst>
+                <a:ext uri="{FF2B5EF4-FFF2-40B4-BE49-F238E27FC236}">
+                  <a16:creationId xmlns:a16="http://schemas.microsoft.com/office/drawing/2014/main" id="{B0272D0B-3E8B-4F77-9AD7-5C4BEEA4D19A}"/>
+                </a:ext>
+              </a:extLst>
+            </p:cNvPr>
+            <p:cNvCxnSpPr>
+              <a:cxnSpLocks/>
+            </p:cNvCxnSpPr>
+            <p:nvPr/>
+          </p:nvCxnSpPr>
+          <p:spPr>
+            <a:xfrm>
+              <a:off x="5382511" y="793051"/>
+              <a:ext cx="2608358" cy="516126"/>
+            </a:xfrm>
+            <a:prstGeom prst="straightConnector1">
+              <a:avLst/>
+            </a:prstGeom>
+            <a:ln w="38100">
+              <a:tailEnd type="triangle"/>
+            </a:ln>
+          </p:spPr>
+          <p:style>
+            <a:lnRef idx="3">
+              <a:schemeClr val="dk1"/>
+            </a:lnRef>
+            <a:fillRef idx="0">
+              <a:schemeClr val="dk1"/>
+            </a:fillRef>
+            <a:effectRef idx="2">
+              <a:schemeClr val="dk1"/>
+            </a:effectRef>
+            <a:fontRef idx="minor">
+              <a:schemeClr val="tx1"/>
+            </a:fontRef>
+          </p:style>
+        </p:cxnSp>
+        <p:sp>
+          <p:nvSpPr>
+            <p:cNvPr id="74" name="TextBox 73">
+              <a:extLst>
+                <a:ext uri="{FF2B5EF4-FFF2-40B4-BE49-F238E27FC236}">
+                  <a16:creationId xmlns:a16="http://schemas.microsoft.com/office/drawing/2014/main" id="{7D6F6CC7-044E-46FE-9D35-F9FBBA6D04DE}"/>
+                </a:ext>
+              </a:extLst>
+            </p:cNvPr>
+            <p:cNvSpPr txBox="1"/>
+            <p:nvPr/>
+          </p:nvSpPr>
+          <p:spPr>
+            <a:xfrm>
+              <a:off x="10589117" y="423719"/>
+              <a:ext cx="888396" cy="369332"/>
+            </a:xfrm>
+            <a:prstGeom prst="rect">
+              <a:avLst/>
+            </a:prstGeom>
+            <a:noFill/>
+            <a:ln>
+              <a:solidFill>
+                <a:schemeClr val="bg1"/>
+              </a:solidFill>
+            </a:ln>
+          </p:spPr>
+          <p:txBody>
+            <a:bodyPr wrap="square" rtlCol="0">
+              <a:spAutoFit/>
+            </a:bodyPr>
+            <a:lstStyle/>
+            <a:p>
+              <a:pPr algn="ctr"/>
+              <a:r>
+                <a:rPr lang="en-US" altLang="ko-KR" dirty="0"/>
+                <a:t>Server</a:t>
+              </a:r>
+              <a:endParaRPr lang="ko-KR" altLang="en-US" dirty="0"/>
+            </a:p>
+          </p:txBody>
+        </p:sp>
+        <p:sp>
+          <p:nvSpPr>
+            <p:cNvPr id="3" name="직사각형 2">
+              <a:extLst>
+                <a:ext uri="{FF2B5EF4-FFF2-40B4-BE49-F238E27FC236}">
+                  <a16:creationId xmlns:a16="http://schemas.microsoft.com/office/drawing/2014/main" id="{1B5C769F-72FE-4949-844D-CCC9D45518DB}"/>
+                </a:ext>
+              </a:extLst>
+            </p:cNvPr>
+            <p:cNvSpPr/>
+            <p:nvPr/>
+          </p:nvSpPr>
+          <p:spPr>
+            <a:xfrm>
+              <a:off x="6569491" y="396862"/>
+              <a:ext cx="415498" cy="369332"/>
+            </a:xfrm>
+            <a:prstGeom prst="rect">
+              <a:avLst/>
+            </a:prstGeom>
+          </p:spPr>
+          <p:txBody>
+            <a:bodyPr wrap="square">
+              <a:spAutoFit/>
+            </a:bodyPr>
+            <a:lstStyle/>
+            <a:p>
+              <a:r>
+                <a:rPr lang="en-US" altLang="ko-KR" dirty="0"/>
+                <a:t>②</a:t>
+              </a:r>
+              <a:endParaRPr lang="ko-KR" altLang="en-US" dirty="0"/>
+            </a:p>
+          </p:txBody>
+        </p:sp>
+        <p:sp>
+          <p:nvSpPr>
+            <p:cNvPr id="5" name="직사각형 4">
+              <a:extLst>
+                <a:ext uri="{FF2B5EF4-FFF2-40B4-BE49-F238E27FC236}">
+                  <a16:creationId xmlns:a16="http://schemas.microsoft.com/office/drawing/2014/main" id="{51C29169-F86E-43F6-837D-265BEE3B5702}"/>
+                </a:ext>
+              </a:extLst>
+            </p:cNvPr>
+            <p:cNvSpPr/>
+            <p:nvPr/>
+          </p:nvSpPr>
+          <p:spPr>
+            <a:xfrm>
+              <a:off x="6361742" y="1005465"/>
+              <a:ext cx="415498" cy="369332"/>
+            </a:xfrm>
+            <a:prstGeom prst="rect">
+              <a:avLst/>
+            </a:prstGeom>
+          </p:spPr>
+          <p:txBody>
+            <a:bodyPr wrap="square">
+              <a:spAutoFit/>
+            </a:bodyPr>
+            <a:lstStyle/>
+            <a:p>
+              <a:r>
+                <a:rPr lang="en-US" altLang="ko-KR" dirty="0"/>
+                <a:t>①</a:t>
+              </a:r>
+              <a:endParaRPr lang="ko-KR" altLang="en-US" dirty="0"/>
+            </a:p>
+          </p:txBody>
+        </p:sp>
+        <p:sp>
+          <p:nvSpPr>
+            <p:cNvPr id="37" name="직사각형 36">
+              <a:extLst>
+                <a:ext uri="{FF2B5EF4-FFF2-40B4-BE49-F238E27FC236}">
+                  <a16:creationId xmlns:a16="http://schemas.microsoft.com/office/drawing/2014/main" id="{E905618E-17D6-444C-95E3-34F78AB3175D}"/>
+                </a:ext>
+              </a:extLst>
+            </p:cNvPr>
+            <p:cNvSpPr/>
+            <p:nvPr/>
+          </p:nvSpPr>
+          <p:spPr>
+            <a:xfrm>
+              <a:off x="6900555" y="4056834"/>
+              <a:ext cx="2048933" cy="712146"/>
+            </a:xfrm>
+            <a:prstGeom prst="rect">
+              <a:avLst/>
+            </a:prstGeom>
+            <a:solidFill>
+              <a:schemeClr val="bg1"/>
+            </a:solidFill>
+            <a:ln>
+              <a:solidFill>
+                <a:schemeClr val="accent2"/>
+              </a:solidFill>
+            </a:ln>
+          </p:spPr>
+          <p:style>
+            <a:lnRef idx="2">
+              <a:schemeClr val="accent1">
+                <a:shade val="50000"/>
+              </a:schemeClr>
+            </a:lnRef>
+            <a:fillRef idx="1">
+              <a:schemeClr val="accent1"/>
+            </a:fillRef>
+            <a:effectRef idx="0">
+              <a:schemeClr val="accent1"/>
+            </a:effectRef>
+            <a:fontRef idx="minor">
+              <a:schemeClr val="lt1"/>
+            </a:fontRef>
+          </p:style>
+          <p:txBody>
+            <a:bodyPr rtlCol="0" anchor="ctr"/>
+            <a:lstStyle/>
+            <a:p>
+              <a:pPr algn="ctr"/>
+              <a:r>
+                <a:rPr lang="en-US" altLang="ko-KR" dirty="0">
+                  <a:solidFill>
+                    <a:schemeClr val="tx1"/>
+                  </a:solidFill>
+                </a:rPr>
+                <a:t>Communication</a:t>
+              </a:r>
+            </a:p>
+            <a:p>
+              <a:pPr algn="ctr"/>
+              <a:r>
+                <a:rPr lang="en-US" altLang="ko-KR" dirty="0">
+                  <a:solidFill>
+                    <a:schemeClr val="tx1"/>
+                  </a:solidFill>
+                </a:rPr>
+                <a:t>Thread</a:t>
+              </a:r>
+              <a:endParaRPr lang="ko-KR" altLang="en-US" dirty="0">
+                <a:solidFill>
+                  <a:schemeClr val="tx1"/>
+                </a:solidFill>
+              </a:endParaRPr>
+            </a:p>
+          </p:txBody>
+        </p:sp>
+        <p:sp>
+          <p:nvSpPr>
+            <p:cNvPr id="38" name="직사각형 37">
+              <a:extLst>
+                <a:ext uri="{FF2B5EF4-FFF2-40B4-BE49-F238E27FC236}">
+                  <a16:creationId xmlns:a16="http://schemas.microsoft.com/office/drawing/2014/main" id="{F7784D38-9636-401D-8FD0-521B9636193B}"/>
+                </a:ext>
+              </a:extLst>
+            </p:cNvPr>
+            <p:cNvSpPr/>
+            <p:nvPr/>
+          </p:nvSpPr>
+          <p:spPr>
+            <a:xfrm>
+              <a:off x="6900553" y="4935502"/>
+              <a:ext cx="2048933" cy="712146"/>
+            </a:xfrm>
+            <a:prstGeom prst="rect">
+              <a:avLst/>
+            </a:prstGeom>
+            <a:solidFill>
+              <a:schemeClr val="bg1"/>
+            </a:solidFill>
+            <a:ln>
+              <a:solidFill>
+                <a:schemeClr val="accent2"/>
+              </a:solidFill>
+            </a:ln>
+          </p:spPr>
+          <p:style>
+            <a:lnRef idx="2">
+              <a:schemeClr val="accent1">
+                <a:shade val="50000"/>
+              </a:schemeClr>
+            </a:lnRef>
+            <a:fillRef idx="1">
+              <a:schemeClr val="accent1"/>
+            </a:fillRef>
+            <a:effectRef idx="0">
+              <a:schemeClr val="accent1"/>
+            </a:effectRef>
+            <a:fontRef idx="minor">
+              <a:schemeClr val="lt1"/>
+            </a:fontRef>
+          </p:style>
+          <p:txBody>
+            <a:bodyPr rtlCol="0" anchor="ctr"/>
+            <a:lstStyle/>
+            <a:p>
+              <a:pPr algn="ctr"/>
+              <a:r>
+                <a:rPr lang="en-US" altLang="ko-KR" dirty="0">
+                  <a:solidFill>
+                    <a:schemeClr val="tx1"/>
+                  </a:solidFill>
+                </a:rPr>
+                <a:t>Communication</a:t>
+              </a:r>
+            </a:p>
+            <a:p>
+              <a:pPr algn="ctr"/>
+              <a:r>
+                <a:rPr lang="en-US" altLang="ko-KR" dirty="0">
+                  <a:solidFill>
+                    <a:schemeClr val="tx1"/>
+                  </a:solidFill>
+                </a:rPr>
+                <a:t>Thread</a:t>
+              </a:r>
+              <a:endParaRPr lang="ko-KR" altLang="en-US" dirty="0">
+                <a:solidFill>
+                  <a:schemeClr val="tx1"/>
+                </a:solidFill>
+              </a:endParaRPr>
+            </a:p>
+          </p:txBody>
+        </p:sp>
+        <p:sp>
+          <p:nvSpPr>
+            <p:cNvPr id="39" name="직사각형 38">
+              <a:extLst>
+                <a:ext uri="{FF2B5EF4-FFF2-40B4-BE49-F238E27FC236}">
+                  <a16:creationId xmlns:a16="http://schemas.microsoft.com/office/drawing/2014/main" id="{78F902A4-8801-40EC-854B-82AD71F31FDF}"/>
+                </a:ext>
+              </a:extLst>
+            </p:cNvPr>
+            <p:cNvSpPr/>
+            <p:nvPr/>
+          </p:nvSpPr>
+          <p:spPr>
+            <a:xfrm>
+              <a:off x="6900554" y="3187766"/>
+              <a:ext cx="2048933" cy="714874"/>
+            </a:xfrm>
+            <a:prstGeom prst="rect">
+              <a:avLst/>
+            </a:prstGeom>
+            <a:solidFill>
+              <a:schemeClr val="bg1"/>
+            </a:solidFill>
+            <a:ln>
+              <a:solidFill>
+                <a:schemeClr val="accent2"/>
+              </a:solidFill>
+            </a:ln>
+          </p:spPr>
+          <p:style>
+            <a:lnRef idx="2">
+              <a:schemeClr val="accent1">
+                <a:shade val="50000"/>
+              </a:schemeClr>
+            </a:lnRef>
+            <a:fillRef idx="1">
+              <a:schemeClr val="accent1"/>
+            </a:fillRef>
+            <a:effectRef idx="0">
+              <a:schemeClr val="accent1"/>
+            </a:effectRef>
+            <a:fontRef idx="minor">
+              <a:schemeClr val="lt1"/>
+            </a:fontRef>
+          </p:style>
+          <p:txBody>
+            <a:bodyPr rtlCol="0" anchor="ctr"/>
+            <a:lstStyle/>
+            <a:p>
+              <a:pPr algn="ctr"/>
+              <a:r>
+                <a:rPr lang="en-US" altLang="ko-KR" dirty="0">
+                  <a:solidFill>
+                    <a:schemeClr val="tx1"/>
+                  </a:solidFill>
+                </a:rPr>
+                <a:t>Communication</a:t>
+              </a:r>
+            </a:p>
+            <a:p>
+              <a:pPr algn="ctr"/>
+              <a:r>
+                <a:rPr lang="en-US" altLang="ko-KR" dirty="0">
+                  <a:solidFill>
+                    <a:schemeClr val="tx1"/>
+                  </a:solidFill>
+                </a:rPr>
+                <a:t>Thread</a:t>
+              </a:r>
+              <a:endParaRPr lang="ko-KR" altLang="en-US" dirty="0">
+                <a:solidFill>
+                  <a:schemeClr val="tx1"/>
+                </a:solidFill>
+              </a:endParaRPr>
+            </a:p>
+          </p:txBody>
+        </p:sp>
+        <p:cxnSp>
+          <p:nvCxnSpPr>
+            <p:cNvPr id="42" name="직선 화살표 연결선 41">
+              <a:extLst>
+                <a:ext uri="{FF2B5EF4-FFF2-40B4-BE49-F238E27FC236}">
+                  <a16:creationId xmlns:a16="http://schemas.microsoft.com/office/drawing/2014/main" id="{2C541523-3F07-492D-AF7A-5FDF554B9095}"/>
+                </a:ext>
+              </a:extLst>
+            </p:cNvPr>
+            <p:cNvCxnSpPr>
+              <a:cxnSpLocks/>
+              <a:stCxn id="57" idx="1"/>
+              <a:endCxn id="39" idx="3"/>
+            </p:cNvCxnSpPr>
+            <p:nvPr/>
+          </p:nvCxnSpPr>
+          <p:spPr>
+            <a:xfrm flipH="1" flipV="1">
+              <a:off x="8949487" y="3545203"/>
+              <a:ext cx="479093" cy="700230"/>
+            </a:xfrm>
+            <a:prstGeom prst="straightConnector1">
+              <a:avLst/>
+            </a:prstGeom>
+            <a:ln w="38100">
+              <a:tailEnd type="triangle"/>
+            </a:ln>
+          </p:spPr>
+          <p:style>
+            <a:lnRef idx="3">
+              <a:schemeClr val="dk1"/>
+            </a:lnRef>
+            <a:fillRef idx="0">
+              <a:schemeClr val="dk1"/>
+            </a:fillRef>
+            <a:effectRef idx="2">
+              <a:schemeClr val="dk1"/>
+            </a:effectRef>
+            <a:fontRef idx="minor">
+              <a:schemeClr val="tx1"/>
+            </a:fontRef>
+          </p:style>
+        </p:cxnSp>
+        <p:cxnSp>
+          <p:nvCxnSpPr>
+            <p:cNvPr id="46" name="직선 화살표 연결선 45">
+              <a:extLst>
+                <a:ext uri="{FF2B5EF4-FFF2-40B4-BE49-F238E27FC236}">
+                  <a16:creationId xmlns:a16="http://schemas.microsoft.com/office/drawing/2014/main" id="{8A5AFF42-9CAC-43A1-A4A3-1F98BD0EB330}"/>
+                </a:ext>
+              </a:extLst>
+            </p:cNvPr>
+            <p:cNvCxnSpPr>
+              <a:cxnSpLocks/>
+              <a:stCxn id="57" idx="1"/>
+              <a:endCxn id="38" idx="3"/>
+            </p:cNvCxnSpPr>
+            <p:nvPr/>
+          </p:nvCxnSpPr>
+          <p:spPr>
+            <a:xfrm flipH="1">
+              <a:off x="8949486" y="4245433"/>
+              <a:ext cx="479094" cy="1046142"/>
+            </a:xfrm>
+            <a:prstGeom prst="straightConnector1">
+              <a:avLst/>
+            </a:prstGeom>
+            <a:ln w="38100">
+              <a:tailEnd type="triangle"/>
+            </a:ln>
+          </p:spPr>
+          <p:style>
+            <a:lnRef idx="3">
+              <a:schemeClr val="dk1"/>
+            </a:lnRef>
+            <a:fillRef idx="0">
+              <a:schemeClr val="dk1"/>
+            </a:fillRef>
+            <a:effectRef idx="2">
+              <a:schemeClr val="dk1"/>
+            </a:effectRef>
+            <a:fontRef idx="minor">
+              <a:schemeClr val="tx1"/>
+            </a:fontRef>
+          </p:style>
+        </p:cxnSp>
+        <p:cxnSp>
+          <p:nvCxnSpPr>
+            <p:cNvPr id="51" name="직선 화살표 연결선 50">
+              <a:extLst>
+                <a:ext uri="{FF2B5EF4-FFF2-40B4-BE49-F238E27FC236}">
+                  <a16:creationId xmlns:a16="http://schemas.microsoft.com/office/drawing/2014/main" id="{BA5BC411-8B8C-4B7B-BF57-6D6FA0590F57}"/>
+                </a:ext>
+              </a:extLst>
+            </p:cNvPr>
+            <p:cNvCxnSpPr>
+              <a:cxnSpLocks/>
+              <a:stCxn id="57" idx="1"/>
+              <a:endCxn id="37" idx="3"/>
+            </p:cNvCxnSpPr>
+            <p:nvPr/>
+          </p:nvCxnSpPr>
+          <p:spPr>
+            <a:xfrm flipH="1">
+              <a:off x="8949488" y="4245433"/>
+              <a:ext cx="479092" cy="167474"/>
+            </a:xfrm>
+            <a:prstGeom prst="straightConnector1">
+              <a:avLst/>
+            </a:prstGeom>
+            <a:ln w="38100">
+              <a:tailEnd type="triangle"/>
+            </a:ln>
+          </p:spPr>
+          <p:style>
+            <a:lnRef idx="3">
+              <a:schemeClr val="dk1"/>
+            </a:lnRef>
+            <a:fillRef idx="0">
+              <a:schemeClr val="dk1"/>
+            </a:fillRef>
+            <a:effectRef idx="2">
+              <a:schemeClr val="dk1"/>
+            </a:effectRef>
+            <a:fontRef idx="minor">
+              <a:schemeClr val="tx1"/>
+            </a:fontRef>
+          </p:style>
+        </p:cxnSp>
+        <p:cxnSp>
+          <p:nvCxnSpPr>
+            <p:cNvPr id="58" name="직선 화살표 연결선 57">
+              <a:extLst>
+                <a:ext uri="{FF2B5EF4-FFF2-40B4-BE49-F238E27FC236}">
+                  <a16:creationId xmlns:a16="http://schemas.microsoft.com/office/drawing/2014/main" id="{A7207150-CFE0-4F60-8F7D-5291BEDDAA92}"/>
+                </a:ext>
+              </a:extLst>
+            </p:cNvPr>
+            <p:cNvCxnSpPr>
+              <a:cxnSpLocks/>
+            </p:cNvCxnSpPr>
+            <p:nvPr/>
+          </p:nvCxnSpPr>
+          <p:spPr>
+            <a:xfrm flipH="1" flipV="1">
+              <a:off x="5387567" y="423719"/>
+              <a:ext cx="2593192" cy="647889"/>
+            </a:xfrm>
+            <a:prstGeom prst="straightConnector1">
+              <a:avLst/>
+            </a:prstGeom>
+            <a:ln w="38100">
+              <a:tailEnd type="triangle"/>
+            </a:ln>
+          </p:spPr>
+          <p:style>
+            <a:lnRef idx="3">
+              <a:schemeClr val="dk1"/>
+            </a:lnRef>
+            <a:fillRef idx="0">
+              <a:schemeClr val="dk1"/>
+            </a:fillRef>
+            <a:effectRef idx="2">
+              <a:schemeClr val="dk1"/>
+            </a:effectRef>
+            <a:fontRef idx="minor">
+              <a:schemeClr val="tx1"/>
+            </a:fontRef>
+          </p:style>
+        </p:cxnSp>
+        <p:cxnSp>
+          <p:nvCxnSpPr>
+            <p:cNvPr id="62" name="직선 화살표 연결선 61">
+              <a:extLst>
+                <a:ext uri="{FF2B5EF4-FFF2-40B4-BE49-F238E27FC236}">
+                  <a16:creationId xmlns:a16="http://schemas.microsoft.com/office/drawing/2014/main" id="{167C01CC-B01C-40F2-8988-4F6D0E6C5AC4}"/>
+                </a:ext>
+              </a:extLst>
+            </p:cNvPr>
+            <p:cNvCxnSpPr>
+              <a:cxnSpLocks/>
+              <a:endCxn id="6" idx="1"/>
+            </p:cNvCxnSpPr>
+            <p:nvPr/>
+          </p:nvCxnSpPr>
+          <p:spPr>
+            <a:xfrm>
+              <a:off x="5382511" y="1493807"/>
+              <a:ext cx="2608358" cy="11050"/>
+            </a:xfrm>
+            <a:prstGeom prst="straightConnector1">
+              <a:avLst/>
+            </a:prstGeom>
+            <a:ln w="38100" cap="flat" cmpd="sng" algn="ctr">
+              <a:solidFill>
+                <a:schemeClr val="dk1"/>
+              </a:solidFill>
+              <a:prstDash val="solid"/>
+              <a:round/>
+              <a:headEnd type="arrow" w="med" len="med"/>
+              <a:tailEnd type="arrow" w="med" len="med"/>
+            </a:ln>
+          </p:spPr>
+          <p:style>
+            <a:lnRef idx="0">
+              <a:scrgbClr r="0" g="0" b="0"/>
+            </a:lnRef>
+            <a:fillRef idx="0">
+              <a:scrgbClr r="0" g="0" b="0"/>
+            </a:fillRef>
+            <a:effectRef idx="0">
+              <a:scrgbClr r="0" g="0" b="0"/>
+            </a:effectRef>
+            <a:fontRef idx="minor">
+              <a:schemeClr val="tx1"/>
+            </a:fontRef>
+          </p:style>
+        </p:cxnSp>
+        <p:cxnSp>
+          <p:nvCxnSpPr>
+            <p:cNvPr id="65" name="직선 화살표 연결선 64">
+              <a:extLst>
+                <a:ext uri="{FF2B5EF4-FFF2-40B4-BE49-F238E27FC236}">
+                  <a16:creationId xmlns:a16="http://schemas.microsoft.com/office/drawing/2014/main" id="{174BFBAE-29DE-44C2-9D91-55D031C741DE}"/>
+                </a:ext>
+              </a:extLst>
+            </p:cNvPr>
+            <p:cNvCxnSpPr>
+              <a:cxnSpLocks/>
+              <a:stCxn id="17" idx="3"/>
+            </p:cNvCxnSpPr>
+            <p:nvPr/>
+          </p:nvCxnSpPr>
+          <p:spPr>
+            <a:xfrm flipV="1">
+              <a:off x="5382511" y="1851615"/>
+              <a:ext cx="2598248" cy="293930"/>
+            </a:xfrm>
+            <a:prstGeom prst="straightConnector1">
+              <a:avLst/>
+            </a:prstGeom>
+            <a:ln w="38100" cap="flat" cmpd="sng" algn="ctr">
+              <a:solidFill>
+                <a:schemeClr val="dk1"/>
+              </a:solidFill>
+              <a:prstDash val="solid"/>
+              <a:round/>
+              <a:headEnd type="arrow" w="med" len="med"/>
+              <a:tailEnd type="arrow" w="med" len="med"/>
+            </a:ln>
+          </p:spPr>
+          <p:style>
+            <a:lnRef idx="0">
+              <a:scrgbClr r="0" g="0" b="0"/>
+            </a:lnRef>
+            <a:fillRef idx="0">
+              <a:scrgbClr r="0" g="0" b="0"/>
+            </a:fillRef>
+            <a:effectRef idx="0">
+              <a:scrgbClr r="0" g="0" b="0"/>
+            </a:effectRef>
+            <a:fontRef idx="minor">
+              <a:schemeClr val="tx1"/>
+            </a:fontRef>
+          </p:style>
+        </p:cxnSp>
+        <p:sp>
+          <p:nvSpPr>
+            <p:cNvPr id="68" name="직사각형 67">
+              <a:extLst>
+                <a:ext uri="{FF2B5EF4-FFF2-40B4-BE49-F238E27FC236}">
+                  <a16:creationId xmlns:a16="http://schemas.microsoft.com/office/drawing/2014/main" id="{187B30A6-F328-46F0-9B15-D8539B6EA73B}"/>
+                </a:ext>
+              </a:extLst>
+            </p:cNvPr>
+            <p:cNvSpPr/>
+            <p:nvPr/>
+          </p:nvSpPr>
+          <p:spPr>
+            <a:xfrm>
+              <a:off x="6237741" y="1431326"/>
+              <a:ext cx="415498" cy="369332"/>
+            </a:xfrm>
+            <a:prstGeom prst="rect">
+              <a:avLst/>
+            </a:prstGeom>
+          </p:spPr>
+          <p:txBody>
+            <a:bodyPr wrap="square">
+              <a:spAutoFit/>
+            </a:bodyPr>
+            <a:lstStyle/>
+            <a:p>
+              <a:r>
+                <a:rPr lang="en-US" altLang="ko-KR" dirty="0"/>
+                <a:t>①</a:t>
+              </a:r>
+              <a:endParaRPr lang="ko-KR" altLang="en-US" dirty="0"/>
+            </a:p>
+          </p:txBody>
+        </p:sp>
+        <p:sp>
+          <p:nvSpPr>
+            <p:cNvPr id="69" name="직사각형 68">
+              <a:extLst>
+                <a:ext uri="{FF2B5EF4-FFF2-40B4-BE49-F238E27FC236}">
+                  <a16:creationId xmlns:a16="http://schemas.microsoft.com/office/drawing/2014/main" id="{B4F88507-4B93-4799-B4E0-97AB870069F9}"/>
+                </a:ext>
+              </a:extLst>
+            </p:cNvPr>
+            <p:cNvSpPr/>
+            <p:nvPr/>
+          </p:nvSpPr>
+          <p:spPr>
+            <a:xfrm>
+              <a:off x="6485057" y="1437860"/>
+              <a:ext cx="415498" cy="369332"/>
+            </a:xfrm>
+            <a:prstGeom prst="rect">
+              <a:avLst/>
+            </a:prstGeom>
+          </p:spPr>
+          <p:txBody>
+            <a:bodyPr wrap="square">
+              <a:spAutoFit/>
+            </a:bodyPr>
+            <a:lstStyle/>
+            <a:p>
+              <a:r>
+                <a:rPr lang="en-US" altLang="ko-KR" dirty="0"/>
+                <a:t>②</a:t>
+              </a:r>
+              <a:endParaRPr lang="ko-KR" altLang="en-US" dirty="0"/>
+            </a:p>
+          </p:txBody>
+        </p:sp>
+        <p:sp>
+          <p:nvSpPr>
+            <p:cNvPr id="71" name="직사각형 70">
+              <a:extLst>
+                <a:ext uri="{FF2B5EF4-FFF2-40B4-BE49-F238E27FC236}">
+                  <a16:creationId xmlns:a16="http://schemas.microsoft.com/office/drawing/2014/main" id="{D0E184B4-FC0B-4BFF-A8D9-86FB079710F7}"/>
+                </a:ext>
+              </a:extLst>
+            </p:cNvPr>
+            <p:cNvSpPr/>
+            <p:nvPr/>
+          </p:nvSpPr>
+          <p:spPr>
+            <a:xfrm>
+              <a:off x="6272168" y="1969284"/>
+              <a:ext cx="415498" cy="369332"/>
+            </a:xfrm>
+            <a:prstGeom prst="rect">
+              <a:avLst/>
+            </a:prstGeom>
+          </p:spPr>
+          <p:txBody>
+            <a:bodyPr wrap="square">
+              <a:spAutoFit/>
+            </a:bodyPr>
+            <a:lstStyle/>
+            <a:p>
+              <a:r>
+                <a:rPr lang="en-US" altLang="ko-KR" dirty="0"/>
+                <a:t>①</a:t>
+              </a:r>
+              <a:endParaRPr lang="ko-KR" altLang="en-US" dirty="0"/>
+            </a:p>
+          </p:txBody>
+        </p:sp>
+        <p:sp>
+          <p:nvSpPr>
+            <p:cNvPr id="72" name="직사각형 71">
+              <a:extLst>
+                <a:ext uri="{FF2B5EF4-FFF2-40B4-BE49-F238E27FC236}">
+                  <a16:creationId xmlns:a16="http://schemas.microsoft.com/office/drawing/2014/main" id="{FB8EA6BE-0074-46CB-8E42-17BBBAF68359}"/>
+                </a:ext>
+              </a:extLst>
+            </p:cNvPr>
+            <p:cNvSpPr/>
+            <p:nvPr/>
+          </p:nvSpPr>
+          <p:spPr>
+            <a:xfrm>
+              <a:off x="6521058" y="1931441"/>
+              <a:ext cx="415498" cy="369332"/>
+            </a:xfrm>
+            <a:prstGeom prst="rect">
+              <a:avLst/>
+            </a:prstGeom>
+          </p:spPr>
+          <p:txBody>
+            <a:bodyPr wrap="square">
+              <a:spAutoFit/>
+            </a:bodyPr>
+            <a:lstStyle/>
+            <a:p>
+              <a:r>
+                <a:rPr lang="en-US" altLang="ko-KR" dirty="0"/>
+                <a:t>②</a:t>
+              </a:r>
+              <a:endParaRPr lang="ko-KR" altLang="en-US" dirty="0"/>
+            </a:p>
+          </p:txBody>
+        </p:sp>
+        <p:cxnSp>
+          <p:nvCxnSpPr>
+            <p:cNvPr id="75" name="직선 화살표 연결선 74">
+              <a:extLst>
+                <a:ext uri="{FF2B5EF4-FFF2-40B4-BE49-F238E27FC236}">
+                  <a16:creationId xmlns:a16="http://schemas.microsoft.com/office/drawing/2014/main" id="{C2646748-776F-492D-99AE-546CA5C7CAE2}"/>
+                </a:ext>
+              </a:extLst>
+            </p:cNvPr>
+            <p:cNvCxnSpPr>
+              <a:cxnSpLocks/>
+              <a:stCxn id="6" idx="3"/>
+              <a:endCxn id="57" idx="0"/>
+            </p:cNvCxnSpPr>
+            <p:nvPr/>
+          </p:nvCxnSpPr>
+          <p:spPr>
+            <a:xfrm>
+              <a:off x="10039802" y="1504857"/>
+              <a:ext cx="413245" cy="2198709"/>
+            </a:xfrm>
+            <a:prstGeom prst="straightConnector1">
+              <a:avLst/>
+            </a:prstGeom>
+            <a:ln w="38100">
+              <a:tailEnd type="triangle"/>
+            </a:ln>
+          </p:spPr>
+          <p:style>
+            <a:lnRef idx="3">
+              <a:schemeClr val="dk1"/>
+            </a:lnRef>
+            <a:fillRef idx="0">
+              <a:schemeClr val="dk1"/>
+            </a:fillRef>
+            <a:effectRef idx="2">
+              <a:schemeClr val="dk1"/>
+            </a:effectRef>
+            <a:fontRef idx="minor">
+              <a:schemeClr val="tx1"/>
+            </a:fontRef>
+          </p:style>
+        </p:cxnSp>
+        <p:sp>
+          <p:nvSpPr>
+            <p:cNvPr id="76" name="직사각형 75">
+              <a:extLst>
+                <a:ext uri="{FF2B5EF4-FFF2-40B4-BE49-F238E27FC236}">
+                  <a16:creationId xmlns:a16="http://schemas.microsoft.com/office/drawing/2014/main" id="{B3BC0800-C409-42AF-A0A3-04EF20E66250}"/>
+                </a:ext>
+              </a:extLst>
+            </p:cNvPr>
+            <p:cNvSpPr/>
+            <p:nvPr/>
+          </p:nvSpPr>
+          <p:spPr>
+            <a:xfrm>
+              <a:off x="10246424" y="2419545"/>
+              <a:ext cx="379169" cy="369332"/>
+            </a:xfrm>
+            <a:prstGeom prst="rect">
+              <a:avLst/>
+            </a:prstGeom>
+          </p:spPr>
+          <p:txBody>
+            <a:bodyPr wrap="square">
+              <a:spAutoFit/>
+            </a:bodyPr>
+            <a:lstStyle/>
+            <a:p>
+              <a:r>
+                <a:rPr lang="en-US" altLang="ko-KR" dirty="0"/>
+                <a:t>③</a:t>
+              </a:r>
+              <a:endParaRPr lang="ko-KR" altLang="en-US" dirty="0"/>
+            </a:p>
+          </p:txBody>
+        </p:sp>
+        <p:sp>
+          <p:nvSpPr>
+            <p:cNvPr id="82" name="직사각형 81">
+              <a:extLst>
+                <a:ext uri="{FF2B5EF4-FFF2-40B4-BE49-F238E27FC236}">
+                  <a16:creationId xmlns:a16="http://schemas.microsoft.com/office/drawing/2014/main" id="{F6A99C97-4736-4882-9499-6CC6198A6E6F}"/>
+                </a:ext>
+              </a:extLst>
+            </p:cNvPr>
+            <p:cNvSpPr/>
+            <p:nvPr/>
+          </p:nvSpPr>
+          <p:spPr>
+            <a:xfrm>
+              <a:off x="3300073" y="3187766"/>
+              <a:ext cx="2082439" cy="714874"/>
+            </a:xfrm>
+            <a:prstGeom prst="rect">
+              <a:avLst/>
+            </a:prstGeom>
+            <a:solidFill>
+              <a:schemeClr val="bg1"/>
+            </a:solidFill>
+            <a:ln>
+              <a:solidFill>
+                <a:schemeClr val="accent1"/>
+              </a:solidFill>
+            </a:ln>
+          </p:spPr>
+          <p:style>
+            <a:lnRef idx="2">
+              <a:schemeClr val="accent1">
+                <a:shade val="50000"/>
+              </a:schemeClr>
+            </a:lnRef>
+            <a:fillRef idx="1">
+              <a:schemeClr val="accent1"/>
+            </a:fillRef>
+            <a:effectRef idx="0">
+              <a:schemeClr val="accent1"/>
+            </a:effectRef>
+            <a:fontRef idx="minor">
+              <a:schemeClr val="lt1"/>
+            </a:fontRef>
+          </p:style>
+          <p:txBody>
+            <a:bodyPr rtlCol="0" anchor="ctr"/>
+            <a:lstStyle/>
+            <a:p>
+              <a:pPr algn="ctr"/>
+              <a:r>
+                <a:rPr lang="en-US" altLang="ko-KR" dirty="0">
+                  <a:solidFill>
+                    <a:schemeClr val="tx1"/>
+                  </a:solidFill>
+                </a:rPr>
+                <a:t>Play</a:t>
+              </a:r>
+              <a:r>
+                <a:rPr lang="ko-KR" altLang="en-US" dirty="0">
+                  <a:solidFill>
+                    <a:schemeClr val="tx1"/>
+                  </a:solidFill>
+                </a:rPr>
+                <a:t> </a:t>
+              </a:r>
+              <a:r>
+                <a:rPr lang="en-US" altLang="ko-KR" dirty="0">
+                  <a:solidFill>
+                    <a:schemeClr val="tx1"/>
+                  </a:solidFill>
+                </a:rPr>
+                <a:t>Scene</a:t>
+              </a:r>
+              <a:endParaRPr lang="ko-KR" altLang="en-US" dirty="0">
+                <a:solidFill>
+                  <a:schemeClr val="tx1"/>
+                </a:solidFill>
+              </a:endParaRPr>
+            </a:p>
+          </p:txBody>
+        </p:sp>
+        <p:sp>
+          <p:nvSpPr>
+            <p:cNvPr id="83" name="직사각형 82">
+              <a:extLst>
+                <a:ext uri="{FF2B5EF4-FFF2-40B4-BE49-F238E27FC236}">
+                  <a16:creationId xmlns:a16="http://schemas.microsoft.com/office/drawing/2014/main" id="{C5903DD3-B594-40AF-8488-E8BB423CD265}"/>
+                </a:ext>
+              </a:extLst>
+            </p:cNvPr>
+            <p:cNvSpPr/>
+            <p:nvPr/>
+          </p:nvSpPr>
+          <p:spPr>
+            <a:xfrm>
+              <a:off x="3300073" y="4053734"/>
+              <a:ext cx="2082439" cy="714874"/>
+            </a:xfrm>
+            <a:prstGeom prst="rect">
+              <a:avLst/>
+            </a:prstGeom>
+            <a:solidFill>
+              <a:schemeClr val="bg1"/>
+            </a:solidFill>
+            <a:ln>
+              <a:solidFill>
+                <a:schemeClr val="accent1"/>
+              </a:solidFill>
+            </a:ln>
+          </p:spPr>
+          <p:style>
+            <a:lnRef idx="2">
+              <a:schemeClr val="accent1">
+                <a:shade val="50000"/>
+              </a:schemeClr>
+            </a:lnRef>
+            <a:fillRef idx="1">
+              <a:schemeClr val="accent1"/>
+            </a:fillRef>
+            <a:effectRef idx="0">
+              <a:schemeClr val="accent1"/>
+            </a:effectRef>
+            <a:fontRef idx="minor">
+              <a:schemeClr val="lt1"/>
+            </a:fontRef>
+          </p:style>
+          <p:txBody>
+            <a:bodyPr rtlCol="0" anchor="ctr"/>
+            <a:lstStyle/>
+            <a:p>
+              <a:pPr algn="ctr"/>
+              <a:r>
+                <a:rPr lang="en-US" altLang="ko-KR" dirty="0">
+                  <a:solidFill>
+                    <a:schemeClr val="tx1"/>
+                  </a:solidFill>
+                </a:rPr>
+                <a:t>Play</a:t>
+              </a:r>
+              <a:r>
+                <a:rPr lang="ko-KR" altLang="en-US" dirty="0">
+                  <a:solidFill>
+                    <a:schemeClr val="tx1"/>
+                  </a:solidFill>
+                </a:rPr>
+                <a:t> </a:t>
+              </a:r>
+              <a:r>
+                <a:rPr lang="en-US" altLang="ko-KR" dirty="0">
+                  <a:solidFill>
+                    <a:schemeClr val="tx1"/>
+                  </a:solidFill>
+                </a:rPr>
+                <a:t>Scene</a:t>
+              </a:r>
+              <a:endParaRPr lang="ko-KR" altLang="en-US" dirty="0">
+                <a:solidFill>
+                  <a:schemeClr val="tx1"/>
+                </a:solidFill>
+              </a:endParaRPr>
+            </a:p>
+          </p:txBody>
+        </p:sp>
+        <p:sp>
+          <p:nvSpPr>
+            <p:cNvPr id="84" name="직사각형 83">
+              <a:extLst>
+                <a:ext uri="{FF2B5EF4-FFF2-40B4-BE49-F238E27FC236}">
+                  <a16:creationId xmlns:a16="http://schemas.microsoft.com/office/drawing/2014/main" id="{887D63CD-673D-4C4E-B885-0315C0E69327}"/>
+                </a:ext>
+              </a:extLst>
+            </p:cNvPr>
+            <p:cNvSpPr/>
+            <p:nvPr/>
+          </p:nvSpPr>
+          <p:spPr>
+            <a:xfrm>
+              <a:off x="3300072" y="4929318"/>
+              <a:ext cx="2082439" cy="714874"/>
+            </a:xfrm>
+            <a:prstGeom prst="rect">
+              <a:avLst/>
+            </a:prstGeom>
+            <a:solidFill>
+              <a:schemeClr val="bg1"/>
+            </a:solidFill>
+            <a:ln>
+              <a:solidFill>
+                <a:schemeClr val="accent1"/>
+              </a:solidFill>
+            </a:ln>
+          </p:spPr>
+          <p:style>
+            <a:lnRef idx="2">
+              <a:schemeClr val="accent1">
+                <a:shade val="50000"/>
+              </a:schemeClr>
+            </a:lnRef>
+            <a:fillRef idx="1">
+              <a:schemeClr val="accent1"/>
+            </a:fillRef>
+            <a:effectRef idx="0">
+              <a:schemeClr val="accent1"/>
+            </a:effectRef>
+            <a:fontRef idx="minor">
+              <a:schemeClr val="lt1"/>
+            </a:fontRef>
+          </p:style>
+          <p:txBody>
+            <a:bodyPr rtlCol="0" anchor="ctr"/>
+            <a:lstStyle/>
+            <a:p>
+              <a:pPr algn="ctr"/>
+              <a:r>
+                <a:rPr lang="en-US" altLang="ko-KR" dirty="0">
+                  <a:solidFill>
+                    <a:schemeClr val="tx1"/>
+                  </a:solidFill>
+                </a:rPr>
+                <a:t>Play</a:t>
+              </a:r>
+              <a:r>
+                <a:rPr lang="ko-KR" altLang="en-US" dirty="0">
+                  <a:solidFill>
+                    <a:schemeClr val="tx1"/>
+                  </a:solidFill>
+                </a:rPr>
+                <a:t> </a:t>
+              </a:r>
+              <a:r>
+                <a:rPr lang="en-US" altLang="ko-KR" dirty="0">
+                  <a:solidFill>
+                    <a:schemeClr val="tx1"/>
+                  </a:solidFill>
+                </a:rPr>
+                <a:t>Scene</a:t>
+              </a:r>
+              <a:endParaRPr lang="ko-KR" altLang="en-US" dirty="0">
+                <a:solidFill>
+                  <a:schemeClr val="tx1"/>
+                </a:solidFill>
+              </a:endParaRPr>
+            </a:p>
+          </p:txBody>
+        </p:sp>
+        <p:cxnSp>
+          <p:nvCxnSpPr>
+            <p:cNvPr id="171" name="직선 화살표 연결선 170">
+              <a:extLst>
+                <a:ext uri="{FF2B5EF4-FFF2-40B4-BE49-F238E27FC236}">
+                  <a16:creationId xmlns:a16="http://schemas.microsoft.com/office/drawing/2014/main" id="{2E5DE84C-B28D-4A4A-9A70-E7621F48F473}"/>
+                </a:ext>
+              </a:extLst>
+            </p:cNvPr>
+            <p:cNvCxnSpPr>
+              <a:cxnSpLocks/>
+              <a:stCxn id="17" idx="2"/>
+              <a:endCxn id="82" idx="0"/>
+            </p:cNvCxnSpPr>
+            <p:nvPr/>
+          </p:nvCxnSpPr>
+          <p:spPr>
+            <a:xfrm>
+              <a:off x="4341292" y="2476105"/>
+              <a:ext cx="1" cy="711661"/>
+            </a:xfrm>
+            <a:prstGeom prst="straightConnector1">
+              <a:avLst/>
+            </a:prstGeom>
+            <a:ln w="38100">
               <a:solidFill>
                 <a:schemeClr val="tx1"/>
               </a:solidFill>
-            </a:endParaRPr>
-          </a:p>
-        </p:txBody>
-      </p:sp>
-      <p:sp>
-        <p:nvSpPr>
-          <p:cNvPr id="6" name="직사각형 5">
-            <a:extLst>
-              <a:ext uri="{FF2B5EF4-FFF2-40B4-BE49-F238E27FC236}">
-                <a16:creationId xmlns:a16="http://schemas.microsoft.com/office/drawing/2014/main" id="{D780A06F-7CA1-4002-B812-2F51CD046F07}"/>
-              </a:ext>
-            </a:extLst>
-          </p:cNvPr>
-          <p:cNvSpPr/>
-          <p:nvPr/>
-        </p:nvSpPr>
-        <p:spPr>
-          <a:xfrm>
-            <a:off x="4753762" y="662861"/>
-            <a:ext cx="2048933" cy="1083734"/>
-          </a:xfrm>
-          <a:prstGeom prst="rect">
-            <a:avLst/>
-          </a:prstGeom>
-          <a:solidFill>
-            <a:schemeClr val="bg1"/>
-          </a:solidFill>
-          <a:ln>
-            <a:solidFill>
-              <a:schemeClr val="accent2"/>
-            </a:solidFill>
-          </a:ln>
-        </p:spPr>
-        <p:style>
-          <a:lnRef idx="2">
-            <a:schemeClr val="accent1">
-              <a:shade val="50000"/>
-            </a:schemeClr>
-          </a:lnRef>
-          <a:fillRef idx="1">
-            <a:schemeClr val="accent1"/>
-          </a:fillRef>
-          <a:effectRef idx="0">
-            <a:schemeClr val="accent1"/>
-          </a:effectRef>
-          <a:fontRef idx="minor">
-            <a:schemeClr val="lt1"/>
-          </a:fontRef>
-        </p:style>
-        <p:txBody>
-          <a:bodyPr rtlCol="0" anchor="ctr"/>
-          <a:lstStyle/>
-          <a:p>
-            <a:pPr algn="ctr"/>
-            <a:r>
-              <a:rPr lang="en-US" altLang="ko-KR" dirty="0">
-                <a:solidFill>
-                  <a:schemeClr val="tx1"/>
-                </a:solidFill>
-              </a:rPr>
-              <a:t>Matching</a:t>
-            </a:r>
-          </a:p>
-          <a:p>
-            <a:pPr algn="ctr"/>
-            <a:r>
-              <a:rPr lang="en-US" altLang="ko-KR" dirty="0">
-                <a:solidFill>
-                  <a:schemeClr val="tx1"/>
-                </a:solidFill>
-              </a:rPr>
-              <a:t>Thread</a:t>
-            </a:r>
-            <a:endParaRPr lang="ko-KR" altLang="en-US" dirty="0">
-              <a:solidFill>
-                <a:schemeClr val="tx1"/>
-              </a:solidFill>
-            </a:endParaRPr>
-          </a:p>
-        </p:txBody>
-      </p:sp>
-      <p:cxnSp>
-        <p:nvCxnSpPr>
-          <p:cNvPr id="10" name="직선 화살표 연결선 9">
-            <a:extLst>
-              <a:ext uri="{FF2B5EF4-FFF2-40B4-BE49-F238E27FC236}">
-                <a16:creationId xmlns:a16="http://schemas.microsoft.com/office/drawing/2014/main" id="{4D170C9B-10FB-4627-BBA5-1505B517F33F}"/>
-              </a:ext>
-            </a:extLst>
-          </p:cNvPr>
-          <p:cNvCxnSpPr>
-            <a:cxnSpLocks/>
-          </p:cNvCxnSpPr>
-          <p:nvPr/>
-        </p:nvCxnSpPr>
-        <p:spPr>
-          <a:xfrm flipV="1">
-            <a:off x="3511685" y="1745155"/>
-            <a:ext cx="1468877" cy="722110"/>
-          </a:xfrm>
-          <a:prstGeom prst="straightConnector1">
-            <a:avLst/>
-          </a:prstGeom>
-          <a:ln w="38100">
-            <a:tailEnd type="triangle"/>
-          </a:ln>
-        </p:spPr>
-        <p:style>
-          <a:lnRef idx="3">
-            <a:schemeClr val="dk1"/>
-          </a:lnRef>
-          <a:fillRef idx="0">
-            <a:schemeClr val="dk1"/>
-          </a:fillRef>
-          <a:effectRef idx="2">
-            <a:schemeClr val="dk1"/>
-          </a:effectRef>
-          <a:fontRef idx="minor">
-            <a:schemeClr val="tx1"/>
-          </a:fontRef>
-        </p:style>
-      </p:cxnSp>
-      <p:cxnSp>
-        <p:nvCxnSpPr>
-          <p:cNvPr id="14" name="직선 화살표 연결선 13">
-            <a:extLst>
-              <a:ext uri="{FF2B5EF4-FFF2-40B4-BE49-F238E27FC236}">
-                <a16:creationId xmlns:a16="http://schemas.microsoft.com/office/drawing/2014/main" id="{E34C843D-6BD5-4CBF-BCF3-0BD82DE97BCE}"/>
-              </a:ext>
-            </a:extLst>
-          </p:cNvPr>
-          <p:cNvCxnSpPr>
-            <a:cxnSpLocks/>
-          </p:cNvCxnSpPr>
-          <p:nvPr/>
-        </p:nvCxnSpPr>
-        <p:spPr>
-          <a:xfrm flipH="1">
-            <a:off x="3968885" y="1751660"/>
-            <a:ext cx="1361872" cy="715605"/>
-          </a:xfrm>
-          <a:prstGeom prst="straightConnector1">
-            <a:avLst/>
-          </a:prstGeom>
-          <a:ln w="38100">
-            <a:tailEnd type="triangle"/>
-          </a:ln>
-        </p:spPr>
-        <p:style>
-          <a:lnRef idx="3">
-            <a:schemeClr val="dk1"/>
-          </a:lnRef>
-          <a:fillRef idx="0">
-            <a:schemeClr val="dk1"/>
-          </a:fillRef>
-          <a:effectRef idx="2">
-            <a:schemeClr val="dk1"/>
-          </a:effectRef>
-          <a:fontRef idx="minor">
-            <a:schemeClr val="tx1"/>
-          </a:fontRef>
-        </p:style>
-      </p:cxnSp>
-      <p:sp>
-        <p:nvSpPr>
-          <p:cNvPr id="17" name="직사각형 16">
-            <a:extLst>
-              <a:ext uri="{FF2B5EF4-FFF2-40B4-BE49-F238E27FC236}">
-                <a16:creationId xmlns:a16="http://schemas.microsoft.com/office/drawing/2014/main" id="{9D848FAF-E4AE-4CD0-9FA6-C886809A043C}"/>
-              </a:ext>
-            </a:extLst>
-          </p:cNvPr>
-          <p:cNvSpPr/>
-          <p:nvPr/>
-        </p:nvSpPr>
-        <p:spPr>
-          <a:xfrm>
-            <a:off x="4720256" y="2487088"/>
-            <a:ext cx="2082439" cy="1083734"/>
-          </a:xfrm>
-          <a:prstGeom prst="rect">
-            <a:avLst/>
-          </a:prstGeom>
-          <a:solidFill>
-            <a:schemeClr val="bg1"/>
-          </a:solidFill>
-        </p:spPr>
-        <p:style>
-          <a:lnRef idx="2">
-            <a:schemeClr val="accent1">
-              <a:shade val="50000"/>
-            </a:schemeClr>
-          </a:lnRef>
-          <a:fillRef idx="1">
-            <a:schemeClr val="accent1"/>
-          </a:fillRef>
-          <a:effectRef idx="0">
-            <a:schemeClr val="accent1"/>
-          </a:effectRef>
-          <a:fontRef idx="minor">
-            <a:schemeClr val="lt1"/>
-          </a:fontRef>
-        </p:style>
-        <p:txBody>
-          <a:bodyPr rtlCol="0" anchor="ctr"/>
-          <a:lstStyle/>
-          <a:p>
-            <a:pPr algn="ctr"/>
-            <a:r>
-              <a:rPr lang="en-US" altLang="ko-KR" dirty="0">
-                <a:solidFill>
-                  <a:schemeClr val="tx1"/>
-                </a:solidFill>
-              </a:rPr>
-              <a:t>Title Scene</a:t>
-            </a:r>
-            <a:endParaRPr lang="ko-KR" altLang="en-US" dirty="0">
-              <a:solidFill>
-                <a:schemeClr val="tx1"/>
-              </a:solidFill>
-            </a:endParaRPr>
-          </a:p>
-        </p:txBody>
-      </p:sp>
-      <p:cxnSp>
-        <p:nvCxnSpPr>
-          <p:cNvPr id="19" name="직선 화살표 연결선 18">
-            <a:extLst>
-              <a:ext uri="{FF2B5EF4-FFF2-40B4-BE49-F238E27FC236}">
-                <a16:creationId xmlns:a16="http://schemas.microsoft.com/office/drawing/2014/main" id="{2F3C63CF-17B0-4B42-819D-E98EBB8BFC17}"/>
-              </a:ext>
-            </a:extLst>
-          </p:cNvPr>
-          <p:cNvCxnSpPr>
-            <a:cxnSpLocks/>
-          </p:cNvCxnSpPr>
-          <p:nvPr/>
-        </p:nvCxnSpPr>
-        <p:spPr>
-          <a:xfrm>
-            <a:off x="5813896" y="1741530"/>
-            <a:ext cx="0" cy="725735"/>
-          </a:xfrm>
-          <a:prstGeom prst="straightConnector1">
-            <a:avLst/>
-          </a:prstGeom>
-          <a:ln w="38100" cap="flat" cmpd="sng" algn="ctr">
-            <a:solidFill>
-              <a:schemeClr val="dk1"/>
-            </a:solidFill>
-            <a:prstDash val="solid"/>
-            <a:round/>
-            <a:headEnd type="arrow" w="med" len="med"/>
-            <a:tailEnd type="arrow" w="med" len="med"/>
-          </a:ln>
-        </p:spPr>
-        <p:style>
-          <a:lnRef idx="0">
-            <a:scrgbClr r="0" g="0" b="0"/>
-          </a:lnRef>
-          <a:fillRef idx="0">
-            <a:scrgbClr r="0" g="0" b="0"/>
-          </a:fillRef>
-          <a:effectRef idx="0">
-            <a:scrgbClr r="0" g="0" b="0"/>
-          </a:effectRef>
-          <a:fontRef idx="minor">
-            <a:schemeClr val="tx1"/>
-          </a:fontRef>
-        </p:style>
-      </p:cxnSp>
-      <p:sp>
-        <p:nvSpPr>
-          <p:cNvPr id="20" name="직사각형 19">
-            <a:extLst>
-              <a:ext uri="{FF2B5EF4-FFF2-40B4-BE49-F238E27FC236}">
-                <a16:creationId xmlns:a16="http://schemas.microsoft.com/office/drawing/2014/main" id="{05C1F157-A0CA-4F10-B69F-D779030C76CD}"/>
-              </a:ext>
-            </a:extLst>
-          </p:cNvPr>
-          <p:cNvSpPr/>
-          <p:nvPr/>
-        </p:nvSpPr>
-        <p:spPr>
-          <a:xfrm>
-            <a:off x="7115286" y="2487088"/>
-            <a:ext cx="2082439" cy="1083734"/>
-          </a:xfrm>
-          <a:prstGeom prst="rect">
-            <a:avLst/>
-          </a:prstGeom>
-          <a:solidFill>
-            <a:schemeClr val="bg1"/>
-          </a:solidFill>
-        </p:spPr>
-        <p:style>
-          <a:lnRef idx="2">
-            <a:schemeClr val="accent1">
-              <a:shade val="50000"/>
-            </a:schemeClr>
-          </a:lnRef>
-          <a:fillRef idx="1">
-            <a:schemeClr val="accent1"/>
-          </a:fillRef>
-          <a:effectRef idx="0">
-            <a:schemeClr val="accent1"/>
-          </a:effectRef>
-          <a:fontRef idx="minor">
-            <a:schemeClr val="lt1"/>
-          </a:fontRef>
-        </p:style>
-        <p:txBody>
-          <a:bodyPr rtlCol="0" anchor="ctr"/>
-          <a:lstStyle/>
-          <a:p>
-            <a:pPr algn="ctr"/>
-            <a:r>
-              <a:rPr lang="en-US" altLang="ko-KR" dirty="0">
-                <a:solidFill>
-                  <a:schemeClr val="tx1"/>
-                </a:solidFill>
-              </a:rPr>
-              <a:t>Title Scene</a:t>
-            </a:r>
-            <a:endParaRPr lang="ko-KR" altLang="en-US" dirty="0">
-              <a:solidFill>
-                <a:schemeClr val="tx1"/>
-              </a:solidFill>
-            </a:endParaRPr>
-          </a:p>
-        </p:txBody>
-      </p:sp>
-      <p:sp>
-        <p:nvSpPr>
-          <p:cNvPr id="49" name="직사각형 48">
-            <a:extLst>
-              <a:ext uri="{FF2B5EF4-FFF2-40B4-BE49-F238E27FC236}">
-                <a16:creationId xmlns:a16="http://schemas.microsoft.com/office/drawing/2014/main" id="{A92446A6-19BA-4245-8094-079A5EBCBFAA}"/>
-              </a:ext>
-            </a:extLst>
-          </p:cNvPr>
-          <p:cNvSpPr/>
-          <p:nvPr/>
-        </p:nvSpPr>
-        <p:spPr>
-          <a:xfrm>
-            <a:off x="2314431" y="4190884"/>
-            <a:ext cx="2082439" cy="1083734"/>
-          </a:xfrm>
-          <a:prstGeom prst="rect">
-            <a:avLst/>
-          </a:prstGeom>
-          <a:solidFill>
-            <a:schemeClr val="bg1"/>
-          </a:solidFill>
-        </p:spPr>
-        <p:style>
-          <a:lnRef idx="2">
-            <a:schemeClr val="accent1">
-              <a:shade val="50000"/>
-            </a:schemeClr>
-          </a:lnRef>
-          <a:fillRef idx="1">
-            <a:schemeClr val="accent1"/>
-          </a:fillRef>
-          <a:effectRef idx="0">
-            <a:schemeClr val="accent1"/>
-          </a:effectRef>
-          <a:fontRef idx="minor">
-            <a:schemeClr val="lt1"/>
-          </a:fontRef>
-        </p:style>
-        <p:txBody>
-          <a:bodyPr rtlCol="0" anchor="ctr"/>
-          <a:lstStyle/>
-          <a:p>
-            <a:pPr algn="ctr"/>
-            <a:r>
-              <a:rPr lang="en-US" altLang="ko-KR" dirty="0">
-                <a:solidFill>
-                  <a:schemeClr val="tx1"/>
-                </a:solidFill>
-              </a:rPr>
-              <a:t>Play Scene</a:t>
-            </a:r>
-            <a:endParaRPr lang="ko-KR" altLang="en-US" dirty="0">
-              <a:solidFill>
-                <a:schemeClr val="tx1"/>
-              </a:solidFill>
-            </a:endParaRPr>
-          </a:p>
-        </p:txBody>
-      </p:sp>
-      <p:cxnSp>
-        <p:nvCxnSpPr>
-          <p:cNvPr id="50" name="직선 화살표 연결선 49">
-            <a:extLst>
-              <a:ext uri="{FF2B5EF4-FFF2-40B4-BE49-F238E27FC236}">
-                <a16:creationId xmlns:a16="http://schemas.microsoft.com/office/drawing/2014/main" id="{63FC1E82-7E6E-4225-9E28-6584E49ACCFD}"/>
-              </a:ext>
-            </a:extLst>
-          </p:cNvPr>
-          <p:cNvCxnSpPr>
-            <a:cxnSpLocks/>
-            <a:stCxn id="4" idx="2"/>
-            <a:endCxn id="49" idx="0"/>
-          </p:cNvCxnSpPr>
-          <p:nvPr/>
-        </p:nvCxnSpPr>
-        <p:spPr>
-          <a:xfrm flipH="1">
-            <a:off x="3355651" y="3556064"/>
-            <a:ext cx="1" cy="634820"/>
-          </a:xfrm>
-          <a:prstGeom prst="straightConnector1">
-            <a:avLst/>
-          </a:prstGeom>
-          <a:ln w="38100">
-            <a:tailEnd type="triangle"/>
-          </a:ln>
-        </p:spPr>
-        <p:style>
-          <a:lnRef idx="3">
-            <a:schemeClr val="dk1"/>
-          </a:lnRef>
-          <a:fillRef idx="0">
-            <a:schemeClr val="dk1"/>
-          </a:fillRef>
-          <a:effectRef idx="2">
-            <a:schemeClr val="dk1"/>
-          </a:effectRef>
-          <a:fontRef idx="minor">
-            <a:schemeClr val="tx1"/>
-          </a:fontRef>
-        </p:style>
-      </p:cxnSp>
-      <p:sp>
-        <p:nvSpPr>
-          <p:cNvPr id="53" name="직사각형 52">
-            <a:extLst>
-              <a:ext uri="{FF2B5EF4-FFF2-40B4-BE49-F238E27FC236}">
-                <a16:creationId xmlns:a16="http://schemas.microsoft.com/office/drawing/2014/main" id="{65D60B24-E5C7-4E65-8468-711663C07AC5}"/>
-              </a:ext>
-            </a:extLst>
-          </p:cNvPr>
-          <p:cNvSpPr/>
-          <p:nvPr/>
-        </p:nvSpPr>
-        <p:spPr>
-          <a:xfrm>
-            <a:off x="4724052" y="4209204"/>
-            <a:ext cx="2082439" cy="1083734"/>
-          </a:xfrm>
-          <a:prstGeom prst="rect">
-            <a:avLst/>
-          </a:prstGeom>
-          <a:solidFill>
-            <a:schemeClr val="bg1"/>
-          </a:solidFill>
-        </p:spPr>
-        <p:style>
-          <a:lnRef idx="2">
-            <a:schemeClr val="accent1">
-              <a:shade val="50000"/>
-            </a:schemeClr>
-          </a:lnRef>
-          <a:fillRef idx="1">
-            <a:schemeClr val="accent1"/>
-          </a:fillRef>
-          <a:effectRef idx="0">
-            <a:schemeClr val="accent1"/>
-          </a:effectRef>
-          <a:fontRef idx="minor">
-            <a:schemeClr val="lt1"/>
-          </a:fontRef>
-        </p:style>
-        <p:txBody>
-          <a:bodyPr rtlCol="0" anchor="ctr"/>
-          <a:lstStyle/>
-          <a:p>
-            <a:pPr algn="ctr"/>
-            <a:r>
-              <a:rPr lang="en-US" altLang="ko-KR" dirty="0">
-                <a:solidFill>
-                  <a:schemeClr val="tx1"/>
-                </a:solidFill>
-              </a:rPr>
-              <a:t>Play Scene</a:t>
-            </a:r>
-            <a:endParaRPr lang="ko-KR" altLang="en-US" dirty="0">
-              <a:solidFill>
-                <a:schemeClr val="tx1"/>
-              </a:solidFill>
-            </a:endParaRPr>
-          </a:p>
-        </p:txBody>
-      </p:sp>
-      <p:cxnSp>
-        <p:nvCxnSpPr>
-          <p:cNvPr id="54" name="직선 화살표 연결선 53">
-            <a:extLst>
-              <a:ext uri="{FF2B5EF4-FFF2-40B4-BE49-F238E27FC236}">
-                <a16:creationId xmlns:a16="http://schemas.microsoft.com/office/drawing/2014/main" id="{8078D3D0-D4AD-4FDF-93C0-DD2218556DD1}"/>
-              </a:ext>
-            </a:extLst>
-          </p:cNvPr>
-          <p:cNvCxnSpPr>
-            <a:cxnSpLocks/>
-            <a:endCxn id="53" idx="0"/>
-          </p:cNvCxnSpPr>
-          <p:nvPr/>
-        </p:nvCxnSpPr>
-        <p:spPr>
-          <a:xfrm flipH="1">
-            <a:off x="5765272" y="3574384"/>
-            <a:ext cx="1" cy="634820"/>
-          </a:xfrm>
-          <a:prstGeom prst="straightConnector1">
-            <a:avLst/>
-          </a:prstGeom>
-          <a:ln w="38100">
-            <a:tailEnd type="triangle"/>
-          </a:ln>
-        </p:spPr>
-        <p:style>
-          <a:lnRef idx="3">
-            <a:schemeClr val="dk1"/>
-          </a:lnRef>
-          <a:fillRef idx="0">
-            <a:schemeClr val="dk1"/>
-          </a:fillRef>
-          <a:effectRef idx="2">
-            <a:schemeClr val="dk1"/>
-          </a:effectRef>
-          <a:fontRef idx="minor">
-            <a:schemeClr val="tx1"/>
-          </a:fontRef>
-        </p:style>
-      </p:cxnSp>
-      <p:sp>
-        <p:nvSpPr>
-          <p:cNvPr id="55" name="직사각형 54">
-            <a:extLst>
-              <a:ext uri="{FF2B5EF4-FFF2-40B4-BE49-F238E27FC236}">
-                <a16:creationId xmlns:a16="http://schemas.microsoft.com/office/drawing/2014/main" id="{17C1CD9E-177E-4CFF-A99C-4F946FD4DEF8}"/>
-              </a:ext>
-            </a:extLst>
-          </p:cNvPr>
-          <p:cNvSpPr/>
-          <p:nvPr/>
-        </p:nvSpPr>
-        <p:spPr>
-          <a:xfrm>
-            <a:off x="7115286" y="4209204"/>
-            <a:ext cx="2082439" cy="1083734"/>
-          </a:xfrm>
-          <a:prstGeom prst="rect">
-            <a:avLst/>
-          </a:prstGeom>
-          <a:solidFill>
-            <a:schemeClr val="bg1"/>
-          </a:solidFill>
-        </p:spPr>
-        <p:style>
-          <a:lnRef idx="2">
-            <a:schemeClr val="accent1">
-              <a:shade val="50000"/>
-            </a:schemeClr>
-          </a:lnRef>
-          <a:fillRef idx="1">
-            <a:schemeClr val="accent1"/>
-          </a:fillRef>
-          <a:effectRef idx="0">
-            <a:schemeClr val="accent1"/>
-          </a:effectRef>
-          <a:fontRef idx="minor">
-            <a:schemeClr val="lt1"/>
-          </a:fontRef>
-        </p:style>
-        <p:txBody>
-          <a:bodyPr rtlCol="0" anchor="ctr"/>
-          <a:lstStyle/>
-          <a:p>
-            <a:pPr algn="ctr"/>
-            <a:r>
-              <a:rPr lang="en-US" altLang="ko-KR" dirty="0">
-                <a:solidFill>
-                  <a:schemeClr val="tx1"/>
-                </a:solidFill>
-              </a:rPr>
-              <a:t>Play Scene</a:t>
-            </a:r>
-            <a:endParaRPr lang="ko-KR" altLang="en-US" dirty="0">
-              <a:solidFill>
-                <a:schemeClr val="tx1"/>
-              </a:solidFill>
-            </a:endParaRPr>
-          </a:p>
-        </p:txBody>
-      </p:sp>
-      <p:cxnSp>
-        <p:nvCxnSpPr>
-          <p:cNvPr id="56" name="직선 화살표 연결선 55">
-            <a:extLst>
-              <a:ext uri="{FF2B5EF4-FFF2-40B4-BE49-F238E27FC236}">
-                <a16:creationId xmlns:a16="http://schemas.microsoft.com/office/drawing/2014/main" id="{5E64BF7A-6D30-42B5-993F-FC90CF6B5D2C}"/>
-              </a:ext>
-            </a:extLst>
-          </p:cNvPr>
-          <p:cNvCxnSpPr>
-            <a:cxnSpLocks/>
-            <a:endCxn id="55" idx="0"/>
-          </p:cNvCxnSpPr>
-          <p:nvPr/>
-        </p:nvCxnSpPr>
-        <p:spPr>
-          <a:xfrm flipH="1">
-            <a:off x="8156506" y="3574384"/>
-            <a:ext cx="1" cy="634820"/>
-          </a:xfrm>
-          <a:prstGeom prst="straightConnector1">
-            <a:avLst/>
-          </a:prstGeom>
-          <a:ln w="38100">
-            <a:tailEnd type="triangle"/>
-          </a:ln>
-        </p:spPr>
-        <p:style>
-          <a:lnRef idx="3">
-            <a:schemeClr val="dk1"/>
-          </a:lnRef>
-          <a:fillRef idx="0">
-            <a:schemeClr val="dk1"/>
-          </a:fillRef>
-          <a:effectRef idx="2">
-            <a:schemeClr val="dk1"/>
-          </a:effectRef>
-          <a:fontRef idx="minor">
-            <a:schemeClr val="tx1"/>
-          </a:fontRef>
-        </p:style>
-      </p:cxnSp>
-      <p:sp>
-        <p:nvSpPr>
-          <p:cNvPr id="57" name="직사각형 56">
-            <a:extLst>
-              <a:ext uri="{FF2B5EF4-FFF2-40B4-BE49-F238E27FC236}">
-                <a16:creationId xmlns:a16="http://schemas.microsoft.com/office/drawing/2014/main" id="{2F3BA3C9-1B10-4F8E-9093-8AECB4103013}"/>
-              </a:ext>
-            </a:extLst>
-          </p:cNvPr>
-          <p:cNvSpPr/>
-          <p:nvPr/>
-        </p:nvSpPr>
-        <p:spPr>
-          <a:xfrm>
-            <a:off x="9473732" y="667926"/>
-            <a:ext cx="2048933" cy="1083734"/>
-          </a:xfrm>
-          <a:prstGeom prst="rect">
-            <a:avLst/>
-          </a:prstGeom>
-          <a:solidFill>
-            <a:schemeClr val="bg1"/>
-          </a:solidFill>
-          <a:ln>
-            <a:solidFill>
-              <a:schemeClr val="accent2"/>
-            </a:solidFill>
-          </a:ln>
-        </p:spPr>
-        <p:style>
-          <a:lnRef idx="2">
-            <a:schemeClr val="accent1">
-              <a:shade val="50000"/>
-            </a:schemeClr>
-          </a:lnRef>
-          <a:fillRef idx="1">
-            <a:schemeClr val="accent1"/>
-          </a:fillRef>
-          <a:effectRef idx="0">
-            <a:schemeClr val="accent1"/>
-          </a:effectRef>
-          <a:fontRef idx="minor">
-            <a:schemeClr val="lt1"/>
-          </a:fontRef>
-        </p:style>
-        <p:txBody>
-          <a:bodyPr rtlCol="0" anchor="ctr"/>
-          <a:lstStyle/>
-          <a:p>
-            <a:pPr algn="ctr"/>
-            <a:r>
-              <a:rPr lang="en-US" altLang="ko-KR" dirty="0">
-                <a:solidFill>
-                  <a:schemeClr val="tx1"/>
-                </a:solidFill>
-              </a:rPr>
-              <a:t>Server Update</a:t>
-            </a:r>
-          </a:p>
-          <a:p>
-            <a:pPr algn="ctr"/>
-            <a:r>
-              <a:rPr lang="en-US" altLang="ko-KR" dirty="0">
-                <a:solidFill>
-                  <a:schemeClr val="tx1"/>
-                </a:solidFill>
-              </a:rPr>
-              <a:t>Thread</a:t>
-            </a:r>
-            <a:endParaRPr lang="ko-KR" altLang="en-US" dirty="0">
-              <a:solidFill>
-                <a:schemeClr val="tx1"/>
-              </a:solidFill>
-            </a:endParaRPr>
-          </a:p>
-        </p:txBody>
-      </p:sp>
-      <p:cxnSp>
-        <p:nvCxnSpPr>
-          <p:cNvPr id="66" name="직선 화살표 연결선 65">
-            <a:extLst>
-              <a:ext uri="{FF2B5EF4-FFF2-40B4-BE49-F238E27FC236}">
-                <a16:creationId xmlns:a16="http://schemas.microsoft.com/office/drawing/2014/main" id="{E7CCBE9D-ADB2-44F3-8016-7515211BAD51}"/>
-              </a:ext>
-            </a:extLst>
-          </p:cNvPr>
-          <p:cNvCxnSpPr>
-            <a:cxnSpLocks/>
-          </p:cNvCxnSpPr>
-          <p:nvPr/>
-        </p:nvCxnSpPr>
-        <p:spPr>
-          <a:xfrm>
-            <a:off x="6342434" y="1751660"/>
-            <a:ext cx="1814071" cy="735428"/>
-          </a:xfrm>
-          <a:prstGeom prst="straightConnector1">
-            <a:avLst/>
-          </a:prstGeom>
-          <a:ln w="38100" cap="flat" cmpd="sng" algn="ctr">
-            <a:solidFill>
-              <a:schemeClr val="dk1"/>
-            </a:solidFill>
-            <a:prstDash val="solid"/>
-            <a:round/>
-            <a:headEnd type="arrow" w="med" len="med"/>
-            <a:tailEnd type="arrow" w="med" len="med"/>
-          </a:ln>
-        </p:spPr>
-        <p:style>
-          <a:lnRef idx="0">
-            <a:scrgbClr r="0" g="0" b="0"/>
-          </a:lnRef>
-          <a:fillRef idx="0">
-            <a:scrgbClr r="0" g="0" b="0"/>
-          </a:fillRef>
-          <a:effectRef idx="0">
-            <a:scrgbClr r="0" g="0" b="0"/>
-          </a:effectRef>
-          <a:fontRef idx="minor">
-            <a:schemeClr val="tx1"/>
-          </a:fontRef>
-        </p:style>
-      </p:cxnSp>
-      <p:cxnSp>
-        <p:nvCxnSpPr>
-          <p:cNvPr id="70" name="직선 화살표 연결선 69">
-            <a:extLst>
-              <a:ext uri="{FF2B5EF4-FFF2-40B4-BE49-F238E27FC236}">
-                <a16:creationId xmlns:a16="http://schemas.microsoft.com/office/drawing/2014/main" id="{B0272D0B-3E8B-4F77-9AD7-5C4BEEA4D19A}"/>
-              </a:ext>
-            </a:extLst>
-          </p:cNvPr>
-          <p:cNvCxnSpPr>
-            <a:cxnSpLocks/>
-            <a:stCxn id="6" idx="3"/>
-            <a:endCxn id="57" idx="1"/>
-          </p:cNvCxnSpPr>
-          <p:nvPr/>
-        </p:nvCxnSpPr>
-        <p:spPr>
-          <a:xfrm>
-            <a:off x="6802695" y="1204728"/>
-            <a:ext cx="2671037" cy="5065"/>
-          </a:xfrm>
-          <a:prstGeom prst="straightConnector1">
-            <a:avLst/>
-          </a:prstGeom>
-          <a:ln w="38100">
-            <a:tailEnd type="triangle"/>
-          </a:ln>
-        </p:spPr>
-        <p:style>
-          <a:lnRef idx="3">
-            <a:schemeClr val="dk1"/>
-          </a:lnRef>
-          <a:fillRef idx="0">
-            <a:schemeClr val="dk1"/>
-          </a:fillRef>
-          <a:effectRef idx="2">
-            <a:schemeClr val="dk1"/>
-          </a:effectRef>
-          <a:fontRef idx="minor">
-            <a:schemeClr val="tx1"/>
-          </a:fontRef>
-        </p:style>
-      </p:cxnSp>
-      <p:sp>
-        <p:nvSpPr>
-          <p:cNvPr id="74" name="TextBox 73">
-            <a:extLst>
-              <a:ext uri="{FF2B5EF4-FFF2-40B4-BE49-F238E27FC236}">
-                <a16:creationId xmlns:a16="http://schemas.microsoft.com/office/drawing/2014/main" id="{7D6F6CC7-044E-46FE-9D35-F9FBBA6D04DE}"/>
-              </a:ext>
-            </a:extLst>
-          </p:cNvPr>
-          <p:cNvSpPr txBox="1"/>
-          <p:nvPr/>
-        </p:nvSpPr>
-        <p:spPr>
-          <a:xfrm>
-            <a:off x="6998417" y="487887"/>
-            <a:ext cx="2048933" cy="371709"/>
-          </a:xfrm>
-          <a:prstGeom prst="rect">
-            <a:avLst/>
-          </a:prstGeom>
-          <a:noFill/>
-          <a:ln>
-            <a:solidFill>
-              <a:schemeClr val="accent2"/>
-            </a:solidFill>
-          </a:ln>
-        </p:spPr>
-        <p:txBody>
-          <a:bodyPr wrap="square" rtlCol="0">
-            <a:spAutoFit/>
-          </a:bodyPr>
-          <a:lstStyle/>
-          <a:p>
-            <a:pPr algn="ctr"/>
-            <a:r>
-              <a:rPr lang="en-US" altLang="ko-KR" dirty="0"/>
-              <a:t>Server</a:t>
-            </a:r>
-            <a:endParaRPr lang="ko-KR" altLang="en-US" dirty="0"/>
-          </a:p>
-        </p:txBody>
-      </p:sp>
-      <p:sp>
-        <p:nvSpPr>
-          <p:cNvPr id="3" name="직사각형 2">
-            <a:extLst>
-              <a:ext uri="{FF2B5EF4-FFF2-40B4-BE49-F238E27FC236}">
-                <a16:creationId xmlns:a16="http://schemas.microsoft.com/office/drawing/2014/main" id="{1B5C769F-72FE-4949-844D-CCC9D45518DB}"/>
-              </a:ext>
-            </a:extLst>
-          </p:cNvPr>
-          <p:cNvSpPr/>
-          <p:nvPr/>
-        </p:nvSpPr>
-        <p:spPr>
-          <a:xfrm>
-            <a:off x="4379560" y="2135422"/>
-            <a:ext cx="415498" cy="369332"/>
-          </a:xfrm>
-          <a:prstGeom prst="rect">
-            <a:avLst/>
-          </a:prstGeom>
-        </p:spPr>
-        <p:txBody>
-          <a:bodyPr wrap="none">
-            <a:spAutoFit/>
-          </a:bodyPr>
-          <a:lstStyle/>
-          <a:p>
-            <a:r>
-              <a:rPr lang="en-US" altLang="ko-KR" dirty="0"/>
-              <a:t>②</a:t>
-            </a:r>
-            <a:endParaRPr lang="ko-KR" altLang="en-US" dirty="0"/>
-          </a:p>
-        </p:txBody>
-      </p:sp>
-      <p:sp>
-        <p:nvSpPr>
-          <p:cNvPr id="5" name="직사각형 4">
-            <a:extLst>
-              <a:ext uri="{FF2B5EF4-FFF2-40B4-BE49-F238E27FC236}">
-                <a16:creationId xmlns:a16="http://schemas.microsoft.com/office/drawing/2014/main" id="{51C29169-F86E-43F6-837D-265BEE3B5702}"/>
-              </a:ext>
-            </a:extLst>
-          </p:cNvPr>
-          <p:cNvSpPr/>
-          <p:nvPr/>
-        </p:nvSpPr>
-        <p:spPr>
-          <a:xfrm>
-            <a:off x="4288920" y="1633346"/>
-            <a:ext cx="415498" cy="369332"/>
-          </a:xfrm>
-          <a:prstGeom prst="rect">
-            <a:avLst/>
-          </a:prstGeom>
-        </p:spPr>
-        <p:txBody>
-          <a:bodyPr wrap="none">
-            <a:spAutoFit/>
-          </a:bodyPr>
-          <a:lstStyle/>
-          <a:p>
-            <a:r>
-              <a:rPr lang="en-US" altLang="ko-KR" dirty="0"/>
-              <a:t>①</a:t>
-            </a:r>
-            <a:endParaRPr lang="ko-KR" altLang="en-US" dirty="0"/>
-          </a:p>
-        </p:txBody>
-      </p:sp>
-      <p:sp>
-        <p:nvSpPr>
-          <p:cNvPr id="7" name="직사각형 6">
-            <a:extLst>
-              <a:ext uri="{FF2B5EF4-FFF2-40B4-BE49-F238E27FC236}">
-                <a16:creationId xmlns:a16="http://schemas.microsoft.com/office/drawing/2014/main" id="{4823F3EA-C967-4D1D-AFC8-ECC4D89908DD}"/>
-              </a:ext>
-            </a:extLst>
-          </p:cNvPr>
-          <p:cNvSpPr/>
-          <p:nvPr/>
-        </p:nvSpPr>
-        <p:spPr>
-          <a:xfrm>
-            <a:off x="5813896" y="1751066"/>
-            <a:ext cx="646331" cy="369332"/>
-          </a:xfrm>
-          <a:prstGeom prst="rect">
-            <a:avLst/>
-          </a:prstGeom>
-        </p:spPr>
-        <p:txBody>
-          <a:bodyPr wrap="none">
-            <a:spAutoFit/>
-          </a:bodyPr>
-          <a:lstStyle/>
-          <a:p>
-            <a:r>
-              <a:rPr lang="en-US" altLang="ko-KR" dirty="0"/>
-              <a:t>①②</a:t>
-            </a:r>
-            <a:endParaRPr lang="ko-KR" altLang="en-US" dirty="0"/>
-          </a:p>
-        </p:txBody>
-      </p:sp>
-      <p:sp>
-        <p:nvSpPr>
-          <p:cNvPr id="8" name="직사각형 7">
-            <a:extLst>
-              <a:ext uri="{FF2B5EF4-FFF2-40B4-BE49-F238E27FC236}">
-                <a16:creationId xmlns:a16="http://schemas.microsoft.com/office/drawing/2014/main" id="{DB091810-DFC8-4006-9541-6260CE39B7B4}"/>
-              </a:ext>
-            </a:extLst>
-          </p:cNvPr>
-          <p:cNvSpPr/>
-          <p:nvPr/>
-        </p:nvSpPr>
-        <p:spPr>
-          <a:xfrm>
-            <a:off x="6905911" y="1700434"/>
-            <a:ext cx="646331" cy="369332"/>
-          </a:xfrm>
-          <a:prstGeom prst="rect">
-            <a:avLst/>
-          </a:prstGeom>
-        </p:spPr>
-        <p:txBody>
-          <a:bodyPr wrap="none">
-            <a:spAutoFit/>
-          </a:bodyPr>
-          <a:lstStyle/>
-          <a:p>
-            <a:r>
-              <a:rPr lang="en-US" altLang="ko-KR" dirty="0"/>
-              <a:t>①②</a:t>
-            </a:r>
-            <a:endParaRPr lang="ko-KR" altLang="en-US" dirty="0"/>
-          </a:p>
-        </p:txBody>
-      </p:sp>
-      <p:sp>
-        <p:nvSpPr>
-          <p:cNvPr id="9" name="직사각형 8">
-            <a:extLst>
-              <a:ext uri="{FF2B5EF4-FFF2-40B4-BE49-F238E27FC236}">
-                <a16:creationId xmlns:a16="http://schemas.microsoft.com/office/drawing/2014/main" id="{6A98943E-18A4-4E3C-A8E4-8407DF11DFAF}"/>
-              </a:ext>
-            </a:extLst>
-          </p:cNvPr>
-          <p:cNvSpPr/>
-          <p:nvPr/>
-        </p:nvSpPr>
-        <p:spPr>
-          <a:xfrm>
-            <a:off x="5331387" y="3667807"/>
-            <a:ext cx="415498" cy="369332"/>
-          </a:xfrm>
-          <a:prstGeom prst="rect">
-            <a:avLst/>
-          </a:prstGeom>
-        </p:spPr>
-        <p:txBody>
-          <a:bodyPr wrap="none">
-            <a:spAutoFit/>
-          </a:bodyPr>
-          <a:lstStyle/>
-          <a:p>
-            <a:r>
-              <a:rPr lang="en-US" altLang="ko-KR"/>
-              <a:t>③</a:t>
-            </a:r>
-            <a:endParaRPr lang="ko-KR" altLang="en-US" dirty="0"/>
-          </a:p>
-        </p:txBody>
-      </p:sp>
-      <p:sp>
-        <p:nvSpPr>
-          <p:cNvPr id="26" name="직사각형 25">
-            <a:extLst>
-              <a:ext uri="{FF2B5EF4-FFF2-40B4-BE49-F238E27FC236}">
-                <a16:creationId xmlns:a16="http://schemas.microsoft.com/office/drawing/2014/main" id="{6C8EE28E-7520-4004-8C9B-E73E42AD8F54}"/>
-              </a:ext>
-            </a:extLst>
-          </p:cNvPr>
-          <p:cNvSpPr/>
-          <p:nvPr/>
-        </p:nvSpPr>
-        <p:spPr>
-          <a:xfrm>
-            <a:off x="7722620" y="3652847"/>
-            <a:ext cx="415498" cy="369332"/>
-          </a:xfrm>
-          <a:prstGeom prst="rect">
-            <a:avLst/>
-          </a:prstGeom>
-        </p:spPr>
-        <p:txBody>
-          <a:bodyPr wrap="none">
-            <a:spAutoFit/>
-          </a:bodyPr>
-          <a:lstStyle/>
-          <a:p>
-            <a:r>
-              <a:rPr lang="en-US" altLang="ko-KR" dirty="0"/>
-              <a:t>③</a:t>
-            </a:r>
-            <a:endParaRPr lang="ko-KR" altLang="en-US" dirty="0"/>
-          </a:p>
-        </p:txBody>
-      </p:sp>
-      <p:sp>
-        <p:nvSpPr>
-          <p:cNvPr id="27" name="직사각형 26">
-            <a:extLst>
-              <a:ext uri="{FF2B5EF4-FFF2-40B4-BE49-F238E27FC236}">
-                <a16:creationId xmlns:a16="http://schemas.microsoft.com/office/drawing/2014/main" id="{6208F01E-A85E-4530-93B2-B67F3DF1F592}"/>
-              </a:ext>
-            </a:extLst>
-          </p:cNvPr>
-          <p:cNvSpPr/>
-          <p:nvPr/>
-        </p:nvSpPr>
-        <p:spPr>
-          <a:xfrm>
-            <a:off x="2948543" y="3636886"/>
-            <a:ext cx="379169" cy="369332"/>
-          </a:xfrm>
-          <a:prstGeom prst="rect">
-            <a:avLst/>
-          </a:prstGeom>
-        </p:spPr>
-        <p:txBody>
-          <a:bodyPr wrap="square">
-            <a:spAutoFit/>
-          </a:bodyPr>
-          <a:lstStyle/>
-          <a:p>
-            <a:r>
-              <a:rPr lang="en-US" altLang="ko-KR" dirty="0"/>
-              <a:t>③</a:t>
-            </a:r>
-            <a:endParaRPr lang="ko-KR" altLang="en-US" dirty="0"/>
-          </a:p>
-        </p:txBody>
-      </p:sp>
-      <p:sp>
-        <p:nvSpPr>
-          <p:cNvPr id="28" name="직사각형 27">
-            <a:extLst>
-              <a:ext uri="{FF2B5EF4-FFF2-40B4-BE49-F238E27FC236}">
-                <a16:creationId xmlns:a16="http://schemas.microsoft.com/office/drawing/2014/main" id="{F3F676BC-6459-4A2A-B682-40B7DDAFD515}"/>
-              </a:ext>
-            </a:extLst>
-          </p:cNvPr>
-          <p:cNvSpPr/>
-          <p:nvPr/>
-        </p:nvSpPr>
-        <p:spPr>
-          <a:xfrm>
-            <a:off x="7930369" y="868334"/>
-            <a:ext cx="415498" cy="369332"/>
-          </a:xfrm>
-          <a:prstGeom prst="rect">
-            <a:avLst/>
-          </a:prstGeom>
-        </p:spPr>
-        <p:txBody>
-          <a:bodyPr wrap="none">
-            <a:spAutoFit/>
-          </a:bodyPr>
-          <a:lstStyle/>
-          <a:p>
-            <a:r>
-              <a:rPr lang="en-US" altLang="ko-KR" dirty="0"/>
-              <a:t>③</a:t>
-            </a:r>
-            <a:endParaRPr lang="ko-KR" altLang="en-US" dirty="0"/>
-          </a:p>
-        </p:txBody>
-      </p:sp>
+              <a:tailEnd type="triangle"/>
+            </a:ln>
+          </p:spPr>
+          <p:style>
+            <a:lnRef idx="1">
+              <a:schemeClr val="accent1"/>
+            </a:lnRef>
+            <a:fillRef idx="0">
+              <a:schemeClr val="accent1"/>
+            </a:fillRef>
+            <a:effectRef idx="0">
+              <a:schemeClr val="accent1"/>
+            </a:effectRef>
+            <a:fontRef idx="minor">
+              <a:schemeClr val="tx1"/>
+            </a:fontRef>
+          </p:style>
+        </p:cxnSp>
+        <p:sp>
+          <p:nvSpPr>
+            <p:cNvPr id="181" name="직사각형 180">
+              <a:extLst>
+                <a:ext uri="{FF2B5EF4-FFF2-40B4-BE49-F238E27FC236}">
+                  <a16:creationId xmlns:a16="http://schemas.microsoft.com/office/drawing/2014/main" id="{4D31C6DF-1DD8-47F7-9776-4965D39D0A9E}"/>
+                </a:ext>
+              </a:extLst>
+            </p:cNvPr>
+            <p:cNvSpPr/>
+            <p:nvPr/>
+          </p:nvSpPr>
+          <p:spPr>
+            <a:xfrm>
+              <a:off x="3932327" y="2651678"/>
+              <a:ext cx="415498" cy="369332"/>
+            </a:xfrm>
+            <a:prstGeom prst="rect">
+              <a:avLst/>
+            </a:prstGeom>
+          </p:spPr>
+          <p:txBody>
+            <a:bodyPr wrap="none">
+              <a:spAutoFit/>
+            </a:bodyPr>
+            <a:lstStyle/>
+            <a:p>
+              <a:r>
+                <a:rPr lang="ko-KR" altLang="en-US" dirty="0"/>
+                <a:t>④</a:t>
+              </a:r>
+            </a:p>
+          </p:txBody>
+        </p:sp>
+        <p:sp>
+          <p:nvSpPr>
+            <p:cNvPr id="182" name="직사각형 181">
+              <a:extLst>
+                <a:ext uri="{FF2B5EF4-FFF2-40B4-BE49-F238E27FC236}">
+                  <a16:creationId xmlns:a16="http://schemas.microsoft.com/office/drawing/2014/main" id="{337A2BD2-2867-48E9-A9CD-F72F27168253}"/>
+                </a:ext>
+              </a:extLst>
+            </p:cNvPr>
+            <p:cNvSpPr/>
+            <p:nvPr/>
+          </p:nvSpPr>
+          <p:spPr>
+            <a:xfrm>
+              <a:off x="9083710" y="3556492"/>
+              <a:ext cx="342775" cy="369332"/>
+            </a:xfrm>
+            <a:prstGeom prst="rect">
+              <a:avLst/>
+            </a:prstGeom>
+          </p:spPr>
+          <p:txBody>
+            <a:bodyPr wrap="square">
+              <a:spAutoFit/>
+            </a:bodyPr>
+            <a:lstStyle/>
+            <a:p>
+              <a:r>
+                <a:rPr lang="ko-KR" altLang="en-US"/>
+                <a:t>⑤</a:t>
+              </a:r>
+              <a:endParaRPr lang="ko-KR" altLang="en-US" dirty="0"/>
+            </a:p>
+          </p:txBody>
+        </p:sp>
+        <p:sp>
+          <p:nvSpPr>
+            <p:cNvPr id="183" name="직사각형 182">
+              <a:extLst>
+                <a:ext uri="{FF2B5EF4-FFF2-40B4-BE49-F238E27FC236}">
+                  <a16:creationId xmlns:a16="http://schemas.microsoft.com/office/drawing/2014/main" id="{40A94911-3DB3-4977-A315-ED6925B0F491}"/>
+                </a:ext>
+              </a:extLst>
+            </p:cNvPr>
+            <p:cNvSpPr/>
+            <p:nvPr/>
+          </p:nvSpPr>
+          <p:spPr>
+            <a:xfrm>
+              <a:off x="8875961" y="3962217"/>
+              <a:ext cx="415498" cy="369332"/>
+            </a:xfrm>
+            <a:prstGeom prst="rect">
+              <a:avLst/>
+            </a:prstGeom>
+          </p:spPr>
+          <p:txBody>
+            <a:bodyPr wrap="none">
+              <a:spAutoFit/>
+            </a:bodyPr>
+            <a:lstStyle/>
+            <a:p>
+              <a:r>
+                <a:rPr lang="ko-KR" altLang="en-US" dirty="0"/>
+                <a:t>⑤</a:t>
+              </a:r>
+            </a:p>
+          </p:txBody>
+        </p:sp>
+        <p:sp>
+          <p:nvSpPr>
+            <p:cNvPr id="184" name="직사각형 183">
+              <a:extLst>
+                <a:ext uri="{FF2B5EF4-FFF2-40B4-BE49-F238E27FC236}">
+                  <a16:creationId xmlns:a16="http://schemas.microsoft.com/office/drawing/2014/main" id="{35AE69E0-D436-4B7D-9941-E8B1501239AA}"/>
+                </a:ext>
+              </a:extLst>
+            </p:cNvPr>
+            <p:cNvSpPr/>
+            <p:nvPr/>
+          </p:nvSpPr>
+          <p:spPr>
+            <a:xfrm>
+              <a:off x="8850822" y="4528649"/>
+              <a:ext cx="415498" cy="369332"/>
+            </a:xfrm>
+            <a:prstGeom prst="rect">
+              <a:avLst/>
+            </a:prstGeom>
+          </p:spPr>
+          <p:txBody>
+            <a:bodyPr wrap="none">
+              <a:spAutoFit/>
+            </a:bodyPr>
+            <a:lstStyle/>
+            <a:p>
+              <a:r>
+                <a:rPr lang="ko-KR" altLang="en-US" dirty="0"/>
+                <a:t>⑤</a:t>
+              </a:r>
+            </a:p>
+          </p:txBody>
+        </p:sp>
+      </p:grpSp>
     </p:spTree>
     <p:extLst>
       <p:ext uri="{BB962C8B-B14F-4D97-AF65-F5344CB8AC3E}">
@@ -4603,1263 +5070,4145 @@
           <a:chExt cx="0" cy="0"/>
         </a:xfrm>
       </p:grpSpPr>
-      <p:sp>
-        <p:nvSpPr>
-          <p:cNvPr id="39" name="직사각형 38">
+      <p:grpSp>
+        <p:nvGrpSpPr>
+          <p:cNvPr id="23" name="그룹 22">
             <a:extLst>
               <a:ext uri="{FF2B5EF4-FFF2-40B4-BE49-F238E27FC236}">
-                <a16:creationId xmlns:a16="http://schemas.microsoft.com/office/drawing/2014/main" id="{700C6D36-EB7E-496D-8386-FD62D8792665}"/>
+                <a16:creationId xmlns:a16="http://schemas.microsoft.com/office/drawing/2014/main" id="{F485D55C-670E-4962-AA7C-5FE965C14A60}"/>
               </a:ext>
             </a:extLst>
           </p:cNvPr>
-          <p:cNvSpPr/>
+          <p:cNvGrpSpPr/>
           <p:nvPr/>
-        </p:nvSpPr>
-        <p:spPr>
+        </p:nvGrpSpPr>
+        <p:grpSpPr>
           <a:xfrm>
-            <a:off x="5214026" y="398834"/>
-            <a:ext cx="6167336" cy="5904681"/>
+            <a:off x="1931779" y="373667"/>
+            <a:ext cx="9441194" cy="5904681"/>
+            <a:chOff x="1931779" y="373667"/>
+            <a:chExt cx="9441194" cy="5904681"/>
           </a:xfrm>
-          <a:prstGeom prst="rect">
-            <a:avLst/>
-          </a:prstGeom>
-          <a:solidFill>
-            <a:schemeClr val="bg1"/>
-          </a:solidFill>
-          <a:ln w="127000">
+        </p:grpSpPr>
+        <p:grpSp>
+          <p:nvGrpSpPr>
+            <p:cNvPr id="20" name="그룹 19">
+              <a:extLst>
+                <a:ext uri="{FF2B5EF4-FFF2-40B4-BE49-F238E27FC236}">
+                  <a16:creationId xmlns:a16="http://schemas.microsoft.com/office/drawing/2014/main" id="{92684FFA-6BB2-4DDA-8E97-B80EE24A5FFC}"/>
+                </a:ext>
+              </a:extLst>
+            </p:cNvPr>
+            <p:cNvGrpSpPr/>
+            <p:nvPr/>
+          </p:nvGrpSpPr>
+          <p:grpSpPr>
+            <a:xfrm>
+              <a:off x="1931779" y="373667"/>
+              <a:ext cx="9441194" cy="5904681"/>
+              <a:chOff x="1940168" y="398834"/>
+              <a:chExt cx="9441194" cy="5904681"/>
+            </a:xfrm>
+          </p:grpSpPr>
+          <p:sp>
+            <p:nvSpPr>
+              <p:cNvPr id="39" name="직사각형 38">
+                <a:extLst>
+                  <a:ext uri="{FF2B5EF4-FFF2-40B4-BE49-F238E27FC236}">
+                    <a16:creationId xmlns:a16="http://schemas.microsoft.com/office/drawing/2014/main" id="{700C6D36-EB7E-496D-8386-FD62D8792665}"/>
+                  </a:ext>
+                </a:extLst>
+              </p:cNvPr>
+              <p:cNvSpPr/>
+              <p:nvPr/>
+            </p:nvSpPr>
+            <p:spPr>
+              <a:xfrm>
+                <a:off x="5214026" y="398834"/>
+                <a:ext cx="6167336" cy="5904681"/>
+              </a:xfrm>
+              <a:prstGeom prst="rect">
+                <a:avLst/>
+              </a:prstGeom>
+              <a:solidFill>
+                <a:schemeClr val="bg1"/>
+              </a:solidFill>
+              <a:ln w="127000">
+                <a:solidFill>
+                  <a:schemeClr val="accent2"/>
+                </a:solidFill>
+              </a:ln>
+            </p:spPr>
+            <p:style>
+              <a:lnRef idx="2">
+                <a:schemeClr val="accent1">
+                  <a:shade val="50000"/>
+                </a:schemeClr>
+              </a:lnRef>
+              <a:fillRef idx="1">
+                <a:schemeClr val="accent1"/>
+              </a:fillRef>
+              <a:effectRef idx="0">
+                <a:schemeClr val="accent1"/>
+              </a:effectRef>
+              <a:fontRef idx="minor">
+                <a:schemeClr val="lt1"/>
+              </a:fontRef>
+            </p:style>
+            <p:txBody>
+              <a:bodyPr rtlCol="0" anchor="ctr"/>
+              <a:lstStyle/>
+              <a:p>
+                <a:pPr algn="ctr"/>
+                <a:r>
+                  <a:rPr lang="en-US" altLang="ko-KR"/>
+                  <a:t>③</a:t>
+                </a:r>
+                <a:endParaRPr lang="ko-KR" altLang="en-US"/>
+              </a:p>
+            </p:txBody>
+          </p:sp>
+          <p:sp>
+            <p:nvSpPr>
+              <p:cNvPr id="4" name="직사각형 3">
+                <a:extLst>
+                  <a:ext uri="{FF2B5EF4-FFF2-40B4-BE49-F238E27FC236}">
+                    <a16:creationId xmlns:a16="http://schemas.microsoft.com/office/drawing/2014/main" id="{ABE506B9-0200-4E9D-9FB7-C64EC15DC6F2}"/>
+                  </a:ext>
+                </a:extLst>
+              </p:cNvPr>
+              <p:cNvSpPr/>
+              <p:nvPr/>
+            </p:nvSpPr>
+            <p:spPr>
+              <a:xfrm>
+                <a:off x="1940169" y="766748"/>
+                <a:ext cx="2082439" cy="1083734"/>
+              </a:xfrm>
+              <a:prstGeom prst="rect">
+                <a:avLst/>
+              </a:prstGeom>
+              <a:solidFill>
+                <a:schemeClr val="bg1"/>
+              </a:solidFill>
+            </p:spPr>
+            <p:style>
+              <a:lnRef idx="2">
+                <a:schemeClr val="accent1">
+                  <a:shade val="50000"/>
+                </a:schemeClr>
+              </a:lnRef>
+              <a:fillRef idx="1">
+                <a:schemeClr val="accent1"/>
+              </a:fillRef>
+              <a:effectRef idx="0">
+                <a:schemeClr val="accent1"/>
+              </a:effectRef>
+              <a:fontRef idx="minor">
+                <a:schemeClr val="lt1"/>
+              </a:fontRef>
+            </p:style>
+            <p:txBody>
+              <a:bodyPr rtlCol="0" anchor="ctr"/>
+              <a:lstStyle/>
+              <a:p>
+                <a:pPr algn="ctr"/>
+                <a:r>
+                  <a:rPr lang="en-US" altLang="ko-KR" dirty="0">
+                    <a:solidFill>
+                      <a:schemeClr val="tx1"/>
+                    </a:solidFill>
+                  </a:rPr>
+                  <a:t>Player</a:t>
+                </a:r>
+                <a:endParaRPr lang="ko-KR" altLang="en-US" dirty="0">
+                  <a:solidFill>
+                    <a:schemeClr val="tx1"/>
+                  </a:solidFill>
+                </a:endParaRPr>
+              </a:p>
+            </p:txBody>
+          </p:sp>
+          <p:sp>
+            <p:nvSpPr>
+              <p:cNvPr id="5" name="직사각형 4">
+                <a:extLst>
+                  <a:ext uri="{FF2B5EF4-FFF2-40B4-BE49-F238E27FC236}">
+                    <a16:creationId xmlns:a16="http://schemas.microsoft.com/office/drawing/2014/main" id="{DDF63014-3FB8-4D07-95FB-874C0491B7E5}"/>
+                  </a:ext>
+                </a:extLst>
+              </p:cNvPr>
+              <p:cNvSpPr/>
+              <p:nvPr/>
+            </p:nvSpPr>
+            <p:spPr>
+              <a:xfrm>
+                <a:off x="1940168" y="2774942"/>
+                <a:ext cx="2082439" cy="1083734"/>
+              </a:xfrm>
+              <a:prstGeom prst="rect">
+                <a:avLst/>
+              </a:prstGeom>
+              <a:solidFill>
+                <a:schemeClr val="bg1"/>
+              </a:solidFill>
+            </p:spPr>
+            <p:style>
+              <a:lnRef idx="2">
+                <a:schemeClr val="accent1">
+                  <a:shade val="50000"/>
+                </a:schemeClr>
+              </a:lnRef>
+              <a:fillRef idx="1">
+                <a:schemeClr val="accent1"/>
+              </a:fillRef>
+              <a:effectRef idx="0">
+                <a:schemeClr val="accent1"/>
+              </a:effectRef>
+              <a:fontRef idx="minor">
+                <a:schemeClr val="lt1"/>
+              </a:fontRef>
+            </p:style>
+            <p:txBody>
+              <a:bodyPr rtlCol="0" anchor="ctr"/>
+              <a:lstStyle/>
+              <a:p>
+                <a:pPr algn="ctr"/>
+                <a:r>
+                  <a:rPr lang="en-US" altLang="ko-KR" dirty="0">
+                    <a:solidFill>
+                      <a:schemeClr val="tx1"/>
+                    </a:solidFill>
+                  </a:rPr>
+                  <a:t>Player</a:t>
+                </a:r>
+                <a:endParaRPr lang="ko-KR" altLang="en-US" dirty="0">
+                  <a:solidFill>
+                    <a:schemeClr val="tx1"/>
+                  </a:solidFill>
+                </a:endParaRPr>
+              </a:p>
+            </p:txBody>
+          </p:sp>
+          <p:sp>
+            <p:nvSpPr>
+              <p:cNvPr id="6" name="직사각형 5">
+                <a:extLst>
+                  <a:ext uri="{FF2B5EF4-FFF2-40B4-BE49-F238E27FC236}">
+                    <a16:creationId xmlns:a16="http://schemas.microsoft.com/office/drawing/2014/main" id="{3243FBC4-F98D-4EB2-8FAE-E043A7A7A540}"/>
+                  </a:ext>
+                </a:extLst>
+              </p:cNvPr>
+              <p:cNvSpPr/>
+              <p:nvPr/>
+            </p:nvSpPr>
+            <p:spPr>
+              <a:xfrm>
+                <a:off x="1940171" y="4783136"/>
+                <a:ext cx="2082439" cy="1083734"/>
+              </a:xfrm>
+              <a:prstGeom prst="rect">
+                <a:avLst/>
+              </a:prstGeom>
+              <a:solidFill>
+                <a:schemeClr val="bg1"/>
+              </a:solidFill>
+            </p:spPr>
+            <p:style>
+              <a:lnRef idx="2">
+                <a:schemeClr val="accent1">
+                  <a:shade val="50000"/>
+                </a:schemeClr>
+              </a:lnRef>
+              <a:fillRef idx="1">
+                <a:schemeClr val="accent1"/>
+              </a:fillRef>
+              <a:effectRef idx="0">
+                <a:schemeClr val="accent1"/>
+              </a:effectRef>
+              <a:fontRef idx="minor">
+                <a:schemeClr val="lt1"/>
+              </a:fontRef>
+            </p:style>
+            <p:txBody>
+              <a:bodyPr rtlCol="0" anchor="ctr"/>
+              <a:lstStyle/>
+              <a:p>
+                <a:pPr algn="ctr"/>
+                <a:r>
+                  <a:rPr lang="en-US" altLang="ko-KR" dirty="0">
+                    <a:solidFill>
+                      <a:schemeClr val="tx1"/>
+                    </a:solidFill>
+                  </a:rPr>
+                  <a:t>Player</a:t>
+                </a:r>
+                <a:endParaRPr lang="ko-KR" altLang="en-US" dirty="0">
+                  <a:solidFill>
+                    <a:schemeClr val="tx1"/>
+                  </a:solidFill>
+                </a:endParaRPr>
+              </a:p>
+            </p:txBody>
+          </p:sp>
+          <p:sp>
+            <p:nvSpPr>
+              <p:cNvPr id="8" name="직사각형 7">
+                <a:extLst>
+                  <a:ext uri="{FF2B5EF4-FFF2-40B4-BE49-F238E27FC236}">
+                    <a16:creationId xmlns:a16="http://schemas.microsoft.com/office/drawing/2014/main" id="{3CAAB711-9981-4D5A-8482-2FA8CD8C207F}"/>
+                  </a:ext>
+                </a:extLst>
+              </p:cNvPr>
+              <p:cNvSpPr/>
+              <p:nvPr/>
+            </p:nvSpPr>
+            <p:spPr>
+              <a:xfrm>
+                <a:off x="5547016" y="2774942"/>
+                <a:ext cx="2048933" cy="1083734"/>
+              </a:xfrm>
+              <a:prstGeom prst="rect">
+                <a:avLst/>
+              </a:prstGeom>
+              <a:solidFill>
+                <a:schemeClr val="bg1"/>
+              </a:solidFill>
+              <a:ln>
+                <a:solidFill>
+                  <a:schemeClr val="accent2"/>
+                </a:solidFill>
+              </a:ln>
+            </p:spPr>
+            <p:style>
+              <a:lnRef idx="2">
+                <a:schemeClr val="accent1">
+                  <a:shade val="50000"/>
+                </a:schemeClr>
+              </a:lnRef>
+              <a:fillRef idx="1">
+                <a:schemeClr val="accent1"/>
+              </a:fillRef>
+              <a:effectRef idx="0">
+                <a:schemeClr val="accent1"/>
+              </a:effectRef>
+              <a:fontRef idx="minor">
+                <a:schemeClr val="lt1"/>
+              </a:fontRef>
+            </p:style>
+            <p:txBody>
+              <a:bodyPr rtlCol="0" anchor="ctr"/>
+              <a:lstStyle/>
+              <a:p>
+                <a:pPr algn="ctr"/>
+                <a:r>
+                  <a:rPr lang="en-US" altLang="ko-KR" dirty="0">
+                    <a:solidFill>
+                      <a:schemeClr val="tx1"/>
+                    </a:solidFill>
+                  </a:rPr>
+                  <a:t>Communication</a:t>
+                </a:r>
+              </a:p>
+              <a:p>
+                <a:pPr algn="ctr"/>
+                <a:r>
+                  <a:rPr lang="en-US" altLang="ko-KR" dirty="0">
+                    <a:solidFill>
+                      <a:schemeClr val="tx1"/>
+                    </a:solidFill>
+                  </a:rPr>
+                  <a:t>Thread</a:t>
+                </a:r>
+                <a:endParaRPr lang="ko-KR" altLang="en-US" dirty="0">
+                  <a:solidFill>
+                    <a:schemeClr val="tx1"/>
+                  </a:solidFill>
+                </a:endParaRPr>
+              </a:p>
+            </p:txBody>
+          </p:sp>
+          <p:sp>
+            <p:nvSpPr>
+              <p:cNvPr id="9" name="직사각형 8">
+                <a:extLst>
+                  <a:ext uri="{FF2B5EF4-FFF2-40B4-BE49-F238E27FC236}">
+                    <a16:creationId xmlns:a16="http://schemas.microsoft.com/office/drawing/2014/main" id="{CD3C42DA-DA80-4D68-A11D-B0F4BBD4E2A6}"/>
+                  </a:ext>
+                </a:extLst>
+              </p:cNvPr>
+              <p:cNvSpPr/>
+              <p:nvPr/>
+            </p:nvSpPr>
+            <p:spPr>
+              <a:xfrm>
+                <a:off x="5547015" y="4783136"/>
+                <a:ext cx="2048933" cy="1083734"/>
+              </a:xfrm>
+              <a:prstGeom prst="rect">
+                <a:avLst/>
+              </a:prstGeom>
+              <a:solidFill>
+                <a:schemeClr val="bg1"/>
+              </a:solidFill>
+              <a:ln>
+                <a:solidFill>
+                  <a:schemeClr val="accent2"/>
+                </a:solidFill>
+              </a:ln>
+            </p:spPr>
+            <p:style>
+              <a:lnRef idx="2">
+                <a:schemeClr val="accent1">
+                  <a:shade val="50000"/>
+                </a:schemeClr>
+              </a:lnRef>
+              <a:fillRef idx="1">
+                <a:schemeClr val="accent1"/>
+              </a:fillRef>
+              <a:effectRef idx="0">
+                <a:schemeClr val="accent1"/>
+              </a:effectRef>
+              <a:fontRef idx="minor">
+                <a:schemeClr val="lt1"/>
+              </a:fontRef>
+            </p:style>
+            <p:txBody>
+              <a:bodyPr rtlCol="0" anchor="ctr"/>
+              <a:lstStyle/>
+              <a:p>
+                <a:pPr algn="ctr"/>
+                <a:r>
+                  <a:rPr lang="en-US" altLang="ko-KR" dirty="0">
+                    <a:solidFill>
+                      <a:schemeClr val="tx1"/>
+                    </a:solidFill>
+                  </a:rPr>
+                  <a:t>Communication</a:t>
+                </a:r>
+              </a:p>
+              <a:p>
+                <a:pPr algn="ctr"/>
+                <a:r>
+                  <a:rPr lang="en-US" altLang="ko-KR" dirty="0">
+                    <a:solidFill>
+                      <a:schemeClr val="tx1"/>
+                    </a:solidFill>
+                  </a:rPr>
+                  <a:t>Thread</a:t>
+                </a:r>
+                <a:endParaRPr lang="ko-KR" altLang="en-US" dirty="0">
+                  <a:solidFill>
+                    <a:schemeClr val="tx1"/>
+                  </a:solidFill>
+                </a:endParaRPr>
+              </a:p>
+            </p:txBody>
+          </p:sp>
+          <p:sp>
+            <p:nvSpPr>
+              <p:cNvPr id="10" name="직사각형 9">
+                <a:extLst>
+                  <a:ext uri="{FF2B5EF4-FFF2-40B4-BE49-F238E27FC236}">
+                    <a16:creationId xmlns:a16="http://schemas.microsoft.com/office/drawing/2014/main" id="{E6DA318E-91DA-470D-96CE-2D223CDDA518}"/>
+                  </a:ext>
+                </a:extLst>
+              </p:cNvPr>
+              <p:cNvSpPr/>
+              <p:nvPr/>
+            </p:nvSpPr>
+            <p:spPr>
+              <a:xfrm>
+                <a:off x="5547015" y="766748"/>
+                <a:ext cx="2048933" cy="1083734"/>
+              </a:xfrm>
+              <a:prstGeom prst="rect">
+                <a:avLst/>
+              </a:prstGeom>
+              <a:solidFill>
+                <a:schemeClr val="bg1"/>
+              </a:solidFill>
+              <a:ln>
+                <a:solidFill>
+                  <a:schemeClr val="accent2"/>
+                </a:solidFill>
+              </a:ln>
+            </p:spPr>
+            <p:style>
+              <a:lnRef idx="2">
+                <a:schemeClr val="accent1">
+                  <a:shade val="50000"/>
+                </a:schemeClr>
+              </a:lnRef>
+              <a:fillRef idx="1">
+                <a:schemeClr val="accent1"/>
+              </a:fillRef>
+              <a:effectRef idx="0">
+                <a:schemeClr val="accent1"/>
+              </a:effectRef>
+              <a:fontRef idx="minor">
+                <a:schemeClr val="lt1"/>
+              </a:fontRef>
+            </p:style>
+            <p:txBody>
+              <a:bodyPr rtlCol="0" anchor="ctr"/>
+              <a:lstStyle/>
+              <a:p>
+                <a:pPr algn="ctr"/>
+                <a:r>
+                  <a:rPr lang="en-US" altLang="ko-KR" dirty="0">
+                    <a:solidFill>
+                      <a:schemeClr val="tx1"/>
+                    </a:solidFill>
+                  </a:rPr>
+                  <a:t>Communication</a:t>
+                </a:r>
+              </a:p>
+              <a:p>
+                <a:pPr algn="ctr"/>
+                <a:r>
+                  <a:rPr lang="en-US" altLang="ko-KR" dirty="0">
+                    <a:solidFill>
+                      <a:schemeClr val="tx1"/>
+                    </a:solidFill>
+                  </a:rPr>
+                  <a:t>Thread</a:t>
+                </a:r>
+                <a:endParaRPr lang="ko-KR" altLang="en-US" dirty="0">
+                  <a:solidFill>
+                    <a:schemeClr val="tx1"/>
+                  </a:solidFill>
+                </a:endParaRPr>
+              </a:p>
+            </p:txBody>
+          </p:sp>
+          <p:cxnSp>
+            <p:nvCxnSpPr>
+              <p:cNvPr id="14" name="직선 화살표 연결선 13">
+                <a:extLst>
+                  <a:ext uri="{FF2B5EF4-FFF2-40B4-BE49-F238E27FC236}">
+                    <a16:creationId xmlns:a16="http://schemas.microsoft.com/office/drawing/2014/main" id="{EC6B0058-97AE-427B-BBC4-5C3000A09F48}"/>
+                  </a:ext>
+                </a:extLst>
+              </p:cNvPr>
+              <p:cNvCxnSpPr>
+                <a:cxnSpLocks/>
+              </p:cNvCxnSpPr>
+              <p:nvPr/>
+            </p:nvCxnSpPr>
+            <p:spPr>
+              <a:xfrm>
+                <a:off x="4022607" y="3382228"/>
+                <a:ext cx="1524407" cy="0"/>
+              </a:xfrm>
+              <a:prstGeom prst="straightConnector1">
+                <a:avLst/>
+              </a:prstGeom>
+              <a:ln w="38100" cap="flat" cmpd="sng" algn="ctr">
+                <a:solidFill>
+                  <a:schemeClr val="dk1"/>
+                </a:solidFill>
+                <a:prstDash val="solid"/>
+                <a:round/>
+                <a:headEnd type="arrow" w="med" len="med"/>
+                <a:tailEnd type="arrow" w="med" len="med"/>
+              </a:ln>
+            </p:spPr>
+            <p:style>
+              <a:lnRef idx="0">
+                <a:scrgbClr r="0" g="0" b="0"/>
+              </a:lnRef>
+              <a:fillRef idx="0">
+                <a:scrgbClr r="0" g="0" b="0"/>
+              </a:fillRef>
+              <a:effectRef idx="0">
+                <a:scrgbClr r="0" g="0" b="0"/>
+              </a:effectRef>
+              <a:fontRef idx="minor">
+                <a:schemeClr val="tx1"/>
+              </a:fontRef>
+            </p:style>
+          </p:cxnSp>
+          <p:cxnSp>
+            <p:nvCxnSpPr>
+              <p:cNvPr id="17" name="직선 화살표 연결선 16">
+                <a:extLst>
+                  <a:ext uri="{FF2B5EF4-FFF2-40B4-BE49-F238E27FC236}">
+                    <a16:creationId xmlns:a16="http://schemas.microsoft.com/office/drawing/2014/main" id="{4B06E0F2-F52E-4727-BE92-221A583F1354}"/>
+                  </a:ext>
+                </a:extLst>
+              </p:cNvPr>
+              <p:cNvCxnSpPr>
+                <a:cxnSpLocks/>
+              </p:cNvCxnSpPr>
+              <p:nvPr/>
+            </p:nvCxnSpPr>
+            <p:spPr>
+              <a:xfrm>
+                <a:off x="7629444" y="1562420"/>
+                <a:ext cx="1490915" cy="1443427"/>
+              </a:xfrm>
+              <a:prstGeom prst="straightConnector1">
+                <a:avLst/>
+              </a:prstGeom>
+              <a:ln w="38100">
+                <a:tailEnd type="triangle"/>
+              </a:ln>
+            </p:spPr>
+            <p:style>
+              <a:lnRef idx="3">
+                <a:schemeClr val="dk1"/>
+              </a:lnRef>
+              <a:fillRef idx="0">
+                <a:schemeClr val="dk1"/>
+              </a:fillRef>
+              <a:effectRef idx="2">
+                <a:schemeClr val="dk1"/>
+              </a:effectRef>
+              <a:fontRef idx="minor">
+                <a:schemeClr val="tx1"/>
+              </a:fontRef>
+            </p:style>
+          </p:cxnSp>
+          <p:cxnSp>
+            <p:nvCxnSpPr>
+              <p:cNvPr id="26" name="직선 화살표 연결선 25">
+                <a:extLst>
+                  <a:ext uri="{FF2B5EF4-FFF2-40B4-BE49-F238E27FC236}">
+                    <a16:creationId xmlns:a16="http://schemas.microsoft.com/office/drawing/2014/main" id="{3789D7A0-5A46-4F1B-AA6C-A921A8F33D07}"/>
+                  </a:ext>
+                </a:extLst>
+              </p:cNvPr>
+              <p:cNvCxnSpPr>
+                <a:cxnSpLocks/>
+              </p:cNvCxnSpPr>
+              <p:nvPr/>
+            </p:nvCxnSpPr>
+            <p:spPr>
+              <a:xfrm>
+                <a:off x="4022603" y="1126344"/>
+                <a:ext cx="1524408" cy="11835"/>
+              </a:xfrm>
+              <a:prstGeom prst="straightConnector1">
+                <a:avLst/>
+              </a:prstGeom>
+              <a:ln w="38100">
+                <a:tailEnd type="triangle"/>
+              </a:ln>
+            </p:spPr>
+            <p:style>
+              <a:lnRef idx="3">
+                <a:schemeClr val="dk1"/>
+              </a:lnRef>
+              <a:fillRef idx="0">
+                <a:schemeClr val="dk1"/>
+              </a:fillRef>
+              <a:effectRef idx="2">
+                <a:schemeClr val="dk1"/>
+              </a:effectRef>
+              <a:fontRef idx="minor">
+                <a:schemeClr val="tx1"/>
+              </a:fontRef>
+            </p:style>
+          </p:cxnSp>
+          <p:cxnSp>
+            <p:nvCxnSpPr>
+              <p:cNvPr id="27" name="직선 화살표 연결선 26">
+                <a:extLst>
+                  <a:ext uri="{FF2B5EF4-FFF2-40B4-BE49-F238E27FC236}">
+                    <a16:creationId xmlns:a16="http://schemas.microsoft.com/office/drawing/2014/main" id="{522E3C15-87D7-46F2-A110-AD84B25FD09C}"/>
+                  </a:ext>
+                </a:extLst>
+              </p:cNvPr>
+              <p:cNvCxnSpPr>
+                <a:cxnSpLocks/>
+              </p:cNvCxnSpPr>
+              <p:nvPr/>
+            </p:nvCxnSpPr>
+            <p:spPr>
+              <a:xfrm flipH="1">
+                <a:off x="4022603" y="1539886"/>
+                <a:ext cx="1524407" cy="0"/>
+              </a:xfrm>
+              <a:prstGeom prst="straightConnector1">
+                <a:avLst/>
+              </a:prstGeom>
+              <a:ln w="38100">
+                <a:tailEnd type="triangle"/>
+              </a:ln>
+            </p:spPr>
+            <p:style>
+              <a:lnRef idx="3">
+                <a:schemeClr val="dk1"/>
+              </a:lnRef>
+              <a:fillRef idx="0">
+                <a:schemeClr val="dk1"/>
+              </a:fillRef>
+              <a:effectRef idx="2">
+                <a:schemeClr val="dk1"/>
+              </a:effectRef>
+              <a:fontRef idx="minor">
+                <a:schemeClr val="tx1"/>
+              </a:fontRef>
+            </p:style>
+          </p:cxnSp>
+          <p:cxnSp>
+            <p:nvCxnSpPr>
+              <p:cNvPr id="28" name="직선 화살표 연결선 27">
+                <a:extLst>
+                  <a:ext uri="{FF2B5EF4-FFF2-40B4-BE49-F238E27FC236}">
+                    <a16:creationId xmlns:a16="http://schemas.microsoft.com/office/drawing/2014/main" id="{013157FB-690C-43C1-B309-E7706D273673}"/>
+                  </a:ext>
+                </a:extLst>
+              </p:cNvPr>
+              <p:cNvCxnSpPr>
+                <a:cxnSpLocks/>
+              </p:cNvCxnSpPr>
+              <p:nvPr/>
+            </p:nvCxnSpPr>
+            <p:spPr>
+              <a:xfrm>
+                <a:off x="4022603" y="5325003"/>
+                <a:ext cx="1524407" cy="0"/>
+              </a:xfrm>
+              <a:prstGeom prst="straightConnector1">
+                <a:avLst/>
+              </a:prstGeom>
+              <a:ln w="38100" cap="flat" cmpd="sng" algn="ctr">
+                <a:solidFill>
+                  <a:schemeClr val="dk1"/>
+                </a:solidFill>
+                <a:prstDash val="solid"/>
+                <a:round/>
+                <a:headEnd type="arrow" w="med" len="med"/>
+                <a:tailEnd type="arrow" w="med" len="med"/>
+              </a:ln>
+            </p:spPr>
+            <p:style>
+              <a:lnRef idx="0">
+                <a:scrgbClr r="0" g="0" b="0"/>
+              </a:lnRef>
+              <a:fillRef idx="0">
+                <a:scrgbClr r="0" g="0" b="0"/>
+              </a:fillRef>
+              <a:effectRef idx="0">
+                <a:scrgbClr r="0" g="0" b="0"/>
+              </a:effectRef>
+              <a:fontRef idx="minor">
+                <a:schemeClr val="tx1"/>
+              </a:fontRef>
+            </p:style>
+          </p:cxnSp>
+          <p:cxnSp>
+            <p:nvCxnSpPr>
+              <p:cNvPr id="29" name="직선 화살표 연결선 28">
+                <a:extLst>
+                  <a:ext uri="{FF2B5EF4-FFF2-40B4-BE49-F238E27FC236}">
+                    <a16:creationId xmlns:a16="http://schemas.microsoft.com/office/drawing/2014/main" id="{A4AC8764-957C-4146-B48F-1A1D41F45EAC}"/>
+                  </a:ext>
+                </a:extLst>
+              </p:cNvPr>
+              <p:cNvCxnSpPr>
+                <a:cxnSpLocks/>
+              </p:cNvCxnSpPr>
+              <p:nvPr/>
+            </p:nvCxnSpPr>
+            <p:spPr>
+              <a:xfrm flipH="1" flipV="1">
+                <a:off x="7629443" y="1126344"/>
+                <a:ext cx="1719195" cy="1648600"/>
+              </a:xfrm>
+              <a:prstGeom prst="straightConnector1">
+                <a:avLst/>
+              </a:prstGeom>
+              <a:ln w="38100">
+                <a:tailEnd type="triangle"/>
+              </a:ln>
+            </p:spPr>
+            <p:style>
+              <a:lnRef idx="3">
+                <a:schemeClr val="dk1"/>
+              </a:lnRef>
+              <a:fillRef idx="0">
+                <a:schemeClr val="dk1"/>
+              </a:fillRef>
+              <a:effectRef idx="2">
+                <a:schemeClr val="dk1"/>
+              </a:effectRef>
+              <a:fontRef idx="minor">
+                <a:schemeClr val="tx1"/>
+              </a:fontRef>
+            </p:style>
+          </p:cxnSp>
+          <p:cxnSp>
+            <p:nvCxnSpPr>
+              <p:cNvPr id="35" name="직선 화살표 연결선 34">
+                <a:extLst>
+                  <a:ext uri="{FF2B5EF4-FFF2-40B4-BE49-F238E27FC236}">
+                    <a16:creationId xmlns:a16="http://schemas.microsoft.com/office/drawing/2014/main" id="{414B7731-B0FB-4B48-9F7E-41B68FB38337}"/>
+                  </a:ext>
+                </a:extLst>
+              </p:cNvPr>
+              <p:cNvCxnSpPr>
+                <a:cxnSpLocks/>
+              </p:cNvCxnSpPr>
+              <p:nvPr/>
+            </p:nvCxnSpPr>
+            <p:spPr>
+              <a:xfrm>
+                <a:off x="7595952" y="3317622"/>
+                <a:ext cx="1524407" cy="0"/>
+              </a:xfrm>
+              <a:prstGeom prst="straightConnector1">
+                <a:avLst/>
+              </a:prstGeom>
+              <a:ln w="38100" cap="flat" cmpd="sng" algn="ctr">
+                <a:solidFill>
+                  <a:schemeClr val="dk1"/>
+                </a:solidFill>
+                <a:prstDash val="solid"/>
+                <a:round/>
+                <a:headEnd type="arrow" w="med" len="med"/>
+                <a:tailEnd type="arrow" w="med" len="med"/>
+              </a:ln>
+            </p:spPr>
+            <p:style>
+              <a:lnRef idx="0">
+                <a:scrgbClr r="0" g="0" b="0"/>
+              </a:lnRef>
+              <a:fillRef idx="0">
+                <a:scrgbClr r="0" g="0" b="0"/>
+              </a:fillRef>
+              <a:effectRef idx="0">
+                <a:scrgbClr r="0" g="0" b="0"/>
+              </a:effectRef>
+              <a:fontRef idx="minor">
+                <a:schemeClr val="tx1"/>
+              </a:fontRef>
+            </p:style>
+          </p:cxnSp>
+          <p:cxnSp>
+            <p:nvCxnSpPr>
+              <p:cNvPr id="36" name="직선 화살표 연결선 35">
+                <a:extLst>
+                  <a:ext uri="{FF2B5EF4-FFF2-40B4-BE49-F238E27FC236}">
+                    <a16:creationId xmlns:a16="http://schemas.microsoft.com/office/drawing/2014/main" id="{7C7E76D7-C5D7-47EC-BC9E-46467F71E933}"/>
+                  </a:ext>
+                </a:extLst>
+              </p:cNvPr>
+              <p:cNvCxnSpPr>
+                <a:cxnSpLocks/>
+              </p:cNvCxnSpPr>
+              <p:nvPr/>
+            </p:nvCxnSpPr>
+            <p:spPr>
+              <a:xfrm flipV="1">
+                <a:off x="7612697" y="3657600"/>
+                <a:ext cx="1507662" cy="1661163"/>
+              </a:xfrm>
+              <a:prstGeom prst="straightConnector1">
+                <a:avLst/>
+              </a:prstGeom>
+              <a:ln w="38100" cap="flat" cmpd="sng" algn="ctr">
+                <a:solidFill>
+                  <a:schemeClr val="dk1"/>
+                </a:solidFill>
+                <a:prstDash val="solid"/>
+                <a:round/>
+                <a:headEnd type="arrow" w="med" len="med"/>
+                <a:tailEnd type="arrow" w="med" len="med"/>
+              </a:ln>
+            </p:spPr>
+            <p:style>
+              <a:lnRef idx="0">
+                <a:scrgbClr r="0" g="0" b="0"/>
+              </a:lnRef>
+              <a:fillRef idx="0">
+                <a:scrgbClr r="0" g="0" b="0"/>
+              </a:fillRef>
+              <a:effectRef idx="0">
+                <a:scrgbClr r="0" g="0" b="0"/>
+              </a:effectRef>
+              <a:fontRef idx="minor">
+                <a:schemeClr val="tx1"/>
+              </a:fontRef>
+            </p:style>
+          </p:cxnSp>
+          <p:sp>
+            <p:nvSpPr>
+              <p:cNvPr id="40" name="TextBox 39">
+                <a:extLst>
+                  <a:ext uri="{FF2B5EF4-FFF2-40B4-BE49-F238E27FC236}">
+                    <a16:creationId xmlns:a16="http://schemas.microsoft.com/office/drawing/2014/main" id="{09E32720-50D5-480E-A74E-354EDDB96C0A}"/>
+                  </a:ext>
+                </a:extLst>
+              </p:cNvPr>
+              <p:cNvSpPr txBox="1"/>
+              <p:nvPr/>
+            </p:nvSpPr>
+            <p:spPr>
+              <a:xfrm>
+                <a:off x="9298923" y="671209"/>
+                <a:ext cx="1586328" cy="369332"/>
+              </a:xfrm>
+              <a:prstGeom prst="rect">
+                <a:avLst/>
+              </a:prstGeom>
+              <a:noFill/>
+            </p:spPr>
+            <p:txBody>
+              <a:bodyPr wrap="square" rtlCol="0">
+                <a:spAutoFit/>
+              </a:bodyPr>
+              <a:lstStyle/>
+              <a:p>
+                <a:pPr algn="ctr"/>
+                <a:r>
+                  <a:rPr lang="en-US" altLang="ko-KR" dirty="0"/>
+                  <a:t>Server</a:t>
+                </a:r>
+                <a:endParaRPr lang="ko-KR" altLang="en-US" dirty="0"/>
+              </a:p>
+            </p:txBody>
+          </p:sp>
+          <p:sp>
+            <p:nvSpPr>
+              <p:cNvPr id="2" name="직사각형 1">
+                <a:extLst>
+                  <a:ext uri="{FF2B5EF4-FFF2-40B4-BE49-F238E27FC236}">
+                    <a16:creationId xmlns:a16="http://schemas.microsoft.com/office/drawing/2014/main" id="{429CAF90-A4DB-4588-94BE-7B6409ED64DB}"/>
+                  </a:ext>
+                </a:extLst>
+              </p:cNvPr>
+              <p:cNvSpPr/>
+              <p:nvPr/>
+            </p:nvSpPr>
+            <p:spPr>
+              <a:xfrm>
+                <a:off x="4574032" y="773224"/>
+                <a:ext cx="415498" cy="369332"/>
+              </a:xfrm>
+              <a:prstGeom prst="rect">
+                <a:avLst/>
+              </a:prstGeom>
+            </p:spPr>
+            <p:txBody>
+              <a:bodyPr wrap="square">
+                <a:spAutoFit/>
+              </a:bodyPr>
+              <a:lstStyle/>
+              <a:p>
+                <a:r>
+                  <a:rPr lang="en-US" altLang="ko-KR" dirty="0"/>
+                  <a:t>①</a:t>
+                </a:r>
+                <a:endParaRPr lang="ko-KR" altLang="en-US" dirty="0"/>
+              </a:p>
+            </p:txBody>
+          </p:sp>
+          <p:sp>
+            <p:nvSpPr>
+              <p:cNvPr id="3" name="직사각형 2">
+                <a:extLst>
+                  <a:ext uri="{FF2B5EF4-FFF2-40B4-BE49-F238E27FC236}">
+                    <a16:creationId xmlns:a16="http://schemas.microsoft.com/office/drawing/2014/main" id="{C9CD8647-FAEE-4379-96B8-0B63E4A04035}"/>
+                  </a:ext>
+                </a:extLst>
+              </p:cNvPr>
+              <p:cNvSpPr/>
+              <p:nvPr/>
+            </p:nvSpPr>
+            <p:spPr>
+              <a:xfrm>
+                <a:off x="4455447" y="3033745"/>
+                <a:ext cx="646331" cy="646331"/>
+              </a:xfrm>
+              <a:prstGeom prst="rect">
+                <a:avLst/>
+              </a:prstGeom>
+            </p:spPr>
+            <p:txBody>
+              <a:bodyPr wrap="square">
+                <a:spAutoFit/>
+              </a:bodyPr>
+              <a:lstStyle/>
+              <a:p>
+                <a:r>
+                  <a:rPr lang="en-US" altLang="ko-KR" dirty="0"/>
+                  <a:t>①⑤</a:t>
+                </a:r>
+                <a:endParaRPr lang="ko-KR" altLang="en-US" dirty="0"/>
+              </a:p>
+              <a:p>
+                <a:endParaRPr lang="ko-KR" altLang="en-US" dirty="0"/>
+              </a:p>
+            </p:txBody>
+          </p:sp>
+          <p:sp>
+            <p:nvSpPr>
+              <p:cNvPr id="22" name="직사각형 21">
+                <a:extLst>
+                  <a:ext uri="{FF2B5EF4-FFF2-40B4-BE49-F238E27FC236}">
+                    <a16:creationId xmlns:a16="http://schemas.microsoft.com/office/drawing/2014/main" id="{EF14CE03-E4ED-4829-98CB-3F1F64352C78}"/>
+                  </a:ext>
+                </a:extLst>
+              </p:cNvPr>
+              <p:cNvSpPr/>
+              <p:nvPr/>
+            </p:nvSpPr>
+            <p:spPr>
+              <a:xfrm>
+                <a:off x="4455447" y="4934823"/>
+                <a:ext cx="646331" cy="646331"/>
+              </a:xfrm>
+              <a:prstGeom prst="rect">
+                <a:avLst/>
+              </a:prstGeom>
+            </p:spPr>
+            <p:txBody>
+              <a:bodyPr wrap="square">
+                <a:spAutoFit/>
+              </a:bodyPr>
+              <a:lstStyle/>
+              <a:p>
+                <a:r>
+                  <a:rPr lang="en-US" altLang="ko-KR" dirty="0"/>
+                  <a:t>①⑤</a:t>
+                </a:r>
+                <a:endParaRPr lang="ko-KR" altLang="en-US" dirty="0"/>
+              </a:p>
+              <a:p>
+                <a:endParaRPr lang="ko-KR" altLang="en-US" dirty="0"/>
+              </a:p>
+            </p:txBody>
+          </p:sp>
+          <p:sp>
+            <p:nvSpPr>
+              <p:cNvPr id="11" name="직사각형 10">
+                <a:extLst>
+                  <a:ext uri="{FF2B5EF4-FFF2-40B4-BE49-F238E27FC236}">
+                    <a16:creationId xmlns:a16="http://schemas.microsoft.com/office/drawing/2014/main" id="{96269C44-7EC7-4355-AED5-43DFA4AAC24F}"/>
+                  </a:ext>
+                </a:extLst>
+              </p:cNvPr>
+              <p:cNvSpPr/>
+              <p:nvPr/>
+            </p:nvSpPr>
+            <p:spPr>
+              <a:xfrm>
+                <a:off x="7959403" y="2148204"/>
+                <a:ext cx="415498" cy="369332"/>
+              </a:xfrm>
+              <a:prstGeom prst="rect">
+                <a:avLst/>
+              </a:prstGeom>
+            </p:spPr>
+            <p:txBody>
+              <a:bodyPr wrap="square">
+                <a:spAutoFit/>
+              </a:bodyPr>
+              <a:lstStyle/>
+              <a:p>
+                <a:r>
+                  <a:rPr lang="en-US" altLang="ko-KR" dirty="0"/>
+                  <a:t>②</a:t>
+                </a:r>
+                <a:endParaRPr lang="ko-KR" altLang="en-US" dirty="0"/>
+              </a:p>
+            </p:txBody>
+          </p:sp>
+          <p:sp>
+            <p:nvSpPr>
+              <p:cNvPr id="12" name="직사각형 11">
+                <a:extLst>
+                  <a:ext uri="{FF2B5EF4-FFF2-40B4-BE49-F238E27FC236}">
+                    <a16:creationId xmlns:a16="http://schemas.microsoft.com/office/drawing/2014/main" id="{BD0E7A1D-0B60-4D74-BBDC-AB64F2D264E5}"/>
+                  </a:ext>
+                </a:extLst>
+              </p:cNvPr>
+              <p:cNvSpPr/>
+              <p:nvPr/>
+            </p:nvSpPr>
+            <p:spPr>
+              <a:xfrm>
+                <a:off x="10092087" y="2332870"/>
+                <a:ext cx="415498" cy="369332"/>
+              </a:xfrm>
+              <a:prstGeom prst="rect">
+                <a:avLst/>
+              </a:prstGeom>
+            </p:spPr>
+            <p:txBody>
+              <a:bodyPr wrap="square">
+                <a:spAutoFit/>
+              </a:bodyPr>
+              <a:lstStyle/>
+              <a:p>
+                <a:r>
+                  <a:rPr lang="en-US" altLang="ko-KR" dirty="0"/>
+                  <a:t>③</a:t>
+                </a:r>
+                <a:endParaRPr lang="ko-KR" altLang="en-US" dirty="0"/>
+              </a:p>
+            </p:txBody>
+          </p:sp>
+          <p:sp>
+            <p:nvSpPr>
+              <p:cNvPr id="13" name="직사각형 12">
+                <a:extLst>
+                  <a:ext uri="{FF2B5EF4-FFF2-40B4-BE49-F238E27FC236}">
+                    <a16:creationId xmlns:a16="http://schemas.microsoft.com/office/drawing/2014/main" id="{73CE8BFF-7858-40FC-BB56-634DE3378A56}"/>
+                  </a:ext>
+                </a:extLst>
+              </p:cNvPr>
+              <p:cNvSpPr/>
+              <p:nvPr/>
+            </p:nvSpPr>
+            <p:spPr>
+              <a:xfrm>
+                <a:off x="7974084" y="2949885"/>
+                <a:ext cx="646331" cy="646331"/>
+              </a:xfrm>
+              <a:prstGeom prst="rect">
+                <a:avLst/>
+              </a:prstGeom>
+            </p:spPr>
+            <p:txBody>
+              <a:bodyPr wrap="square">
+                <a:spAutoFit/>
+              </a:bodyPr>
+              <a:lstStyle/>
+              <a:p>
+                <a:r>
+                  <a:rPr lang="en-US" altLang="ko-KR" dirty="0"/>
+                  <a:t>②④</a:t>
+                </a:r>
+                <a:endParaRPr lang="ko-KR" altLang="en-US" dirty="0"/>
+              </a:p>
+              <a:p>
+                <a:endParaRPr lang="ko-KR" altLang="en-US" dirty="0"/>
+              </a:p>
+            </p:txBody>
+          </p:sp>
+          <p:sp>
+            <p:nvSpPr>
+              <p:cNvPr id="15" name="직사각형 14">
+                <a:extLst>
+                  <a:ext uri="{FF2B5EF4-FFF2-40B4-BE49-F238E27FC236}">
+                    <a16:creationId xmlns:a16="http://schemas.microsoft.com/office/drawing/2014/main" id="{A114D827-5BA5-4E6F-9BE0-EC9DA0156CDD}"/>
+                  </a:ext>
+                </a:extLst>
+              </p:cNvPr>
+              <p:cNvSpPr/>
+              <p:nvPr/>
+            </p:nvSpPr>
+            <p:spPr>
+              <a:xfrm>
+                <a:off x="7942657" y="4242084"/>
+                <a:ext cx="415498" cy="369332"/>
+              </a:xfrm>
+              <a:prstGeom prst="rect">
+                <a:avLst/>
+              </a:prstGeom>
+            </p:spPr>
+            <p:txBody>
+              <a:bodyPr wrap="square">
+                <a:spAutoFit/>
+              </a:bodyPr>
+              <a:lstStyle/>
+              <a:p>
+                <a:r>
+                  <a:rPr lang="en-US" altLang="ko-KR" dirty="0"/>
+                  <a:t>②</a:t>
+                </a:r>
+                <a:endParaRPr lang="ko-KR" altLang="en-US" dirty="0"/>
+              </a:p>
+            </p:txBody>
+          </p:sp>
+          <p:sp>
+            <p:nvSpPr>
+              <p:cNvPr id="18" name="직사각형 17">
+                <a:extLst>
+                  <a:ext uri="{FF2B5EF4-FFF2-40B4-BE49-F238E27FC236}">
+                    <a16:creationId xmlns:a16="http://schemas.microsoft.com/office/drawing/2014/main" id="{AC5984CD-DEDB-4172-BE2E-650D452ACFCA}"/>
+                  </a:ext>
+                </a:extLst>
+              </p:cNvPr>
+              <p:cNvSpPr/>
+              <p:nvPr/>
+            </p:nvSpPr>
+            <p:spPr>
+              <a:xfrm>
+                <a:off x="8371866" y="1526538"/>
+                <a:ext cx="415498" cy="369332"/>
+              </a:xfrm>
+              <a:prstGeom prst="rect">
+                <a:avLst/>
+              </a:prstGeom>
+            </p:spPr>
+            <p:txBody>
+              <a:bodyPr wrap="square">
+                <a:spAutoFit/>
+              </a:bodyPr>
+              <a:lstStyle/>
+              <a:p>
+                <a:r>
+                  <a:rPr lang="en-US" altLang="ko-KR" dirty="0"/>
+                  <a:t>④</a:t>
+                </a:r>
+                <a:endParaRPr lang="ko-KR" altLang="en-US" dirty="0"/>
+              </a:p>
+            </p:txBody>
+          </p:sp>
+        </p:grpSp>
+        <p:sp>
+          <p:nvSpPr>
+            <p:cNvPr id="30" name="직사각형 29">
+              <a:extLst>
+                <a:ext uri="{FF2B5EF4-FFF2-40B4-BE49-F238E27FC236}">
+                  <a16:creationId xmlns:a16="http://schemas.microsoft.com/office/drawing/2014/main" id="{F69CAD23-F0E9-4C1E-ABA3-E52D1C5A2467}"/>
+                </a:ext>
+              </a:extLst>
+            </p:cNvPr>
+            <p:cNvSpPr/>
+            <p:nvPr/>
+          </p:nvSpPr>
+          <p:spPr>
+            <a:xfrm>
+              <a:off x="9111970" y="1149297"/>
+              <a:ext cx="2048933" cy="1083734"/>
+            </a:xfrm>
+            <a:prstGeom prst="rect">
+              <a:avLst/>
+            </a:prstGeom>
             <a:solidFill>
-              <a:schemeClr val="accent2"/>
+              <a:schemeClr val="bg1"/>
             </a:solidFill>
-          </a:ln>
-        </p:spPr>
-        <p:style>
-          <a:lnRef idx="2">
-            <a:schemeClr val="accent1">
-              <a:shade val="50000"/>
-            </a:schemeClr>
-          </a:lnRef>
-          <a:fillRef idx="1">
-            <a:schemeClr val="accent1"/>
-          </a:fillRef>
-          <a:effectRef idx="0">
-            <a:schemeClr val="accent1"/>
-          </a:effectRef>
-          <a:fontRef idx="minor">
-            <a:schemeClr val="lt1"/>
-          </a:fontRef>
-        </p:style>
-        <p:txBody>
-          <a:bodyPr rtlCol="0" anchor="ctr"/>
-          <a:lstStyle/>
-          <a:p>
-            <a:pPr algn="ctr"/>
-            <a:r>
-              <a:rPr lang="en-US" altLang="ko-KR"/>
-              <a:t>③</a:t>
-            </a:r>
-            <a:endParaRPr lang="ko-KR" altLang="en-US"/>
-          </a:p>
-        </p:txBody>
-      </p:sp>
-      <p:sp>
-        <p:nvSpPr>
-          <p:cNvPr id="4" name="직사각형 3">
-            <a:extLst>
-              <a:ext uri="{FF2B5EF4-FFF2-40B4-BE49-F238E27FC236}">
-                <a16:creationId xmlns:a16="http://schemas.microsoft.com/office/drawing/2014/main" id="{ABE506B9-0200-4E9D-9FB7-C64EC15DC6F2}"/>
-              </a:ext>
-            </a:extLst>
-          </p:cNvPr>
-          <p:cNvSpPr/>
-          <p:nvPr/>
-        </p:nvSpPr>
-        <p:spPr>
-          <a:xfrm>
-            <a:off x="1940169" y="766748"/>
-            <a:ext cx="2082439" cy="1083734"/>
-          </a:xfrm>
-          <a:prstGeom prst="rect">
-            <a:avLst/>
-          </a:prstGeom>
-          <a:solidFill>
-            <a:schemeClr val="bg1"/>
-          </a:solidFill>
-        </p:spPr>
-        <p:style>
-          <a:lnRef idx="2">
-            <a:schemeClr val="accent1">
-              <a:shade val="50000"/>
-            </a:schemeClr>
-          </a:lnRef>
-          <a:fillRef idx="1">
-            <a:schemeClr val="accent1"/>
-          </a:fillRef>
-          <a:effectRef idx="0">
-            <a:schemeClr val="accent1"/>
-          </a:effectRef>
-          <a:fontRef idx="minor">
-            <a:schemeClr val="lt1"/>
-          </a:fontRef>
-        </p:style>
-        <p:txBody>
-          <a:bodyPr rtlCol="0" anchor="ctr"/>
-          <a:lstStyle/>
-          <a:p>
-            <a:pPr algn="ctr"/>
-            <a:r>
-              <a:rPr lang="en-US" altLang="ko-KR" dirty="0">
+            <a:ln>
+              <a:solidFill>
+                <a:schemeClr val="accent2"/>
+              </a:solidFill>
+            </a:ln>
+          </p:spPr>
+          <p:style>
+            <a:lnRef idx="2">
+              <a:schemeClr val="accent1">
+                <a:shade val="50000"/>
+              </a:schemeClr>
+            </a:lnRef>
+            <a:fillRef idx="1">
+              <a:schemeClr val="accent1"/>
+            </a:fillRef>
+            <a:effectRef idx="0">
+              <a:schemeClr val="accent1"/>
+            </a:effectRef>
+            <a:fontRef idx="minor">
+              <a:schemeClr val="lt1"/>
+            </a:fontRef>
+          </p:style>
+          <p:txBody>
+            <a:bodyPr rtlCol="0" anchor="ctr"/>
+            <a:lstStyle/>
+            <a:p>
+              <a:pPr algn="ctr"/>
+              <a:r>
+                <a:rPr lang="en-US" altLang="ko-KR" dirty="0">
+                  <a:solidFill>
+                    <a:schemeClr val="tx1"/>
+                  </a:solidFill>
+                </a:rPr>
+                <a:t>Game Server</a:t>
+              </a:r>
+            </a:p>
+            <a:p>
+              <a:pPr algn="ctr"/>
+              <a:r>
+                <a:rPr lang="en-US" altLang="ko-KR" dirty="0">
+                  <a:solidFill>
+                    <a:schemeClr val="tx1"/>
+                  </a:solidFill>
+                </a:rPr>
+                <a:t>Thread</a:t>
+              </a:r>
+              <a:endParaRPr lang="ko-KR" altLang="en-US" dirty="0">
                 <a:solidFill>
                   <a:schemeClr val="tx1"/>
                 </a:solidFill>
-              </a:rPr>
-              <a:t>Player</a:t>
-            </a:r>
-            <a:endParaRPr lang="ko-KR" altLang="en-US" dirty="0">
+              </a:endParaRPr>
+            </a:p>
+          </p:txBody>
+        </p:sp>
+        <p:cxnSp>
+          <p:nvCxnSpPr>
+            <p:cNvPr id="31" name="직선 화살표 연결선 30">
+              <a:extLst>
+                <a:ext uri="{FF2B5EF4-FFF2-40B4-BE49-F238E27FC236}">
+                  <a16:creationId xmlns:a16="http://schemas.microsoft.com/office/drawing/2014/main" id="{3F25B4AE-4FBE-443B-A569-04A0081A8CC9}"/>
+                </a:ext>
+              </a:extLst>
+            </p:cNvPr>
+            <p:cNvCxnSpPr>
+              <a:cxnSpLocks/>
+              <a:endCxn id="30" idx="2"/>
+            </p:cNvCxnSpPr>
+            <p:nvPr/>
+          </p:nvCxnSpPr>
+          <p:spPr>
+            <a:xfrm flipV="1">
+              <a:off x="10136437" y="2233031"/>
+              <a:ext cx="0" cy="484639"/>
+            </a:xfrm>
+            <a:prstGeom prst="straightConnector1">
+              <a:avLst/>
+            </a:prstGeom>
+            <a:ln w="38100" cap="flat" cmpd="sng" algn="ctr">
               <a:solidFill>
-                <a:schemeClr val="tx1"/>
+                <a:schemeClr val="dk1"/>
               </a:solidFill>
-            </a:endParaRPr>
-          </a:p>
-        </p:txBody>
-      </p:sp>
-      <p:sp>
-        <p:nvSpPr>
-          <p:cNvPr id="5" name="직사각형 4">
-            <a:extLst>
-              <a:ext uri="{FF2B5EF4-FFF2-40B4-BE49-F238E27FC236}">
-                <a16:creationId xmlns:a16="http://schemas.microsoft.com/office/drawing/2014/main" id="{DDF63014-3FB8-4D07-95FB-874C0491B7E5}"/>
-              </a:ext>
-            </a:extLst>
-          </p:cNvPr>
-          <p:cNvSpPr/>
-          <p:nvPr/>
-        </p:nvSpPr>
-        <p:spPr>
-          <a:xfrm>
-            <a:off x="1940168" y="2774942"/>
-            <a:ext cx="2082439" cy="1083734"/>
-          </a:xfrm>
-          <a:prstGeom prst="rect">
-            <a:avLst/>
-          </a:prstGeom>
-          <a:solidFill>
-            <a:schemeClr val="bg1"/>
-          </a:solidFill>
-        </p:spPr>
-        <p:style>
-          <a:lnRef idx="2">
-            <a:schemeClr val="accent1">
-              <a:shade val="50000"/>
-            </a:schemeClr>
-          </a:lnRef>
-          <a:fillRef idx="1">
-            <a:schemeClr val="accent1"/>
-          </a:fillRef>
-          <a:effectRef idx="0">
-            <a:schemeClr val="accent1"/>
-          </a:effectRef>
-          <a:fontRef idx="minor">
-            <a:schemeClr val="lt1"/>
-          </a:fontRef>
-        </p:style>
-        <p:txBody>
-          <a:bodyPr rtlCol="0" anchor="ctr"/>
-          <a:lstStyle/>
-          <a:p>
-            <a:pPr algn="ctr"/>
-            <a:r>
-              <a:rPr lang="en-US" altLang="ko-KR" dirty="0">
-                <a:solidFill>
-                  <a:schemeClr val="tx1"/>
-                </a:solidFill>
-              </a:rPr>
-              <a:t>Player</a:t>
-            </a:r>
-            <a:endParaRPr lang="ko-KR" altLang="en-US" dirty="0">
+              <a:prstDash val="solid"/>
+              <a:round/>
+              <a:headEnd type="arrow" w="med" len="med"/>
+              <a:tailEnd type="arrow" w="med" len="med"/>
+            </a:ln>
+          </p:spPr>
+          <p:style>
+            <a:lnRef idx="0">
+              <a:scrgbClr r="0" g="0" b="0"/>
+            </a:lnRef>
+            <a:fillRef idx="0">
+              <a:scrgbClr r="0" g="0" b="0"/>
+            </a:fillRef>
+            <a:effectRef idx="0">
+              <a:scrgbClr r="0" g="0" b="0"/>
+            </a:effectRef>
+            <a:fontRef idx="minor">
+              <a:schemeClr val="tx1"/>
+            </a:fontRef>
+          </p:style>
+        </p:cxnSp>
+        <p:sp>
+          <p:nvSpPr>
+            <p:cNvPr id="24" name="직사각형 23">
+              <a:extLst>
+                <a:ext uri="{FF2B5EF4-FFF2-40B4-BE49-F238E27FC236}">
+                  <a16:creationId xmlns:a16="http://schemas.microsoft.com/office/drawing/2014/main" id="{EEDB7CAF-7CCD-4919-91B7-5D2378A6C9EF}"/>
+                </a:ext>
+              </a:extLst>
+            </p:cNvPr>
+            <p:cNvSpPr/>
+            <p:nvPr/>
+          </p:nvSpPr>
+          <p:spPr>
+            <a:xfrm>
+              <a:off x="4561860" y="1170169"/>
+              <a:ext cx="415498" cy="369332"/>
+            </a:xfrm>
+            <a:prstGeom prst="rect">
+              <a:avLst/>
+            </a:prstGeom>
+          </p:spPr>
+          <p:txBody>
+            <a:bodyPr wrap="none">
+              <a:spAutoFit/>
+            </a:bodyPr>
+            <a:lstStyle/>
+            <a:p>
+              <a:r>
+                <a:rPr lang="en-US" altLang="ko-KR" dirty="0"/>
+                <a:t>⑤</a:t>
+              </a:r>
+              <a:endParaRPr lang="ko-KR" altLang="en-US" dirty="0"/>
+            </a:p>
+          </p:txBody>
+        </p:sp>
+        <p:sp>
+          <p:nvSpPr>
+            <p:cNvPr id="19" name="직사각형 18">
+              <a:extLst>
+                <a:ext uri="{FF2B5EF4-FFF2-40B4-BE49-F238E27FC236}">
+                  <a16:creationId xmlns:a16="http://schemas.microsoft.com/office/drawing/2014/main" id="{7B735B00-3B70-415A-B1AE-FB9D2C296720}"/>
+                </a:ext>
+              </a:extLst>
+            </p:cNvPr>
+            <p:cNvSpPr/>
+            <p:nvPr/>
+          </p:nvSpPr>
+          <p:spPr>
+            <a:xfrm>
+              <a:off x="8162613" y="3959509"/>
+              <a:ext cx="415498" cy="369332"/>
+            </a:xfrm>
+            <a:prstGeom prst="rect">
+              <a:avLst/>
+            </a:prstGeom>
+          </p:spPr>
+          <p:txBody>
+            <a:bodyPr wrap="none">
+              <a:spAutoFit/>
+            </a:bodyPr>
+            <a:lstStyle/>
+            <a:p>
+              <a:r>
+                <a:rPr lang="en-US" altLang="ko-KR" dirty="0"/>
+                <a:t>④</a:t>
+              </a:r>
+              <a:endParaRPr lang="ko-KR" altLang="en-US" dirty="0"/>
+            </a:p>
+          </p:txBody>
+        </p:sp>
+        <p:sp>
+          <p:nvSpPr>
+            <p:cNvPr id="16" name="타원 15">
+              <a:extLst>
+                <a:ext uri="{FF2B5EF4-FFF2-40B4-BE49-F238E27FC236}">
+                  <a16:creationId xmlns:a16="http://schemas.microsoft.com/office/drawing/2014/main" id="{68F8B712-4067-4CFC-BB54-BF1DE7882320}"/>
+                </a:ext>
+              </a:extLst>
+            </p:cNvPr>
+            <p:cNvSpPr/>
+            <p:nvPr/>
+          </p:nvSpPr>
+          <p:spPr>
+            <a:xfrm>
+              <a:off x="9278056" y="2787446"/>
+              <a:ext cx="1719157" cy="978829"/>
+            </a:xfrm>
+            <a:prstGeom prst="ellipse">
+              <a:avLst/>
+            </a:prstGeom>
+            <a:solidFill>
+              <a:schemeClr val="bg1"/>
+            </a:solidFill>
+            <a:ln>
               <a:solidFill>
-                <a:schemeClr val="tx1"/>
+                <a:schemeClr val="accent2"/>
               </a:solidFill>
-            </a:endParaRPr>
-          </a:p>
-        </p:txBody>
-      </p:sp>
-      <p:sp>
-        <p:nvSpPr>
-          <p:cNvPr id="6" name="직사각형 5">
-            <a:extLst>
-              <a:ext uri="{FF2B5EF4-FFF2-40B4-BE49-F238E27FC236}">
-                <a16:creationId xmlns:a16="http://schemas.microsoft.com/office/drawing/2014/main" id="{3243FBC4-F98D-4EB2-8FAE-E043A7A7A540}"/>
-              </a:ext>
-            </a:extLst>
-          </p:cNvPr>
-          <p:cNvSpPr/>
-          <p:nvPr/>
-        </p:nvSpPr>
-        <p:spPr>
-          <a:xfrm>
-            <a:off x="1940171" y="4783136"/>
-            <a:ext cx="2082439" cy="1083734"/>
-          </a:xfrm>
-          <a:prstGeom prst="rect">
-            <a:avLst/>
-          </a:prstGeom>
-          <a:solidFill>
-            <a:schemeClr val="bg1"/>
-          </a:solidFill>
-        </p:spPr>
-        <p:style>
-          <a:lnRef idx="2">
-            <a:schemeClr val="accent1">
-              <a:shade val="50000"/>
-            </a:schemeClr>
-          </a:lnRef>
-          <a:fillRef idx="1">
-            <a:schemeClr val="accent1"/>
-          </a:fillRef>
-          <a:effectRef idx="0">
-            <a:schemeClr val="accent1"/>
-          </a:effectRef>
-          <a:fontRef idx="minor">
-            <a:schemeClr val="lt1"/>
-          </a:fontRef>
-        </p:style>
-        <p:txBody>
-          <a:bodyPr rtlCol="0" anchor="ctr"/>
-          <a:lstStyle/>
-          <a:p>
-            <a:pPr algn="ctr"/>
-            <a:r>
-              <a:rPr lang="en-US" altLang="ko-KR" dirty="0">
-                <a:solidFill>
-                  <a:schemeClr val="tx1"/>
-                </a:solidFill>
-              </a:rPr>
-              <a:t>Player</a:t>
-            </a:r>
-            <a:endParaRPr lang="ko-KR" altLang="en-US" dirty="0">
-              <a:solidFill>
-                <a:schemeClr val="tx1"/>
-              </a:solidFill>
-            </a:endParaRPr>
-          </a:p>
-        </p:txBody>
-      </p:sp>
-      <p:sp>
-        <p:nvSpPr>
-          <p:cNvPr id="7" name="직사각형 6">
-            <a:extLst>
-              <a:ext uri="{FF2B5EF4-FFF2-40B4-BE49-F238E27FC236}">
-                <a16:creationId xmlns:a16="http://schemas.microsoft.com/office/drawing/2014/main" id="{D3CBBF5A-0E97-43F9-B104-0FA8FB73B20C}"/>
-              </a:ext>
-            </a:extLst>
-          </p:cNvPr>
-          <p:cNvSpPr/>
-          <p:nvPr/>
-        </p:nvSpPr>
-        <p:spPr>
-          <a:xfrm>
-            <a:off x="9120359" y="2774942"/>
-            <a:ext cx="2048933" cy="1083734"/>
-          </a:xfrm>
-          <a:prstGeom prst="rect">
-            <a:avLst/>
-          </a:prstGeom>
-          <a:solidFill>
-            <a:schemeClr val="bg1"/>
-          </a:solidFill>
-          <a:ln>
-            <a:solidFill>
-              <a:schemeClr val="accent2"/>
-            </a:solidFill>
-          </a:ln>
-        </p:spPr>
-        <p:style>
-          <a:lnRef idx="2">
-            <a:schemeClr val="accent1">
-              <a:shade val="50000"/>
-            </a:schemeClr>
-          </a:lnRef>
-          <a:fillRef idx="1">
-            <a:schemeClr val="accent1"/>
-          </a:fillRef>
-          <a:effectRef idx="0">
-            <a:schemeClr val="accent1"/>
-          </a:effectRef>
-          <a:fontRef idx="minor">
-            <a:schemeClr val="lt1"/>
-          </a:fontRef>
-        </p:style>
-        <p:txBody>
-          <a:bodyPr rtlCol="0" anchor="ctr"/>
-          <a:lstStyle/>
-          <a:p>
-            <a:pPr algn="ctr"/>
-            <a:r>
-              <a:rPr lang="en-US" altLang="ko-KR" dirty="0">
-                <a:solidFill>
-                  <a:schemeClr val="tx1"/>
-                </a:solidFill>
-              </a:rPr>
-              <a:t>Server Update</a:t>
-            </a:r>
-          </a:p>
-          <a:p>
-            <a:pPr algn="ctr"/>
-            <a:r>
-              <a:rPr lang="en-US" altLang="ko-KR" dirty="0">
-                <a:solidFill>
-                  <a:schemeClr val="tx1"/>
-                </a:solidFill>
-              </a:rPr>
-              <a:t>Thread</a:t>
-            </a:r>
-            <a:endParaRPr lang="ko-KR" altLang="en-US" dirty="0">
-              <a:solidFill>
-                <a:schemeClr val="tx1"/>
-              </a:solidFill>
-            </a:endParaRPr>
-          </a:p>
-        </p:txBody>
-      </p:sp>
-      <p:sp>
-        <p:nvSpPr>
-          <p:cNvPr id="8" name="직사각형 7">
-            <a:extLst>
-              <a:ext uri="{FF2B5EF4-FFF2-40B4-BE49-F238E27FC236}">
-                <a16:creationId xmlns:a16="http://schemas.microsoft.com/office/drawing/2014/main" id="{3CAAB711-9981-4D5A-8482-2FA8CD8C207F}"/>
-              </a:ext>
-            </a:extLst>
-          </p:cNvPr>
-          <p:cNvSpPr/>
-          <p:nvPr/>
-        </p:nvSpPr>
-        <p:spPr>
-          <a:xfrm>
-            <a:off x="5547016" y="2774942"/>
-            <a:ext cx="2048933" cy="1083734"/>
-          </a:xfrm>
-          <a:prstGeom prst="rect">
-            <a:avLst/>
-          </a:prstGeom>
-          <a:solidFill>
-            <a:schemeClr val="bg1"/>
-          </a:solidFill>
-          <a:ln>
-            <a:solidFill>
-              <a:schemeClr val="accent2"/>
-            </a:solidFill>
-          </a:ln>
-        </p:spPr>
-        <p:style>
-          <a:lnRef idx="2">
-            <a:schemeClr val="accent1">
-              <a:shade val="50000"/>
-            </a:schemeClr>
-          </a:lnRef>
-          <a:fillRef idx="1">
-            <a:schemeClr val="accent1"/>
-          </a:fillRef>
-          <a:effectRef idx="0">
-            <a:schemeClr val="accent1"/>
-          </a:effectRef>
-          <a:fontRef idx="minor">
-            <a:schemeClr val="lt1"/>
-          </a:fontRef>
-        </p:style>
-        <p:txBody>
-          <a:bodyPr rtlCol="0" anchor="ctr"/>
-          <a:lstStyle/>
-          <a:p>
-            <a:pPr algn="ctr"/>
-            <a:r>
-              <a:rPr lang="en-US" altLang="ko-KR" dirty="0">
-                <a:solidFill>
-                  <a:schemeClr val="tx1"/>
-                </a:solidFill>
-              </a:rPr>
-              <a:t>Communication</a:t>
-            </a:r>
-          </a:p>
-          <a:p>
-            <a:pPr algn="ctr"/>
-            <a:r>
-              <a:rPr lang="en-US" altLang="ko-KR" dirty="0">
-                <a:solidFill>
-                  <a:schemeClr val="tx1"/>
-                </a:solidFill>
-              </a:rPr>
-              <a:t>Player</a:t>
-            </a:r>
-            <a:endParaRPr lang="ko-KR" altLang="en-US" dirty="0">
-              <a:solidFill>
-                <a:schemeClr val="tx1"/>
-              </a:solidFill>
-            </a:endParaRPr>
-          </a:p>
-        </p:txBody>
-      </p:sp>
-      <p:sp>
-        <p:nvSpPr>
-          <p:cNvPr id="9" name="직사각형 8">
-            <a:extLst>
-              <a:ext uri="{FF2B5EF4-FFF2-40B4-BE49-F238E27FC236}">
-                <a16:creationId xmlns:a16="http://schemas.microsoft.com/office/drawing/2014/main" id="{CD3C42DA-DA80-4D68-A11D-B0F4BBD4E2A6}"/>
-              </a:ext>
-            </a:extLst>
-          </p:cNvPr>
-          <p:cNvSpPr/>
-          <p:nvPr/>
-        </p:nvSpPr>
-        <p:spPr>
-          <a:xfrm>
-            <a:off x="5547015" y="4783136"/>
-            <a:ext cx="2048933" cy="1083734"/>
-          </a:xfrm>
-          <a:prstGeom prst="rect">
-            <a:avLst/>
-          </a:prstGeom>
-          <a:solidFill>
-            <a:schemeClr val="bg1"/>
-          </a:solidFill>
-          <a:ln>
-            <a:solidFill>
-              <a:schemeClr val="accent2"/>
-            </a:solidFill>
-          </a:ln>
-        </p:spPr>
-        <p:style>
-          <a:lnRef idx="2">
-            <a:schemeClr val="accent1">
-              <a:shade val="50000"/>
-            </a:schemeClr>
-          </a:lnRef>
-          <a:fillRef idx="1">
-            <a:schemeClr val="accent1"/>
-          </a:fillRef>
-          <a:effectRef idx="0">
-            <a:schemeClr val="accent1"/>
-          </a:effectRef>
-          <a:fontRef idx="minor">
-            <a:schemeClr val="lt1"/>
-          </a:fontRef>
-        </p:style>
-        <p:txBody>
-          <a:bodyPr rtlCol="0" anchor="ctr"/>
-          <a:lstStyle/>
-          <a:p>
-            <a:pPr algn="ctr"/>
-            <a:r>
-              <a:rPr lang="en-US" altLang="ko-KR" dirty="0">
-                <a:solidFill>
-                  <a:schemeClr val="tx1"/>
-                </a:solidFill>
-              </a:rPr>
-              <a:t>Communication</a:t>
-            </a:r>
-          </a:p>
-          <a:p>
-            <a:pPr algn="ctr"/>
-            <a:r>
-              <a:rPr lang="en-US" altLang="ko-KR" dirty="0">
-                <a:solidFill>
-                  <a:schemeClr val="tx1"/>
-                </a:solidFill>
-              </a:rPr>
-              <a:t>Player</a:t>
-            </a:r>
-            <a:endParaRPr lang="ko-KR" altLang="en-US" dirty="0">
-              <a:solidFill>
-                <a:schemeClr val="tx1"/>
-              </a:solidFill>
-            </a:endParaRPr>
-          </a:p>
-        </p:txBody>
-      </p:sp>
-      <p:sp>
-        <p:nvSpPr>
-          <p:cNvPr id="10" name="직사각형 9">
-            <a:extLst>
-              <a:ext uri="{FF2B5EF4-FFF2-40B4-BE49-F238E27FC236}">
-                <a16:creationId xmlns:a16="http://schemas.microsoft.com/office/drawing/2014/main" id="{E6DA318E-91DA-470D-96CE-2D223CDDA518}"/>
-              </a:ext>
-            </a:extLst>
-          </p:cNvPr>
-          <p:cNvSpPr/>
-          <p:nvPr/>
-        </p:nvSpPr>
-        <p:spPr>
-          <a:xfrm>
-            <a:off x="5547015" y="766748"/>
-            <a:ext cx="2048933" cy="1083734"/>
-          </a:xfrm>
-          <a:prstGeom prst="rect">
-            <a:avLst/>
-          </a:prstGeom>
-          <a:solidFill>
-            <a:schemeClr val="bg1"/>
-          </a:solidFill>
-          <a:ln>
-            <a:solidFill>
-              <a:schemeClr val="accent2"/>
-            </a:solidFill>
-          </a:ln>
-        </p:spPr>
-        <p:style>
-          <a:lnRef idx="2">
-            <a:schemeClr val="accent1">
-              <a:shade val="50000"/>
-            </a:schemeClr>
-          </a:lnRef>
-          <a:fillRef idx="1">
-            <a:schemeClr val="accent1"/>
-          </a:fillRef>
-          <a:effectRef idx="0">
-            <a:schemeClr val="accent1"/>
-          </a:effectRef>
-          <a:fontRef idx="minor">
-            <a:schemeClr val="lt1"/>
-          </a:fontRef>
-        </p:style>
-        <p:txBody>
-          <a:bodyPr rtlCol="0" anchor="ctr"/>
-          <a:lstStyle/>
-          <a:p>
-            <a:pPr algn="ctr"/>
-            <a:r>
-              <a:rPr lang="en-US" altLang="ko-KR" dirty="0">
-                <a:solidFill>
-                  <a:schemeClr val="tx1"/>
-                </a:solidFill>
-              </a:rPr>
-              <a:t>Communication</a:t>
-            </a:r>
-          </a:p>
-          <a:p>
-            <a:pPr algn="ctr"/>
-            <a:r>
-              <a:rPr lang="en-US" altLang="ko-KR" dirty="0">
-                <a:solidFill>
-                  <a:schemeClr val="tx1"/>
-                </a:solidFill>
-              </a:rPr>
-              <a:t>Player</a:t>
-            </a:r>
-            <a:endParaRPr lang="ko-KR" altLang="en-US" dirty="0">
-              <a:solidFill>
-                <a:schemeClr val="tx1"/>
-              </a:solidFill>
-            </a:endParaRPr>
-          </a:p>
-        </p:txBody>
-      </p:sp>
-      <p:cxnSp>
-        <p:nvCxnSpPr>
-          <p:cNvPr id="14" name="직선 화살표 연결선 13">
-            <a:extLst>
-              <a:ext uri="{FF2B5EF4-FFF2-40B4-BE49-F238E27FC236}">
-                <a16:creationId xmlns:a16="http://schemas.microsoft.com/office/drawing/2014/main" id="{EC6B0058-97AE-427B-BBC4-5C3000A09F48}"/>
-              </a:ext>
-            </a:extLst>
-          </p:cNvPr>
-          <p:cNvCxnSpPr>
-            <a:cxnSpLocks/>
-          </p:cNvCxnSpPr>
-          <p:nvPr/>
-        </p:nvCxnSpPr>
-        <p:spPr>
-          <a:xfrm>
-            <a:off x="4022607" y="3382228"/>
-            <a:ext cx="1524407" cy="0"/>
-          </a:xfrm>
-          <a:prstGeom prst="straightConnector1">
-            <a:avLst/>
-          </a:prstGeom>
-          <a:ln w="38100" cap="flat" cmpd="sng" algn="ctr">
-            <a:solidFill>
-              <a:schemeClr val="dk1"/>
-            </a:solidFill>
-            <a:prstDash val="solid"/>
-            <a:round/>
-            <a:headEnd type="arrow" w="med" len="med"/>
-            <a:tailEnd type="arrow" w="med" len="med"/>
-          </a:ln>
-        </p:spPr>
-        <p:style>
-          <a:lnRef idx="0">
-            <a:scrgbClr r="0" g="0" b="0"/>
-          </a:lnRef>
-          <a:fillRef idx="0">
-            <a:scrgbClr r="0" g="0" b="0"/>
-          </a:fillRef>
-          <a:effectRef idx="0">
-            <a:scrgbClr r="0" g="0" b="0"/>
-          </a:effectRef>
-          <a:fontRef idx="minor">
-            <a:schemeClr val="tx1"/>
-          </a:fontRef>
-        </p:style>
-      </p:cxnSp>
-      <p:cxnSp>
-        <p:nvCxnSpPr>
-          <p:cNvPr id="17" name="직선 화살표 연결선 16">
-            <a:extLst>
-              <a:ext uri="{FF2B5EF4-FFF2-40B4-BE49-F238E27FC236}">
-                <a16:creationId xmlns:a16="http://schemas.microsoft.com/office/drawing/2014/main" id="{4B06E0F2-F52E-4727-BE92-221A583F1354}"/>
-              </a:ext>
-            </a:extLst>
-          </p:cNvPr>
-          <p:cNvCxnSpPr>
-            <a:cxnSpLocks/>
-          </p:cNvCxnSpPr>
-          <p:nvPr/>
-        </p:nvCxnSpPr>
-        <p:spPr>
-          <a:xfrm>
-            <a:off x="7629444" y="1562420"/>
-            <a:ext cx="1490915" cy="1443427"/>
-          </a:xfrm>
-          <a:prstGeom prst="straightConnector1">
-            <a:avLst/>
-          </a:prstGeom>
-          <a:ln w="38100">
-            <a:tailEnd type="triangle"/>
-          </a:ln>
-        </p:spPr>
-        <p:style>
-          <a:lnRef idx="3">
-            <a:schemeClr val="dk1"/>
-          </a:lnRef>
-          <a:fillRef idx="0">
-            <a:schemeClr val="dk1"/>
-          </a:fillRef>
-          <a:effectRef idx="2">
-            <a:schemeClr val="dk1"/>
-          </a:effectRef>
-          <a:fontRef idx="minor">
-            <a:schemeClr val="tx1"/>
-          </a:fontRef>
-        </p:style>
-      </p:cxnSp>
-      <p:cxnSp>
-        <p:nvCxnSpPr>
-          <p:cNvPr id="26" name="직선 화살표 연결선 25">
-            <a:extLst>
-              <a:ext uri="{FF2B5EF4-FFF2-40B4-BE49-F238E27FC236}">
-                <a16:creationId xmlns:a16="http://schemas.microsoft.com/office/drawing/2014/main" id="{3789D7A0-5A46-4F1B-AA6C-A921A8F33D07}"/>
-              </a:ext>
-            </a:extLst>
-          </p:cNvPr>
-          <p:cNvCxnSpPr>
-            <a:cxnSpLocks/>
-          </p:cNvCxnSpPr>
-          <p:nvPr/>
-        </p:nvCxnSpPr>
-        <p:spPr>
-          <a:xfrm>
-            <a:off x="4022603" y="1126344"/>
-            <a:ext cx="1524408" cy="11835"/>
-          </a:xfrm>
-          <a:prstGeom prst="straightConnector1">
-            <a:avLst/>
-          </a:prstGeom>
-          <a:ln w="38100">
-            <a:tailEnd type="triangle"/>
-          </a:ln>
-        </p:spPr>
-        <p:style>
-          <a:lnRef idx="3">
-            <a:schemeClr val="dk1"/>
-          </a:lnRef>
-          <a:fillRef idx="0">
-            <a:schemeClr val="dk1"/>
-          </a:fillRef>
-          <a:effectRef idx="2">
-            <a:schemeClr val="dk1"/>
-          </a:effectRef>
-          <a:fontRef idx="minor">
-            <a:schemeClr val="tx1"/>
-          </a:fontRef>
-        </p:style>
-      </p:cxnSp>
-      <p:cxnSp>
-        <p:nvCxnSpPr>
-          <p:cNvPr id="27" name="직선 화살표 연결선 26">
-            <a:extLst>
-              <a:ext uri="{FF2B5EF4-FFF2-40B4-BE49-F238E27FC236}">
-                <a16:creationId xmlns:a16="http://schemas.microsoft.com/office/drawing/2014/main" id="{522E3C15-87D7-46F2-A110-AD84B25FD09C}"/>
-              </a:ext>
-            </a:extLst>
-          </p:cNvPr>
-          <p:cNvCxnSpPr>
-            <a:cxnSpLocks/>
-          </p:cNvCxnSpPr>
-          <p:nvPr/>
-        </p:nvCxnSpPr>
-        <p:spPr>
-          <a:xfrm flipH="1">
-            <a:off x="4022603" y="1539886"/>
-            <a:ext cx="1524407" cy="0"/>
-          </a:xfrm>
-          <a:prstGeom prst="straightConnector1">
-            <a:avLst/>
-          </a:prstGeom>
-          <a:ln w="38100">
-            <a:tailEnd type="triangle"/>
-          </a:ln>
-        </p:spPr>
-        <p:style>
-          <a:lnRef idx="3">
-            <a:schemeClr val="dk1"/>
-          </a:lnRef>
-          <a:fillRef idx="0">
-            <a:schemeClr val="dk1"/>
-          </a:fillRef>
-          <a:effectRef idx="2">
-            <a:schemeClr val="dk1"/>
-          </a:effectRef>
-          <a:fontRef idx="minor">
-            <a:schemeClr val="tx1"/>
-          </a:fontRef>
-        </p:style>
-      </p:cxnSp>
-      <p:cxnSp>
-        <p:nvCxnSpPr>
-          <p:cNvPr id="28" name="직선 화살표 연결선 27">
-            <a:extLst>
-              <a:ext uri="{FF2B5EF4-FFF2-40B4-BE49-F238E27FC236}">
-                <a16:creationId xmlns:a16="http://schemas.microsoft.com/office/drawing/2014/main" id="{013157FB-690C-43C1-B309-E7706D273673}"/>
-              </a:ext>
-            </a:extLst>
-          </p:cNvPr>
-          <p:cNvCxnSpPr>
-            <a:cxnSpLocks/>
-          </p:cNvCxnSpPr>
-          <p:nvPr/>
-        </p:nvCxnSpPr>
-        <p:spPr>
-          <a:xfrm>
-            <a:off x="4022603" y="5325003"/>
-            <a:ext cx="1524407" cy="0"/>
-          </a:xfrm>
-          <a:prstGeom prst="straightConnector1">
-            <a:avLst/>
-          </a:prstGeom>
-          <a:ln w="38100" cap="flat" cmpd="sng" algn="ctr">
-            <a:solidFill>
-              <a:schemeClr val="dk1"/>
-            </a:solidFill>
-            <a:prstDash val="solid"/>
-            <a:round/>
-            <a:headEnd type="arrow" w="med" len="med"/>
-            <a:tailEnd type="arrow" w="med" len="med"/>
-          </a:ln>
-        </p:spPr>
-        <p:style>
-          <a:lnRef idx="0">
-            <a:scrgbClr r="0" g="0" b="0"/>
-          </a:lnRef>
-          <a:fillRef idx="0">
-            <a:scrgbClr r="0" g="0" b="0"/>
-          </a:fillRef>
-          <a:effectRef idx="0">
-            <a:scrgbClr r="0" g="0" b="0"/>
-          </a:effectRef>
-          <a:fontRef idx="minor">
-            <a:schemeClr val="tx1"/>
-          </a:fontRef>
-        </p:style>
-      </p:cxnSp>
-      <p:cxnSp>
-        <p:nvCxnSpPr>
-          <p:cNvPr id="29" name="직선 화살표 연결선 28">
-            <a:extLst>
-              <a:ext uri="{FF2B5EF4-FFF2-40B4-BE49-F238E27FC236}">
-                <a16:creationId xmlns:a16="http://schemas.microsoft.com/office/drawing/2014/main" id="{A4AC8764-957C-4146-B48F-1A1D41F45EAC}"/>
-              </a:ext>
-            </a:extLst>
-          </p:cNvPr>
-          <p:cNvCxnSpPr>
-            <a:cxnSpLocks/>
-          </p:cNvCxnSpPr>
-          <p:nvPr/>
-        </p:nvCxnSpPr>
-        <p:spPr>
-          <a:xfrm flipH="1" flipV="1">
-            <a:off x="7629443" y="1126344"/>
-            <a:ext cx="1719195" cy="1648600"/>
-          </a:xfrm>
-          <a:prstGeom prst="straightConnector1">
-            <a:avLst/>
-          </a:prstGeom>
-          <a:ln w="38100">
-            <a:tailEnd type="triangle"/>
-          </a:ln>
-        </p:spPr>
-        <p:style>
-          <a:lnRef idx="3">
-            <a:schemeClr val="dk1"/>
-          </a:lnRef>
-          <a:fillRef idx="0">
-            <a:schemeClr val="dk1"/>
-          </a:fillRef>
-          <a:effectRef idx="2">
-            <a:schemeClr val="dk1"/>
-          </a:effectRef>
-          <a:fontRef idx="minor">
-            <a:schemeClr val="tx1"/>
-          </a:fontRef>
-        </p:style>
-      </p:cxnSp>
-      <p:cxnSp>
-        <p:nvCxnSpPr>
-          <p:cNvPr id="35" name="직선 화살표 연결선 34">
-            <a:extLst>
-              <a:ext uri="{FF2B5EF4-FFF2-40B4-BE49-F238E27FC236}">
-                <a16:creationId xmlns:a16="http://schemas.microsoft.com/office/drawing/2014/main" id="{414B7731-B0FB-4B48-9F7E-41B68FB38337}"/>
-              </a:ext>
-            </a:extLst>
-          </p:cNvPr>
-          <p:cNvCxnSpPr>
-            <a:cxnSpLocks/>
-          </p:cNvCxnSpPr>
-          <p:nvPr/>
-        </p:nvCxnSpPr>
-        <p:spPr>
-          <a:xfrm>
-            <a:off x="7595952" y="3317622"/>
-            <a:ext cx="1524407" cy="0"/>
-          </a:xfrm>
-          <a:prstGeom prst="straightConnector1">
-            <a:avLst/>
-          </a:prstGeom>
-          <a:ln w="38100" cap="flat" cmpd="sng" algn="ctr">
-            <a:solidFill>
-              <a:schemeClr val="dk1"/>
-            </a:solidFill>
-            <a:prstDash val="solid"/>
-            <a:round/>
-            <a:headEnd type="arrow" w="med" len="med"/>
-            <a:tailEnd type="arrow" w="med" len="med"/>
-          </a:ln>
-        </p:spPr>
-        <p:style>
-          <a:lnRef idx="0">
-            <a:scrgbClr r="0" g="0" b="0"/>
-          </a:lnRef>
-          <a:fillRef idx="0">
-            <a:scrgbClr r="0" g="0" b="0"/>
-          </a:fillRef>
-          <a:effectRef idx="0">
-            <a:scrgbClr r="0" g="0" b="0"/>
-          </a:effectRef>
-          <a:fontRef idx="minor">
-            <a:schemeClr val="tx1"/>
-          </a:fontRef>
-        </p:style>
-      </p:cxnSp>
-      <p:cxnSp>
-        <p:nvCxnSpPr>
-          <p:cNvPr id="36" name="직선 화살표 연결선 35">
-            <a:extLst>
-              <a:ext uri="{FF2B5EF4-FFF2-40B4-BE49-F238E27FC236}">
-                <a16:creationId xmlns:a16="http://schemas.microsoft.com/office/drawing/2014/main" id="{7C7E76D7-C5D7-47EC-BC9E-46467F71E933}"/>
-              </a:ext>
-            </a:extLst>
-          </p:cNvPr>
-          <p:cNvCxnSpPr>
-            <a:cxnSpLocks/>
-          </p:cNvCxnSpPr>
-          <p:nvPr/>
-        </p:nvCxnSpPr>
-        <p:spPr>
-          <a:xfrm flipV="1">
-            <a:off x="7612697" y="3657600"/>
-            <a:ext cx="1507662" cy="1661163"/>
-          </a:xfrm>
-          <a:prstGeom prst="straightConnector1">
-            <a:avLst/>
-          </a:prstGeom>
-          <a:ln w="38100" cap="flat" cmpd="sng" algn="ctr">
-            <a:solidFill>
-              <a:schemeClr val="dk1"/>
-            </a:solidFill>
-            <a:prstDash val="solid"/>
-            <a:round/>
-            <a:headEnd type="arrow" w="med" len="med"/>
-            <a:tailEnd type="arrow" w="med" len="med"/>
-          </a:ln>
-        </p:spPr>
-        <p:style>
-          <a:lnRef idx="0">
-            <a:scrgbClr r="0" g="0" b="0"/>
-          </a:lnRef>
-          <a:fillRef idx="0">
-            <a:scrgbClr r="0" g="0" b="0"/>
-          </a:fillRef>
-          <a:effectRef idx="0">
-            <a:scrgbClr r="0" g="0" b="0"/>
-          </a:effectRef>
-          <a:fontRef idx="minor">
-            <a:schemeClr val="tx1"/>
-          </a:fontRef>
-        </p:style>
-      </p:cxnSp>
-      <p:sp>
-        <p:nvSpPr>
-          <p:cNvPr id="40" name="TextBox 39">
-            <a:extLst>
-              <a:ext uri="{FF2B5EF4-FFF2-40B4-BE49-F238E27FC236}">
-                <a16:creationId xmlns:a16="http://schemas.microsoft.com/office/drawing/2014/main" id="{09E32720-50D5-480E-A74E-354EDDB96C0A}"/>
-              </a:ext>
-            </a:extLst>
-          </p:cNvPr>
-          <p:cNvSpPr txBox="1"/>
-          <p:nvPr/>
-        </p:nvSpPr>
-        <p:spPr>
-          <a:xfrm>
-            <a:off x="9298923" y="671209"/>
-            <a:ext cx="1586328" cy="369332"/>
-          </a:xfrm>
-          <a:prstGeom prst="rect">
-            <a:avLst/>
-          </a:prstGeom>
-          <a:noFill/>
-        </p:spPr>
-        <p:txBody>
-          <a:bodyPr wrap="square" rtlCol="0">
-            <a:spAutoFit/>
-          </a:bodyPr>
-          <a:lstStyle/>
-          <a:p>
-            <a:pPr algn="ctr"/>
-            <a:r>
-              <a:rPr lang="en-US" altLang="ko-KR" dirty="0"/>
-              <a:t>Server</a:t>
-            </a:r>
-            <a:endParaRPr lang="ko-KR" altLang="en-US" dirty="0"/>
-          </a:p>
-        </p:txBody>
-      </p:sp>
-      <p:sp>
-        <p:nvSpPr>
-          <p:cNvPr id="2" name="직사각형 1">
-            <a:extLst>
-              <a:ext uri="{FF2B5EF4-FFF2-40B4-BE49-F238E27FC236}">
-                <a16:creationId xmlns:a16="http://schemas.microsoft.com/office/drawing/2014/main" id="{429CAF90-A4DB-4588-94BE-7B6409ED64DB}"/>
-              </a:ext>
-            </a:extLst>
-          </p:cNvPr>
-          <p:cNvSpPr/>
-          <p:nvPr/>
-        </p:nvSpPr>
-        <p:spPr>
-          <a:xfrm>
-            <a:off x="4574032" y="773224"/>
-            <a:ext cx="415498" cy="369332"/>
-          </a:xfrm>
-          <a:prstGeom prst="rect">
-            <a:avLst/>
-          </a:prstGeom>
-        </p:spPr>
-        <p:txBody>
-          <a:bodyPr wrap="square">
-            <a:spAutoFit/>
-          </a:bodyPr>
-          <a:lstStyle/>
-          <a:p>
-            <a:r>
-              <a:rPr lang="en-US" altLang="ko-KR" dirty="0"/>
-              <a:t>①</a:t>
-            </a:r>
-            <a:endParaRPr lang="ko-KR" altLang="en-US" dirty="0"/>
-          </a:p>
-        </p:txBody>
-      </p:sp>
-      <p:sp>
-        <p:nvSpPr>
-          <p:cNvPr id="3" name="직사각형 2">
-            <a:extLst>
-              <a:ext uri="{FF2B5EF4-FFF2-40B4-BE49-F238E27FC236}">
-                <a16:creationId xmlns:a16="http://schemas.microsoft.com/office/drawing/2014/main" id="{C9CD8647-FAEE-4379-96B8-0B63E4A04035}"/>
-              </a:ext>
-            </a:extLst>
-          </p:cNvPr>
-          <p:cNvSpPr/>
-          <p:nvPr/>
-        </p:nvSpPr>
-        <p:spPr>
-          <a:xfrm>
-            <a:off x="4455447" y="3033745"/>
-            <a:ext cx="646331" cy="369332"/>
-          </a:xfrm>
-          <a:prstGeom prst="rect">
-            <a:avLst/>
-          </a:prstGeom>
-        </p:spPr>
-        <p:txBody>
-          <a:bodyPr wrap="square">
-            <a:spAutoFit/>
-          </a:bodyPr>
-          <a:lstStyle/>
-          <a:p>
-            <a:r>
-              <a:rPr lang="en-US" altLang="ko-KR" dirty="0"/>
-              <a:t>①④</a:t>
-            </a:r>
-            <a:endParaRPr lang="ko-KR" altLang="en-US" dirty="0"/>
-          </a:p>
-        </p:txBody>
-      </p:sp>
-      <p:sp>
-        <p:nvSpPr>
-          <p:cNvPr id="22" name="직사각형 21">
-            <a:extLst>
-              <a:ext uri="{FF2B5EF4-FFF2-40B4-BE49-F238E27FC236}">
-                <a16:creationId xmlns:a16="http://schemas.microsoft.com/office/drawing/2014/main" id="{EF14CE03-E4ED-4829-98CB-3F1F64352C78}"/>
-              </a:ext>
-            </a:extLst>
-          </p:cNvPr>
-          <p:cNvSpPr/>
-          <p:nvPr/>
-        </p:nvSpPr>
-        <p:spPr>
-          <a:xfrm>
-            <a:off x="4455447" y="4934823"/>
-            <a:ext cx="646331" cy="369332"/>
-          </a:xfrm>
-          <a:prstGeom prst="rect">
-            <a:avLst/>
-          </a:prstGeom>
-        </p:spPr>
-        <p:txBody>
-          <a:bodyPr wrap="square">
-            <a:spAutoFit/>
-          </a:bodyPr>
-          <a:lstStyle/>
-          <a:p>
-            <a:r>
-              <a:rPr lang="en-US" altLang="ko-KR" dirty="0"/>
-              <a:t>①④</a:t>
-            </a:r>
-            <a:endParaRPr lang="ko-KR" altLang="en-US" dirty="0"/>
-          </a:p>
-        </p:txBody>
-      </p:sp>
-      <p:sp>
-        <p:nvSpPr>
-          <p:cNvPr id="11" name="직사각형 10">
-            <a:extLst>
-              <a:ext uri="{FF2B5EF4-FFF2-40B4-BE49-F238E27FC236}">
-                <a16:creationId xmlns:a16="http://schemas.microsoft.com/office/drawing/2014/main" id="{96269C44-7EC7-4355-AED5-43DFA4AAC24F}"/>
-              </a:ext>
-            </a:extLst>
-          </p:cNvPr>
-          <p:cNvSpPr/>
-          <p:nvPr/>
-        </p:nvSpPr>
-        <p:spPr>
-          <a:xfrm>
-            <a:off x="7959403" y="2148204"/>
-            <a:ext cx="415498" cy="369332"/>
-          </a:xfrm>
-          <a:prstGeom prst="rect">
-            <a:avLst/>
-          </a:prstGeom>
-        </p:spPr>
-        <p:txBody>
-          <a:bodyPr wrap="square">
-            <a:spAutoFit/>
-          </a:bodyPr>
-          <a:lstStyle/>
-          <a:p>
-            <a:r>
-              <a:rPr lang="en-US" altLang="ko-KR" dirty="0"/>
-              <a:t>②</a:t>
-            </a:r>
-            <a:endParaRPr lang="ko-KR" altLang="en-US" dirty="0"/>
-          </a:p>
-        </p:txBody>
-      </p:sp>
-      <p:sp>
-        <p:nvSpPr>
-          <p:cNvPr id="12" name="직사각형 11">
-            <a:extLst>
-              <a:ext uri="{FF2B5EF4-FFF2-40B4-BE49-F238E27FC236}">
-                <a16:creationId xmlns:a16="http://schemas.microsoft.com/office/drawing/2014/main" id="{BD0E7A1D-0B60-4D74-BBDC-AB64F2D264E5}"/>
-              </a:ext>
-            </a:extLst>
-          </p:cNvPr>
-          <p:cNvSpPr/>
-          <p:nvPr/>
-        </p:nvSpPr>
-        <p:spPr>
-          <a:xfrm>
-            <a:off x="8427947" y="1665816"/>
-            <a:ext cx="415498" cy="369332"/>
-          </a:xfrm>
-          <a:prstGeom prst="rect">
-            <a:avLst/>
-          </a:prstGeom>
-        </p:spPr>
-        <p:txBody>
-          <a:bodyPr wrap="square">
-            <a:spAutoFit/>
-          </a:bodyPr>
-          <a:lstStyle/>
-          <a:p>
-            <a:r>
-              <a:rPr lang="en-US" altLang="ko-KR" dirty="0"/>
-              <a:t>③</a:t>
-            </a:r>
-            <a:endParaRPr lang="ko-KR" altLang="en-US" dirty="0"/>
-          </a:p>
-        </p:txBody>
-      </p:sp>
-      <p:sp>
-        <p:nvSpPr>
-          <p:cNvPr id="13" name="직사각형 12">
-            <a:extLst>
-              <a:ext uri="{FF2B5EF4-FFF2-40B4-BE49-F238E27FC236}">
-                <a16:creationId xmlns:a16="http://schemas.microsoft.com/office/drawing/2014/main" id="{73CE8BFF-7858-40FC-BB56-634DE3378A56}"/>
-              </a:ext>
-            </a:extLst>
-          </p:cNvPr>
-          <p:cNvSpPr/>
-          <p:nvPr/>
-        </p:nvSpPr>
-        <p:spPr>
-          <a:xfrm>
-            <a:off x="7974084" y="2949885"/>
-            <a:ext cx="646331" cy="369332"/>
-          </a:xfrm>
-          <a:prstGeom prst="rect">
-            <a:avLst/>
-          </a:prstGeom>
-        </p:spPr>
-        <p:txBody>
-          <a:bodyPr wrap="square">
-            <a:spAutoFit/>
-          </a:bodyPr>
-          <a:lstStyle/>
-          <a:p>
-            <a:r>
-              <a:rPr lang="en-US" altLang="ko-KR" dirty="0"/>
-              <a:t>②③</a:t>
-            </a:r>
-            <a:endParaRPr lang="ko-KR" altLang="en-US" dirty="0"/>
-          </a:p>
-        </p:txBody>
-      </p:sp>
-      <p:sp>
-        <p:nvSpPr>
-          <p:cNvPr id="15" name="직사각형 14">
-            <a:extLst>
-              <a:ext uri="{FF2B5EF4-FFF2-40B4-BE49-F238E27FC236}">
-                <a16:creationId xmlns:a16="http://schemas.microsoft.com/office/drawing/2014/main" id="{A114D827-5BA5-4E6F-9BE0-EC9DA0156CDD}"/>
-              </a:ext>
-            </a:extLst>
-          </p:cNvPr>
-          <p:cNvSpPr/>
-          <p:nvPr/>
-        </p:nvSpPr>
-        <p:spPr>
-          <a:xfrm>
-            <a:off x="7942657" y="4242084"/>
-            <a:ext cx="415498" cy="369332"/>
-          </a:xfrm>
-          <a:prstGeom prst="rect">
-            <a:avLst/>
-          </a:prstGeom>
-        </p:spPr>
-        <p:txBody>
-          <a:bodyPr wrap="square">
-            <a:spAutoFit/>
-          </a:bodyPr>
-          <a:lstStyle/>
-          <a:p>
-            <a:r>
-              <a:rPr lang="en-US" altLang="ko-KR" dirty="0"/>
-              <a:t>②</a:t>
-            </a:r>
-            <a:endParaRPr lang="ko-KR" altLang="en-US" dirty="0"/>
-          </a:p>
-        </p:txBody>
-      </p:sp>
-      <p:sp>
-        <p:nvSpPr>
-          <p:cNvPr id="16" name="직사각형 15">
-            <a:extLst>
-              <a:ext uri="{FF2B5EF4-FFF2-40B4-BE49-F238E27FC236}">
-                <a16:creationId xmlns:a16="http://schemas.microsoft.com/office/drawing/2014/main" id="{AB65D6B5-A74C-4EBF-9E78-141CF53CEBA8}"/>
-              </a:ext>
-            </a:extLst>
-          </p:cNvPr>
-          <p:cNvSpPr/>
-          <p:nvPr/>
-        </p:nvSpPr>
-        <p:spPr>
-          <a:xfrm>
-            <a:off x="8140490" y="3990104"/>
-            <a:ext cx="415498" cy="369332"/>
-          </a:xfrm>
-          <a:prstGeom prst="rect">
-            <a:avLst/>
-          </a:prstGeom>
-        </p:spPr>
-        <p:txBody>
-          <a:bodyPr wrap="square">
-            <a:spAutoFit/>
-          </a:bodyPr>
-          <a:lstStyle/>
-          <a:p>
-            <a:r>
-              <a:rPr lang="en-US" altLang="ko-KR" dirty="0"/>
-              <a:t>③</a:t>
-            </a:r>
-            <a:endParaRPr lang="ko-KR" altLang="en-US" dirty="0"/>
-          </a:p>
-        </p:txBody>
-      </p:sp>
-      <p:sp>
-        <p:nvSpPr>
-          <p:cNvPr id="18" name="직사각형 17">
-            <a:extLst>
-              <a:ext uri="{FF2B5EF4-FFF2-40B4-BE49-F238E27FC236}">
-                <a16:creationId xmlns:a16="http://schemas.microsoft.com/office/drawing/2014/main" id="{AC5984CD-DEDB-4172-BE2E-650D452ACFCA}"/>
-              </a:ext>
-            </a:extLst>
-          </p:cNvPr>
-          <p:cNvSpPr/>
-          <p:nvPr/>
-        </p:nvSpPr>
-        <p:spPr>
-          <a:xfrm>
-            <a:off x="4570863" y="1180386"/>
-            <a:ext cx="415498" cy="369332"/>
-          </a:xfrm>
-          <a:prstGeom prst="rect">
-            <a:avLst/>
-          </a:prstGeom>
-        </p:spPr>
-        <p:txBody>
-          <a:bodyPr wrap="square">
-            <a:spAutoFit/>
-          </a:bodyPr>
-          <a:lstStyle/>
-          <a:p>
-            <a:r>
-              <a:rPr lang="en-US" altLang="ko-KR" dirty="0"/>
-              <a:t>④</a:t>
-            </a:r>
-            <a:endParaRPr lang="ko-KR" altLang="en-US" dirty="0"/>
-          </a:p>
-        </p:txBody>
-      </p:sp>
+            </a:ln>
+          </p:spPr>
+          <p:style>
+            <a:lnRef idx="2">
+              <a:schemeClr val="accent1">
+                <a:shade val="50000"/>
+              </a:schemeClr>
+            </a:lnRef>
+            <a:fillRef idx="1">
+              <a:schemeClr val="accent1"/>
+            </a:fillRef>
+            <a:effectRef idx="0">
+              <a:schemeClr val="accent1"/>
+            </a:effectRef>
+            <a:fontRef idx="minor">
+              <a:schemeClr val="lt1"/>
+            </a:fontRef>
+          </p:style>
+          <p:txBody>
+            <a:bodyPr rtlCol="0" anchor="ctr"/>
+            <a:lstStyle/>
+            <a:p>
+              <a:pPr algn="ctr"/>
+              <a:endParaRPr lang="ko-KR" altLang="en-US"/>
+            </a:p>
+          </p:txBody>
+        </p:sp>
+        <p:sp>
+          <p:nvSpPr>
+            <p:cNvPr id="21" name="TextBox 20">
+              <a:extLst>
+                <a:ext uri="{FF2B5EF4-FFF2-40B4-BE49-F238E27FC236}">
+                  <a16:creationId xmlns:a16="http://schemas.microsoft.com/office/drawing/2014/main" id="{E3E344B6-A5CA-4527-BA65-241D89758E10}"/>
+                </a:ext>
+              </a:extLst>
+            </p:cNvPr>
+            <p:cNvSpPr txBox="1"/>
+            <p:nvPr/>
+          </p:nvSpPr>
+          <p:spPr>
+            <a:xfrm>
+              <a:off x="9443056" y="2963575"/>
+              <a:ext cx="1386760" cy="646331"/>
+            </a:xfrm>
+            <a:prstGeom prst="rect">
+              <a:avLst/>
+            </a:prstGeom>
+            <a:noFill/>
+          </p:spPr>
+          <p:txBody>
+            <a:bodyPr wrap="square" rtlCol="0">
+              <a:spAutoFit/>
+            </a:bodyPr>
+            <a:lstStyle/>
+            <a:p>
+              <a:pPr algn="ctr"/>
+              <a:r>
+                <a:rPr lang="en-US" altLang="ko-KR" dirty="0"/>
+                <a:t>Room</a:t>
+              </a:r>
+            </a:p>
+            <a:p>
+              <a:pPr algn="ctr"/>
+              <a:r>
+                <a:rPr lang="en-US" altLang="ko-KR" dirty="0" err="1"/>
+                <a:t>GlobalData</a:t>
+              </a:r>
+              <a:endParaRPr lang="ko-KR" altLang="en-US" dirty="0"/>
+            </a:p>
+          </p:txBody>
+        </p:sp>
+      </p:grpSp>
     </p:spTree>
     <p:extLst>
       <p:ext uri="{BB962C8B-B14F-4D97-AF65-F5344CB8AC3E}">
         <p14:creationId xmlns:p14="http://schemas.microsoft.com/office/powerpoint/2010/main" val="3259041878"/>
+      </p:ext>
+    </p:extLst>
+  </p:cSld>
+  <p:clrMapOvr>
+    <a:masterClrMapping/>
+  </p:clrMapOvr>
+</p:sld>
+</file>
+
+<file path=ppt/slides/slide3.xml><?xml version="1.0" encoding="utf-8"?>
+<p:sld xmlns:a="http://schemas.openxmlformats.org/drawingml/2006/main" xmlns:r="http://schemas.openxmlformats.org/officeDocument/2006/relationships" xmlns:p="http://schemas.openxmlformats.org/presentationml/2006/main">
+  <p:cSld>
+    <p:spTree>
+      <p:nvGrpSpPr>
+        <p:cNvPr id="1" name=""/>
+        <p:cNvGrpSpPr/>
+        <p:nvPr/>
+      </p:nvGrpSpPr>
+      <p:grpSpPr>
+        <a:xfrm>
+          <a:off x="0" y="0"/>
+          <a:ext cx="0" cy="0"/>
+          <a:chOff x="0" y="0"/>
+          <a:chExt cx="0" cy="0"/>
+        </a:xfrm>
+      </p:grpSpPr>
+      <p:grpSp>
+        <p:nvGrpSpPr>
+          <p:cNvPr id="118" name="그룹 117">
+            <a:extLst>
+              <a:ext uri="{FF2B5EF4-FFF2-40B4-BE49-F238E27FC236}">
+                <a16:creationId xmlns:a16="http://schemas.microsoft.com/office/drawing/2014/main" id="{575BFD44-4B55-415F-8EA9-CF6B743E6CC7}"/>
+              </a:ext>
+            </a:extLst>
+          </p:cNvPr>
+          <p:cNvGrpSpPr/>
+          <p:nvPr/>
+        </p:nvGrpSpPr>
+        <p:grpSpPr>
+          <a:xfrm>
+            <a:off x="0" y="324841"/>
+            <a:ext cx="11938269" cy="5458290"/>
+            <a:chOff x="77820" y="285930"/>
+            <a:chExt cx="11938269" cy="5458290"/>
+          </a:xfrm>
+        </p:grpSpPr>
+        <p:sp>
+          <p:nvSpPr>
+            <p:cNvPr id="116" name="직사각형 115">
+              <a:extLst>
+                <a:ext uri="{FF2B5EF4-FFF2-40B4-BE49-F238E27FC236}">
+                  <a16:creationId xmlns:a16="http://schemas.microsoft.com/office/drawing/2014/main" id="{6D04F3A8-7581-4465-8E23-890064F67232}"/>
+                </a:ext>
+              </a:extLst>
+            </p:cNvPr>
+            <p:cNvSpPr/>
+            <p:nvPr/>
+          </p:nvSpPr>
+          <p:spPr>
+            <a:xfrm>
+              <a:off x="77820" y="3926416"/>
+              <a:ext cx="11938269" cy="1310882"/>
+            </a:xfrm>
+            <a:prstGeom prst="rect">
+              <a:avLst/>
+            </a:prstGeom>
+            <a:solidFill>
+              <a:schemeClr val="accent1">
+                <a:lumMod val="20000"/>
+                <a:lumOff val="80000"/>
+              </a:schemeClr>
+            </a:solidFill>
+          </p:spPr>
+          <p:style>
+            <a:lnRef idx="2">
+              <a:schemeClr val="accent1">
+                <a:shade val="50000"/>
+              </a:schemeClr>
+            </a:lnRef>
+            <a:fillRef idx="1">
+              <a:schemeClr val="accent1"/>
+            </a:fillRef>
+            <a:effectRef idx="0">
+              <a:schemeClr val="accent1"/>
+            </a:effectRef>
+            <a:fontRef idx="minor">
+              <a:schemeClr val="lt1"/>
+            </a:fontRef>
+          </p:style>
+          <p:txBody>
+            <a:bodyPr rtlCol="0" anchor="ctr"/>
+            <a:lstStyle/>
+            <a:p>
+              <a:pPr algn="ctr"/>
+              <a:endParaRPr lang="ko-KR" altLang="en-US"/>
+            </a:p>
+          </p:txBody>
+        </p:sp>
+        <p:sp>
+          <p:nvSpPr>
+            <p:cNvPr id="115" name="직사각형 114">
+              <a:extLst>
+                <a:ext uri="{FF2B5EF4-FFF2-40B4-BE49-F238E27FC236}">
+                  <a16:creationId xmlns:a16="http://schemas.microsoft.com/office/drawing/2014/main" id="{DE720C70-ED71-41A8-985F-D367CA6FF558}"/>
+                </a:ext>
+              </a:extLst>
+            </p:cNvPr>
+            <p:cNvSpPr/>
+            <p:nvPr/>
+          </p:nvSpPr>
+          <p:spPr>
+            <a:xfrm>
+              <a:off x="77821" y="1942559"/>
+              <a:ext cx="7297630" cy="1310882"/>
+            </a:xfrm>
+            <a:prstGeom prst="rect">
+              <a:avLst/>
+            </a:prstGeom>
+            <a:solidFill>
+              <a:schemeClr val="accent1">
+                <a:lumMod val="20000"/>
+                <a:lumOff val="80000"/>
+              </a:schemeClr>
+            </a:solidFill>
+          </p:spPr>
+          <p:style>
+            <a:lnRef idx="2">
+              <a:schemeClr val="accent1">
+                <a:shade val="50000"/>
+              </a:schemeClr>
+            </a:lnRef>
+            <a:fillRef idx="1">
+              <a:schemeClr val="accent1"/>
+            </a:fillRef>
+            <a:effectRef idx="0">
+              <a:schemeClr val="accent1"/>
+            </a:effectRef>
+            <a:fontRef idx="minor">
+              <a:schemeClr val="lt1"/>
+            </a:fontRef>
+          </p:style>
+          <p:txBody>
+            <a:bodyPr rtlCol="0" anchor="ctr"/>
+            <a:lstStyle/>
+            <a:p>
+              <a:pPr algn="ctr"/>
+              <a:endParaRPr lang="ko-KR" altLang="en-US"/>
+            </a:p>
+          </p:txBody>
+        </p:sp>
+        <p:sp>
+          <p:nvSpPr>
+            <p:cNvPr id="4" name="직사각형 3">
+              <a:extLst>
+                <a:ext uri="{FF2B5EF4-FFF2-40B4-BE49-F238E27FC236}">
+                  <a16:creationId xmlns:a16="http://schemas.microsoft.com/office/drawing/2014/main" id="{A24E7994-AE01-485B-9A31-522C29B16620}"/>
+                </a:ext>
+              </a:extLst>
+            </p:cNvPr>
+            <p:cNvSpPr/>
+            <p:nvPr/>
+          </p:nvSpPr>
+          <p:spPr>
+            <a:xfrm>
+              <a:off x="175887" y="285930"/>
+              <a:ext cx="2082439" cy="378208"/>
+            </a:xfrm>
+            <a:prstGeom prst="rect">
+              <a:avLst/>
+            </a:prstGeom>
+            <a:solidFill>
+              <a:schemeClr val="bg1"/>
+            </a:solidFill>
+          </p:spPr>
+          <p:style>
+            <a:lnRef idx="2">
+              <a:schemeClr val="accent1">
+                <a:shade val="50000"/>
+              </a:schemeClr>
+            </a:lnRef>
+            <a:fillRef idx="1">
+              <a:schemeClr val="accent1"/>
+            </a:fillRef>
+            <a:effectRef idx="0">
+              <a:schemeClr val="accent1"/>
+            </a:effectRef>
+            <a:fontRef idx="minor">
+              <a:schemeClr val="lt1"/>
+            </a:fontRef>
+          </p:style>
+          <p:txBody>
+            <a:bodyPr rtlCol="0" anchor="ctr"/>
+            <a:lstStyle/>
+            <a:p>
+              <a:pPr algn="ctr"/>
+              <a:r>
+                <a:rPr lang="en-US" altLang="ko-KR" dirty="0">
+                  <a:solidFill>
+                    <a:schemeClr val="tx1"/>
+                  </a:solidFill>
+                </a:rPr>
+                <a:t>Client</a:t>
+              </a:r>
+              <a:endParaRPr lang="ko-KR" altLang="en-US" dirty="0">
+                <a:solidFill>
+                  <a:schemeClr val="tx1"/>
+                </a:solidFill>
+              </a:endParaRPr>
+            </a:p>
+          </p:txBody>
+        </p:sp>
+        <p:sp>
+          <p:nvSpPr>
+            <p:cNvPr id="5" name="직사각형 4">
+              <a:extLst>
+                <a:ext uri="{FF2B5EF4-FFF2-40B4-BE49-F238E27FC236}">
+                  <a16:creationId xmlns:a16="http://schemas.microsoft.com/office/drawing/2014/main" id="{94C122E0-074B-495B-9853-43207AFA300D}"/>
+                </a:ext>
+              </a:extLst>
+            </p:cNvPr>
+            <p:cNvSpPr/>
+            <p:nvPr/>
+          </p:nvSpPr>
+          <p:spPr>
+            <a:xfrm>
+              <a:off x="6143280" y="285930"/>
+              <a:ext cx="2082439" cy="378208"/>
+            </a:xfrm>
+            <a:prstGeom prst="rect">
+              <a:avLst/>
+            </a:prstGeom>
+            <a:solidFill>
+              <a:schemeClr val="bg1"/>
+            </a:solidFill>
+            <a:ln>
+              <a:solidFill>
+                <a:schemeClr val="accent2"/>
+              </a:solidFill>
+            </a:ln>
+          </p:spPr>
+          <p:style>
+            <a:lnRef idx="2">
+              <a:schemeClr val="accent1">
+                <a:shade val="50000"/>
+              </a:schemeClr>
+            </a:lnRef>
+            <a:fillRef idx="1">
+              <a:schemeClr val="accent1"/>
+            </a:fillRef>
+            <a:effectRef idx="0">
+              <a:schemeClr val="accent1"/>
+            </a:effectRef>
+            <a:fontRef idx="minor">
+              <a:schemeClr val="lt1"/>
+            </a:fontRef>
+          </p:style>
+          <p:txBody>
+            <a:bodyPr rtlCol="0" anchor="ctr"/>
+            <a:lstStyle/>
+            <a:p>
+              <a:pPr algn="ctr"/>
+              <a:r>
+                <a:rPr lang="en-US" altLang="ko-KR" dirty="0">
+                  <a:solidFill>
+                    <a:schemeClr val="tx1"/>
+                  </a:solidFill>
+                </a:rPr>
+                <a:t>Server</a:t>
+              </a:r>
+              <a:endParaRPr lang="ko-KR" altLang="en-US" dirty="0">
+                <a:solidFill>
+                  <a:schemeClr val="tx1"/>
+                </a:solidFill>
+              </a:endParaRPr>
+            </a:p>
+          </p:txBody>
+        </p:sp>
+        <p:sp>
+          <p:nvSpPr>
+            <p:cNvPr id="6" name="직사각형 5">
+              <a:extLst>
+                <a:ext uri="{FF2B5EF4-FFF2-40B4-BE49-F238E27FC236}">
+                  <a16:creationId xmlns:a16="http://schemas.microsoft.com/office/drawing/2014/main" id="{F658ADE4-D15C-4523-BD39-6C5F5387A634}"/>
+                </a:ext>
+              </a:extLst>
+            </p:cNvPr>
+            <p:cNvSpPr/>
+            <p:nvPr/>
+          </p:nvSpPr>
+          <p:spPr>
+            <a:xfrm>
+              <a:off x="5102065" y="2090928"/>
+              <a:ext cx="2082439" cy="378208"/>
+            </a:xfrm>
+            <a:prstGeom prst="rect">
+              <a:avLst/>
+            </a:prstGeom>
+            <a:solidFill>
+              <a:schemeClr val="bg1"/>
+            </a:solidFill>
+            <a:ln>
+              <a:solidFill>
+                <a:schemeClr val="accent2"/>
+              </a:solidFill>
+            </a:ln>
+          </p:spPr>
+          <p:style>
+            <a:lnRef idx="2">
+              <a:schemeClr val="accent1">
+                <a:shade val="50000"/>
+              </a:schemeClr>
+            </a:lnRef>
+            <a:fillRef idx="1">
+              <a:schemeClr val="accent1"/>
+            </a:fillRef>
+            <a:effectRef idx="0">
+              <a:schemeClr val="accent1"/>
+            </a:effectRef>
+            <a:fontRef idx="minor">
+              <a:schemeClr val="lt1"/>
+            </a:fontRef>
+          </p:style>
+          <p:txBody>
+            <a:bodyPr rtlCol="0" anchor="ctr"/>
+            <a:lstStyle/>
+            <a:p>
+              <a:pPr algn="ctr"/>
+              <a:r>
+                <a:rPr lang="en-US" altLang="ko-KR" sz="1500" dirty="0" err="1">
+                  <a:solidFill>
+                    <a:schemeClr val="tx1"/>
+                  </a:solidFill>
+                </a:rPr>
+                <a:t>Recv</a:t>
+              </a:r>
+              <a:endParaRPr lang="ko-KR" altLang="en-US" sz="1500" dirty="0">
+                <a:solidFill>
+                  <a:schemeClr val="tx1"/>
+                </a:solidFill>
+              </a:endParaRPr>
+            </a:p>
+          </p:txBody>
+        </p:sp>
+        <p:sp>
+          <p:nvSpPr>
+            <p:cNvPr id="9" name="직사각형 8">
+              <a:extLst>
+                <a:ext uri="{FF2B5EF4-FFF2-40B4-BE49-F238E27FC236}">
+                  <a16:creationId xmlns:a16="http://schemas.microsoft.com/office/drawing/2014/main" id="{CC3CE0EE-8402-4067-83DA-B1B7C52B210C}"/>
+                </a:ext>
+              </a:extLst>
+            </p:cNvPr>
+            <p:cNvSpPr/>
+            <p:nvPr/>
+          </p:nvSpPr>
+          <p:spPr>
+            <a:xfrm>
+              <a:off x="175890" y="1415982"/>
+              <a:ext cx="2082439" cy="378208"/>
+            </a:xfrm>
+            <a:prstGeom prst="rect">
+              <a:avLst/>
+            </a:prstGeom>
+            <a:solidFill>
+              <a:schemeClr val="bg1"/>
+            </a:solidFill>
+          </p:spPr>
+          <p:style>
+            <a:lnRef idx="2">
+              <a:schemeClr val="accent1">
+                <a:shade val="50000"/>
+              </a:schemeClr>
+            </a:lnRef>
+            <a:fillRef idx="1">
+              <a:schemeClr val="accent1"/>
+            </a:fillRef>
+            <a:effectRef idx="0">
+              <a:schemeClr val="accent1"/>
+            </a:effectRef>
+            <a:fontRef idx="minor">
+              <a:schemeClr val="lt1"/>
+            </a:fontRef>
+          </p:style>
+          <p:txBody>
+            <a:bodyPr rtlCol="0" anchor="ctr"/>
+            <a:lstStyle/>
+            <a:p>
+              <a:pPr algn="ctr"/>
+              <a:r>
+                <a:rPr lang="en-US" altLang="ko-KR" sz="1500" dirty="0">
+                  <a:solidFill>
+                    <a:schemeClr val="tx1"/>
+                  </a:solidFill>
+                </a:rPr>
+                <a:t>Connect</a:t>
+              </a:r>
+              <a:endParaRPr lang="ko-KR" altLang="en-US" sz="1500" dirty="0">
+                <a:solidFill>
+                  <a:schemeClr val="tx1"/>
+                </a:solidFill>
+              </a:endParaRPr>
+            </a:p>
+          </p:txBody>
+        </p:sp>
+        <p:sp>
+          <p:nvSpPr>
+            <p:cNvPr id="10" name="직사각형 9">
+              <a:extLst>
+                <a:ext uri="{FF2B5EF4-FFF2-40B4-BE49-F238E27FC236}">
+                  <a16:creationId xmlns:a16="http://schemas.microsoft.com/office/drawing/2014/main" id="{70C07ADA-665F-4AC4-A1FE-DBC23DFE36D5}"/>
+                </a:ext>
+              </a:extLst>
+            </p:cNvPr>
+            <p:cNvSpPr/>
+            <p:nvPr/>
+          </p:nvSpPr>
+          <p:spPr>
+            <a:xfrm>
+              <a:off x="2828649" y="1415982"/>
+              <a:ext cx="2082439" cy="378208"/>
+            </a:xfrm>
+            <a:prstGeom prst="rect">
+              <a:avLst/>
+            </a:prstGeom>
+            <a:solidFill>
+              <a:schemeClr val="bg1"/>
+            </a:solidFill>
+            <a:ln>
+              <a:solidFill>
+                <a:schemeClr val="accent2"/>
+              </a:solidFill>
+            </a:ln>
+          </p:spPr>
+          <p:style>
+            <a:lnRef idx="2">
+              <a:schemeClr val="accent1">
+                <a:shade val="50000"/>
+              </a:schemeClr>
+            </a:lnRef>
+            <a:fillRef idx="1">
+              <a:schemeClr val="accent1"/>
+            </a:fillRef>
+            <a:effectRef idx="0">
+              <a:schemeClr val="accent1"/>
+            </a:effectRef>
+            <a:fontRef idx="minor">
+              <a:schemeClr val="lt1"/>
+            </a:fontRef>
+          </p:style>
+          <p:txBody>
+            <a:bodyPr rtlCol="0" anchor="ctr"/>
+            <a:lstStyle/>
+            <a:p>
+              <a:pPr algn="ctr"/>
+              <a:r>
+                <a:rPr lang="en-US" altLang="ko-KR" sz="1500" dirty="0">
+                  <a:solidFill>
+                    <a:schemeClr val="tx1"/>
+                  </a:solidFill>
+                </a:rPr>
+                <a:t>Listen</a:t>
+              </a:r>
+              <a:endParaRPr lang="ko-KR" altLang="en-US" sz="1500" dirty="0">
+                <a:solidFill>
+                  <a:schemeClr val="tx1"/>
+                </a:solidFill>
+              </a:endParaRPr>
+            </a:p>
+          </p:txBody>
+        </p:sp>
+        <p:sp>
+          <p:nvSpPr>
+            <p:cNvPr id="11" name="직사각형 10">
+              <a:extLst>
+                <a:ext uri="{FF2B5EF4-FFF2-40B4-BE49-F238E27FC236}">
+                  <a16:creationId xmlns:a16="http://schemas.microsoft.com/office/drawing/2014/main" id="{CEE9F4F9-6244-4EFC-92D0-94C3F947E876}"/>
+                </a:ext>
+              </a:extLst>
+            </p:cNvPr>
+            <p:cNvSpPr/>
+            <p:nvPr/>
+          </p:nvSpPr>
+          <p:spPr>
+            <a:xfrm>
+              <a:off x="175890" y="2090928"/>
+              <a:ext cx="2082439" cy="378208"/>
+            </a:xfrm>
+            <a:prstGeom prst="rect">
+              <a:avLst/>
+            </a:prstGeom>
+            <a:solidFill>
+              <a:schemeClr val="bg1"/>
+            </a:solidFill>
+          </p:spPr>
+          <p:style>
+            <a:lnRef idx="2">
+              <a:schemeClr val="accent1">
+                <a:shade val="50000"/>
+              </a:schemeClr>
+            </a:lnRef>
+            <a:fillRef idx="1">
+              <a:schemeClr val="accent1"/>
+            </a:fillRef>
+            <a:effectRef idx="0">
+              <a:schemeClr val="accent1"/>
+            </a:effectRef>
+            <a:fontRef idx="minor">
+              <a:schemeClr val="lt1"/>
+            </a:fontRef>
+          </p:style>
+          <p:txBody>
+            <a:bodyPr rtlCol="0" anchor="ctr"/>
+            <a:lstStyle/>
+            <a:p>
+              <a:pPr algn="ctr"/>
+              <a:r>
+                <a:rPr lang="en-US" altLang="ko-KR" sz="1500" dirty="0">
+                  <a:solidFill>
+                    <a:schemeClr val="tx1"/>
+                  </a:solidFill>
+                </a:rPr>
+                <a:t>Send</a:t>
+              </a:r>
+              <a:endParaRPr lang="ko-KR" altLang="en-US" sz="1500" dirty="0">
+                <a:solidFill>
+                  <a:schemeClr val="tx1"/>
+                </a:solidFill>
+              </a:endParaRPr>
+            </a:p>
+          </p:txBody>
+        </p:sp>
+        <p:sp>
+          <p:nvSpPr>
+            <p:cNvPr id="12" name="직사각형 11">
+              <a:extLst>
+                <a:ext uri="{FF2B5EF4-FFF2-40B4-BE49-F238E27FC236}">
+                  <a16:creationId xmlns:a16="http://schemas.microsoft.com/office/drawing/2014/main" id="{70CC5CD7-3D02-43D0-B2DE-A1E7424C9A77}"/>
+                </a:ext>
+              </a:extLst>
+            </p:cNvPr>
+            <p:cNvSpPr/>
+            <p:nvPr/>
+          </p:nvSpPr>
+          <p:spPr>
+            <a:xfrm>
+              <a:off x="5102065" y="2765874"/>
+              <a:ext cx="2082439" cy="378208"/>
+            </a:xfrm>
+            <a:prstGeom prst="rect">
+              <a:avLst/>
+            </a:prstGeom>
+            <a:solidFill>
+              <a:schemeClr val="bg1"/>
+            </a:solidFill>
+            <a:ln>
+              <a:solidFill>
+                <a:schemeClr val="accent2"/>
+              </a:solidFill>
+            </a:ln>
+          </p:spPr>
+          <p:style>
+            <a:lnRef idx="2">
+              <a:schemeClr val="accent1">
+                <a:shade val="50000"/>
+              </a:schemeClr>
+            </a:lnRef>
+            <a:fillRef idx="1">
+              <a:schemeClr val="accent1"/>
+            </a:fillRef>
+            <a:effectRef idx="0">
+              <a:schemeClr val="accent1"/>
+            </a:effectRef>
+            <a:fontRef idx="minor">
+              <a:schemeClr val="lt1"/>
+            </a:fontRef>
+          </p:style>
+          <p:txBody>
+            <a:bodyPr rtlCol="0" anchor="ctr"/>
+            <a:lstStyle/>
+            <a:p>
+              <a:pPr algn="ctr"/>
+              <a:r>
+                <a:rPr lang="en-US" altLang="ko-KR" sz="1500" dirty="0">
+                  <a:solidFill>
+                    <a:schemeClr val="tx1"/>
+                  </a:solidFill>
+                </a:rPr>
+                <a:t>Send</a:t>
+              </a:r>
+              <a:endParaRPr lang="ko-KR" altLang="en-US" sz="1500" dirty="0">
+                <a:solidFill>
+                  <a:schemeClr val="tx1"/>
+                </a:solidFill>
+              </a:endParaRPr>
+            </a:p>
+          </p:txBody>
+        </p:sp>
+        <p:sp>
+          <p:nvSpPr>
+            <p:cNvPr id="13" name="직사각형 12">
+              <a:extLst>
+                <a:ext uri="{FF2B5EF4-FFF2-40B4-BE49-F238E27FC236}">
+                  <a16:creationId xmlns:a16="http://schemas.microsoft.com/office/drawing/2014/main" id="{3CAFFE6E-FE64-4C6E-9C9F-5A4538C7FC8A}"/>
+                </a:ext>
+              </a:extLst>
+            </p:cNvPr>
+            <p:cNvSpPr/>
+            <p:nvPr/>
+          </p:nvSpPr>
+          <p:spPr>
+            <a:xfrm>
+              <a:off x="2828646" y="741036"/>
+              <a:ext cx="2082439" cy="378208"/>
+            </a:xfrm>
+            <a:prstGeom prst="rect">
+              <a:avLst/>
+            </a:prstGeom>
+            <a:solidFill>
+              <a:schemeClr val="bg1"/>
+            </a:solidFill>
+            <a:ln>
+              <a:solidFill>
+                <a:schemeClr val="accent2"/>
+              </a:solidFill>
+            </a:ln>
+          </p:spPr>
+          <p:style>
+            <a:lnRef idx="2">
+              <a:schemeClr val="accent1">
+                <a:shade val="50000"/>
+              </a:schemeClr>
+            </a:lnRef>
+            <a:fillRef idx="1">
+              <a:schemeClr val="accent1"/>
+            </a:fillRef>
+            <a:effectRef idx="0">
+              <a:schemeClr val="accent1"/>
+            </a:effectRef>
+            <a:fontRef idx="minor">
+              <a:schemeClr val="lt1"/>
+            </a:fontRef>
+          </p:style>
+          <p:txBody>
+            <a:bodyPr rtlCol="0" anchor="ctr"/>
+            <a:lstStyle/>
+            <a:p>
+              <a:pPr algn="ctr"/>
+              <a:r>
+                <a:rPr lang="en-US" altLang="ko-KR" sz="1500" dirty="0">
+                  <a:solidFill>
+                    <a:schemeClr val="tx1"/>
+                  </a:solidFill>
+                </a:rPr>
+                <a:t>Main</a:t>
+              </a:r>
+              <a:endParaRPr lang="ko-KR" altLang="en-US" sz="1500" dirty="0">
+                <a:solidFill>
+                  <a:schemeClr val="tx1"/>
+                </a:solidFill>
+              </a:endParaRPr>
+            </a:p>
+          </p:txBody>
+        </p:sp>
+        <p:sp>
+          <p:nvSpPr>
+            <p:cNvPr id="14" name="직사각형 13">
+              <a:extLst>
+                <a:ext uri="{FF2B5EF4-FFF2-40B4-BE49-F238E27FC236}">
+                  <a16:creationId xmlns:a16="http://schemas.microsoft.com/office/drawing/2014/main" id="{54E2D83D-5876-46BE-B97F-D626AF6629CD}"/>
+                </a:ext>
+              </a:extLst>
+            </p:cNvPr>
+            <p:cNvSpPr/>
+            <p:nvPr/>
+          </p:nvSpPr>
+          <p:spPr>
+            <a:xfrm>
+              <a:off x="5102061" y="729667"/>
+              <a:ext cx="2082439" cy="378208"/>
+            </a:xfrm>
+            <a:prstGeom prst="rect">
+              <a:avLst/>
+            </a:prstGeom>
+            <a:solidFill>
+              <a:schemeClr val="bg1"/>
+            </a:solidFill>
+            <a:ln>
+              <a:solidFill>
+                <a:schemeClr val="accent2"/>
+              </a:solidFill>
+            </a:ln>
+          </p:spPr>
+          <p:style>
+            <a:lnRef idx="2">
+              <a:schemeClr val="accent1">
+                <a:shade val="50000"/>
+              </a:schemeClr>
+            </a:lnRef>
+            <a:fillRef idx="1">
+              <a:schemeClr val="accent1"/>
+            </a:fillRef>
+            <a:effectRef idx="0">
+              <a:schemeClr val="accent1"/>
+            </a:effectRef>
+            <a:fontRef idx="minor">
+              <a:schemeClr val="lt1"/>
+            </a:fontRef>
+          </p:style>
+          <p:txBody>
+            <a:bodyPr rtlCol="0" anchor="ctr"/>
+            <a:lstStyle/>
+            <a:p>
+              <a:pPr algn="ctr"/>
+              <a:r>
+                <a:rPr lang="en-US" altLang="ko-KR" sz="1200" dirty="0">
+                  <a:solidFill>
+                    <a:schemeClr val="tx1"/>
+                  </a:solidFill>
+                </a:rPr>
+                <a:t>Create Matching Thread</a:t>
+              </a:r>
+              <a:endParaRPr lang="ko-KR" altLang="en-US" sz="1200" dirty="0">
+                <a:solidFill>
+                  <a:schemeClr val="tx1"/>
+                </a:solidFill>
+              </a:endParaRPr>
+            </a:p>
+          </p:txBody>
+        </p:sp>
+        <p:sp>
+          <p:nvSpPr>
+            <p:cNvPr id="15" name="직사각형 14">
+              <a:extLst>
+                <a:ext uri="{FF2B5EF4-FFF2-40B4-BE49-F238E27FC236}">
+                  <a16:creationId xmlns:a16="http://schemas.microsoft.com/office/drawing/2014/main" id="{77B0E8D0-39E3-4789-8A31-6D1F8841189C}"/>
+                </a:ext>
+              </a:extLst>
+            </p:cNvPr>
+            <p:cNvSpPr/>
+            <p:nvPr/>
+          </p:nvSpPr>
+          <p:spPr>
+            <a:xfrm>
+              <a:off x="9806772" y="2764405"/>
+              <a:ext cx="2082439" cy="378208"/>
+            </a:xfrm>
+            <a:prstGeom prst="rect">
+              <a:avLst/>
+            </a:prstGeom>
+            <a:solidFill>
+              <a:schemeClr val="bg1"/>
+            </a:solidFill>
+            <a:ln>
+              <a:solidFill>
+                <a:schemeClr val="accent2"/>
+              </a:solidFill>
+            </a:ln>
+          </p:spPr>
+          <p:style>
+            <a:lnRef idx="2">
+              <a:schemeClr val="accent1">
+                <a:shade val="50000"/>
+              </a:schemeClr>
+            </a:lnRef>
+            <a:fillRef idx="1">
+              <a:schemeClr val="accent1"/>
+            </a:fillRef>
+            <a:effectRef idx="0">
+              <a:schemeClr val="accent1"/>
+            </a:effectRef>
+            <a:fontRef idx="minor">
+              <a:schemeClr val="lt1"/>
+            </a:fontRef>
+          </p:style>
+          <p:txBody>
+            <a:bodyPr rtlCol="0" anchor="ctr"/>
+            <a:lstStyle/>
+            <a:p>
+              <a:pPr algn="ctr"/>
+              <a:r>
+                <a:rPr lang="en-US" altLang="ko-KR" sz="1000" dirty="0">
+                  <a:solidFill>
+                    <a:schemeClr val="tx1"/>
+                  </a:solidFill>
+                </a:rPr>
+                <a:t>Create Game Server Thread</a:t>
+              </a:r>
+              <a:endParaRPr lang="ko-KR" altLang="en-US" sz="1000" dirty="0">
+                <a:solidFill>
+                  <a:schemeClr val="tx1"/>
+                </a:solidFill>
+              </a:endParaRPr>
+            </a:p>
+          </p:txBody>
+        </p:sp>
+        <p:sp>
+          <p:nvSpPr>
+            <p:cNvPr id="17" name="직사각형 16">
+              <a:extLst>
+                <a:ext uri="{FF2B5EF4-FFF2-40B4-BE49-F238E27FC236}">
+                  <a16:creationId xmlns:a16="http://schemas.microsoft.com/office/drawing/2014/main" id="{4CE268AC-9936-4F82-9E4D-7BA5E6371474}"/>
+                </a:ext>
+              </a:extLst>
+            </p:cNvPr>
+            <p:cNvSpPr/>
+            <p:nvPr/>
+          </p:nvSpPr>
+          <p:spPr>
+            <a:xfrm>
+              <a:off x="175890" y="2765874"/>
+              <a:ext cx="2082439" cy="378208"/>
+            </a:xfrm>
+            <a:prstGeom prst="rect">
+              <a:avLst/>
+            </a:prstGeom>
+            <a:solidFill>
+              <a:schemeClr val="bg1"/>
+            </a:solidFill>
+          </p:spPr>
+          <p:style>
+            <a:lnRef idx="2">
+              <a:schemeClr val="accent1">
+                <a:shade val="50000"/>
+              </a:schemeClr>
+            </a:lnRef>
+            <a:fillRef idx="1">
+              <a:schemeClr val="accent1"/>
+            </a:fillRef>
+            <a:effectRef idx="0">
+              <a:schemeClr val="accent1"/>
+            </a:effectRef>
+            <a:fontRef idx="minor">
+              <a:schemeClr val="lt1"/>
+            </a:fontRef>
+          </p:style>
+          <p:txBody>
+            <a:bodyPr rtlCol="0" anchor="ctr"/>
+            <a:lstStyle/>
+            <a:p>
+              <a:pPr algn="ctr"/>
+              <a:r>
+                <a:rPr lang="en-US" altLang="ko-KR" sz="1500" dirty="0" err="1">
+                  <a:solidFill>
+                    <a:schemeClr val="tx1"/>
+                  </a:solidFill>
+                </a:rPr>
+                <a:t>Recv</a:t>
+              </a:r>
+              <a:endParaRPr lang="ko-KR" altLang="en-US" sz="1500" dirty="0">
+                <a:solidFill>
+                  <a:schemeClr val="tx1"/>
+                </a:solidFill>
+              </a:endParaRPr>
+            </a:p>
+          </p:txBody>
+        </p:sp>
+        <p:sp>
+          <p:nvSpPr>
+            <p:cNvPr id="18" name="직사각형 17">
+              <a:extLst>
+                <a:ext uri="{FF2B5EF4-FFF2-40B4-BE49-F238E27FC236}">
+                  <a16:creationId xmlns:a16="http://schemas.microsoft.com/office/drawing/2014/main" id="{D36CC8E5-C95A-4163-9ACA-8AA7429F446F}"/>
+                </a:ext>
+              </a:extLst>
+            </p:cNvPr>
+            <p:cNvSpPr/>
+            <p:nvPr/>
+          </p:nvSpPr>
+          <p:spPr>
+            <a:xfrm>
+              <a:off x="5102065" y="3415343"/>
+              <a:ext cx="2082439" cy="378208"/>
+            </a:xfrm>
+            <a:prstGeom prst="rect">
+              <a:avLst/>
+            </a:prstGeom>
+            <a:solidFill>
+              <a:schemeClr val="bg1"/>
+            </a:solidFill>
+            <a:ln>
+              <a:solidFill>
+                <a:schemeClr val="accent2"/>
+              </a:solidFill>
+            </a:ln>
+          </p:spPr>
+          <p:style>
+            <a:lnRef idx="2">
+              <a:schemeClr val="accent1">
+                <a:shade val="50000"/>
+              </a:schemeClr>
+            </a:lnRef>
+            <a:fillRef idx="1">
+              <a:schemeClr val="accent1"/>
+            </a:fillRef>
+            <a:effectRef idx="0">
+              <a:schemeClr val="accent1"/>
+            </a:effectRef>
+            <a:fontRef idx="minor">
+              <a:schemeClr val="lt1"/>
+            </a:fontRef>
+          </p:style>
+          <p:txBody>
+            <a:bodyPr rtlCol="0" anchor="ctr"/>
+            <a:lstStyle/>
+            <a:p>
+              <a:pPr algn="ctr"/>
+              <a:r>
+                <a:rPr lang="en-US" altLang="ko-KR" sz="1200" dirty="0" err="1">
+                  <a:solidFill>
+                    <a:schemeClr val="tx1"/>
+                  </a:solidFill>
+                </a:rPr>
+                <a:t>MatchingQueue</a:t>
+              </a:r>
+              <a:r>
+                <a:rPr lang="en-US" altLang="ko-KR" sz="1200" dirty="0">
+                  <a:solidFill>
+                    <a:schemeClr val="tx1"/>
+                  </a:solidFill>
+                </a:rPr>
+                <a:t> Dequeue</a:t>
+              </a:r>
+              <a:endParaRPr lang="ko-KR" altLang="en-US" sz="1200" dirty="0">
+                <a:solidFill>
+                  <a:schemeClr val="tx1"/>
+                </a:solidFill>
+              </a:endParaRPr>
+            </a:p>
+          </p:txBody>
+        </p:sp>
+        <p:sp>
+          <p:nvSpPr>
+            <p:cNvPr id="19" name="직사각형 18">
+              <a:extLst>
+                <a:ext uri="{FF2B5EF4-FFF2-40B4-BE49-F238E27FC236}">
+                  <a16:creationId xmlns:a16="http://schemas.microsoft.com/office/drawing/2014/main" id="{36FE97CE-0F23-478D-AE2F-6284615B460A}"/>
+                </a:ext>
+              </a:extLst>
+            </p:cNvPr>
+            <p:cNvSpPr/>
+            <p:nvPr/>
+          </p:nvSpPr>
+          <p:spPr>
+            <a:xfrm>
+              <a:off x="7375467" y="4048425"/>
+              <a:ext cx="2082439" cy="378208"/>
+            </a:xfrm>
+            <a:prstGeom prst="rect">
+              <a:avLst/>
+            </a:prstGeom>
+            <a:solidFill>
+              <a:schemeClr val="bg1"/>
+            </a:solidFill>
+            <a:ln>
+              <a:solidFill>
+                <a:schemeClr val="accent2"/>
+              </a:solidFill>
+            </a:ln>
+          </p:spPr>
+          <p:style>
+            <a:lnRef idx="2">
+              <a:schemeClr val="accent1">
+                <a:shade val="50000"/>
+              </a:schemeClr>
+            </a:lnRef>
+            <a:fillRef idx="1">
+              <a:schemeClr val="accent1"/>
+            </a:fillRef>
+            <a:effectRef idx="0">
+              <a:schemeClr val="accent1"/>
+            </a:effectRef>
+            <a:fontRef idx="minor">
+              <a:schemeClr val="lt1"/>
+            </a:fontRef>
+          </p:style>
+          <p:txBody>
+            <a:bodyPr rtlCol="0" anchor="ctr"/>
+            <a:lstStyle/>
+            <a:p>
+              <a:pPr algn="ctr"/>
+              <a:r>
+                <a:rPr lang="en-US" altLang="ko-KR" sz="1500" dirty="0" err="1">
+                  <a:solidFill>
+                    <a:schemeClr val="tx1"/>
+                  </a:solidFill>
+                </a:rPr>
+                <a:t>Recv</a:t>
+              </a:r>
+              <a:endParaRPr lang="ko-KR" altLang="en-US" sz="1500" dirty="0">
+                <a:solidFill>
+                  <a:schemeClr val="tx1"/>
+                </a:solidFill>
+              </a:endParaRPr>
+            </a:p>
+          </p:txBody>
+        </p:sp>
+        <p:sp>
+          <p:nvSpPr>
+            <p:cNvPr id="20" name="직사각형 19">
+              <a:extLst>
+                <a:ext uri="{FF2B5EF4-FFF2-40B4-BE49-F238E27FC236}">
+                  <a16:creationId xmlns:a16="http://schemas.microsoft.com/office/drawing/2014/main" id="{CF6E7510-C3C6-4166-A18C-4238D525EC38}"/>
+                </a:ext>
+              </a:extLst>
+            </p:cNvPr>
+            <p:cNvSpPr/>
+            <p:nvPr/>
+          </p:nvSpPr>
+          <p:spPr>
+            <a:xfrm>
+              <a:off x="7375468" y="4700156"/>
+              <a:ext cx="2082439" cy="378208"/>
+            </a:xfrm>
+            <a:prstGeom prst="rect">
+              <a:avLst/>
+            </a:prstGeom>
+            <a:solidFill>
+              <a:schemeClr val="bg1"/>
+            </a:solidFill>
+            <a:ln>
+              <a:solidFill>
+                <a:schemeClr val="accent2"/>
+              </a:solidFill>
+            </a:ln>
+          </p:spPr>
+          <p:style>
+            <a:lnRef idx="2">
+              <a:schemeClr val="accent1">
+                <a:shade val="50000"/>
+              </a:schemeClr>
+            </a:lnRef>
+            <a:fillRef idx="1">
+              <a:schemeClr val="accent1"/>
+            </a:fillRef>
+            <a:effectRef idx="0">
+              <a:schemeClr val="accent1"/>
+            </a:effectRef>
+            <a:fontRef idx="minor">
+              <a:schemeClr val="lt1"/>
+            </a:fontRef>
+          </p:style>
+          <p:txBody>
+            <a:bodyPr rtlCol="0" anchor="ctr"/>
+            <a:lstStyle/>
+            <a:p>
+              <a:pPr algn="ctr"/>
+              <a:r>
+                <a:rPr lang="en-US" altLang="ko-KR" sz="1500" dirty="0">
+                  <a:solidFill>
+                    <a:schemeClr val="tx1"/>
+                  </a:solidFill>
+                </a:rPr>
+                <a:t>Send</a:t>
+              </a:r>
+              <a:endParaRPr lang="ko-KR" altLang="en-US" sz="1500" dirty="0">
+                <a:solidFill>
+                  <a:schemeClr val="tx1"/>
+                </a:solidFill>
+              </a:endParaRPr>
+            </a:p>
+          </p:txBody>
+        </p:sp>
+        <p:sp>
+          <p:nvSpPr>
+            <p:cNvPr id="21" name="직사각형 20">
+              <a:extLst>
+                <a:ext uri="{FF2B5EF4-FFF2-40B4-BE49-F238E27FC236}">
+                  <a16:creationId xmlns:a16="http://schemas.microsoft.com/office/drawing/2014/main" id="{5F43EC00-3AE7-412B-BA16-0008BA7960E2}"/>
+                </a:ext>
+              </a:extLst>
+            </p:cNvPr>
+            <p:cNvSpPr/>
+            <p:nvPr/>
+          </p:nvSpPr>
+          <p:spPr>
+            <a:xfrm>
+              <a:off x="175887" y="4064812"/>
+              <a:ext cx="2082439" cy="378208"/>
+            </a:xfrm>
+            <a:prstGeom prst="rect">
+              <a:avLst/>
+            </a:prstGeom>
+            <a:solidFill>
+              <a:schemeClr val="bg1"/>
+            </a:solidFill>
+          </p:spPr>
+          <p:style>
+            <a:lnRef idx="2">
+              <a:schemeClr val="accent1">
+                <a:shade val="50000"/>
+              </a:schemeClr>
+            </a:lnRef>
+            <a:fillRef idx="1">
+              <a:schemeClr val="accent1"/>
+            </a:fillRef>
+            <a:effectRef idx="0">
+              <a:schemeClr val="accent1"/>
+            </a:effectRef>
+            <a:fontRef idx="minor">
+              <a:schemeClr val="lt1"/>
+            </a:fontRef>
+          </p:style>
+          <p:txBody>
+            <a:bodyPr rtlCol="0" anchor="ctr"/>
+            <a:lstStyle/>
+            <a:p>
+              <a:pPr algn="ctr"/>
+              <a:r>
+                <a:rPr lang="en-US" altLang="ko-KR" sz="1500" dirty="0">
+                  <a:solidFill>
+                    <a:schemeClr val="tx1"/>
+                  </a:solidFill>
+                </a:rPr>
+                <a:t>Send</a:t>
+              </a:r>
+              <a:endParaRPr lang="ko-KR" altLang="en-US" sz="1500" dirty="0">
+                <a:solidFill>
+                  <a:schemeClr val="tx1"/>
+                </a:solidFill>
+              </a:endParaRPr>
+            </a:p>
+          </p:txBody>
+        </p:sp>
+        <p:sp>
+          <p:nvSpPr>
+            <p:cNvPr id="22" name="직사각형 21">
+              <a:extLst>
+                <a:ext uri="{FF2B5EF4-FFF2-40B4-BE49-F238E27FC236}">
+                  <a16:creationId xmlns:a16="http://schemas.microsoft.com/office/drawing/2014/main" id="{AA2D7353-C504-42B1-9151-FF60A06846D8}"/>
+                </a:ext>
+              </a:extLst>
+            </p:cNvPr>
+            <p:cNvSpPr/>
+            <p:nvPr/>
+          </p:nvSpPr>
+          <p:spPr>
+            <a:xfrm>
+              <a:off x="175888" y="3415343"/>
+              <a:ext cx="2082439" cy="378208"/>
+            </a:xfrm>
+            <a:prstGeom prst="rect">
+              <a:avLst/>
+            </a:prstGeom>
+            <a:solidFill>
+              <a:schemeClr val="bg1"/>
+            </a:solidFill>
+          </p:spPr>
+          <p:style>
+            <a:lnRef idx="2">
+              <a:schemeClr val="accent1">
+                <a:shade val="50000"/>
+              </a:schemeClr>
+            </a:lnRef>
+            <a:fillRef idx="1">
+              <a:schemeClr val="accent1"/>
+            </a:fillRef>
+            <a:effectRef idx="0">
+              <a:schemeClr val="accent1"/>
+            </a:effectRef>
+            <a:fontRef idx="minor">
+              <a:schemeClr val="lt1"/>
+            </a:fontRef>
+          </p:style>
+          <p:txBody>
+            <a:bodyPr rtlCol="0" anchor="ctr"/>
+            <a:lstStyle/>
+            <a:p>
+              <a:pPr algn="ctr"/>
+              <a:r>
+                <a:rPr lang="en-US" altLang="ko-KR" sz="1500" dirty="0">
+                  <a:solidFill>
+                    <a:schemeClr val="tx1"/>
+                  </a:solidFill>
+                </a:rPr>
+                <a:t>Change Play Scene</a:t>
+              </a:r>
+              <a:endParaRPr lang="ko-KR" altLang="en-US" sz="1500" dirty="0">
+                <a:solidFill>
+                  <a:schemeClr val="tx1"/>
+                </a:solidFill>
+              </a:endParaRPr>
+            </a:p>
+          </p:txBody>
+        </p:sp>
+        <p:sp>
+          <p:nvSpPr>
+            <p:cNvPr id="23" name="직사각형 22">
+              <a:extLst>
+                <a:ext uri="{FF2B5EF4-FFF2-40B4-BE49-F238E27FC236}">
+                  <a16:creationId xmlns:a16="http://schemas.microsoft.com/office/drawing/2014/main" id="{4225D181-603F-4844-B299-386D85E53AAA}"/>
+                </a:ext>
+              </a:extLst>
+            </p:cNvPr>
+            <p:cNvSpPr/>
+            <p:nvPr/>
+          </p:nvSpPr>
+          <p:spPr>
+            <a:xfrm>
+              <a:off x="175885" y="4714281"/>
+              <a:ext cx="2082439" cy="378208"/>
+            </a:xfrm>
+            <a:prstGeom prst="rect">
+              <a:avLst/>
+            </a:prstGeom>
+            <a:solidFill>
+              <a:schemeClr val="bg1"/>
+            </a:solidFill>
+          </p:spPr>
+          <p:style>
+            <a:lnRef idx="2">
+              <a:schemeClr val="accent1">
+                <a:shade val="50000"/>
+              </a:schemeClr>
+            </a:lnRef>
+            <a:fillRef idx="1">
+              <a:schemeClr val="accent1"/>
+            </a:fillRef>
+            <a:effectRef idx="0">
+              <a:schemeClr val="accent1"/>
+            </a:effectRef>
+            <a:fontRef idx="minor">
+              <a:schemeClr val="lt1"/>
+            </a:fontRef>
+          </p:style>
+          <p:txBody>
+            <a:bodyPr rtlCol="0" anchor="ctr"/>
+            <a:lstStyle/>
+            <a:p>
+              <a:pPr algn="ctr"/>
+              <a:r>
+                <a:rPr lang="en-US" altLang="ko-KR" sz="1500" dirty="0" err="1">
+                  <a:solidFill>
+                    <a:schemeClr val="tx1"/>
+                  </a:solidFill>
+                </a:rPr>
+                <a:t>Recv</a:t>
+              </a:r>
+              <a:endParaRPr lang="ko-KR" altLang="en-US" sz="1500" dirty="0">
+                <a:solidFill>
+                  <a:schemeClr val="tx1"/>
+                </a:solidFill>
+              </a:endParaRPr>
+            </a:p>
+          </p:txBody>
+        </p:sp>
+        <p:sp>
+          <p:nvSpPr>
+            <p:cNvPr id="24" name="직사각형 23">
+              <a:extLst>
+                <a:ext uri="{FF2B5EF4-FFF2-40B4-BE49-F238E27FC236}">
+                  <a16:creationId xmlns:a16="http://schemas.microsoft.com/office/drawing/2014/main" id="{C1934590-1905-4DA2-A85C-1CCA12F69695}"/>
+                </a:ext>
+              </a:extLst>
+            </p:cNvPr>
+            <p:cNvSpPr/>
+            <p:nvPr/>
+          </p:nvSpPr>
+          <p:spPr>
+            <a:xfrm>
+              <a:off x="175885" y="5362020"/>
+              <a:ext cx="2082439" cy="378208"/>
+            </a:xfrm>
+            <a:prstGeom prst="rect">
+              <a:avLst/>
+            </a:prstGeom>
+            <a:solidFill>
+              <a:schemeClr val="bg1"/>
+            </a:solidFill>
+          </p:spPr>
+          <p:style>
+            <a:lnRef idx="2">
+              <a:schemeClr val="accent1">
+                <a:shade val="50000"/>
+              </a:schemeClr>
+            </a:lnRef>
+            <a:fillRef idx="1">
+              <a:schemeClr val="accent1"/>
+            </a:fillRef>
+            <a:effectRef idx="0">
+              <a:schemeClr val="accent1"/>
+            </a:effectRef>
+            <a:fontRef idx="minor">
+              <a:schemeClr val="lt1"/>
+            </a:fontRef>
+          </p:style>
+          <p:txBody>
+            <a:bodyPr rtlCol="0" anchor="ctr"/>
+            <a:lstStyle/>
+            <a:p>
+              <a:pPr algn="ctr"/>
+              <a:r>
+                <a:rPr lang="en-US" altLang="ko-KR" sz="1500" dirty="0">
+                  <a:solidFill>
+                    <a:schemeClr val="tx1"/>
+                  </a:solidFill>
+                </a:rPr>
+                <a:t>Game End</a:t>
+              </a:r>
+              <a:endParaRPr lang="ko-KR" altLang="en-US" sz="1500" dirty="0">
+                <a:solidFill>
+                  <a:schemeClr val="tx1"/>
+                </a:solidFill>
+              </a:endParaRPr>
+            </a:p>
+          </p:txBody>
+        </p:sp>
+        <p:sp>
+          <p:nvSpPr>
+            <p:cNvPr id="25" name="직사각형 24">
+              <a:extLst>
+                <a:ext uri="{FF2B5EF4-FFF2-40B4-BE49-F238E27FC236}">
+                  <a16:creationId xmlns:a16="http://schemas.microsoft.com/office/drawing/2014/main" id="{7DDC9E32-1AA2-4549-9798-DEADB3210749}"/>
+                </a:ext>
+              </a:extLst>
+            </p:cNvPr>
+            <p:cNvSpPr/>
+            <p:nvPr/>
+          </p:nvSpPr>
+          <p:spPr>
+            <a:xfrm>
+              <a:off x="7375477" y="5362020"/>
+              <a:ext cx="2082439" cy="378208"/>
+            </a:xfrm>
+            <a:prstGeom prst="rect">
+              <a:avLst/>
+            </a:prstGeom>
+            <a:solidFill>
+              <a:schemeClr val="bg1"/>
+            </a:solidFill>
+            <a:ln>
+              <a:solidFill>
+                <a:schemeClr val="accent2"/>
+              </a:solidFill>
+            </a:ln>
+          </p:spPr>
+          <p:style>
+            <a:lnRef idx="2">
+              <a:schemeClr val="accent1">
+                <a:shade val="50000"/>
+              </a:schemeClr>
+            </a:lnRef>
+            <a:fillRef idx="1">
+              <a:schemeClr val="accent1"/>
+            </a:fillRef>
+            <a:effectRef idx="0">
+              <a:schemeClr val="accent1"/>
+            </a:effectRef>
+            <a:fontRef idx="minor">
+              <a:schemeClr val="lt1"/>
+            </a:fontRef>
+          </p:style>
+          <p:txBody>
+            <a:bodyPr rtlCol="0" anchor="ctr"/>
+            <a:lstStyle/>
+            <a:p>
+              <a:pPr algn="ctr"/>
+              <a:r>
+                <a:rPr lang="en-US" altLang="ko-KR" sz="1000" dirty="0">
+                  <a:solidFill>
+                    <a:schemeClr val="tx1"/>
+                  </a:solidFill>
+                </a:rPr>
+                <a:t>Delete Communication Thread</a:t>
+              </a:r>
+              <a:endParaRPr lang="ko-KR" altLang="en-US" sz="1000" dirty="0">
+                <a:solidFill>
+                  <a:schemeClr val="tx1"/>
+                </a:solidFill>
+              </a:endParaRPr>
+            </a:p>
+          </p:txBody>
+        </p:sp>
+        <p:cxnSp>
+          <p:nvCxnSpPr>
+            <p:cNvPr id="26" name="직선 화살표 연결선 25">
+              <a:extLst>
+                <a:ext uri="{FF2B5EF4-FFF2-40B4-BE49-F238E27FC236}">
+                  <a16:creationId xmlns:a16="http://schemas.microsoft.com/office/drawing/2014/main" id="{B2B2C41F-C1B4-4EC0-94C7-CE0210E849AB}"/>
+                </a:ext>
+              </a:extLst>
+            </p:cNvPr>
+            <p:cNvCxnSpPr>
+              <a:cxnSpLocks/>
+              <a:endCxn id="10" idx="1"/>
+            </p:cNvCxnSpPr>
+            <p:nvPr/>
+          </p:nvCxnSpPr>
+          <p:spPr>
+            <a:xfrm>
+              <a:off x="2334638" y="1605086"/>
+              <a:ext cx="494011" cy="0"/>
+            </a:xfrm>
+            <a:prstGeom prst="straightConnector1">
+              <a:avLst/>
+            </a:prstGeom>
+            <a:ln w="38100">
+              <a:tailEnd type="triangle"/>
+            </a:ln>
+          </p:spPr>
+          <p:style>
+            <a:lnRef idx="3">
+              <a:schemeClr val="dk1"/>
+            </a:lnRef>
+            <a:fillRef idx="0">
+              <a:schemeClr val="dk1"/>
+            </a:fillRef>
+            <a:effectRef idx="2">
+              <a:schemeClr val="dk1"/>
+            </a:effectRef>
+            <a:fontRef idx="minor">
+              <a:schemeClr val="tx1"/>
+            </a:fontRef>
+          </p:style>
+        </p:cxnSp>
+        <p:cxnSp>
+          <p:nvCxnSpPr>
+            <p:cNvPr id="28" name="직선 화살표 연결선 27">
+              <a:extLst>
+                <a:ext uri="{FF2B5EF4-FFF2-40B4-BE49-F238E27FC236}">
+                  <a16:creationId xmlns:a16="http://schemas.microsoft.com/office/drawing/2014/main" id="{32F887E4-9FDA-4FC3-A3F7-5F2B329146AB}"/>
+                </a:ext>
+              </a:extLst>
+            </p:cNvPr>
+            <p:cNvCxnSpPr>
+              <a:cxnSpLocks/>
+              <a:endCxn id="6" idx="0"/>
+            </p:cNvCxnSpPr>
+            <p:nvPr/>
+          </p:nvCxnSpPr>
+          <p:spPr>
+            <a:xfrm>
+              <a:off x="4911083" y="1598949"/>
+              <a:ext cx="1232202" cy="491979"/>
+            </a:xfrm>
+            <a:prstGeom prst="bentConnector2">
+              <a:avLst/>
+            </a:prstGeom>
+            <a:ln w="38100">
+              <a:tailEnd type="triangle"/>
+            </a:ln>
+          </p:spPr>
+          <p:style>
+            <a:lnRef idx="3">
+              <a:schemeClr val="dk1"/>
+            </a:lnRef>
+            <a:fillRef idx="0">
+              <a:schemeClr val="dk1"/>
+            </a:fillRef>
+            <a:effectRef idx="2">
+              <a:schemeClr val="dk1"/>
+            </a:effectRef>
+            <a:fontRef idx="minor">
+              <a:schemeClr val="tx1"/>
+            </a:fontRef>
+          </p:style>
+        </p:cxnSp>
+        <p:cxnSp>
+          <p:nvCxnSpPr>
+            <p:cNvPr id="33" name="직선 화살표 연결선 32">
+              <a:extLst>
+                <a:ext uri="{FF2B5EF4-FFF2-40B4-BE49-F238E27FC236}">
+                  <a16:creationId xmlns:a16="http://schemas.microsoft.com/office/drawing/2014/main" id="{7875E465-EDF7-43BB-932F-18E9BAFDAF08}"/>
+                </a:ext>
+              </a:extLst>
+            </p:cNvPr>
+            <p:cNvCxnSpPr>
+              <a:cxnSpLocks/>
+              <a:endCxn id="6" idx="1"/>
+            </p:cNvCxnSpPr>
+            <p:nvPr/>
+          </p:nvCxnSpPr>
+          <p:spPr>
+            <a:xfrm>
+              <a:off x="2258324" y="2279580"/>
+              <a:ext cx="2843741" cy="452"/>
+            </a:xfrm>
+            <a:prstGeom prst="straightConnector1">
+              <a:avLst/>
+            </a:prstGeom>
+            <a:ln w="38100">
+              <a:tailEnd type="triangle"/>
+            </a:ln>
+          </p:spPr>
+          <p:style>
+            <a:lnRef idx="3">
+              <a:schemeClr val="dk1"/>
+            </a:lnRef>
+            <a:fillRef idx="0">
+              <a:schemeClr val="dk1"/>
+            </a:fillRef>
+            <a:effectRef idx="2">
+              <a:schemeClr val="dk1"/>
+            </a:effectRef>
+            <a:fontRef idx="minor">
+              <a:schemeClr val="tx1"/>
+            </a:fontRef>
+          </p:style>
+        </p:cxnSp>
+        <p:cxnSp>
+          <p:nvCxnSpPr>
+            <p:cNvPr id="35" name="직선 화살표 연결선 34">
+              <a:extLst>
+                <a:ext uri="{FF2B5EF4-FFF2-40B4-BE49-F238E27FC236}">
+                  <a16:creationId xmlns:a16="http://schemas.microsoft.com/office/drawing/2014/main" id="{0250F405-E907-47CC-A00F-D8FF150C7110}"/>
+                </a:ext>
+              </a:extLst>
+            </p:cNvPr>
+            <p:cNvCxnSpPr>
+              <a:cxnSpLocks/>
+              <a:stCxn id="12" idx="1"/>
+              <a:endCxn id="17" idx="3"/>
+            </p:cNvCxnSpPr>
+            <p:nvPr/>
+          </p:nvCxnSpPr>
+          <p:spPr>
+            <a:xfrm flipH="1">
+              <a:off x="2258329" y="2954978"/>
+              <a:ext cx="2843736" cy="0"/>
+            </a:xfrm>
+            <a:prstGeom prst="straightConnector1">
+              <a:avLst/>
+            </a:prstGeom>
+            <a:ln w="38100">
+              <a:tailEnd type="triangle"/>
+            </a:ln>
+          </p:spPr>
+          <p:style>
+            <a:lnRef idx="3">
+              <a:schemeClr val="dk1"/>
+            </a:lnRef>
+            <a:fillRef idx="0">
+              <a:schemeClr val="dk1"/>
+            </a:fillRef>
+            <a:effectRef idx="2">
+              <a:schemeClr val="dk1"/>
+            </a:effectRef>
+            <a:fontRef idx="minor">
+              <a:schemeClr val="tx1"/>
+            </a:fontRef>
+          </p:style>
+        </p:cxnSp>
+        <p:cxnSp>
+          <p:nvCxnSpPr>
+            <p:cNvPr id="45" name="직선 화살표 연결선 44">
+              <a:extLst>
+                <a:ext uri="{FF2B5EF4-FFF2-40B4-BE49-F238E27FC236}">
+                  <a16:creationId xmlns:a16="http://schemas.microsoft.com/office/drawing/2014/main" id="{182C58FD-6186-433D-B84E-CE2F934B870B}"/>
+                </a:ext>
+              </a:extLst>
+            </p:cNvPr>
+            <p:cNvCxnSpPr>
+              <a:cxnSpLocks/>
+              <a:stCxn id="20" idx="1"/>
+              <a:endCxn id="23" idx="3"/>
+            </p:cNvCxnSpPr>
+            <p:nvPr/>
+          </p:nvCxnSpPr>
+          <p:spPr>
+            <a:xfrm flipH="1">
+              <a:off x="2258324" y="4889260"/>
+              <a:ext cx="5117144" cy="14125"/>
+            </a:xfrm>
+            <a:prstGeom prst="straightConnector1">
+              <a:avLst/>
+            </a:prstGeom>
+            <a:ln w="38100">
+              <a:tailEnd type="triangle"/>
+            </a:ln>
+          </p:spPr>
+          <p:style>
+            <a:lnRef idx="3">
+              <a:schemeClr val="dk1"/>
+            </a:lnRef>
+            <a:fillRef idx="0">
+              <a:schemeClr val="dk1"/>
+            </a:fillRef>
+            <a:effectRef idx="2">
+              <a:schemeClr val="dk1"/>
+            </a:effectRef>
+            <a:fontRef idx="minor">
+              <a:schemeClr val="tx1"/>
+            </a:fontRef>
+          </p:style>
+        </p:cxnSp>
+        <p:cxnSp>
+          <p:nvCxnSpPr>
+            <p:cNvPr id="47" name="직선 화살표 연결선 46">
+              <a:extLst>
+                <a:ext uri="{FF2B5EF4-FFF2-40B4-BE49-F238E27FC236}">
+                  <a16:creationId xmlns:a16="http://schemas.microsoft.com/office/drawing/2014/main" id="{0A5116D5-FBF7-481D-819A-6741CA401588}"/>
+                </a:ext>
+              </a:extLst>
+            </p:cNvPr>
+            <p:cNvCxnSpPr>
+              <a:cxnSpLocks/>
+              <a:stCxn id="21" idx="3"/>
+              <a:endCxn id="19" idx="1"/>
+            </p:cNvCxnSpPr>
+            <p:nvPr/>
+          </p:nvCxnSpPr>
+          <p:spPr>
+            <a:xfrm flipV="1">
+              <a:off x="2258326" y="4237529"/>
+              <a:ext cx="5117141" cy="16387"/>
+            </a:xfrm>
+            <a:prstGeom prst="straightConnector1">
+              <a:avLst/>
+            </a:prstGeom>
+            <a:ln w="38100">
+              <a:tailEnd type="triangle"/>
+            </a:ln>
+          </p:spPr>
+          <p:style>
+            <a:lnRef idx="3">
+              <a:schemeClr val="dk1"/>
+            </a:lnRef>
+            <a:fillRef idx="0">
+              <a:schemeClr val="dk1"/>
+            </a:fillRef>
+            <a:effectRef idx="2">
+              <a:schemeClr val="dk1"/>
+            </a:effectRef>
+            <a:fontRef idx="minor">
+              <a:schemeClr val="tx1"/>
+            </a:fontRef>
+          </p:style>
+        </p:cxnSp>
+        <p:cxnSp>
+          <p:nvCxnSpPr>
+            <p:cNvPr id="51" name="직선 연결선 50">
+              <a:extLst>
+                <a:ext uri="{FF2B5EF4-FFF2-40B4-BE49-F238E27FC236}">
+                  <a16:creationId xmlns:a16="http://schemas.microsoft.com/office/drawing/2014/main" id="{95C1B0D1-C0A7-496F-A31C-18EDE2103BBE}"/>
+                </a:ext>
+              </a:extLst>
+            </p:cNvPr>
+            <p:cNvCxnSpPr>
+              <a:stCxn id="11" idx="2"/>
+              <a:endCxn id="17" idx="0"/>
+            </p:cNvCxnSpPr>
+            <p:nvPr/>
+          </p:nvCxnSpPr>
+          <p:spPr>
+            <a:xfrm>
+              <a:off x="1217110" y="2469136"/>
+              <a:ext cx="0" cy="296738"/>
+            </a:xfrm>
+            <a:prstGeom prst="line">
+              <a:avLst/>
+            </a:prstGeom>
+            <a:ln w="38100">
+              <a:solidFill>
+                <a:schemeClr val="tx1"/>
+              </a:solidFill>
+            </a:ln>
+          </p:spPr>
+          <p:style>
+            <a:lnRef idx="1">
+              <a:schemeClr val="accent1"/>
+            </a:lnRef>
+            <a:fillRef idx="0">
+              <a:schemeClr val="accent1"/>
+            </a:fillRef>
+            <a:effectRef idx="0">
+              <a:schemeClr val="accent1"/>
+            </a:effectRef>
+            <a:fontRef idx="minor">
+              <a:schemeClr val="tx1"/>
+            </a:fontRef>
+          </p:style>
+        </p:cxnSp>
+        <p:cxnSp>
+          <p:nvCxnSpPr>
+            <p:cNvPr id="53" name="직선 연결선 52">
+              <a:extLst>
+                <a:ext uri="{FF2B5EF4-FFF2-40B4-BE49-F238E27FC236}">
+                  <a16:creationId xmlns:a16="http://schemas.microsoft.com/office/drawing/2014/main" id="{6DE0A33D-2551-47B7-AA9D-0FDE4BD640F9}"/>
+                </a:ext>
+              </a:extLst>
+            </p:cNvPr>
+            <p:cNvCxnSpPr>
+              <a:cxnSpLocks/>
+            </p:cNvCxnSpPr>
+            <p:nvPr/>
+          </p:nvCxnSpPr>
+          <p:spPr>
+            <a:xfrm>
+              <a:off x="1217104" y="1794190"/>
+              <a:ext cx="0" cy="296738"/>
+            </a:xfrm>
+            <a:prstGeom prst="line">
+              <a:avLst/>
+            </a:prstGeom>
+            <a:ln w="38100">
+              <a:solidFill>
+                <a:schemeClr val="tx1"/>
+              </a:solidFill>
+            </a:ln>
+          </p:spPr>
+          <p:style>
+            <a:lnRef idx="1">
+              <a:schemeClr val="accent1"/>
+            </a:lnRef>
+            <a:fillRef idx="0">
+              <a:schemeClr val="accent1"/>
+            </a:fillRef>
+            <a:effectRef idx="0">
+              <a:schemeClr val="accent1"/>
+            </a:effectRef>
+            <a:fontRef idx="minor">
+              <a:schemeClr val="tx1"/>
+            </a:fontRef>
+          </p:style>
+        </p:cxnSp>
+        <p:cxnSp>
+          <p:nvCxnSpPr>
+            <p:cNvPr id="54" name="직선 연결선 53">
+              <a:extLst>
+                <a:ext uri="{FF2B5EF4-FFF2-40B4-BE49-F238E27FC236}">
+                  <a16:creationId xmlns:a16="http://schemas.microsoft.com/office/drawing/2014/main" id="{A0185CDE-19EE-4D84-98B5-D52C92168C5D}"/>
+                </a:ext>
+              </a:extLst>
+            </p:cNvPr>
+            <p:cNvCxnSpPr>
+              <a:cxnSpLocks/>
+              <a:endCxn id="22" idx="0"/>
+            </p:cNvCxnSpPr>
+            <p:nvPr/>
+          </p:nvCxnSpPr>
+          <p:spPr>
+            <a:xfrm>
+              <a:off x="1217104" y="3145417"/>
+              <a:ext cx="4" cy="269926"/>
+            </a:xfrm>
+            <a:prstGeom prst="line">
+              <a:avLst/>
+            </a:prstGeom>
+            <a:ln w="38100">
+              <a:solidFill>
+                <a:schemeClr val="tx1"/>
+              </a:solidFill>
+            </a:ln>
+          </p:spPr>
+          <p:style>
+            <a:lnRef idx="1">
+              <a:schemeClr val="accent1"/>
+            </a:lnRef>
+            <a:fillRef idx="0">
+              <a:schemeClr val="accent1"/>
+            </a:fillRef>
+            <a:effectRef idx="0">
+              <a:schemeClr val="accent1"/>
+            </a:effectRef>
+            <a:fontRef idx="minor">
+              <a:schemeClr val="tx1"/>
+            </a:fontRef>
+          </p:style>
+        </p:cxnSp>
+        <p:cxnSp>
+          <p:nvCxnSpPr>
+            <p:cNvPr id="56" name="직선 연결선 55">
+              <a:extLst>
+                <a:ext uri="{FF2B5EF4-FFF2-40B4-BE49-F238E27FC236}">
+                  <a16:creationId xmlns:a16="http://schemas.microsoft.com/office/drawing/2014/main" id="{2A8AD0EA-D679-4F0E-A2ED-CA660008A52B}"/>
+                </a:ext>
+              </a:extLst>
+            </p:cNvPr>
+            <p:cNvCxnSpPr>
+              <a:cxnSpLocks/>
+              <a:endCxn id="21" idx="0"/>
+            </p:cNvCxnSpPr>
+            <p:nvPr/>
+          </p:nvCxnSpPr>
+          <p:spPr>
+            <a:xfrm>
+              <a:off x="1217104" y="3793551"/>
+              <a:ext cx="3" cy="271261"/>
+            </a:xfrm>
+            <a:prstGeom prst="line">
+              <a:avLst/>
+            </a:prstGeom>
+            <a:ln w="38100">
+              <a:solidFill>
+                <a:schemeClr val="tx1"/>
+              </a:solidFill>
+            </a:ln>
+          </p:spPr>
+          <p:style>
+            <a:lnRef idx="1">
+              <a:schemeClr val="accent1"/>
+            </a:lnRef>
+            <a:fillRef idx="0">
+              <a:schemeClr val="accent1"/>
+            </a:fillRef>
+            <a:effectRef idx="0">
+              <a:schemeClr val="accent1"/>
+            </a:effectRef>
+            <a:fontRef idx="minor">
+              <a:schemeClr val="tx1"/>
+            </a:fontRef>
+          </p:style>
+        </p:cxnSp>
+        <p:cxnSp>
+          <p:nvCxnSpPr>
+            <p:cNvPr id="58" name="직선 연결선 57">
+              <a:extLst>
+                <a:ext uri="{FF2B5EF4-FFF2-40B4-BE49-F238E27FC236}">
+                  <a16:creationId xmlns:a16="http://schemas.microsoft.com/office/drawing/2014/main" id="{FB48C9CE-BC4E-407A-A0A1-C53428F45008}"/>
+                </a:ext>
+              </a:extLst>
+            </p:cNvPr>
+            <p:cNvCxnSpPr>
+              <a:cxnSpLocks/>
+            </p:cNvCxnSpPr>
+            <p:nvPr/>
+          </p:nvCxnSpPr>
+          <p:spPr>
+            <a:xfrm>
+              <a:off x="1217104" y="4441290"/>
+              <a:ext cx="3" cy="271261"/>
+            </a:xfrm>
+            <a:prstGeom prst="line">
+              <a:avLst/>
+            </a:prstGeom>
+            <a:ln w="38100">
+              <a:solidFill>
+                <a:schemeClr val="tx1"/>
+              </a:solidFill>
+            </a:ln>
+          </p:spPr>
+          <p:style>
+            <a:lnRef idx="1">
+              <a:schemeClr val="accent1"/>
+            </a:lnRef>
+            <a:fillRef idx="0">
+              <a:schemeClr val="accent1"/>
+            </a:fillRef>
+            <a:effectRef idx="0">
+              <a:schemeClr val="accent1"/>
+            </a:effectRef>
+            <a:fontRef idx="minor">
+              <a:schemeClr val="tx1"/>
+            </a:fontRef>
+          </p:style>
+        </p:cxnSp>
+        <p:cxnSp>
+          <p:nvCxnSpPr>
+            <p:cNvPr id="59" name="직선 연결선 58">
+              <a:extLst>
+                <a:ext uri="{FF2B5EF4-FFF2-40B4-BE49-F238E27FC236}">
+                  <a16:creationId xmlns:a16="http://schemas.microsoft.com/office/drawing/2014/main" id="{7DAD6D74-7018-4464-A2D5-1AC9B3FFF010}"/>
+                </a:ext>
+              </a:extLst>
+            </p:cNvPr>
+            <p:cNvCxnSpPr>
+              <a:cxnSpLocks/>
+            </p:cNvCxnSpPr>
+            <p:nvPr/>
+          </p:nvCxnSpPr>
+          <p:spPr>
+            <a:xfrm>
+              <a:off x="1217101" y="5084710"/>
+              <a:ext cx="3" cy="271261"/>
+            </a:xfrm>
+            <a:prstGeom prst="line">
+              <a:avLst/>
+            </a:prstGeom>
+            <a:ln w="38100">
+              <a:solidFill>
+                <a:schemeClr val="tx1"/>
+              </a:solidFill>
+            </a:ln>
+          </p:spPr>
+          <p:style>
+            <a:lnRef idx="1">
+              <a:schemeClr val="accent1"/>
+            </a:lnRef>
+            <a:fillRef idx="0">
+              <a:schemeClr val="accent1"/>
+            </a:fillRef>
+            <a:effectRef idx="0">
+              <a:schemeClr val="accent1"/>
+            </a:effectRef>
+            <a:fontRef idx="minor">
+              <a:schemeClr val="tx1"/>
+            </a:fontRef>
+          </p:style>
+        </p:cxnSp>
+        <p:cxnSp>
+          <p:nvCxnSpPr>
+            <p:cNvPr id="61" name="직선 연결선 60">
+              <a:extLst>
+                <a:ext uri="{FF2B5EF4-FFF2-40B4-BE49-F238E27FC236}">
+                  <a16:creationId xmlns:a16="http://schemas.microsoft.com/office/drawing/2014/main" id="{E7045716-FDD4-4E03-88BA-243800FF3BAD}"/>
+                </a:ext>
+              </a:extLst>
+            </p:cNvPr>
+            <p:cNvCxnSpPr>
+              <a:cxnSpLocks/>
+            </p:cNvCxnSpPr>
+            <p:nvPr/>
+          </p:nvCxnSpPr>
+          <p:spPr>
+            <a:xfrm>
+              <a:off x="8416690" y="4441290"/>
+              <a:ext cx="3" cy="271261"/>
+            </a:xfrm>
+            <a:prstGeom prst="line">
+              <a:avLst/>
+            </a:prstGeom>
+            <a:ln w="38100">
+              <a:solidFill>
+                <a:schemeClr val="tx1"/>
+              </a:solidFill>
+            </a:ln>
+          </p:spPr>
+          <p:style>
+            <a:lnRef idx="1">
+              <a:schemeClr val="accent1"/>
+            </a:lnRef>
+            <a:fillRef idx="0">
+              <a:schemeClr val="accent1"/>
+            </a:fillRef>
+            <a:effectRef idx="0">
+              <a:schemeClr val="accent1"/>
+            </a:effectRef>
+            <a:fontRef idx="minor">
+              <a:schemeClr val="tx1"/>
+            </a:fontRef>
+          </p:style>
+        </p:cxnSp>
+        <p:cxnSp>
+          <p:nvCxnSpPr>
+            <p:cNvPr id="62" name="직선 연결선 61">
+              <a:extLst>
+                <a:ext uri="{FF2B5EF4-FFF2-40B4-BE49-F238E27FC236}">
+                  <a16:creationId xmlns:a16="http://schemas.microsoft.com/office/drawing/2014/main" id="{88C058DD-0C93-4E00-92E3-F599B7B38157}"/>
+                </a:ext>
+              </a:extLst>
+            </p:cNvPr>
+            <p:cNvCxnSpPr>
+              <a:cxnSpLocks/>
+            </p:cNvCxnSpPr>
+            <p:nvPr/>
+          </p:nvCxnSpPr>
+          <p:spPr>
+            <a:xfrm>
+              <a:off x="8416687" y="5084709"/>
+              <a:ext cx="3" cy="271261"/>
+            </a:xfrm>
+            <a:prstGeom prst="line">
+              <a:avLst/>
+            </a:prstGeom>
+            <a:ln w="38100">
+              <a:solidFill>
+                <a:schemeClr val="tx1"/>
+              </a:solidFill>
+            </a:ln>
+          </p:spPr>
+          <p:style>
+            <a:lnRef idx="1">
+              <a:schemeClr val="accent1"/>
+            </a:lnRef>
+            <a:fillRef idx="0">
+              <a:schemeClr val="accent1"/>
+            </a:fillRef>
+            <a:effectRef idx="0">
+              <a:schemeClr val="accent1"/>
+            </a:effectRef>
+            <a:fontRef idx="minor">
+              <a:schemeClr val="tx1"/>
+            </a:fontRef>
+          </p:style>
+        </p:cxnSp>
+        <p:cxnSp>
+          <p:nvCxnSpPr>
+            <p:cNvPr id="63" name="직선 연결선 62">
+              <a:extLst>
+                <a:ext uri="{FF2B5EF4-FFF2-40B4-BE49-F238E27FC236}">
+                  <a16:creationId xmlns:a16="http://schemas.microsoft.com/office/drawing/2014/main" id="{E095215E-EC67-4399-B084-F82B9A8478FB}"/>
+                </a:ext>
+              </a:extLst>
+            </p:cNvPr>
+            <p:cNvCxnSpPr>
+              <a:cxnSpLocks/>
+              <a:endCxn id="10" idx="0"/>
+            </p:cNvCxnSpPr>
+            <p:nvPr/>
+          </p:nvCxnSpPr>
+          <p:spPr>
+            <a:xfrm>
+              <a:off x="3869862" y="1128687"/>
+              <a:ext cx="7" cy="287295"/>
+            </a:xfrm>
+            <a:prstGeom prst="line">
+              <a:avLst/>
+            </a:prstGeom>
+            <a:ln w="38100">
+              <a:solidFill>
+                <a:schemeClr val="tx1"/>
+              </a:solidFill>
+            </a:ln>
+          </p:spPr>
+          <p:style>
+            <a:lnRef idx="1">
+              <a:schemeClr val="accent1"/>
+            </a:lnRef>
+            <a:fillRef idx="0">
+              <a:schemeClr val="accent1"/>
+            </a:fillRef>
+            <a:effectRef idx="0">
+              <a:schemeClr val="accent1"/>
+            </a:effectRef>
+            <a:fontRef idx="minor">
+              <a:schemeClr val="tx1"/>
+            </a:fontRef>
+          </p:style>
+        </p:cxnSp>
+        <p:cxnSp>
+          <p:nvCxnSpPr>
+            <p:cNvPr id="65" name="직선 연결선 64">
+              <a:extLst>
+                <a:ext uri="{FF2B5EF4-FFF2-40B4-BE49-F238E27FC236}">
+                  <a16:creationId xmlns:a16="http://schemas.microsoft.com/office/drawing/2014/main" id="{7B452688-E50E-4CEF-A40A-46BEF0F4450A}"/>
+                </a:ext>
+              </a:extLst>
+            </p:cNvPr>
+            <p:cNvCxnSpPr>
+              <a:cxnSpLocks/>
+            </p:cNvCxnSpPr>
+            <p:nvPr/>
+          </p:nvCxnSpPr>
+          <p:spPr>
+            <a:xfrm>
+              <a:off x="6143280" y="1135289"/>
+              <a:ext cx="0" cy="522482"/>
+            </a:xfrm>
+            <a:prstGeom prst="line">
+              <a:avLst/>
+            </a:prstGeom>
+            <a:ln w="38100">
+              <a:solidFill>
+                <a:schemeClr val="tx1"/>
+              </a:solidFill>
+            </a:ln>
+          </p:spPr>
+          <p:style>
+            <a:lnRef idx="1">
+              <a:schemeClr val="accent1"/>
+            </a:lnRef>
+            <a:fillRef idx="0">
+              <a:schemeClr val="accent1"/>
+            </a:fillRef>
+            <a:effectRef idx="0">
+              <a:schemeClr val="accent1"/>
+            </a:effectRef>
+            <a:fontRef idx="minor">
+              <a:schemeClr val="tx1"/>
+            </a:fontRef>
+          </p:style>
+        </p:cxnSp>
+        <p:cxnSp>
+          <p:nvCxnSpPr>
+            <p:cNvPr id="68" name="직선 화살표 연결선 67">
+              <a:extLst>
+                <a:ext uri="{FF2B5EF4-FFF2-40B4-BE49-F238E27FC236}">
+                  <a16:creationId xmlns:a16="http://schemas.microsoft.com/office/drawing/2014/main" id="{07798691-9FD7-48A2-8A59-0F2CE6F627BA}"/>
+                </a:ext>
+              </a:extLst>
+            </p:cNvPr>
+            <p:cNvCxnSpPr>
+              <a:cxnSpLocks/>
+              <a:stCxn id="12" idx="3"/>
+              <a:endCxn id="15" idx="1"/>
+            </p:cNvCxnSpPr>
+            <p:nvPr/>
+          </p:nvCxnSpPr>
+          <p:spPr>
+            <a:xfrm flipV="1">
+              <a:off x="7184504" y="2953509"/>
+              <a:ext cx="2622268" cy="1469"/>
+            </a:xfrm>
+            <a:prstGeom prst="straightConnector1">
+              <a:avLst/>
+            </a:prstGeom>
+            <a:ln w="38100">
+              <a:tailEnd type="triangle"/>
+            </a:ln>
+          </p:spPr>
+          <p:style>
+            <a:lnRef idx="3">
+              <a:schemeClr val="dk1"/>
+            </a:lnRef>
+            <a:fillRef idx="0">
+              <a:schemeClr val="dk1"/>
+            </a:fillRef>
+            <a:effectRef idx="2">
+              <a:schemeClr val="dk1"/>
+            </a:effectRef>
+            <a:fontRef idx="minor">
+              <a:schemeClr val="tx1"/>
+            </a:fontRef>
+          </p:style>
+        </p:cxnSp>
+        <p:sp>
+          <p:nvSpPr>
+            <p:cNvPr id="70" name="직사각형 69">
+              <a:extLst>
+                <a:ext uri="{FF2B5EF4-FFF2-40B4-BE49-F238E27FC236}">
+                  <a16:creationId xmlns:a16="http://schemas.microsoft.com/office/drawing/2014/main" id="{938BC038-C251-4BD0-A457-9256E7F5B6FB}"/>
+                </a:ext>
+              </a:extLst>
+            </p:cNvPr>
+            <p:cNvSpPr/>
+            <p:nvPr/>
+          </p:nvSpPr>
+          <p:spPr>
+            <a:xfrm>
+              <a:off x="7375467" y="3415343"/>
+              <a:ext cx="2082439" cy="378208"/>
+            </a:xfrm>
+            <a:prstGeom prst="rect">
+              <a:avLst/>
+            </a:prstGeom>
+            <a:solidFill>
+              <a:schemeClr val="bg1"/>
+            </a:solidFill>
+            <a:ln>
+              <a:solidFill>
+                <a:schemeClr val="accent2"/>
+              </a:solidFill>
+            </a:ln>
+          </p:spPr>
+          <p:style>
+            <a:lnRef idx="2">
+              <a:schemeClr val="accent1">
+                <a:shade val="50000"/>
+              </a:schemeClr>
+            </a:lnRef>
+            <a:fillRef idx="1">
+              <a:schemeClr val="accent1"/>
+            </a:fillRef>
+            <a:effectRef idx="0">
+              <a:schemeClr val="accent1"/>
+            </a:effectRef>
+            <a:fontRef idx="minor">
+              <a:schemeClr val="lt1"/>
+            </a:fontRef>
+          </p:style>
+          <p:txBody>
+            <a:bodyPr rtlCol="0" anchor="ctr"/>
+            <a:lstStyle/>
+            <a:p>
+              <a:pPr algn="ctr"/>
+              <a:r>
+                <a:rPr lang="en-US" altLang="ko-KR" sz="1000" dirty="0">
+                  <a:solidFill>
+                    <a:schemeClr val="tx1"/>
+                  </a:solidFill>
+                </a:rPr>
+                <a:t>Create Communication Thread</a:t>
+              </a:r>
+              <a:endParaRPr lang="ko-KR" altLang="en-US" sz="1000" dirty="0">
+                <a:solidFill>
+                  <a:schemeClr val="tx1"/>
+                </a:solidFill>
+              </a:endParaRPr>
+            </a:p>
+          </p:txBody>
+        </p:sp>
+        <p:cxnSp>
+          <p:nvCxnSpPr>
+            <p:cNvPr id="72" name="직선 연결선 71">
+              <a:extLst>
+                <a:ext uri="{FF2B5EF4-FFF2-40B4-BE49-F238E27FC236}">
+                  <a16:creationId xmlns:a16="http://schemas.microsoft.com/office/drawing/2014/main" id="{CD6B4432-B4B6-4AAD-8326-1D898EC09185}"/>
+                </a:ext>
+              </a:extLst>
+            </p:cNvPr>
+            <p:cNvCxnSpPr>
+              <a:cxnSpLocks/>
+            </p:cNvCxnSpPr>
+            <p:nvPr/>
+          </p:nvCxnSpPr>
+          <p:spPr>
+            <a:xfrm>
+              <a:off x="8416686" y="3788520"/>
+              <a:ext cx="3" cy="271261"/>
+            </a:xfrm>
+            <a:prstGeom prst="line">
+              <a:avLst/>
+            </a:prstGeom>
+            <a:ln w="38100">
+              <a:solidFill>
+                <a:schemeClr val="tx1"/>
+              </a:solidFill>
+            </a:ln>
+          </p:spPr>
+          <p:style>
+            <a:lnRef idx="1">
+              <a:schemeClr val="accent1"/>
+            </a:lnRef>
+            <a:fillRef idx="0">
+              <a:schemeClr val="accent1"/>
+            </a:fillRef>
+            <a:effectRef idx="0">
+              <a:schemeClr val="accent1"/>
+            </a:effectRef>
+            <a:fontRef idx="minor">
+              <a:schemeClr val="tx1"/>
+            </a:fontRef>
+          </p:style>
+        </p:cxnSp>
+        <p:cxnSp>
+          <p:nvCxnSpPr>
+            <p:cNvPr id="94" name="직선 화살표 연결선 93">
+              <a:extLst>
+                <a:ext uri="{FF2B5EF4-FFF2-40B4-BE49-F238E27FC236}">
+                  <a16:creationId xmlns:a16="http://schemas.microsoft.com/office/drawing/2014/main" id="{0A1681AA-CF7B-4751-BC4A-16CEA2B730A4}"/>
+                </a:ext>
+              </a:extLst>
+            </p:cNvPr>
+            <p:cNvCxnSpPr>
+              <a:cxnSpLocks/>
+              <a:stCxn id="15" idx="2"/>
+              <a:endCxn id="70" idx="3"/>
+            </p:cNvCxnSpPr>
+            <p:nvPr/>
+          </p:nvCxnSpPr>
+          <p:spPr>
+            <a:xfrm rot="5400000">
+              <a:off x="9922032" y="2678487"/>
+              <a:ext cx="461834" cy="1390086"/>
+            </a:xfrm>
+            <a:prstGeom prst="bentConnector2">
+              <a:avLst/>
+            </a:prstGeom>
+            <a:ln w="38100">
+              <a:tailEnd type="triangle"/>
+            </a:ln>
+          </p:spPr>
+          <p:style>
+            <a:lnRef idx="3">
+              <a:schemeClr val="dk1"/>
+            </a:lnRef>
+            <a:fillRef idx="0">
+              <a:schemeClr val="dk1"/>
+            </a:fillRef>
+            <a:effectRef idx="2">
+              <a:schemeClr val="dk1"/>
+            </a:effectRef>
+            <a:fontRef idx="minor">
+              <a:schemeClr val="tx1"/>
+            </a:fontRef>
+          </p:style>
+        </p:cxnSp>
+        <p:sp>
+          <p:nvSpPr>
+            <p:cNvPr id="101" name="직사각형 100">
+              <a:extLst>
+                <a:ext uri="{FF2B5EF4-FFF2-40B4-BE49-F238E27FC236}">
+                  <a16:creationId xmlns:a16="http://schemas.microsoft.com/office/drawing/2014/main" id="{703E5011-E546-4B1C-A83D-0EBA408B4669}"/>
+                </a:ext>
+              </a:extLst>
+            </p:cNvPr>
+            <p:cNvSpPr/>
+            <p:nvPr/>
+          </p:nvSpPr>
+          <p:spPr>
+            <a:xfrm>
+              <a:off x="9806771" y="4048424"/>
+              <a:ext cx="2082439" cy="1029939"/>
+            </a:xfrm>
+            <a:prstGeom prst="rect">
+              <a:avLst/>
+            </a:prstGeom>
+            <a:solidFill>
+              <a:schemeClr val="bg1"/>
+            </a:solidFill>
+            <a:ln>
+              <a:solidFill>
+                <a:schemeClr val="accent2"/>
+              </a:solidFill>
+            </a:ln>
+          </p:spPr>
+          <p:style>
+            <a:lnRef idx="2">
+              <a:schemeClr val="accent1">
+                <a:shade val="50000"/>
+              </a:schemeClr>
+            </a:lnRef>
+            <a:fillRef idx="1">
+              <a:schemeClr val="accent1"/>
+            </a:fillRef>
+            <a:effectRef idx="0">
+              <a:schemeClr val="accent1"/>
+            </a:effectRef>
+            <a:fontRef idx="minor">
+              <a:schemeClr val="lt1"/>
+            </a:fontRef>
+          </p:style>
+          <p:txBody>
+            <a:bodyPr rtlCol="0" anchor="ctr"/>
+            <a:lstStyle/>
+            <a:p>
+              <a:pPr algn="ctr"/>
+              <a:r>
+                <a:rPr lang="en-US" altLang="ko-KR" sz="1500" dirty="0">
+                  <a:solidFill>
+                    <a:schemeClr val="tx1"/>
+                  </a:solidFill>
+                </a:rPr>
+                <a:t>Game Update</a:t>
+              </a:r>
+              <a:endParaRPr lang="ko-KR" altLang="en-US" sz="1500" dirty="0">
+                <a:solidFill>
+                  <a:schemeClr val="tx1"/>
+                </a:solidFill>
+              </a:endParaRPr>
+            </a:p>
+          </p:txBody>
+        </p:sp>
+        <p:cxnSp>
+          <p:nvCxnSpPr>
+            <p:cNvPr id="102" name="직선 화살표 연결선 101">
+              <a:extLst>
+                <a:ext uri="{FF2B5EF4-FFF2-40B4-BE49-F238E27FC236}">
+                  <a16:creationId xmlns:a16="http://schemas.microsoft.com/office/drawing/2014/main" id="{AEA3A26A-BA21-472C-87CA-2D58E8CDD764}"/>
+                </a:ext>
+              </a:extLst>
+            </p:cNvPr>
+            <p:cNvCxnSpPr>
+              <a:cxnSpLocks/>
+              <a:stCxn id="19" idx="3"/>
+            </p:cNvCxnSpPr>
+            <p:nvPr/>
+          </p:nvCxnSpPr>
+          <p:spPr>
+            <a:xfrm>
+              <a:off x="9457906" y="4237529"/>
+              <a:ext cx="348865" cy="6464"/>
+            </a:xfrm>
+            <a:prstGeom prst="straightConnector1">
+              <a:avLst/>
+            </a:prstGeom>
+            <a:ln w="38100">
+              <a:tailEnd type="triangle"/>
+            </a:ln>
+          </p:spPr>
+          <p:style>
+            <a:lnRef idx="3">
+              <a:schemeClr val="dk1"/>
+            </a:lnRef>
+            <a:fillRef idx="0">
+              <a:schemeClr val="dk1"/>
+            </a:fillRef>
+            <a:effectRef idx="2">
+              <a:schemeClr val="dk1"/>
+            </a:effectRef>
+            <a:fontRef idx="minor">
+              <a:schemeClr val="tx1"/>
+            </a:fontRef>
+          </p:style>
+        </p:cxnSp>
+        <p:cxnSp>
+          <p:nvCxnSpPr>
+            <p:cNvPr id="104" name="직선 화살표 연결선 103">
+              <a:extLst>
+                <a:ext uri="{FF2B5EF4-FFF2-40B4-BE49-F238E27FC236}">
+                  <a16:creationId xmlns:a16="http://schemas.microsoft.com/office/drawing/2014/main" id="{D2550560-EA9F-4D3B-97D7-08620ACA6D05}"/>
+                </a:ext>
+              </a:extLst>
+            </p:cNvPr>
+            <p:cNvCxnSpPr>
+              <a:cxnSpLocks/>
+              <a:endCxn id="20" idx="3"/>
+            </p:cNvCxnSpPr>
+            <p:nvPr/>
+          </p:nvCxnSpPr>
+          <p:spPr>
+            <a:xfrm flipH="1">
+              <a:off x="9457907" y="4887264"/>
+              <a:ext cx="348862" cy="1996"/>
+            </a:xfrm>
+            <a:prstGeom prst="straightConnector1">
+              <a:avLst/>
+            </a:prstGeom>
+            <a:ln w="38100">
+              <a:tailEnd type="triangle"/>
+            </a:ln>
+          </p:spPr>
+          <p:style>
+            <a:lnRef idx="3">
+              <a:schemeClr val="dk1"/>
+            </a:lnRef>
+            <a:fillRef idx="0">
+              <a:schemeClr val="dk1"/>
+            </a:fillRef>
+            <a:effectRef idx="2">
+              <a:schemeClr val="dk1"/>
+            </a:effectRef>
+            <a:fontRef idx="minor">
+              <a:schemeClr val="tx1"/>
+            </a:fontRef>
+          </p:style>
+        </p:cxnSp>
+        <p:cxnSp>
+          <p:nvCxnSpPr>
+            <p:cNvPr id="108" name="직선 연결선 107">
+              <a:extLst>
+                <a:ext uri="{FF2B5EF4-FFF2-40B4-BE49-F238E27FC236}">
+                  <a16:creationId xmlns:a16="http://schemas.microsoft.com/office/drawing/2014/main" id="{66F5956A-7AE4-4509-93C7-540C1F2B4098}"/>
+                </a:ext>
+              </a:extLst>
+            </p:cNvPr>
+            <p:cNvCxnSpPr>
+              <a:cxnSpLocks/>
+              <a:endCxn id="101" idx="0"/>
+            </p:cNvCxnSpPr>
+            <p:nvPr/>
+          </p:nvCxnSpPr>
+          <p:spPr>
+            <a:xfrm>
+              <a:off x="10847990" y="3604447"/>
+              <a:ext cx="1" cy="443977"/>
+            </a:xfrm>
+            <a:prstGeom prst="line">
+              <a:avLst/>
+            </a:prstGeom>
+            <a:ln w="38100">
+              <a:solidFill>
+                <a:schemeClr val="tx1"/>
+              </a:solidFill>
+            </a:ln>
+          </p:spPr>
+          <p:style>
+            <a:lnRef idx="1">
+              <a:schemeClr val="accent1"/>
+            </a:lnRef>
+            <a:fillRef idx="0">
+              <a:schemeClr val="accent1"/>
+            </a:fillRef>
+            <a:effectRef idx="0">
+              <a:schemeClr val="accent1"/>
+            </a:effectRef>
+            <a:fontRef idx="minor">
+              <a:schemeClr val="tx1"/>
+            </a:fontRef>
+          </p:style>
+        </p:cxnSp>
+        <p:sp>
+          <p:nvSpPr>
+            <p:cNvPr id="110" name="직사각형 109">
+              <a:extLst>
+                <a:ext uri="{FF2B5EF4-FFF2-40B4-BE49-F238E27FC236}">
+                  <a16:creationId xmlns:a16="http://schemas.microsoft.com/office/drawing/2014/main" id="{B2CC1C64-E22D-4AEE-A924-A4CFBAB98020}"/>
+                </a:ext>
+              </a:extLst>
+            </p:cNvPr>
+            <p:cNvSpPr/>
+            <p:nvPr/>
+          </p:nvSpPr>
+          <p:spPr>
+            <a:xfrm>
+              <a:off x="9806769" y="5366012"/>
+              <a:ext cx="2082439" cy="378208"/>
+            </a:xfrm>
+            <a:prstGeom prst="rect">
+              <a:avLst/>
+            </a:prstGeom>
+            <a:solidFill>
+              <a:schemeClr val="bg1"/>
+            </a:solidFill>
+            <a:ln>
+              <a:solidFill>
+                <a:schemeClr val="accent2"/>
+              </a:solidFill>
+            </a:ln>
+          </p:spPr>
+          <p:style>
+            <a:lnRef idx="2">
+              <a:schemeClr val="accent1">
+                <a:shade val="50000"/>
+              </a:schemeClr>
+            </a:lnRef>
+            <a:fillRef idx="1">
+              <a:schemeClr val="accent1"/>
+            </a:fillRef>
+            <a:effectRef idx="0">
+              <a:schemeClr val="accent1"/>
+            </a:effectRef>
+            <a:fontRef idx="minor">
+              <a:schemeClr val="lt1"/>
+            </a:fontRef>
+          </p:style>
+          <p:txBody>
+            <a:bodyPr rtlCol="0" anchor="ctr"/>
+            <a:lstStyle/>
+            <a:p>
+              <a:pPr algn="ctr"/>
+              <a:r>
+                <a:rPr lang="en-US" altLang="ko-KR" sz="1100" dirty="0">
+                  <a:solidFill>
+                    <a:schemeClr val="tx1"/>
+                  </a:solidFill>
+                </a:rPr>
+                <a:t>Delete Game Server Thread</a:t>
+              </a:r>
+              <a:endParaRPr lang="ko-KR" altLang="en-US" sz="1100" dirty="0">
+                <a:solidFill>
+                  <a:schemeClr val="tx1"/>
+                </a:solidFill>
+              </a:endParaRPr>
+            </a:p>
+          </p:txBody>
+        </p:sp>
+        <p:cxnSp>
+          <p:nvCxnSpPr>
+            <p:cNvPr id="111" name="직선 연결선 110">
+              <a:extLst>
+                <a:ext uri="{FF2B5EF4-FFF2-40B4-BE49-F238E27FC236}">
+                  <a16:creationId xmlns:a16="http://schemas.microsoft.com/office/drawing/2014/main" id="{649A5622-FBD6-444C-A2F2-7B151BDF677A}"/>
+                </a:ext>
+              </a:extLst>
+            </p:cNvPr>
+            <p:cNvCxnSpPr>
+              <a:cxnSpLocks/>
+            </p:cNvCxnSpPr>
+            <p:nvPr/>
+          </p:nvCxnSpPr>
+          <p:spPr>
+            <a:xfrm>
+              <a:off x="10839849" y="5101224"/>
+              <a:ext cx="3" cy="271261"/>
+            </a:xfrm>
+            <a:prstGeom prst="line">
+              <a:avLst/>
+            </a:prstGeom>
+            <a:ln w="38100">
+              <a:solidFill>
+                <a:schemeClr val="tx1"/>
+              </a:solidFill>
+            </a:ln>
+          </p:spPr>
+          <p:style>
+            <a:lnRef idx="1">
+              <a:schemeClr val="accent1"/>
+            </a:lnRef>
+            <a:fillRef idx="0">
+              <a:schemeClr val="accent1"/>
+            </a:fillRef>
+            <a:effectRef idx="0">
+              <a:schemeClr val="accent1"/>
+            </a:effectRef>
+            <a:fontRef idx="minor">
+              <a:schemeClr val="tx1"/>
+            </a:fontRef>
+          </p:style>
+        </p:cxnSp>
+        <p:cxnSp>
+          <p:nvCxnSpPr>
+            <p:cNvPr id="113" name="직선 연결선 112">
+              <a:extLst>
+                <a:ext uri="{FF2B5EF4-FFF2-40B4-BE49-F238E27FC236}">
+                  <a16:creationId xmlns:a16="http://schemas.microsoft.com/office/drawing/2014/main" id="{7AB7544F-6DFE-4770-9FCD-6E239EACE853}"/>
+                </a:ext>
+              </a:extLst>
+            </p:cNvPr>
+            <p:cNvCxnSpPr>
+              <a:cxnSpLocks/>
+            </p:cNvCxnSpPr>
+            <p:nvPr/>
+          </p:nvCxnSpPr>
+          <p:spPr>
+            <a:xfrm>
+              <a:off x="6143280" y="2493144"/>
+              <a:ext cx="3" cy="271261"/>
+            </a:xfrm>
+            <a:prstGeom prst="line">
+              <a:avLst/>
+            </a:prstGeom>
+            <a:ln w="38100">
+              <a:solidFill>
+                <a:schemeClr val="tx1"/>
+              </a:solidFill>
+            </a:ln>
+          </p:spPr>
+          <p:style>
+            <a:lnRef idx="1">
+              <a:schemeClr val="accent1"/>
+            </a:lnRef>
+            <a:fillRef idx="0">
+              <a:schemeClr val="accent1"/>
+            </a:fillRef>
+            <a:effectRef idx="0">
+              <a:schemeClr val="accent1"/>
+            </a:effectRef>
+            <a:fontRef idx="minor">
+              <a:schemeClr val="tx1"/>
+            </a:fontRef>
+          </p:style>
+        </p:cxnSp>
+        <p:cxnSp>
+          <p:nvCxnSpPr>
+            <p:cNvPr id="114" name="직선 연결선 113">
+              <a:extLst>
+                <a:ext uri="{FF2B5EF4-FFF2-40B4-BE49-F238E27FC236}">
+                  <a16:creationId xmlns:a16="http://schemas.microsoft.com/office/drawing/2014/main" id="{D1C2A25A-D55F-4FED-B050-6D12240FBAA9}"/>
+                </a:ext>
+              </a:extLst>
+            </p:cNvPr>
+            <p:cNvCxnSpPr>
+              <a:cxnSpLocks/>
+            </p:cNvCxnSpPr>
+            <p:nvPr/>
+          </p:nvCxnSpPr>
+          <p:spPr>
+            <a:xfrm>
+              <a:off x="6143280" y="3150599"/>
+              <a:ext cx="3" cy="271261"/>
+            </a:xfrm>
+            <a:prstGeom prst="line">
+              <a:avLst/>
+            </a:prstGeom>
+            <a:ln w="38100">
+              <a:solidFill>
+                <a:schemeClr val="tx1"/>
+              </a:solidFill>
+            </a:ln>
+          </p:spPr>
+          <p:style>
+            <a:lnRef idx="1">
+              <a:schemeClr val="accent1"/>
+            </a:lnRef>
+            <a:fillRef idx="0">
+              <a:schemeClr val="accent1"/>
+            </a:fillRef>
+            <a:effectRef idx="0">
+              <a:schemeClr val="accent1"/>
+            </a:effectRef>
+            <a:fontRef idx="minor">
+              <a:schemeClr val="tx1"/>
+            </a:fontRef>
+          </p:style>
+        </p:cxnSp>
+      </p:grpSp>
+    </p:spTree>
+    <p:extLst>
+      <p:ext uri="{BB962C8B-B14F-4D97-AF65-F5344CB8AC3E}">
+        <p14:creationId xmlns:p14="http://schemas.microsoft.com/office/powerpoint/2010/main" val="119485141"/>
       </p:ext>
     </p:extLst>
   </p:cSld>

--- a/Document/넷겜플 하이레벨순서도.pptx
+++ b/Document/넷겜플 하이레벨순서도.pptx
@@ -261,7 +261,7 @@
           <a:p>
             <a:fld id="{A84CD303-C271-4D5B-82FA-BA8C2E6EE6D5}" type="datetimeFigureOut">
               <a:rPr lang="ko-KR" altLang="en-US" smtClean="0"/>
-              <a:t>2019-10-29</a:t>
+              <a:t>2019-12-01</a:t>
             </a:fld>
             <a:endParaRPr lang="ko-KR" altLang="en-US"/>
           </a:p>
@@ -459,7 +459,7 @@
           <a:p>
             <a:fld id="{A84CD303-C271-4D5B-82FA-BA8C2E6EE6D5}" type="datetimeFigureOut">
               <a:rPr lang="ko-KR" altLang="en-US" smtClean="0"/>
-              <a:t>2019-10-29</a:t>
+              <a:t>2019-12-01</a:t>
             </a:fld>
             <a:endParaRPr lang="ko-KR" altLang="en-US"/>
           </a:p>
@@ -667,7 +667,7 @@
           <a:p>
             <a:fld id="{A84CD303-C271-4D5B-82FA-BA8C2E6EE6D5}" type="datetimeFigureOut">
               <a:rPr lang="ko-KR" altLang="en-US" smtClean="0"/>
-              <a:t>2019-10-29</a:t>
+              <a:t>2019-12-01</a:t>
             </a:fld>
             <a:endParaRPr lang="ko-KR" altLang="en-US"/>
           </a:p>
@@ -865,7 +865,7 @@
           <a:p>
             <a:fld id="{A84CD303-C271-4D5B-82FA-BA8C2E6EE6D5}" type="datetimeFigureOut">
               <a:rPr lang="ko-KR" altLang="en-US" smtClean="0"/>
-              <a:t>2019-10-29</a:t>
+              <a:t>2019-12-01</a:t>
             </a:fld>
             <a:endParaRPr lang="ko-KR" altLang="en-US"/>
           </a:p>
@@ -1140,7 +1140,7 @@
           <a:p>
             <a:fld id="{A84CD303-C271-4D5B-82FA-BA8C2E6EE6D5}" type="datetimeFigureOut">
               <a:rPr lang="ko-KR" altLang="en-US" smtClean="0"/>
-              <a:t>2019-10-29</a:t>
+              <a:t>2019-12-01</a:t>
             </a:fld>
             <a:endParaRPr lang="ko-KR" altLang="en-US"/>
           </a:p>
@@ -1405,7 +1405,7 @@
           <a:p>
             <a:fld id="{A84CD303-C271-4D5B-82FA-BA8C2E6EE6D5}" type="datetimeFigureOut">
               <a:rPr lang="ko-KR" altLang="en-US" smtClean="0"/>
-              <a:t>2019-10-29</a:t>
+              <a:t>2019-12-01</a:t>
             </a:fld>
             <a:endParaRPr lang="ko-KR" altLang="en-US"/>
           </a:p>
@@ -1817,7 +1817,7 @@
           <a:p>
             <a:fld id="{A84CD303-C271-4D5B-82FA-BA8C2E6EE6D5}" type="datetimeFigureOut">
               <a:rPr lang="ko-KR" altLang="en-US" smtClean="0"/>
-              <a:t>2019-10-29</a:t>
+              <a:t>2019-12-01</a:t>
             </a:fld>
             <a:endParaRPr lang="ko-KR" altLang="en-US"/>
           </a:p>
@@ -1958,7 +1958,7 @@
           <a:p>
             <a:fld id="{A84CD303-C271-4D5B-82FA-BA8C2E6EE6D5}" type="datetimeFigureOut">
               <a:rPr lang="ko-KR" altLang="en-US" smtClean="0"/>
-              <a:t>2019-10-29</a:t>
+              <a:t>2019-12-01</a:t>
             </a:fld>
             <a:endParaRPr lang="ko-KR" altLang="en-US"/>
           </a:p>
@@ -2071,7 +2071,7 @@
           <a:p>
             <a:fld id="{A84CD303-C271-4D5B-82FA-BA8C2E6EE6D5}" type="datetimeFigureOut">
               <a:rPr lang="ko-KR" altLang="en-US" smtClean="0"/>
-              <a:t>2019-10-29</a:t>
+              <a:t>2019-12-01</a:t>
             </a:fld>
             <a:endParaRPr lang="ko-KR" altLang="en-US"/>
           </a:p>
@@ -2382,7 +2382,7 @@
           <a:p>
             <a:fld id="{A84CD303-C271-4D5B-82FA-BA8C2E6EE6D5}" type="datetimeFigureOut">
               <a:rPr lang="ko-KR" altLang="en-US" smtClean="0"/>
-              <a:t>2019-10-29</a:t>
+              <a:t>2019-12-01</a:t>
             </a:fld>
             <a:endParaRPr lang="ko-KR" altLang="en-US"/>
           </a:p>
@@ -2670,7 +2670,7 @@
           <a:p>
             <a:fld id="{A84CD303-C271-4D5B-82FA-BA8C2E6EE6D5}" type="datetimeFigureOut">
               <a:rPr lang="ko-KR" altLang="en-US" smtClean="0"/>
-              <a:t>2019-10-29</a:t>
+              <a:t>2019-12-01</a:t>
             </a:fld>
             <a:endParaRPr lang="ko-KR" altLang="en-US"/>
           </a:p>
@@ -2911,7 +2911,7 @@
           <a:p>
             <a:fld id="{A84CD303-C271-4D5B-82FA-BA8C2E6EE6D5}" type="datetimeFigureOut">
               <a:rPr lang="ko-KR" altLang="en-US" smtClean="0"/>
-              <a:t>2019-10-29</a:t>
+              <a:t>2019-12-01</a:t>
             </a:fld>
             <a:endParaRPr lang="ko-KR" altLang="en-US"/>
           </a:p>
@@ -3330,10 +3330,10 @@
       </p:grpSpPr>
       <p:grpSp>
         <p:nvGrpSpPr>
-          <p:cNvPr id="185" name="그룹 184">
+          <p:cNvPr id="13" name="그룹 12">
             <a:extLst>
               <a:ext uri="{FF2B5EF4-FFF2-40B4-BE49-F238E27FC236}">
-                <a16:creationId xmlns:a16="http://schemas.microsoft.com/office/drawing/2014/main" id="{4C28BF7E-6A98-4AAD-9B90-3A774C00ABBD}"/>
+                <a16:creationId xmlns:a16="http://schemas.microsoft.com/office/drawing/2014/main" id="{66AC7F8A-6C41-41E0-A76B-CE3C0CEE4116}"/>
               </a:ext>
             </a:extLst>
           </p:cNvPr>
@@ -3342,10 +3342,10 @@
         </p:nvGrpSpPr>
         <p:grpSpPr>
           <a:xfrm>
-            <a:off x="3300072" y="301300"/>
-            <a:ext cx="8499574" cy="6319633"/>
-            <a:chOff x="3300072" y="301300"/>
-            <a:chExt cx="8499574" cy="6319633"/>
+            <a:off x="1399189" y="333758"/>
+            <a:ext cx="10400457" cy="6287175"/>
+            <a:chOff x="1399189" y="333758"/>
+            <a:chExt cx="10400457" cy="6287175"/>
           </a:xfrm>
         </p:grpSpPr>
         <p:sp>
@@ -3419,7 +3419,7 @@
           </p:nvSpPr>
           <p:spPr>
             <a:xfrm>
-              <a:off x="3300072" y="1061811"/>
+              <a:off x="1399189" y="1474187"/>
               <a:ext cx="2082439" cy="661121"/>
             </a:xfrm>
             <a:prstGeom prst="rect">
@@ -3480,7 +3480,7 @@
           </p:nvSpPr>
           <p:spPr>
             <a:xfrm>
-              <a:off x="7990869" y="962990"/>
+              <a:off x="9342704" y="2617266"/>
               <a:ext cx="2048933" cy="1083734"/>
             </a:xfrm>
             <a:prstGeom prst="rect">
@@ -3557,7 +3557,7 @@
           </p:nvSpPr>
           <p:spPr>
             <a:xfrm>
-              <a:off x="3300072" y="1814984"/>
+              <a:off x="1399189" y="2227360"/>
               <a:ext cx="2082439" cy="661121"/>
             </a:xfrm>
             <a:prstGeom prst="rect">
@@ -3618,7 +3618,7 @@
           </p:nvSpPr>
           <p:spPr>
             <a:xfrm>
-              <a:off x="3300072" y="301300"/>
+              <a:off x="1399189" y="713676"/>
               <a:ext cx="2082439" cy="661121"/>
             </a:xfrm>
             <a:prstGeom prst="rect">
@@ -3679,7 +3679,7 @@
           </p:nvSpPr>
           <p:spPr>
             <a:xfrm>
-              <a:off x="9428580" y="3703566"/>
+              <a:off x="9334272" y="4329858"/>
               <a:ext cx="2048933" cy="1083734"/>
             </a:xfrm>
             <a:prstGeom prst="rect">
@@ -3757,9 +3757,9 @@
             <p:nvPr/>
           </p:nvCxnSpPr>
           <p:spPr>
-            <a:xfrm>
-              <a:off x="5382511" y="793051"/>
-              <a:ext cx="2608358" cy="516126"/>
+            <a:xfrm flipV="1">
+              <a:off x="3468336" y="1119380"/>
+              <a:ext cx="3045444" cy="70751"/>
             </a:xfrm>
             <a:prstGeom prst="straightConnector1">
               <a:avLst/>
@@ -3839,7 +3839,7 @@
           </p:nvSpPr>
           <p:spPr>
             <a:xfrm>
-              <a:off x="6569491" y="396862"/>
+              <a:off x="8676394" y="1368214"/>
               <a:ext cx="415498" cy="369332"/>
             </a:xfrm>
             <a:prstGeom prst="rect">
@@ -3874,7 +3874,7 @@
           </p:nvSpPr>
           <p:spPr>
             <a:xfrm>
-              <a:off x="6361742" y="1005465"/>
+              <a:off x="10349281" y="2148412"/>
               <a:ext cx="415498" cy="369332"/>
             </a:xfrm>
             <a:prstGeom prst="rect">
@@ -3909,7 +3909,7 @@
           </p:nvSpPr>
           <p:spPr>
             <a:xfrm>
-              <a:off x="6900555" y="4056834"/>
+              <a:off x="6513783" y="1463609"/>
               <a:ext cx="2048933" cy="712146"/>
             </a:xfrm>
             <a:prstGeom prst="rect">
@@ -3951,18 +3951,7 @@
                     <a:schemeClr val="tx1"/>
                   </a:solidFill>
                 </a:rPr>
-                <a:t>Communication</a:t>
-              </a:r>
-            </a:p>
-            <a:p>
-              <a:pPr algn="ctr"/>
-              <a:r>
-                <a:rPr lang="en-US" altLang="ko-KR" dirty="0">
-                  <a:solidFill>
-                    <a:schemeClr val="tx1"/>
-                  </a:solidFill>
-                </a:rPr>
-                <a:t>Thread</a:t>
+                <a:t>Client Thread</a:t>
               </a:r>
               <a:endParaRPr lang="ko-KR" altLang="en-US" dirty="0">
                 <a:solidFill>
@@ -3986,7 +3975,7 @@
           </p:nvSpPr>
           <p:spPr>
             <a:xfrm>
-              <a:off x="6900553" y="4935502"/>
+              <a:off x="6513781" y="2342277"/>
               <a:ext cx="2048933" cy="712146"/>
             </a:xfrm>
             <a:prstGeom prst="rect">
@@ -4028,18 +4017,7 @@
                     <a:schemeClr val="tx1"/>
                   </a:solidFill>
                 </a:rPr>
-                <a:t>Communication</a:t>
-              </a:r>
-            </a:p>
-            <a:p>
-              <a:pPr algn="ctr"/>
-              <a:r>
-                <a:rPr lang="en-US" altLang="ko-KR" dirty="0">
-                  <a:solidFill>
-                    <a:schemeClr val="tx1"/>
-                  </a:solidFill>
-                </a:rPr>
-                <a:t>Thread</a:t>
+                <a:t>Client Thread</a:t>
               </a:r>
               <a:endParaRPr lang="ko-KR" altLang="en-US" dirty="0">
                 <a:solidFill>
@@ -4063,7 +4041,7 @@
           </p:nvSpPr>
           <p:spPr>
             <a:xfrm>
-              <a:off x="6900554" y="3187766"/>
+              <a:off x="6513782" y="594541"/>
               <a:ext cx="2048933" cy="714874"/>
             </a:xfrm>
             <a:prstGeom prst="rect">
@@ -4105,18 +4083,7 @@
                     <a:schemeClr val="tx1"/>
                   </a:solidFill>
                 </a:rPr>
-                <a:t>Communication</a:t>
-              </a:r>
-            </a:p>
-            <a:p>
-              <a:pPr algn="ctr"/>
-              <a:r>
-                <a:rPr lang="en-US" altLang="ko-KR" dirty="0">
-                  <a:solidFill>
-                    <a:schemeClr val="tx1"/>
-                  </a:solidFill>
-                </a:rPr>
-                <a:t>Thread</a:t>
+                <a:t>Client Thread</a:t>
               </a:r>
               <a:endParaRPr lang="ko-KR" altLang="en-US" dirty="0">
                 <a:solidFill>
@@ -4137,15 +4104,14 @@
             </p:cNvPr>
             <p:cNvCxnSpPr>
               <a:cxnSpLocks/>
-              <a:stCxn id="57" idx="1"/>
               <a:endCxn id="39" idx="3"/>
             </p:cNvCxnSpPr>
             <p:nvPr/>
           </p:nvCxnSpPr>
           <p:spPr>
             <a:xfrm flipH="1" flipV="1">
-              <a:off x="8949487" y="3545203"/>
-              <a:ext cx="479093" cy="700230"/>
+              <a:off x="8562715" y="951978"/>
+              <a:ext cx="761448" cy="676672"/>
             </a:xfrm>
             <a:prstGeom prst="straightConnector1">
               <a:avLst/>
@@ -4180,15 +4146,14 @@
             </p:cNvPr>
             <p:cNvCxnSpPr>
               <a:cxnSpLocks/>
-              <a:stCxn id="57" idx="1"/>
               <a:endCxn id="38" idx="3"/>
             </p:cNvCxnSpPr>
             <p:nvPr/>
           </p:nvCxnSpPr>
           <p:spPr>
             <a:xfrm flipH="1">
-              <a:off x="8949486" y="4245433"/>
-              <a:ext cx="479094" cy="1046142"/>
+              <a:off x="8562714" y="1650912"/>
+              <a:ext cx="761450" cy="1047438"/>
             </a:xfrm>
             <a:prstGeom prst="straightConnector1">
               <a:avLst/>
@@ -4223,15 +4188,14 @@
             </p:cNvPr>
             <p:cNvCxnSpPr>
               <a:cxnSpLocks/>
-              <a:stCxn id="57" idx="1"/>
               <a:endCxn id="37" idx="3"/>
             </p:cNvCxnSpPr>
             <p:nvPr/>
           </p:nvCxnSpPr>
           <p:spPr>
             <a:xfrm flipH="1">
-              <a:off x="8949488" y="4245433"/>
-              <a:ext cx="479092" cy="167474"/>
+              <a:off x="8562716" y="1646531"/>
+              <a:ext cx="748867" cy="173151"/>
             </a:xfrm>
             <a:prstGeom prst="straightConnector1">
               <a:avLst/>
@@ -4270,9 +4234,9 @@
             <p:nvPr/>
           </p:nvCxnSpPr>
           <p:spPr>
-            <a:xfrm flipH="1" flipV="1">
-              <a:off x="5387567" y="423719"/>
-              <a:ext cx="2593192" cy="647889"/>
+            <a:xfrm flipH="1">
+              <a:off x="3468338" y="769940"/>
+              <a:ext cx="3045443" cy="104515"/>
             </a:xfrm>
             <a:prstGeom prst="straightConnector1">
               <a:avLst/>
@@ -4307,14 +4271,15 @@
             </p:cNvPr>
             <p:cNvCxnSpPr>
               <a:cxnSpLocks/>
-              <a:endCxn id="6" idx="1"/>
+              <a:stCxn id="17" idx="3"/>
+              <a:endCxn id="38" idx="1"/>
             </p:cNvCxnSpPr>
             <p:nvPr/>
           </p:nvCxnSpPr>
           <p:spPr>
             <a:xfrm>
-              <a:off x="5382511" y="1493807"/>
-              <a:ext cx="2608358" cy="11050"/>
+              <a:off x="3481628" y="2557921"/>
+              <a:ext cx="3032153" cy="140429"/>
             </a:xfrm>
             <a:prstGeom prst="straightConnector1">
               <a:avLst/>
@@ -4346,194 +4311,6 @@
         </p:cxnSp>
         <p:cxnSp>
           <p:nvCxnSpPr>
-            <p:cNvPr id="65" name="직선 화살표 연결선 64">
-              <a:extLst>
-                <a:ext uri="{FF2B5EF4-FFF2-40B4-BE49-F238E27FC236}">
-                  <a16:creationId xmlns:a16="http://schemas.microsoft.com/office/drawing/2014/main" id="{174BFBAE-29DE-44C2-9D91-55D031C741DE}"/>
-                </a:ext>
-              </a:extLst>
-            </p:cNvPr>
-            <p:cNvCxnSpPr>
-              <a:cxnSpLocks/>
-              <a:stCxn id="17" idx="3"/>
-            </p:cNvCxnSpPr>
-            <p:nvPr/>
-          </p:nvCxnSpPr>
-          <p:spPr>
-            <a:xfrm flipV="1">
-              <a:off x="5382511" y="1851615"/>
-              <a:ext cx="2598248" cy="293930"/>
-            </a:xfrm>
-            <a:prstGeom prst="straightConnector1">
-              <a:avLst/>
-            </a:prstGeom>
-            <a:ln w="38100" cap="flat" cmpd="sng" algn="ctr">
-              <a:solidFill>
-                <a:schemeClr val="dk1"/>
-              </a:solidFill>
-              <a:prstDash val="solid"/>
-              <a:round/>
-              <a:headEnd type="arrow" w="med" len="med"/>
-              <a:tailEnd type="arrow" w="med" len="med"/>
-            </a:ln>
-          </p:spPr>
-          <p:style>
-            <a:lnRef idx="0">
-              <a:scrgbClr r="0" g="0" b="0"/>
-            </a:lnRef>
-            <a:fillRef idx="0">
-              <a:scrgbClr r="0" g="0" b="0"/>
-            </a:fillRef>
-            <a:effectRef idx="0">
-              <a:scrgbClr r="0" g="0" b="0"/>
-            </a:effectRef>
-            <a:fontRef idx="minor">
-              <a:schemeClr val="tx1"/>
-            </a:fontRef>
-          </p:style>
-        </p:cxnSp>
-        <p:sp>
-          <p:nvSpPr>
-            <p:cNvPr id="68" name="직사각형 67">
-              <a:extLst>
-                <a:ext uri="{FF2B5EF4-FFF2-40B4-BE49-F238E27FC236}">
-                  <a16:creationId xmlns:a16="http://schemas.microsoft.com/office/drawing/2014/main" id="{187B30A6-F328-46F0-9B15-D8539B6EA73B}"/>
-                </a:ext>
-              </a:extLst>
-            </p:cNvPr>
-            <p:cNvSpPr/>
-            <p:nvPr/>
-          </p:nvSpPr>
-          <p:spPr>
-            <a:xfrm>
-              <a:off x="6237741" y="1431326"/>
-              <a:ext cx="415498" cy="369332"/>
-            </a:xfrm>
-            <a:prstGeom prst="rect">
-              <a:avLst/>
-            </a:prstGeom>
-          </p:spPr>
-          <p:txBody>
-            <a:bodyPr wrap="square">
-              <a:spAutoFit/>
-            </a:bodyPr>
-            <a:lstStyle/>
-            <a:p>
-              <a:r>
-                <a:rPr lang="en-US" altLang="ko-KR" dirty="0"/>
-                <a:t>①</a:t>
-              </a:r>
-              <a:endParaRPr lang="ko-KR" altLang="en-US" dirty="0"/>
-            </a:p>
-          </p:txBody>
-        </p:sp>
-        <p:sp>
-          <p:nvSpPr>
-            <p:cNvPr id="69" name="직사각형 68">
-              <a:extLst>
-                <a:ext uri="{FF2B5EF4-FFF2-40B4-BE49-F238E27FC236}">
-                  <a16:creationId xmlns:a16="http://schemas.microsoft.com/office/drawing/2014/main" id="{B4F88507-4B93-4799-B4E0-97AB870069F9}"/>
-                </a:ext>
-              </a:extLst>
-            </p:cNvPr>
-            <p:cNvSpPr/>
-            <p:nvPr/>
-          </p:nvSpPr>
-          <p:spPr>
-            <a:xfrm>
-              <a:off x="6485057" y="1437860"/>
-              <a:ext cx="415498" cy="369332"/>
-            </a:xfrm>
-            <a:prstGeom prst="rect">
-              <a:avLst/>
-            </a:prstGeom>
-          </p:spPr>
-          <p:txBody>
-            <a:bodyPr wrap="square">
-              <a:spAutoFit/>
-            </a:bodyPr>
-            <a:lstStyle/>
-            <a:p>
-              <a:r>
-                <a:rPr lang="en-US" altLang="ko-KR" dirty="0"/>
-                <a:t>②</a:t>
-              </a:r>
-              <a:endParaRPr lang="ko-KR" altLang="en-US" dirty="0"/>
-            </a:p>
-          </p:txBody>
-        </p:sp>
-        <p:sp>
-          <p:nvSpPr>
-            <p:cNvPr id="71" name="직사각형 70">
-              <a:extLst>
-                <a:ext uri="{FF2B5EF4-FFF2-40B4-BE49-F238E27FC236}">
-                  <a16:creationId xmlns:a16="http://schemas.microsoft.com/office/drawing/2014/main" id="{D0E184B4-FC0B-4BFF-A8D9-86FB079710F7}"/>
-                </a:ext>
-              </a:extLst>
-            </p:cNvPr>
-            <p:cNvSpPr/>
-            <p:nvPr/>
-          </p:nvSpPr>
-          <p:spPr>
-            <a:xfrm>
-              <a:off x="6272168" y="1969284"/>
-              <a:ext cx="415498" cy="369332"/>
-            </a:xfrm>
-            <a:prstGeom prst="rect">
-              <a:avLst/>
-            </a:prstGeom>
-          </p:spPr>
-          <p:txBody>
-            <a:bodyPr wrap="square">
-              <a:spAutoFit/>
-            </a:bodyPr>
-            <a:lstStyle/>
-            <a:p>
-              <a:r>
-                <a:rPr lang="en-US" altLang="ko-KR" dirty="0"/>
-                <a:t>①</a:t>
-              </a:r>
-              <a:endParaRPr lang="ko-KR" altLang="en-US" dirty="0"/>
-            </a:p>
-          </p:txBody>
-        </p:sp>
-        <p:sp>
-          <p:nvSpPr>
-            <p:cNvPr id="72" name="직사각형 71">
-              <a:extLst>
-                <a:ext uri="{FF2B5EF4-FFF2-40B4-BE49-F238E27FC236}">
-                  <a16:creationId xmlns:a16="http://schemas.microsoft.com/office/drawing/2014/main" id="{FB8EA6BE-0074-46CB-8E42-17BBBAF68359}"/>
-                </a:ext>
-              </a:extLst>
-            </p:cNvPr>
-            <p:cNvSpPr/>
-            <p:nvPr/>
-          </p:nvSpPr>
-          <p:spPr>
-            <a:xfrm>
-              <a:off x="6521058" y="1931441"/>
-              <a:ext cx="415498" cy="369332"/>
-            </a:xfrm>
-            <a:prstGeom prst="rect">
-              <a:avLst/>
-            </a:prstGeom>
-          </p:spPr>
-          <p:txBody>
-            <a:bodyPr wrap="square">
-              <a:spAutoFit/>
-            </a:bodyPr>
-            <a:lstStyle/>
-            <a:p>
-              <a:r>
-                <a:rPr lang="en-US" altLang="ko-KR" dirty="0"/>
-                <a:t>②</a:t>
-              </a:r>
-              <a:endParaRPr lang="ko-KR" altLang="en-US" dirty="0"/>
-            </a:p>
-          </p:txBody>
-        </p:sp>
-        <p:cxnSp>
-          <p:nvCxnSpPr>
             <p:cNvPr id="75" name="직선 화살표 연결선 74">
               <a:extLst>
                 <a:ext uri="{FF2B5EF4-FFF2-40B4-BE49-F238E27FC236}">
@@ -4543,15 +4320,15 @@
             </p:cNvPr>
             <p:cNvCxnSpPr>
               <a:cxnSpLocks/>
-              <a:stCxn id="6" idx="3"/>
+              <a:stCxn id="6" idx="2"/>
               <a:endCxn id="57" idx="0"/>
             </p:cNvCxnSpPr>
             <p:nvPr/>
           </p:nvCxnSpPr>
           <p:spPr>
-            <a:xfrm>
-              <a:off x="10039802" y="1504857"/>
-              <a:ext cx="413245" cy="2198709"/>
+            <a:xfrm flipH="1">
+              <a:off x="10358739" y="3701000"/>
+              <a:ext cx="8432" cy="628858"/>
             </a:xfrm>
             <a:prstGeom prst="straightConnector1">
               <a:avLst/>
@@ -4589,7 +4366,7 @@
           </p:nvSpPr>
           <p:spPr>
             <a:xfrm>
-              <a:off x="10246424" y="2419545"/>
+              <a:off x="4817283" y="419851"/>
               <a:ext cx="379169" cy="369332"/>
             </a:xfrm>
             <a:prstGeom prst="rect">
@@ -4624,7 +4401,7 @@
           </p:nvSpPr>
           <p:spPr>
             <a:xfrm>
-              <a:off x="3300073" y="3187766"/>
+              <a:off x="1399190" y="3600142"/>
               <a:ext cx="2082439" cy="714874"/>
             </a:xfrm>
             <a:prstGeom prst="rect">
@@ -4706,7 +4483,7 @@
           </p:nvSpPr>
           <p:spPr>
             <a:xfrm>
-              <a:off x="3300073" y="4053734"/>
+              <a:off x="1399190" y="4466110"/>
               <a:ext cx="2082439" cy="714874"/>
             </a:xfrm>
             <a:prstGeom prst="rect">
@@ -4788,7 +4565,7 @@
           </p:nvSpPr>
           <p:spPr>
             <a:xfrm>
-              <a:off x="3300072" y="4929318"/>
+              <a:off x="1399189" y="5341694"/>
               <a:ext cx="2082439" cy="714874"/>
             </a:xfrm>
             <a:prstGeom prst="rect">
@@ -4874,7 +4651,7 @@
           </p:nvCxnSpPr>
           <p:spPr>
             <a:xfrm>
-              <a:off x="4341292" y="2476105"/>
+              <a:off x="2440409" y="2888481"/>
               <a:ext cx="1" cy="711661"/>
             </a:xfrm>
             <a:prstGeom prst="straightConnector1">
@@ -4916,7 +4693,632 @@
           </p:nvSpPr>
           <p:spPr>
             <a:xfrm>
-              <a:off x="3932327" y="2651678"/>
+              <a:off x="4784259" y="1102611"/>
+              <a:ext cx="415498" cy="369332"/>
+            </a:xfrm>
+            <a:prstGeom prst="rect">
+              <a:avLst/>
+            </a:prstGeom>
+          </p:spPr>
+          <p:txBody>
+            <a:bodyPr wrap="none">
+              <a:spAutoFit/>
+            </a:bodyPr>
+            <a:lstStyle/>
+            <a:p>
+              <a:r>
+                <a:rPr lang="ko-KR" altLang="en-US" dirty="0"/>
+                <a:t>④</a:t>
+              </a:r>
+            </a:p>
+          </p:txBody>
+        </p:sp>
+        <p:cxnSp>
+          <p:nvCxnSpPr>
+            <p:cNvPr id="45" name="직선 화살표 연결선 44">
+              <a:extLst>
+                <a:ext uri="{FF2B5EF4-FFF2-40B4-BE49-F238E27FC236}">
+                  <a16:creationId xmlns:a16="http://schemas.microsoft.com/office/drawing/2014/main" id="{07D601F5-9E3B-45E0-AAAD-58E68DC1AEB1}"/>
+                </a:ext>
+              </a:extLst>
+            </p:cNvPr>
+            <p:cNvCxnSpPr>
+              <a:cxnSpLocks/>
+              <a:stCxn id="4" idx="3"/>
+              <a:endCxn id="37" idx="1"/>
+            </p:cNvCxnSpPr>
+            <p:nvPr/>
+          </p:nvCxnSpPr>
+          <p:spPr>
+            <a:xfrm>
+              <a:off x="3481628" y="1804748"/>
+              <a:ext cx="3032155" cy="14934"/>
+            </a:xfrm>
+            <a:prstGeom prst="straightConnector1">
+              <a:avLst/>
+            </a:prstGeom>
+            <a:ln w="38100" cap="flat" cmpd="sng" algn="ctr">
+              <a:solidFill>
+                <a:schemeClr val="dk1"/>
+              </a:solidFill>
+              <a:prstDash val="solid"/>
+              <a:round/>
+              <a:headEnd type="arrow" w="med" len="med"/>
+              <a:tailEnd type="arrow" w="med" len="med"/>
+            </a:ln>
+          </p:spPr>
+          <p:style>
+            <a:lnRef idx="0">
+              <a:scrgbClr r="0" g="0" b="0"/>
+            </a:lnRef>
+            <a:fillRef idx="0">
+              <a:scrgbClr r="0" g="0" b="0"/>
+            </a:fillRef>
+            <a:effectRef idx="0">
+              <a:scrgbClr r="0" g="0" b="0"/>
+            </a:effectRef>
+            <a:fontRef idx="minor">
+              <a:schemeClr val="tx1"/>
+            </a:fontRef>
+          </p:style>
+        </p:cxnSp>
+        <p:sp>
+          <p:nvSpPr>
+            <p:cNvPr id="59" name="직사각형 58">
+              <a:extLst>
+                <a:ext uri="{FF2B5EF4-FFF2-40B4-BE49-F238E27FC236}">
+                  <a16:creationId xmlns:a16="http://schemas.microsoft.com/office/drawing/2014/main" id="{53B20420-4C6B-4756-BA98-4CFD23DFF211}"/>
+                </a:ext>
+              </a:extLst>
+            </p:cNvPr>
+            <p:cNvSpPr/>
+            <p:nvPr/>
+          </p:nvSpPr>
+          <p:spPr>
+            <a:xfrm>
+              <a:off x="2071197" y="3015570"/>
+              <a:ext cx="296978" cy="369332"/>
+            </a:xfrm>
+            <a:prstGeom prst="rect">
+              <a:avLst/>
+            </a:prstGeom>
+          </p:spPr>
+          <p:txBody>
+            <a:bodyPr wrap="square">
+              <a:spAutoFit/>
+            </a:bodyPr>
+            <a:lstStyle/>
+            <a:p>
+              <a:r>
+                <a:rPr lang="ko-KR" altLang="en-US" dirty="0">
+                  <a:latin typeface="맑은 고딕" panose="020B0503020000020004" pitchFamily="50" charset="-127"/>
+                  <a:ea typeface="맑은 고딕" panose="020B0503020000020004" pitchFamily="50" charset="-127"/>
+                </a:rPr>
+                <a:t>⑦</a:t>
+              </a:r>
+              <a:endParaRPr lang="ko-KR" altLang="en-US" dirty="0"/>
+            </a:p>
+          </p:txBody>
+        </p:sp>
+        <p:sp>
+          <p:nvSpPr>
+            <p:cNvPr id="77" name="직사각형 76">
+              <a:extLst>
+                <a:ext uri="{FF2B5EF4-FFF2-40B4-BE49-F238E27FC236}">
+                  <a16:creationId xmlns:a16="http://schemas.microsoft.com/office/drawing/2014/main" id="{5694CECA-1AF6-46FB-AF3F-A6D541CEE01A}"/>
+                </a:ext>
+              </a:extLst>
+            </p:cNvPr>
+            <p:cNvSpPr/>
+            <p:nvPr/>
+          </p:nvSpPr>
+          <p:spPr>
+            <a:xfrm>
+              <a:off x="8617269" y="4505705"/>
+              <a:ext cx="415498" cy="369332"/>
+            </a:xfrm>
+            <a:prstGeom prst="rect">
+              <a:avLst/>
+            </a:prstGeom>
+          </p:spPr>
+          <p:txBody>
+            <a:bodyPr wrap="square">
+              <a:spAutoFit/>
+            </a:bodyPr>
+            <a:lstStyle/>
+            <a:p>
+              <a:r>
+                <a:rPr lang="en-US" altLang="ko-KR" dirty="0">
+                  <a:latin typeface="맑은 고딕" panose="020B0503020000020004" pitchFamily="50" charset="-127"/>
+                  <a:ea typeface="맑은 고딕" panose="020B0503020000020004" pitchFamily="50" charset="-127"/>
+                </a:rPr>
+                <a:t>⑥</a:t>
+              </a:r>
+              <a:endParaRPr lang="ko-KR" altLang="en-US" dirty="0"/>
+            </a:p>
+          </p:txBody>
+        </p:sp>
+        <p:sp>
+          <p:nvSpPr>
+            <p:cNvPr id="78" name="직사각형 77">
+              <a:extLst>
+                <a:ext uri="{FF2B5EF4-FFF2-40B4-BE49-F238E27FC236}">
+                  <a16:creationId xmlns:a16="http://schemas.microsoft.com/office/drawing/2014/main" id="{876DD257-1AB3-4F30-9EA8-164266CAA578}"/>
+                </a:ext>
+              </a:extLst>
+            </p:cNvPr>
+            <p:cNvSpPr/>
+            <p:nvPr/>
+          </p:nvSpPr>
+          <p:spPr>
+            <a:xfrm>
+              <a:off x="6513782" y="4642444"/>
+              <a:ext cx="2048933" cy="712146"/>
+            </a:xfrm>
+            <a:prstGeom prst="rect">
+              <a:avLst/>
+            </a:prstGeom>
+            <a:solidFill>
+              <a:schemeClr val="bg1"/>
+            </a:solidFill>
+            <a:ln>
+              <a:solidFill>
+                <a:schemeClr val="accent2"/>
+              </a:solidFill>
+            </a:ln>
+          </p:spPr>
+          <p:style>
+            <a:lnRef idx="2">
+              <a:schemeClr val="accent1">
+                <a:shade val="50000"/>
+              </a:schemeClr>
+            </a:lnRef>
+            <a:fillRef idx="1">
+              <a:schemeClr val="accent1"/>
+            </a:fillRef>
+            <a:effectRef idx="0">
+              <a:schemeClr val="accent1"/>
+            </a:effectRef>
+            <a:fontRef idx="minor">
+              <a:schemeClr val="lt1"/>
+            </a:fontRef>
+          </p:style>
+          <p:txBody>
+            <a:bodyPr rtlCol="0" anchor="ctr"/>
+            <a:lstStyle/>
+            <a:p>
+              <a:pPr algn="ctr"/>
+              <a:r>
+                <a:rPr lang="en-US" altLang="ko-KR" dirty="0">
+                  <a:solidFill>
+                    <a:schemeClr val="tx1"/>
+                  </a:solidFill>
+                </a:rPr>
+                <a:t>Communication</a:t>
+              </a:r>
+            </a:p>
+            <a:p>
+              <a:pPr algn="ctr"/>
+              <a:r>
+                <a:rPr lang="en-US" altLang="ko-KR" dirty="0">
+                  <a:solidFill>
+                    <a:schemeClr val="tx1"/>
+                  </a:solidFill>
+                </a:rPr>
+                <a:t>Thread</a:t>
+              </a:r>
+              <a:endParaRPr lang="ko-KR" altLang="en-US" dirty="0">
+                <a:solidFill>
+                  <a:schemeClr val="tx1"/>
+                </a:solidFill>
+              </a:endParaRPr>
+            </a:p>
+          </p:txBody>
+        </p:sp>
+        <p:sp>
+          <p:nvSpPr>
+            <p:cNvPr id="79" name="직사각형 78">
+              <a:extLst>
+                <a:ext uri="{FF2B5EF4-FFF2-40B4-BE49-F238E27FC236}">
+                  <a16:creationId xmlns:a16="http://schemas.microsoft.com/office/drawing/2014/main" id="{452921AB-762F-4367-B597-39A61E75CED1}"/>
+                </a:ext>
+              </a:extLst>
+            </p:cNvPr>
+            <p:cNvSpPr/>
+            <p:nvPr/>
+          </p:nvSpPr>
+          <p:spPr>
+            <a:xfrm>
+              <a:off x="6513780" y="5521112"/>
+              <a:ext cx="2048933" cy="712146"/>
+            </a:xfrm>
+            <a:prstGeom prst="rect">
+              <a:avLst/>
+            </a:prstGeom>
+            <a:solidFill>
+              <a:schemeClr val="bg1"/>
+            </a:solidFill>
+            <a:ln>
+              <a:solidFill>
+                <a:schemeClr val="accent2"/>
+              </a:solidFill>
+            </a:ln>
+          </p:spPr>
+          <p:style>
+            <a:lnRef idx="2">
+              <a:schemeClr val="accent1">
+                <a:shade val="50000"/>
+              </a:schemeClr>
+            </a:lnRef>
+            <a:fillRef idx="1">
+              <a:schemeClr val="accent1"/>
+            </a:fillRef>
+            <a:effectRef idx="0">
+              <a:schemeClr val="accent1"/>
+            </a:effectRef>
+            <a:fontRef idx="minor">
+              <a:schemeClr val="lt1"/>
+            </a:fontRef>
+          </p:style>
+          <p:txBody>
+            <a:bodyPr rtlCol="0" anchor="ctr"/>
+            <a:lstStyle/>
+            <a:p>
+              <a:pPr algn="ctr"/>
+              <a:r>
+                <a:rPr lang="en-US" altLang="ko-KR" dirty="0">
+                  <a:solidFill>
+                    <a:schemeClr val="tx1"/>
+                  </a:solidFill>
+                </a:rPr>
+                <a:t>Communication</a:t>
+              </a:r>
+            </a:p>
+            <a:p>
+              <a:pPr algn="ctr"/>
+              <a:r>
+                <a:rPr lang="en-US" altLang="ko-KR" dirty="0">
+                  <a:solidFill>
+                    <a:schemeClr val="tx1"/>
+                  </a:solidFill>
+                </a:rPr>
+                <a:t>Thread</a:t>
+              </a:r>
+              <a:endParaRPr lang="ko-KR" altLang="en-US" dirty="0">
+                <a:solidFill>
+                  <a:schemeClr val="tx1"/>
+                </a:solidFill>
+              </a:endParaRPr>
+            </a:p>
+          </p:txBody>
+        </p:sp>
+        <p:sp>
+          <p:nvSpPr>
+            <p:cNvPr id="80" name="직사각형 79">
+              <a:extLst>
+                <a:ext uri="{FF2B5EF4-FFF2-40B4-BE49-F238E27FC236}">
+                  <a16:creationId xmlns:a16="http://schemas.microsoft.com/office/drawing/2014/main" id="{7A13853D-898C-4357-9270-C54063F83686}"/>
+                </a:ext>
+              </a:extLst>
+            </p:cNvPr>
+            <p:cNvSpPr/>
+            <p:nvPr/>
+          </p:nvSpPr>
+          <p:spPr>
+            <a:xfrm>
+              <a:off x="6513781" y="3773376"/>
+              <a:ext cx="2048933" cy="714874"/>
+            </a:xfrm>
+            <a:prstGeom prst="rect">
+              <a:avLst/>
+            </a:prstGeom>
+            <a:solidFill>
+              <a:schemeClr val="bg1"/>
+            </a:solidFill>
+            <a:ln>
+              <a:solidFill>
+                <a:schemeClr val="accent2"/>
+              </a:solidFill>
+            </a:ln>
+          </p:spPr>
+          <p:style>
+            <a:lnRef idx="2">
+              <a:schemeClr val="accent1">
+                <a:shade val="50000"/>
+              </a:schemeClr>
+            </a:lnRef>
+            <a:fillRef idx="1">
+              <a:schemeClr val="accent1"/>
+            </a:fillRef>
+            <a:effectRef idx="0">
+              <a:schemeClr val="accent1"/>
+            </a:effectRef>
+            <a:fontRef idx="minor">
+              <a:schemeClr val="lt1"/>
+            </a:fontRef>
+          </p:style>
+          <p:txBody>
+            <a:bodyPr rtlCol="0" anchor="ctr"/>
+            <a:lstStyle/>
+            <a:p>
+              <a:pPr algn="ctr"/>
+              <a:r>
+                <a:rPr lang="en-US" altLang="ko-KR" dirty="0">
+                  <a:solidFill>
+                    <a:schemeClr val="tx1"/>
+                  </a:solidFill>
+                </a:rPr>
+                <a:t>Communication</a:t>
+              </a:r>
+            </a:p>
+            <a:p>
+              <a:pPr algn="ctr"/>
+              <a:r>
+                <a:rPr lang="en-US" altLang="ko-KR" dirty="0">
+                  <a:solidFill>
+                    <a:schemeClr val="tx1"/>
+                  </a:solidFill>
+                </a:rPr>
+                <a:t>Thread</a:t>
+              </a:r>
+              <a:endParaRPr lang="ko-KR" altLang="en-US" dirty="0">
+                <a:solidFill>
+                  <a:schemeClr val="tx1"/>
+                </a:solidFill>
+              </a:endParaRPr>
+            </a:p>
+          </p:txBody>
+        </p:sp>
+        <p:cxnSp>
+          <p:nvCxnSpPr>
+            <p:cNvPr id="81" name="직선 화살표 연결선 80">
+              <a:extLst>
+                <a:ext uri="{FF2B5EF4-FFF2-40B4-BE49-F238E27FC236}">
+                  <a16:creationId xmlns:a16="http://schemas.microsoft.com/office/drawing/2014/main" id="{5F34B1D5-DA93-46D6-9AB8-CD315B2E9EC6}"/>
+                </a:ext>
+              </a:extLst>
+            </p:cNvPr>
+            <p:cNvCxnSpPr>
+              <a:cxnSpLocks/>
+              <a:endCxn id="80" idx="3"/>
+            </p:cNvCxnSpPr>
+            <p:nvPr/>
+          </p:nvCxnSpPr>
+          <p:spPr>
+            <a:xfrm flipH="1" flipV="1">
+              <a:off x="8562714" y="4130813"/>
+              <a:ext cx="771557" cy="688354"/>
+            </a:xfrm>
+            <a:prstGeom prst="straightConnector1">
+              <a:avLst/>
+            </a:prstGeom>
+            <a:ln w="38100">
+              <a:tailEnd type="triangle"/>
+            </a:ln>
+          </p:spPr>
+          <p:style>
+            <a:lnRef idx="3">
+              <a:schemeClr val="dk1"/>
+            </a:lnRef>
+            <a:fillRef idx="0">
+              <a:schemeClr val="dk1"/>
+            </a:fillRef>
+            <a:effectRef idx="2">
+              <a:schemeClr val="dk1"/>
+            </a:effectRef>
+            <a:fontRef idx="minor">
+              <a:schemeClr val="tx1"/>
+            </a:fontRef>
+          </p:style>
+        </p:cxnSp>
+        <p:cxnSp>
+          <p:nvCxnSpPr>
+            <p:cNvPr id="85" name="직선 화살표 연결선 84">
+              <a:extLst>
+                <a:ext uri="{FF2B5EF4-FFF2-40B4-BE49-F238E27FC236}">
+                  <a16:creationId xmlns:a16="http://schemas.microsoft.com/office/drawing/2014/main" id="{2A62712E-7630-4F73-B9BA-FC631DF8791A}"/>
+                </a:ext>
+              </a:extLst>
+            </p:cNvPr>
+            <p:cNvCxnSpPr>
+              <a:cxnSpLocks/>
+              <a:endCxn id="79" idx="3"/>
+            </p:cNvCxnSpPr>
+            <p:nvPr/>
+          </p:nvCxnSpPr>
+          <p:spPr>
+            <a:xfrm flipH="1">
+              <a:off x="8562713" y="4829747"/>
+              <a:ext cx="761450" cy="1047438"/>
+            </a:xfrm>
+            <a:prstGeom prst="straightConnector1">
+              <a:avLst/>
+            </a:prstGeom>
+            <a:ln w="38100">
+              <a:tailEnd type="triangle"/>
+            </a:ln>
+          </p:spPr>
+          <p:style>
+            <a:lnRef idx="3">
+              <a:schemeClr val="dk1"/>
+            </a:lnRef>
+            <a:fillRef idx="0">
+              <a:schemeClr val="dk1"/>
+            </a:fillRef>
+            <a:effectRef idx="2">
+              <a:schemeClr val="dk1"/>
+            </a:effectRef>
+            <a:fontRef idx="minor">
+              <a:schemeClr val="tx1"/>
+            </a:fontRef>
+          </p:style>
+        </p:cxnSp>
+        <p:cxnSp>
+          <p:nvCxnSpPr>
+            <p:cNvPr id="86" name="직선 화살표 연결선 85">
+              <a:extLst>
+                <a:ext uri="{FF2B5EF4-FFF2-40B4-BE49-F238E27FC236}">
+                  <a16:creationId xmlns:a16="http://schemas.microsoft.com/office/drawing/2014/main" id="{5CD87881-DB7D-4EAC-8693-DE9F28650734}"/>
+                </a:ext>
+              </a:extLst>
+            </p:cNvPr>
+            <p:cNvCxnSpPr>
+              <a:cxnSpLocks/>
+              <a:endCxn id="78" idx="3"/>
+            </p:cNvCxnSpPr>
+            <p:nvPr/>
+          </p:nvCxnSpPr>
+          <p:spPr>
+            <a:xfrm flipH="1">
+              <a:off x="8562715" y="4825366"/>
+              <a:ext cx="748867" cy="173151"/>
+            </a:xfrm>
+            <a:prstGeom prst="straightConnector1">
+              <a:avLst/>
+            </a:prstGeom>
+            <a:ln w="38100">
+              <a:tailEnd type="triangle"/>
+            </a:ln>
+          </p:spPr>
+          <p:style>
+            <a:lnRef idx="3">
+              <a:schemeClr val="dk1"/>
+            </a:lnRef>
+            <a:fillRef idx="0">
+              <a:schemeClr val="dk1"/>
+            </a:fillRef>
+            <a:effectRef idx="2">
+              <a:schemeClr val="dk1"/>
+            </a:effectRef>
+            <a:fontRef idx="minor">
+              <a:schemeClr val="tx1"/>
+            </a:fontRef>
+          </p:style>
+        </p:cxnSp>
+        <p:sp>
+          <p:nvSpPr>
+            <p:cNvPr id="43" name="직사각형 42">
+              <a:extLst>
+                <a:ext uri="{FF2B5EF4-FFF2-40B4-BE49-F238E27FC236}">
+                  <a16:creationId xmlns:a16="http://schemas.microsoft.com/office/drawing/2014/main" id="{5168B211-7F07-4038-85B7-D605D24A881C}"/>
+                </a:ext>
+              </a:extLst>
+            </p:cNvPr>
+            <p:cNvSpPr/>
+            <p:nvPr/>
+          </p:nvSpPr>
+          <p:spPr>
+            <a:xfrm>
+              <a:off x="9342704" y="1104664"/>
+              <a:ext cx="2048933" cy="1083734"/>
+            </a:xfrm>
+            <a:prstGeom prst="rect">
+              <a:avLst/>
+            </a:prstGeom>
+            <a:solidFill>
+              <a:schemeClr val="bg1"/>
+            </a:solidFill>
+            <a:ln>
+              <a:solidFill>
+                <a:schemeClr val="accent2"/>
+              </a:solidFill>
+            </a:ln>
+          </p:spPr>
+          <p:style>
+            <a:lnRef idx="2">
+              <a:schemeClr val="accent1">
+                <a:shade val="50000"/>
+              </a:schemeClr>
+            </a:lnRef>
+            <a:fillRef idx="1">
+              <a:schemeClr val="accent1"/>
+            </a:fillRef>
+            <a:effectRef idx="0">
+              <a:schemeClr val="accent1"/>
+            </a:effectRef>
+            <a:fontRef idx="minor">
+              <a:schemeClr val="lt1"/>
+            </a:fontRef>
+          </p:style>
+          <p:txBody>
+            <a:bodyPr rtlCol="0" anchor="ctr"/>
+            <a:lstStyle/>
+            <a:p>
+              <a:pPr algn="ctr"/>
+              <a:r>
+                <a:rPr lang="en-US" altLang="ko-KR" dirty="0">
+                  <a:solidFill>
+                    <a:schemeClr val="tx1"/>
+                  </a:solidFill>
+                </a:rPr>
+                <a:t>Main</a:t>
+              </a:r>
+              <a:endParaRPr lang="ko-KR" altLang="en-US" dirty="0">
+                <a:solidFill>
+                  <a:schemeClr val="tx1"/>
+                </a:solidFill>
+              </a:endParaRPr>
+            </a:p>
+          </p:txBody>
+        </p:sp>
+        <p:cxnSp>
+          <p:nvCxnSpPr>
+            <p:cNvPr id="44" name="직선 화살표 연결선 43">
+              <a:extLst>
+                <a:ext uri="{FF2B5EF4-FFF2-40B4-BE49-F238E27FC236}">
+                  <a16:creationId xmlns:a16="http://schemas.microsoft.com/office/drawing/2014/main" id="{BF10B638-7769-4797-B1DD-33E073BA1911}"/>
+                </a:ext>
+              </a:extLst>
+            </p:cNvPr>
+            <p:cNvCxnSpPr>
+              <a:cxnSpLocks/>
+              <a:stCxn id="43" idx="2"/>
+              <a:endCxn id="6" idx="0"/>
+            </p:cNvCxnSpPr>
+            <p:nvPr/>
+          </p:nvCxnSpPr>
+          <p:spPr>
+            <a:xfrm>
+              <a:off x="10367171" y="2188398"/>
+              <a:ext cx="0" cy="428868"/>
+            </a:xfrm>
+            <a:prstGeom prst="straightConnector1">
+              <a:avLst/>
+            </a:prstGeom>
+            <a:ln w="38100">
+              <a:tailEnd type="triangle"/>
+            </a:ln>
+          </p:spPr>
+          <p:style>
+            <a:lnRef idx="3">
+              <a:schemeClr val="dk1"/>
+            </a:lnRef>
+            <a:fillRef idx="0">
+              <a:schemeClr val="dk1"/>
+            </a:fillRef>
+            <a:effectRef idx="2">
+              <a:schemeClr val="dk1"/>
+            </a:effectRef>
+            <a:fontRef idx="minor">
+              <a:schemeClr val="tx1"/>
+            </a:fontRef>
+          </p:style>
+        </p:cxnSp>
+        <p:sp>
+          <p:nvSpPr>
+            <p:cNvPr id="49" name="직사각형 48">
+              <a:extLst>
+                <a:ext uri="{FF2B5EF4-FFF2-40B4-BE49-F238E27FC236}">
+                  <a16:creationId xmlns:a16="http://schemas.microsoft.com/office/drawing/2014/main" id="{6B670790-3368-4318-B4E5-14022AFEE81D}"/>
+                </a:ext>
+              </a:extLst>
+            </p:cNvPr>
+            <p:cNvSpPr/>
+            <p:nvPr/>
+          </p:nvSpPr>
+          <p:spPr>
+            <a:xfrm>
+              <a:off x="4950943" y="1437565"/>
               <a:ext cx="415498" cy="369332"/>
             </a:xfrm>
             <a:prstGeom prst="rect">
@@ -4938,10 +5340,10 @@
         </p:sp>
         <p:sp>
           <p:nvSpPr>
-            <p:cNvPr id="182" name="직사각형 181">
+            <p:cNvPr id="50" name="직사각형 49">
               <a:extLst>
                 <a:ext uri="{FF2B5EF4-FFF2-40B4-BE49-F238E27FC236}">
-                  <a16:creationId xmlns:a16="http://schemas.microsoft.com/office/drawing/2014/main" id="{337A2BD2-2867-48E9-A9CD-F72F27168253}"/>
+                  <a16:creationId xmlns:a16="http://schemas.microsoft.com/office/drawing/2014/main" id="{2AA3985D-3FD5-4CE4-B10F-285ADA328571}"/>
                 </a:ext>
               </a:extLst>
             </p:cNvPr>
@@ -4950,8 +5352,8 @@
           </p:nvSpPr>
           <p:spPr>
             <a:xfrm>
-              <a:off x="9083710" y="3556492"/>
-              <a:ext cx="342775" cy="369332"/>
+              <a:off x="4647680" y="1437565"/>
+              <a:ext cx="379169" cy="369332"/>
             </a:xfrm>
             <a:prstGeom prst="rect">
               <a:avLst/>
@@ -4964,8 +5366,8 @@
             <a:lstStyle/>
             <a:p>
               <a:r>
-                <a:rPr lang="ko-KR" altLang="en-US"/>
-                <a:t>⑤</a:t>
+                <a:rPr lang="en-US" altLang="ko-KR" dirty="0"/>
+                <a:t>③</a:t>
               </a:r>
               <a:endParaRPr lang="ko-KR" altLang="en-US" dirty="0"/>
             </a:p>
@@ -4973,10 +5375,10 @@
         </p:sp>
         <p:sp>
           <p:nvSpPr>
-            <p:cNvPr id="183" name="직사각형 182">
+            <p:cNvPr id="52" name="직사각형 51">
               <a:extLst>
                 <a:ext uri="{FF2B5EF4-FFF2-40B4-BE49-F238E27FC236}">
-                  <a16:creationId xmlns:a16="http://schemas.microsoft.com/office/drawing/2014/main" id="{40A94911-3DB3-4977-A315-ED6925B0F491}"/>
+                  <a16:creationId xmlns:a16="http://schemas.microsoft.com/office/drawing/2014/main" id="{3E059504-DE42-446C-9750-F33B4CCAB2AD}"/>
                 </a:ext>
               </a:extLst>
             </p:cNvPr>
@@ -4985,7 +5387,7 @@
           </p:nvSpPr>
           <p:spPr>
             <a:xfrm>
-              <a:off x="8875961" y="3962217"/>
+              <a:off x="4905432" y="2276915"/>
               <a:ext cx="415498" cy="369332"/>
             </a:xfrm>
             <a:prstGeom prst="rect">
@@ -5000,17 +5402,17 @@
             <a:p>
               <a:r>
                 <a:rPr lang="ko-KR" altLang="en-US" dirty="0"/>
-                <a:t>⑤</a:t>
+                <a:t>④</a:t>
               </a:r>
             </a:p>
           </p:txBody>
         </p:sp>
         <p:sp>
           <p:nvSpPr>
-            <p:cNvPr id="184" name="직사각형 183">
+            <p:cNvPr id="53" name="직사각형 52">
               <a:extLst>
                 <a:ext uri="{FF2B5EF4-FFF2-40B4-BE49-F238E27FC236}">
-                  <a16:creationId xmlns:a16="http://schemas.microsoft.com/office/drawing/2014/main" id="{35AE69E0-D436-4B7D-9941-E8B1501239AA}"/>
+                  <a16:creationId xmlns:a16="http://schemas.microsoft.com/office/drawing/2014/main" id="{50A43E47-4B23-4068-82BB-DB7A0FD646E5}"/>
                 </a:ext>
               </a:extLst>
             </p:cNvPr>
@@ -5019,15 +5421,50 @@
           </p:nvSpPr>
           <p:spPr>
             <a:xfrm>
-              <a:off x="8850822" y="4528649"/>
-              <a:ext cx="415498" cy="369332"/>
+              <a:off x="4602169" y="2276915"/>
+              <a:ext cx="379169" cy="369332"/>
             </a:xfrm>
             <a:prstGeom prst="rect">
               <a:avLst/>
             </a:prstGeom>
           </p:spPr>
           <p:txBody>
-            <a:bodyPr wrap="none">
+            <a:bodyPr wrap="square">
+              <a:spAutoFit/>
+            </a:bodyPr>
+            <a:lstStyle/>
+            <a:p>
+              <a:r>
+                <a:rPr lang="en-US" altLang="ko-KR" dirty="0"/>
+                <a:t>③</a:t>
+              </a:r>
+              <a:endParaRPr lang="ko-KR" altLang="en-US" dirty="0"/>
+            </a:p>
+          </p:txBody>
+        </p:sp>
+        <p:sp>
+          <p:nvSpPr>
+            <p:cNvPr id="55" name="직사각형 54">
+              <a:extLst>
+                <a:ext uri="{FF2B5EF4-FFF2-40B4-BE49-F238E27FC236}">
+                  <a16:creationId xmlns:a16="http://schemas.microsoft.com/office/drawing/2014/main" id="{A001D576-2422-4C97-B4BC-253D8F8E07F3}"/>
+                </a:ext>
+              </a:extLst>
+            </p:cNvPr>
+            <p:cNvSpPr/>
+            <p:nvPr/>
+          </p:nvSpPr>
+          <p:spPr>
+            <a:xfrm>
+              <a:off x="10348494" y="3773376"/>
+              <a:ext cx="296978" cy="369332"/>
+            </a:xfrm>
+            <a:prstGeom prst="rect">
+              <a:avLst/>
+            </a:prstGeom>
+          </p:spPr>
+          <p:txBody>
+            <a:bodyPr wrap="square">
               <a:spAutoFit/>
             </a:bodyPr>
             <a:lstStyle/>

--- a/Document/넷겜플 하이레벨순서도.pptx
+++ b/Document/넷겜플 하이레벨순서도.pptx
@@ -261,7 +261,7 @@
           <a:p>
             <a:fld id="{A84CD303-C271-4D5B-82FA-BA8C2E6EE6D5}" type="datetimeFigureOut">
               <a:rPr lang="ko-KR" altLang="en-US" smtClean="0"/>
-              <a:t>2019-12-01</a:t>
+              <a:t>2019-12-08</a:t>
             </a:fld>
             <a:endParaRPr lang="ko-KR" altLang="en-US"/>
           </a:p>
@@ -459,7 +459,7 @@
           <a:p>
             <a:fld id="{A84CD303-C271-4D5B-82FA-BA8C2E6EE6D5}" type="datetimeFigureOut">
               <a:rPr lang="ko-KR" altLang="en-US" smtClean="0"/>
-              <a:t>2019-12-01</a:t>
+              <a:t>2019-12-08</a:t>
             </a:fld>
             <a:endParaRPr lang="ko-KR" altLang="en-US"/>
           </a:p>
@@ -667,7 +667,7 @@
           <a:p>
             <a:fld id="{A84CD303-C271-4D5B-82FA-BA8C2E6EE6D5}" type="datetimeFigureOut">
               <a:rPr lang="ko-KR" altLang="en-US" smtClean="0"/>
-              <a:t>2019-12-01</a:t>
+              <a:t>2019-12-08</a:t>
             </a:fld>
             <a:endParaRPr lang="ko-KR" altLang="en-US"/>
           </a:p>
@@ -865,7 +865,7 @@
           <a:p>
             <a:fld id="{A84CD303-C271-4D5B-82FA-BA8C2E6EE6D5}" type="datetimeFigureOut">
               <a:rPr lang="ko-KR" altLang="en-US" smtClean="0"/>
-              <a:t>2019-12-01</a:t>
+              <a:t>2019-12-08</a:t>
             </a:fld>
             <a:endParaRPr lang="ko-KR" altLang="en-US"/>
           </a:p>
@@ -1140,7 +1140,7 @@
           <a:p>
             <a:fld id="{A84CD303-C271-4D5B-82FA-BA8C2E6EE6D5}" type="datetimeFigureOut">
               <a:rPr lang="ko-KR" altLang="en-US" smtClean="0"/>
-              <a:t>2019-12-01</a:t>
+              <a:t>2019-12-08</a:t>
             </a:fld>
             <a:endParaRPr lang="ko-KR" altLang="en-US"/>
           </a:p>
@@ -1405,7 +1405,7 @@
           <a:p>
             <a:fld id="{A84CD303-C271-4D5B-82FA-BA8C2E6EE6D5}" type="datetimeFigureOut">
               <a:rPr lang="ko-KR" altLang="en-US" smtClean="0"/>
-              <a:t>2019-12-01</a:t>
+              <a:t>2019-12-08</a:t>
             </a:fld>
             <a:endParaRPr lang="ko-KR" altLang="en-US"/>
           </a:p>
@@ -1817,7 +1817,7 @@
           <a:p>
             <a:fld id="{A84CD303-C271-4D5B-82FA-BA8C2E6EE6D5}" type="datetimeFigureOut">
               <a:rPr lang="ko-KR" altLang="en-US" smtClean="0"/>
-              <a:t>2019-12-01</a:t>
+              <a:t>2019-12-08</a:t>
             </a:fld>
             <a:endParaRPr lang="ko-KR" altLang="en-US"/>
           </a:p>
@@ -1958,7 +1958,7 @@
           <a:p>
             <a:fld id="{A84CD303-C271-4D5B-82FA-BA8C2E6EE6D5}" type="datetimeFigureOut">
               <a:rPr lang="ko-KR" altLang="en-US" smtClean="0"/>
-              <a:t>2019-12-01</a:t>
+              <a:t>2019-12-08</a:t>
             </a:fld>
             <a:endParaRPr lang="ko-KR" altLang="en-US"/>
           </a:p>
@@ -2071,7 +2071,7 @@
           <a:p>
             <a:fld id="{A84CD303-C271-4D5B-82FA-BA8C2E6EE6D5}" type="datetimeFigureOut">
               <a:rPr lang="ko-KR" altLang="en-US" smtClean="0"/>
-              <a:t>2019-12-01</a:t>
+              <a:t>2019-12-08</a:t>
             </a:fld>
             <a:endParaRPr lang="ko-KR" altLang="en-US"/>
           </a:p>
@@ -2382,7 +2382,7 @@
           <a:p>
             <a:fld id="{A84CD303-C271-4D5B-82FA-BA8C2E6EE6D5}" type="datetimeFigureOut">
               <a:rPr lang="ko-KR" altLang="en-US" smtClean="0"/>
-              <a:t>2019-12-01</a:t>
+              <a:t>2019-12-08</a:t>
             </a:fld>
             <a:endParaRPr lang="ko-KR" altLang="en-US"/>
           </a:p>
@@ -2670,7 +2670,7 @@
           <a:p>
             <a:fld id="{A84CD303-C271-4D5B-82FA-BA8C2E6EE6D5}" type="datetimeFigureOut">
               <a:rPr lang="ko-KR" altLang="en-US" smtClean="0"/>
-              <a:t>2019-12-01</a:t>
+              <a:t>2019-12-08</a:t>
             </a:fld>
             <a:endParaRPr lang="ko-KR" altLang="en-US"/>
           </a:p>
@@ -2911,7 +2911,7 @@
           <a:p>
             <a:fld id="{A84CD303-C271-4D5B-82FA-BA8C2E6EE6D5}" type="datetimeFigureOut">
               <a:rPr lang="ko-KR" altLang="en-US" smtClean="0"/>
-              <a:t>2019-12-01</a:t>
+              <a:t>2019-12-08</a:t>
             </a:fld>
             <a:endParaRPr lang="ko-KR" altLang="en-US"/>
           </a:p>
@@ -6961,8 +6961,8 @@
           </p:nvSpPr>
           <p:spPr>
             <a:xfrm>
-              <a:off x="9443056" y="2963575"/>
-              <a:ext cx="1386760" cy="646331"/>
+              <a:off x="9443055" y="2963575"/>
+              <a:ext cx="1554157" cy="646331"/>
             </a:xfrm>
             <a:prstGeom prst="rect">
               <a:avLst/>
@@ -6977,15 +6977,16 @@
             <a:p>
               <a:pPr algn="ctr"/>
               <a:r>
-                <a:rPr lang="en-US" altLang="ko-KR" dirty="0"/>
-                <a:t>Room</a:t>
+                <a:rPr lang="en-US" altLang="ko-KR" dirty="0" err="1"/>
+                <a:t>GameServer</a:t>
               </a:r>
+              <a:endParaRPr lang="en-US" altLang="ko-KR" dirty="0"/>
             </a:p>
             <a:p>
               <a:pPr algn="ctr"/>
               <a:r>
                 <a:rPr lang="en-US" altLang="ko-KR" dirty="0" err="1"/>
-                <a:t>GlobalData</a:t>
+                <a:t>ThreadData</a:t>
               </a:r>
               <a:endParaRPr lang="ko-KR" altLang="en-US" dirty="0"/>
             </a:p>
@@ -7845,80 +7846,6 @@
                 <a:t>Recv</a:t>
               </a:r>
               <a:endParaRPr lang="ko-KR" altLang="en-US" sz="1500" dirty="0">
-                <a:solidFill>
-                  <a:schemeClr val="tx1"/>
-                </a:solidFill>
-              </a:endParaRPr>
-            </a:p>
-          </p:txBody>
-        </p:sp>
-        <p:sp>
-          <p:nvSpPr>
-            <p:cNvPr id="18" name="직사각형 17">
-              <a:extLst>
-                <a:ext uri="{FF2B5EF4-FFF2-40B4-BE49-F238E27FC236}">
-                  <a16:creationId xmlns:a16="http://schemas.microsoft.com/office/drawing/2014/main" id="{D36CC8E5-C95A-4163-9ACA-8AA7429F446F}"/>
-                </a:ext>
-              </a:extLst>
-            </p:cNvPr>
-            <p:cNvSpPr/>
-            <p:nvPr/>
-          </p:nvSpPr>
-          <p:spPr>
-            <a:xfrm>
-              <a:off x="5102065" y="3415343"/>
-              <a:ext cx="2082439" cy="378208"/>
-            </a:xfrm>
-            <a:prstGeom prst="rect">
-              <a:avLst/>
-            </a:prstGeom>
-            <a:solidFill>
-              <a:schemeClr val="bg1"/>
-            </a:solidFill>
-            <a:ln>
-              <a:solidFill>
-                <a:schemeClr val="accent2"/>
-              </a:solidFill>
-            </a:ln>
-          </p:spPr>
-          <p:style>
-            <a:lnRef idx="2">
-              <a:schemeClr val="accent1">
-                <a:shade val="50000"/>
-              </a:schemeClr>
-            </a:lnRef>
-            <a:fillRef idx="1">
-              <a:schemeClr val="accent1"/>
-            </a:fillRef>
-            <a:effectRef idx="0">
-              <a:schemeClr val="accent1"/>
-            </a:effectRef>
-            <a:fontRef idx="minor">
-              <a:schemeClr val="lt1"/>
-            </a:fontRef>
-          </p:style>
-          <p:txBody>
-            <a:bodyPr rtlCol="0" anchor="ctr"/>
-            <a:lstStyle/>
-            <a:p>
-              <a:pPr algn="ctr"/>
-              <a:r>
-                <a:rPr lang="en-US" altLang="ko-KR" sz="1200" dirty="0" err="1">
-                  <a:solidFill>
-                    <a:schemeClr val="tx1"/>
-                  </a:solidFill>
-                </a:rPr>
-                <a:t>MatchingQueue</a:t>
-              </a:r>
-              <a:r>
-                <a:rPr lang="en-US" altLang="ko-KR" sz="1200" dirty="0">
-                  <a:solidFill>
-                    <a:schemeClr val="tx1"/>
-                  </a:solidFill>
-                </a:rPr>
-                <a:t> Dequeue</a:t>
-              </a:r>
-              <a:endParaRPr lang="ko-KR" altLang="en-US" sz="1200" dirty="0">
                 <a:solidFill>
                   <a:schemeClr val="tx1"/>
                 </a:solidFill>
@@ -9572,49 +9499,6 @@
           <p:spPr>
             <a:xfrm>
               <a:off x="6143280" y="2493144"/>
-              <a:ext cx="3" cy="271261"/>
-            </a:xfrm>
-            <a:prstGeom prst="line">
-              <a:avLst/>
-            </a:prstGeom>
-            <a:ln w="38100">
-              <a:solidFill>
-                <a:schemeClr val="tx1"/>
-              </a:solidFill>
-            </a:ln>
-          </p:spPr>
-          <p:style>
-            <a:lnRef idx="1">
-              <a:schemeClr val="accent1"/>
-            </a:lnRef>
-            <a:fillRef idx="0">
-              <a:schemeClr val="accent1"/>
-            </a:fillRef>
-            <a:effectRef idx="0">
-              <a:schemeClr val="accent1"/>
-            </a:effectRef>
-            <a:fontRef idx="minor">
-              <a:schemeClr val="tx1"/>
-            </a:fontRef>
-          </p:style>
-        </p:cxnSp>
-        <p:cxnSp>
-          <p:nvCxnSpPr>
-            <p:cNvPr id="114" name="직선 연결선 113">
-              <a:extLst>
-                <a:ext uri="{FF2B5EF4-FFF2-40B4-BE49-F238E27FC236}">
-                  <a16:creationId xmlns:a16="http://schemas.microsoft.com/office/drawing/2014/main" id="{D1C2A25A-D55F-4FED-B050-6D12240FBAA9}"/>
-                </a:ext>
-              </a:extLst>
-            </p:cNvPr>
-            <p:cNvCxnSpPr>
-              <a:cxnSpLocks/>
-            </p:cNvCxnSpPr>
-            <p:nvPr/>
-          </p:nvCxnSpPr>
-          <p:spPr>
-            <a:xfrm>
-              <a:off x="6143280" y="3150599"/>
               <a:ext cx="3" cy="271261"/>
             </a:xfrm>
             <a:prstGeom prst="line">

--- a/Document/넷겜플 하이레벨순서도.pptx
+++ b/Document/넷겜플 하이레벨순서도.pptx
@@ -261,7 +261,7 @@
           <a:p>
             <a:fld id="{A84CD303-C271-4D5B-82FA-BA8C2E6EE6D5}" type="datetimeFigureOut">
               <a:rPr lang="ko-KR" altLang="en-US" smtClean="0"/>
-              <a:t>2019-12-08</a:t>
+              <a:t>2019-12-10</a:t>
             </a:fld>
             <a:endParaRPr lang="ko-KR" altLang="en-US"/>
           </a:p>
@@ -459,7 +459,7 @@
           <a:p>
             <a:fld id="{A84CD303-C271-4D5B-82FA-BA8C2E6EE6D5}" type="datetimeFigureOut">
               <a:rPr lang="ko-KR" altLang="en-US" smtClean="0"/>
-              <a:t>2019-12-08</a:t>
+              <a:t>2019-12-10</a:t>
             </a:fld>
             <a:endParaRPr lang="ko-KR" altLang="en-US"/>
           </a:p>
@@ -667,7 +667,7 @@
           <a:p>
             <a:fld id="{A84CD303-C271-4D5B-82FA-BA8C2E6EE6D5}" type="datetimeFigureOut">
               <a:rPr lang="ko-KR" altLang="en-US" smtClean="0"/>
-              <a:t>2019-12-08</a:t>
+              <a:t>2019-12-10</a:t>
             </a:fld>
             <a:endParaRPr lang="ko-KR" altLang="en-US"/>
           </a:p>
@@ -865,7 +865,7 @@
           <a:p>
             <a:fld id="{A84CD303-C271-4D5B-82FA-BA8C2E6EE6D5}" type="datetimeFigureOut">
               <a:rPr lang="ko-KR" altLang="en-US" smtClean="0"/>
-              <a:t>2019-12-08</a:t>
+              <a:t>2019-12-10</a:t>
             </a:fld>
             <a:endParaRPr lang="ko-KR" altLang="en-US"/>
           </a:p>
@@ -1140,7 +1140,7 @@
           <a:p>
             <a:fld id="{A84CD303-C271-4D5B-82FA-BA8C2E6EE6D5}" type="datetimeFigureOut">
               <a:rPr lang="ko-KR" altLang="en-US" smtClean="0"/>
-              <a:t>2019-12-08</a:t>
+              <a:t>2019-12-10</a:t>
             </a:fld>
             <a:endParaRPr lang="ko-KR" altLang="en-US"/>
           </a:p>
@@ -1405,7 +1405,7 @@
           <a:p>
             <a:fld id="{A84CD303-C271-4D5B-82FA-BA8C2E6EE6D5}" type="datetimeFigureOut">
               <a:rPr lang="ko-KR" altLang="en-US" smtClean="0"/>
-              <a:t>2019-12-08</a:t>
+              <a:t>2019-12-10</a:t>
             </a:fld>
             <a:endParaRPr lang="ko-KR" altLang="en-US"/>
           </a:p>
@@ -1817,7 +1817,7 @@
           <a:p>
             <a:fld id="{A84CD303-C271-4D5B-82FA-BA8C2E6EE6D5}" type="datetimeFigureOut">
               <a:rPr lang="ko-KR" altLang="en-US" smtClean="0"/>
-              <a:t>2019-12-08</a:t>
+              <a:t>2019-12-10</a:t>
             </a:fld>
             <a:endParaRPr lang="ko-KR" altLang="en-US"/>
           </a:p>
@@ -1958,7 +1958,7 @@
           <a:p>
             <a:fld id="{A84CD303-C271-4D5B-82FA-BA8C2E6EE6D5}" type="datetimeFigureOut">
               <a:rPr lang="ko-KR" altLang="en-US" smtClean="0"/>
-              <a:t>2019-12-08</a:t>
+              <a:t>2019-12-10</a:t>
             </a:fld>
             <a:endParaRPr lang="ko-KR" altLang="en-US"/>
           </a:p>
@@ -2071,7 +2071,7 @@
           <a:p>
             <a:fld id="{A84CD303-C271-4D5B-82FA-BA8C2E6EE6D5}" type="datetimeFigureOut">
               <a:rPr lang="ko-KR" altLang="en-US" smtClean="0"/>
-              <a:t>2019-12-08</a:t>
+              <a:t>2019-12-10</a:t>
             </a:fld>
             <a:endParaRPr lang="ko-KR" altLang="en-US"/>
           </a:p>
@@ -2382,7 +2382,7 @@
           <a:p>
             <a:fld id="{A84CD303-C271-4D5B-82FA-BA8C2E6EE6D5}" type="datetimeFigureOut">
               <a:rPr lang="ko-KR" altLang="en-US" smtClean="0"/>
-              <a:t>2019-12-08</a:t>
+              <a:t>2019-12-10</a:t>
             </a:fld>
             <a:endParaRPr lang="ko-KR" altLang="en-US"/>
           </a:p>
@@ -2670,7 +2670,7 @@
           <a:p>
             <a:fld id="{A84CD303-C271-4D5B-82FA-BA8C2E6EE6D5}" type="datetimeFigureOut">
               <a:rPr lang="ko-KR" altLang="en-US" smtClean="0"/>
-              <a:t>2019-12-08</a:t>
+              <a:t>2019-12-10</a:t>
             </a:fld>
             <a:endParaRPr lang="ko-KR" altLang="en-US"/>
           </a:p>
@@ -2911,7 +2911,7 @@
           <a:p>
             <a:fld id="{A84CD303-C271-4D5B-82FA-BA8C2E6EE6D5}" type="datetimeFigureOut">
               <a:rPr lang="ko-KR" altLang="en-US" smtClean="0"/>
-              <a:t>2019-12-08</a:t>
+              <a:t>2019-12-10</a:t>
             </a:fld>
             <a:endParaRPr lang="ko-KR" altLang="en-US"/>
           </a:p>
@@ -3330,10 +3330,10 @@
       </p:grpSpPr>
       <p:grpSp>
         <p:nvGrpSpPr>
-          <p:cNvPr id="13" name="그룹 12">
+          <p:cNvPr id="15" name="그룹 14">
             <a:extLst>
               <a:ext uri="{FF2B5EF4-FFF2-40B4-BE49-F238E27FC236}">
-                <a16:creationId xmlns:a16="http://schemas.microsoft.com/office/drawing/2014/main" id="{66AC7F8A-6C41-41E0-A76B-CE3C0CEE4116}"/>
+                <a16:creationId xmlns:a16="http://schemas.microsoft.com/office/drawing/2014/main" id="{18596A8A-D2BD-48D5-A8BD-D7881F2C2F31}"/>
               </a:ext>
             </a:extLst>
           </p:cNvPr>
@@ -3342,412 +3342,54 @@
         </p:nvGrpSpPr>
         <p:grpSpPr>
           <a:xfrm>
-            <a:off x="1399189" y="333758"/>
-            <a:ext cx="10400457" cy="6287175"/>
-            <a:chOff x="1399189" y="333758"/>
-            <a:chExt cx="10400457" cy="6287175"/>
+            <a:off x="1509875" y="0"/>
+            <a:ext cx="9172249" cy="6858000"/>
+            <a:chOff x="1509875" y="0"/>
+            <a:chExt cx="9172249" cy="6858000"/>
           </a:xfrm>
         </p:grpSpPr>
-        <p:sp>
-          <p:nvSpPr>
-            <p:cNvPr id="73" name="직사각형 72">
+        <p:pic>
+          <p:nvPicPr>
+            <p:cNvPr id="7" name="그림 6" descr="텍스트, 지도이(가) 표시된 사진&#10;&#10;자동 생성된 설명">
               <a:extLst>
                 <a:ext uri="{FF2B5EF4-FFF2-40B4-BE49-F238E27FC236}">
-                  <a16:creationId xmlns:a16="http://schemas.microsoft.com/office/drawing/2014/main" id="{4DDC733F-165C-4F3C-BADB-BF48B98A6077}"/>
+                  <a16:creationId xmlns:a16="http://schemas.microsoft.com/office/drawing/2014/main" id="{2DE222AF-5419-4201-B500-336C76306929}"/>
                 </a:ext>
               </a:extLst>
             </p:cNvPr>
-            <p:cNvSpPr/>
+            <p:cNvPicPr>
+              <a:picLocks noChangeAspect="1"/>
+            </p:cNvPicPr>
             <p:nvPr/>
-          </p:nvSpPr>
+          </p:nvPicPr>
+          <p:blipFill>
+            <a:blip r:embed="rId2">
+              <a:extLst>
+                <a:ext uri="{28A0092B-C50C-407E-A947-70E740481C1C}">
+                  <a14:useLocalDpi xmlns:a14="http://schemas.microsoft.com/office/drawing/2010/main" val="0"/>
+                </a:ext>
+              </a:extLst>
+            </a:blip>
+            <a:stretch>
+              <a:fillRect/>
+            </a:stretch>
+          </p:blipFill>
           <p:spPr>
             <a:xfrm>
-              <a:off x="6231027" y="333758"/>
-              <a:ext cx="5568619" cy="6287175"/>
+              <a:off x="1509875" y="0"/>
+              <a:ext cx="9172249" cy="6858000"/>
             </a:xfrm>
             <a:prstGeom prst="rect">
               <a:avLst/>
             </a:prstGeom>
-            <a:solidFill>
-              <a:schemeClr val="bg1"/>
-            </a:solidFill>
-            <a:ln w="127000">
-              <a:solidFill>
-                <a:schemeClr val="accent2"/>
-              </a:solidFill>
-            </a:ln>
           </p:spPr>
-          <p:style>
-            <a:lnRef idx="2">
-              <a:schemeClr val="accent1">
-                <a:shade val="50000"/>
-              </a:schemeClr>
-            </a:lnRef>
-            <a:fillRef idx="1">
-              <a:schemeClr val="accent1"/>
-            </a:fillRef>
-            <a:effectRef idx="0">
-              <a:schemeClr val="accent1"/>
-            </a:effectRef>
-            <a:fontRef idx="minor">
-              <a:schemeClr val="lt1"/>
-            </a:fontRef>
-          </p:style>
-          <p:txBody>
-            <a:bodyPr rtlCol="0" anchor="ctr"/>
-            <a:lstStyle/>
-            <a:p>
-              <a:r>
-                <a:rPr lang="ko-KR" altLang="en-US"/>
-                <a:t>⑤</a:t>
-              </a:r>
-              <a:endParaRPr lang="ko-KR" altLang="en-US" dirty="0"/>
-            </a:p>
-          </p:txBody>
-        </p:sp>
-        <p:sp>
-          <p:nvSpPr>
-            <p:cNvPr id="4" name="직사각형 3">
+        </p:pic>
+        <p:cxnSp>
+          <p:nvCxnSpPr>
+            <p:cNvPr id="9" name="직선 화살표 연결선 8">
               <a:extLst>
                 <a:ext uri="{FF2B5EF4-FFF2-40B4-BE49-F238E27FC236}">
-                  <a16:creationId xmlns:a16="http://schemas.microsoft.com/office/drawing/2014/main" id="{EEDE0DA9-06C5-43FA-A088-C6C40C5F7172}"/>
-                </a:ext>
-              </a:extLst>
-            </p:cNvPr>
-            <p:cNvSpPr/>
-            <p:nvPr/>
-          </p:nvSpPr>
-          <p:spPr>
-            <a:xfrm>
-              <a:off x="1399189" y="1474187"/>
-              <a:ext cx="2082439" cy="661121"/>
-            </a:xfrm>
-            <a:prstGeom prst="rect">
-              <a:avLst/>
-            </a:prstGeom>
-            <a:solidFill>
-              <a:schemeClr val="bg1"/>
-            </a:solidFill>
-          </p:spPr>
-          <p:style>
-            <a:lnRef idx="2">
-              <a:schemeClr val="accent1">
-                <a:shade val="50000"/>
-              </a:schemeClr>
-            </a:lnRef>
-            <a:fillRef idx="1">
-              <a:schemeClr val="accent1"/>
-            </a:fillRef>
-            <a:effectRef idx="0">
-              <a:schemeClr val="accent1"/>
-            </a:effectRef>
-            <a:fontRef idx="minor">
-              <a:schemeClr val="lt1"/>
-            </a:fontRef>
-          </p:style>
-          <p:txBody>
-            <a:bodyPr rtlCol="0" anchor="ctr"/>
-            <a:lstStyle/>
-            <a:p>
-              <a:pPr algn="ctr"/>
-              <a:r>
-                <a:rPr lang="en-US" altLang="ko-KR" dirty="0">
-                  <a:solidFill>
-                    <a:schemeClr val="tx1"/>
-                  </a:solidFill>
-                </a:rPr>
-                <a:t>Title Scene</a:t>
-              </a:r>
-              <a:endParaRPr lang="ko-KR" altLang="en-US" dirty="0">
-                <a:solidFill>
-                  <a:schemeClr val="tx1"/>
-                </a:solidFill>
-              </a:endParaRPr>
-            </a:p>
-          </p:txBody>
-        </p:sp>
-        <p:sp>
-          <p:nvSpPr>
-            <p:cNvPr id="6" name="직사각형 5">
-              <a:extLst>
-                <a:ext uri="{FF2B5EF4-FFF2-40B4-BE49-F238E27FC236}">
-                  <a16:creationId xmlns:a16="http://schemas.microsoft.com/office/drawing/2014/main" id="{D780A06F-7CA1-4002-B812-2F51CD046F07}"/>
-                </a:ext>
-              </a:extLst>
-            </p:cNvPr>
-            <p:cNvSpPr/>
-            <p:nvPr/>
-          </p:nvSpPr>
-          <p:spPr>
-            <a:xfrm>
-              <a:off x="9342704" y="2617266"/>
-              <a:ext cx="2048933" cy="1083734"/>
-            </a:xfrm>
-            <a:prstGeom prst="rect">
-              <a:avLst/>
-            </a:prstGeom>
-            <a:solidFill>
-              <a:schemeClr val="bg1"/>
-            </a:solidFill>
-            <a:ln>
-              <a:solidFill>
-                <a:schemeClr val="accent2"/>
-              </a:solidFill>
-            </a:ln>
-          </p:spPr>
-          <p:style>
-            <a:lnRef idx="2">
-              <a:schemeClr val="accent1">
-                <a:shade val="50000"/>
-              </a:schemeClr>
-            </a:lnRef>
-            <a:fillRef idx="1">
-              <a:schemeClr val="accent1"/>
-            </a:fillRef>
-            <a:effectRef idx="0">
-              <a:schemeClr val="accent1"/>
-            </a:effectRef>
-            <a:fontRef idx="minor">
-              <a:schemeClr val="lt1"/>
-            </a:fontRef>
-          </p:style>
-          <p:txBody>
-            <a:bodyPr rtlCol="0" anchor="ctr"/>
-            <a:lstStyle/>
-            <a:p>
-              <a:pPr algn="ctr"/>
-              <a:r>
-                <a:rPr lang="en-US" altLang="ko-KR" dirty="0">
-                  <a:solidFill>
-                    <a:schemeClr val="tx1"/>
-                  </a:solidFill>
-                </a:rPr>
-                <a:t>Matching</a:t>
-              </a:r>
-            </a:p>
-            <a:p>
-              <a:pPr algn="ctr"/>
-              <a:r>
-                <a:rPr lang="en-US" altLang="ko-KR" dirty="0">
-                  <a:solidFill>
-                    <a:schemeClr val="tx1"/>
-                  </a:solidFill>
-                </a:rPr>
-                <a:t>Thread</a:t>
-              </a:r>
-              <a:endParaRPr lang="ko-KR" altLang="en-US" dirty="0">
-                <a:solidFill>
-                  <a:schemeClr val="tx1"/>
-                </a:solidFill>
-              </a:endParaRPr>
-            </a:p>
-          </p:txBody>
-        </p:sp>
-        <p:sp>
-          <p:nvSpPr>
-            <p:cNvPr id="17" name="직사각형 16">
-              <a:extLst>
-                <a:ext uri="{FF2B5EF4-FFF2-40B4-BE49-F238E27FC236}">
-                  <a16:creationId xmlns:a16="http://schemas.microsoft.com/office/drawing/2014/main" id="{9D848FAF-E4AE-4CD0-9FA6-C886809A043C}"/>
-                </a:ext>
-              </a:extLst>
-            </p:cNvPr>
-            <p:cNvSpPr/>
-            <p:nvPr/>
-          </p:nvSpPr>
-          <p:spPr>
-            <a:xfrm>
-              <a:off x="1399189" y="2227360"/>
-              <a:ext cx="2082439" cy="661121"/>
-            </a:xfrm>
-            <a:prstGeom prst="rect">
-              <a:avLst/>
-            </a:prstGeom>
-            <a:solidFill>
-              <a:schemeClr val="bg1"/>
-            </a:solidFill>
-          </p:spPr>
-          <p:style>
-            <a:lnRef idx="2">
-              <a:schemeClr val="accent1">
-                <a:shade val="50000"/>
-              </a:schemeClr>
-            </a:lnRef>
-            <a:fillRef idx="1">
-              <a:schemeClr val="accent1"/>
-            </a:fillRef>
-            <a:effectRef idx="0">
-              <a:schemeClr val="accent1"/>
-            </a:effectRef>
-            <a:fontRef idx="minor">
-              <a:schemeClr val="lt1"/>
-            </a:fontRef>
-          </p:style>
-          <p:txBody>
-            <a:bodyPr rtlCol="0" anchor="ctr"/>
-            <a:lstStyle/>
-            <a:p>
-              <a:pPr algn="ctr"/>
-              <a:r>
-                <a:rPr lang="en-US" altLang="ko-KR" dirty="0">
-                  <a:solidFill>
-                    <a:schemeClr val="tx1"/>
-                  </a:solidFill>
-                </a:rPr>
-                <a:t>Title Scene</a:t>
-              </a:r>
-              <a:endParaRPr lang="ko-KR" altLang="en-US" dirty="0">
-                <a:solidFill>
-                  <a:schemeClr val="tx1"/>
-                </a:solidFill>
-              </a:endParaRPr>
-            </a:p>
-          </p:txBody>
-        </p:sp>
-        <p:sp>
-          <p:nvSpPr>
-            <p:cNvPr id="20" name="직사각형 19">
-              <a:extLst>
-                <a:ext uri="{FF2B5EF4-FFF2-40B4-BE49-F238E27FC236}">
-                  <a16:creationId xmlns:a16="http://schemas.microsoft.com/office/drawing/2014/main" id="{05C1F157-A0CA-4F10-B69F-D779030C76CD}"/>
-                </a:ext>
-              </a:extLst>
-            </p:cNvPr>
-            <p:cNvSpPr/>
-            <p:nvPr/>
-          </p:nvSpPr>
-          <p:spPr>
-            <a:xfrm>
-              <a:off x="1399189" y="713676"/>
-              <a:ext cx="2082439" cy="661121"/>
-            </a:xfrm>
-            <a:prstGeom prst="rect">
-              <a:avLst/>
-            </a:prstGeom>
-            <a:solidFill>
-              <a:schemeClr val="bg1"/>
-            </a:solidFill>
-          </p:spPr>
-          <p:style>
-            <a:lnRef idx="2">
-              <a:schemeClr val="accent1">
-                <a:shade val="50000"/>
-              </a:schemeClr>
-            </a:lnRef>
-            <a:fillRef idx="1">
-              <a:schemeClr val="accent1"/>
-            </a:fillRef>
-            <a:effectRef idx="0">
-              <a:schemeClr val="accent1"/>
-            </a:effectRef>
-            <a:fontRef idx="minor">
-              <a:schemeClr val="lt1"/>
-            </a:fontRef>
-          </p:style>
-          <p:txBody>
-            <a:bodyPr rtlCol="0" anchor="ctr"/>
-            <a:lstStyle/>
-            <a:p>
-              <a:pPr algn="ctr"/>
-              <a:r>
-                <a:rPr lang="en-US" altLang="ko-KR" dirty="0">
-                  <a:solidFill>
-                    <a:schemeClr val="tx1"/>
-                  </a:solidFill>
-                </a:rPr>
-                <a:t>Title Scene</a:t>
-              </a:r>
-              <a:endParaRPr lang="ko-KR" altLang="en-US" dirty="0">
-                <a:solidFill>
-                  <a:schemeClr val="tx1"/>
-                </a:solidFill>
-              </a:endParaRPr>
-            </a:p>
-          </p:txBody>
-        </p:sp>
-        <p:sp>
-          <p:nvSpPr>
-            <p:cNvPr id="57" name="직사각형 56">
-              <a:extLst>
-                <a:ext uri="{FF2B5EF4-FFF2-40B4-BE49-F238E27FC236}">
-                  <a16:creationId xmlns:a16="http://schemas.microsoft.com/office/drawing/2014/main" id="{2F3BA3C9-1B10-4F8E-9093-8AECB4103013}"/>
-                </a:ext>
-              </a:extLst>
-            </p:cNvPr>
-            <p:cNvSpPr/>
-            <p:nvPr/>
-          </p:nvSpPr>
-          <p:spPr>
-            <a:xfrm>
-              <a:off x="9334272" y="4329858"/>
-              <a:ext cx="2048933" cy="1083734"/>
-            </a:xfrm>
-            <a:prstGeom prst="rect">
-              <a:avLst/>
-            </a:prstGeom>
-            <a:solidFill>
-              <a:schemeClr val="bg1"/>
-            </a:solidFill>
-            <a:ln>
-              <a:solidFill>
-                <a:schemeClr val="accent2"/>
-              </a:solidFill>
-            </a:ln>
-          </p:spPr>
-          <p:style>
-            <a:lnRef idx="2">
-              <a:schemeClr val="accent1">
-                <a:shade val="50000"/>
-              </a:schemeClr>
-            </a:lnRef>
-            <a:fillRef idx="1">
-              <a:schemeClr val="accent1"/>
-            </a:fillRef>
-            <a:effectRef idx="0">
-              <a:schemeClr val="accent1"/>
-            </a:effectRef>
-            <a:fontRef idx="minor">
-              <a:schemeClr val="lt1"/>
-            </a:fontRef>
-          </p:style>
-          <p:txBody>
-            <a:bodyPr rtlCol="0" anchor="ctr"/>
-            <a:lstStyle/>
-            <a:p>
-              <a:pPr algn="ctr"/>
-              <a:r>
-                <a:rPr lang="en-US" altLang="ko-KR" dirty="0">
-                  <a:solidFill>
-                    <a:schemeClr val="tx1"/>
-                  </a:solidFill>
-                </a:rPr>
-                <a:t>Game Server</a:t>
-              </a:r>
-            </a:p>
-            <a:p>
-              <a:pPr algn="ctr"/>
-              <a:r>
-                <a:rPr lang="en-US" altLang="ko-KR" dirty="0">
-                  <a:solidFill>
-                    <a:schemeClr val="tx1"/>
-                  </a:solidFill>
-                </a:rPr>
-                <a:t>Thread</a:t>
-              </a:r>
-              <a:endParaRPr lang="ko-KR" altLang="en-US" dirty="0">
-                <a:solidFill>
-                  <a:schemeClr val="tx1"/>
-                </a:solidFill>
-              </a:endParaRPr>
-            </a:p>
-          </p:txBody>
-        </p:sp>
-        <p:cxnSp>
-          <p:nvCxnSpPr>
-            <p:cNvPr id="70" name="직선 화살표 연결선 69">
-              <a:extLst>
-                <a:ext uri="{FF2B5EF4-FFF2-40B4-BE49-F238E27FC236}">
-                  <a16:creationId xmlns:a16="http://schemas.microsoft.com/office/drawing/2014/main" id="{B0272D0B-3E8B-4F77-9AD7-5C4BEEA4D19A}"/>
+                  <a16:creationId xmlns:a16="http://schemas.microsoft.com/office/drawing/2014/main" id="{30007B03-0ED2-4842-A84E-921AE09A2D95}"/>
                 </a:ext>
               </a:extLst>
             </p:cNvPr>
@@ -3757,902 +3399,9 @@
             <p:nvPr/>
           </p:nvCxnSpPr>
           <p:spPr>
-            <a:xfrm flipV="1">
-              <a:off x="3468336" y="1119380"/>
-              <a:ext cx="3045444" cy="70751"/>
-            </a:xfrm>
-            <a:prstGeom prst="straightConnector1">
-              <a:avLst/>
-            </a:prstGeom>
-            <a:ln w="38100">
-              <a:tailEnd type="triangle"/>
-            </a:ln>
-          </p:spPr>
-          <p:style>
-            <a:lnRef idx="3">
-              <a:schemeClr val="dk1"/>
-            </a:lnRef>
-            <a:fillRef idx="0">
-              <a:schemeClr val="dk1"/>
-            </a:fillRef>
-            <a:effectRef idx="2">
-              <a:schemeClr val="dk1"/>
-            </a:effectRef>
-            <a:fontRef idx="minor">
-              <a:schemeClr val="tx1"/>
-            </a:fontRef>
-          </p:style>
-        </p:cxnSp>
-        <p:sp>
-          <p:nvSpPr>
-            <p:cNvPr id="74" name="TextBox 73">
-              <a:extLst>
-                <a:ext uri="{FF2B5EF4-FFF2-40B4-BE49-F238E27FC236}">
-                  <a16:creationId xmlns:a16="http://schemas.microsoft.com/office/drawing/2014/main" id="{7D6F6CC7-044E-46FE-9D35-F9FBBA6D04DE}"/>
-                </a:ext>
-              </a:extLst>
-            </p:cNvPr>
-            <p:cNvSpPr txBox="1"/>
-            <p:nvPr/>
-          </p:nvSpPr>
-          <p:spPr>
-            <a:xfrm>
-              <a:off x="10589117" y="423719"/>
-              <a:ext cx="888396" cy="369332"/>
-            </a:xfrm>
-            <a:prstGeom prst="rect">
-              <a:avLst/>
-            </a:prstGeom>
-            <a:noFill/>
-            <a:ln>
-              <a:solidFill>
-                <a:schemeClr val="bg1"/>
-              </a:solidFill>
-            </a:ln>
-          </p:spPr>
-          <p:txBody>
-            <a:bodyPr wrap="square" rtlCol="0">
-              <a:spAutoFit/>
-            </a:bodyPr>
-            <a:lstStyle/>
-            <a:p>
-              <a:pPr algn="ctr"/>
-              <a:r>
-                <a:rPr lang="en-US" altLang="ko-KR" dirty="0"/>
-                <a:t>Server</a:t>
-              </a:r>
-              <a:endParaRPr lang="ko-KR" altLang="en-US" dirty="0"/>
-            </a:p>
-          </p:txBody>
-        </p:sp>
-        <p:sp>
-          <p:nvSpPr>
-            <p:cNvPr id="3" name="직사각형 2">
-              <a:extLst>
-                <a:ext uri="{FF2B5EF4-FFF2-40B4-BE49-F238E27FC236}">
-                  <a16:creationId xmlns:a16="http://schemas.microsoft.com/office/drawing/2014/main" id="{1B5C769F-72FE-4949-844D-CCC9D45518DB}"/>
-                </a:ext>
-              </a:extLst>
-            </p:cNvPr>
-            <p:cNvSpPr/>
-            <p:nvPr/>
-          </p:nvSpPr>
-          <p:spPr>
-            <a:xfrm>
-              <a:off x="8676394" y="1368214"/>
-              <a:ext cx="415498" cy="369332"/>
-            </a:xfrm>
-            <a:prstGeom prst="rect">
-              <a:avLst/>
-            </a:prstGeom>
-          </p:spPr>
-          <p:txBody>
-            <a:bodyPr wrap="square">
-              <a:spAutoFit/>
-            </a:bodyPr>
-            <a:lstStyle/>
-            <a:p>
-              <a:r>
-                <a:rPr lang="en-US" altLang="ko-KR" dirty="0"/>
-                <a:t>②</a:t>
-              </a:r>
-              <a:endParaRPr lang="ko-KR" altLang="en-US" dirty="0"/>
-            </a:p>
-          </p:txBody>
-        </p:sp>
-        <p:sp>
-          <p:nvSpPr>
-            <p:cNvPr id="5" name="직사각형 4">
-              <a:extLst>
-                <a:ext uri="{FF2B5EF4-FFF2-40B4-BE49-F238E27FC236}">
-                  <a16:creationId xmlns:a16="http://schemas.microsoft.com/office/drawing/2014/main" id="{51C29169-F86E-43F6-837D-265BEE3B5702}"/>
-                </a:ext>
-              </a:extLst>
-            </p:cNvPr>
-            <p:cNvSpPr/>
-            <p:nvPr/>
-          </p:nvSpPr>
-          <p:spPr>
-            <a:xfrm>
-              <a:off x="10349281" y="2148412"/>
-              <a:ext cx="415498" cy="369332"/>
-            </a:xfrm>
-            <a:prstGeom prst="rect">
-              <a:avLst/>
-            </a:prstGeom>
-          </p:spPr>
-          <p:txBody>
-            <a:bodyPr wrap="square">
-              <a:spAutoFit/>
-            </a:bodyPr>
-            <a:lstStyle/>
-            <a:p>
-              <a:r>
-                <a:rPr lang="en-US" altLang="ko-KR" dirty="0"/>
-                <a:t>①</a:t>
-              </a:r>
-              <a:endParaRPr lang="ko-KR" altLang="en-US" dirty="0"/>
-            </a:p>
-          </p:txBody>
-        </p:sp>
-        <p:sp>
-          <p:nvSpPr>
-            <p:cNvPr id="37" name="직사각형 36">
-              <a:extLst>
-                <a:ext uri="{FF2B5EF4-FFF2-40B4-BE49-F238E27FC236}">
-                  <a16:creationId xmlns:a16="http://schemas.microsoft.com/office/drawing/2014/main" id="{E905618E-17D6-444C-95E3-34F78AB3175D}"/>
-                </a:ext>
-              </a:extLst>
-            </p:cNvPr>
-            <p:cNvSpPr/>
-            <p:nvPr/>
-          </p:nvSpPr>
-          <p:spPr>
-            <a:xfrm>
-              <a:off x="6513783" y="1463609"/>
-              <a:ext cx="2048933" cy="712146"/>
-            </a:xfrm>
-            <a:prstGeom prst="rect">
-              <a:avLst/>
-            </a:prstGeom>
-            <a:solidFill>
-              <a:schemeClr val="bg1"/>
-            </a:solidFill>
-            <a:ln>
-              <a:solidFill>
-                <a:schemeClr val="accent2"/>
-              </a:solidFill>
-            </a:ln>
-          </p:spPr>
-          <p:style>
-            <a:lnRef idx="2">
-              <a:schemeClr val="accent1">
-                <a:shade val="50000"/>
-              </a:schemeClr>
-            </a:lnRef>
-            <a:fillRef idx="1">
-              <a:schemeClr val="accent1"/>
-            </a:fillRef>
-            <a:effectRef idx="0">
-              <a:schemeClr val="accent1"/>
-            </a:effectRef>
-            <a:fontRef idx="minor">
-              <a:schemeClr val="lt1"/>
-            </a:fontRef>
-          </p:style>
-          <p:txBody>
-            <a:bodyPr rtlCol="0" anchor="ctr"/>
-            <a:lstStyle/>
-            <a:p>
-              <a:pPr algn="ctr"/>
-              <a:r>
-                <a:rPr lang="en-US" altLang="ko-KR" dirty="0">
-                  <a:solidFill>
-                    <a:schemeClr val="tx1"/>
-                  </a:solidFill>
-                </a:rPr>
-                <a:t>Client Thread</a:t>
-              </a:r>
-              <a:endParaRPr lang="ko-KR" altLang="en-US" dirty="0">
-                <a:solidFill>
-                  <a:schemeClr val="tx1"/>
-                </a:solidFill>
-              </a:endParaRPr>
-            </a:p>
-          </p:txBody>
-        </p:sp>
-        <p:sp>
-          <p:nvSpPr>
-            <p:cNvPr id="38" name="직사각형 37">
-              <a:extLst>
-                <a:ext uri="{FF2B5EF4-FFF2-40B4-BE49-F238E27FC236}">
-                  <a16:creationId xmlns:a16="http://schemas.microsoft.com/office/drawing/2014/main" id="{F7784D38-9636-401D-8FD0-521B9636193B}"/>
-                </a:ext>
-              </a:extLst>
-            </p:cNvPr>
-            <p:cNvSpPr/>
-            <p:nvPr/>
-          </p:nvSpPr>
-          <p:spPr>
-            <a:xfrm>
-              <a:off x="6513781" y="2342277"/>
-              <a:ext cx="2048933" cy="712146"/>
-            </a:xfrm>
-            <a:prstGeom prst="rect">
-              <a:avLst/>
-            </a:prstGeom>
-            <a:solidFill>
-              <a:schemeClr val="bg1"/>
-            </a:solidFill>
-            <a:ln>
-              <a:solidFill>
-                <a:schemeClr val="accent2"/>
-              </a:solidFill>
-            </a:ln>
-          </p:spPr>
-          <p:style>
-            <a:lnRef idx="2">
-              <a:schemeClr val="accent1">
-                <a:shade val="50000"/>
-              </a:schemeClr>
-            </a:lnRef>
-            <a:fillRef idx="1">
-              <a:schemeClr val="accent1"/>
-            </a:fillRef>
-            <a:effectRef idx="0">
-              <a:schemeClr val="accent1"/>
-            </a:effectRef>
-            <a:fontRef idx="minor">
-              <a:schemeClr val="lt1"/>
-            </a:fontRef>
-          </p:style>
-          <p:txBody>
-            <a:bodyPr rtlCol="0" anchor="ctr"/>
-            <a:lstStyle/>
-            <a:p>
-              <a:pPr algn="ctr"/>
-              <a:r>
-                <a:rPr lang="en-US" altLang="ko-KR" dirty="0">
-                  <a:solidFill>
-                    <a:schemeClr val="tx1"/>
-                  </a:solidFill>
-                </a:rPr>
-                <a:t>Client Thread</a:t>
-              </a:r>
-              <a:endParaRPr lang="ko-KR" altLang="en-US" dirty="0">
-                <a:solidFill>
-                  <a:schemeClr val="tx1"/>
-                </a:solidFill>
-              </a:endParaRPr>
-            </a:p>
-          </p:txBody>
-        </p:sp>
-        <p:sp>
-          <p:nvSpPr>
-            <p:cNvPr id="39" name="직사각형 38">
-              <a:extLst>
-                <a:ext uri="{FF2B5EF4-FFF2-40B4-BE49-F238E27FC236}">
-                  <a16:creationId xmlns:a16="http://schemas.microsoft.com/office/drawing/2014/main" id="{78F902A4-8801-40EC-854B-82AD71F31FDF}"/>
-                </a:ext>
-              </a:extLst>
-            </p:cNvPr>
-            <p:cNvSpPr/>
-            <p:nvPr/>
-          </p:nvSpPr>
-          <p:spPr>
-            <a:xfrm>
-              <a:off x="6513782" y="594541"/>
-              <a:ext cx="2048933" cy="714874"/>
-            </a:xfrm>
-            <a:prstGeom prst="rect">
-              <a:avLst/>
-            </a:prstGeom>
-            <a:solidFill>
-              <a:schemeClr val="bg1"/>
-            </a:solidFill>
-            <a:ln>
-              <a:solidFill>
-                <a:schemeClr val="accent2"/>
-              </a:solidFill>
-            </a:ln>
-          </p:spPr>
-          <p:style>
-            <a:lnRef idx="2">
-              <a:schemeClr val="accent1">
-                <a:shade val="50000"/>
-              </a:schemeClr>
-            </a:lnRef>
-            <a:fillRef idx="1">
-              <a:schemeClr val="accent1"/>
-            </a:fillRef>
-            <a:effectRef idx="0">
-              <a:schemeClr val="accent1"/>
-            </a:effectRef>
-            <a:fontRef idx="minor">
-              <a:schemeClr val="lt1"/>
-            </a:fontRef>
-          </p:style>
-          <p:txBody>
-            <a:bodyPr rtlCol="0" anchor="ctr"/>
-            <a:lstStyle/>
-            <a:p>
-              <a:pPr algn="ctr"/>
-              <a:r>
-                <a:rPr lang="en-US" altLang="ko-KR" dirty="0">
-                  <a:solidFill>
-                    <a:schemeClr val="tx1"/>
-                  </a:solidFill>
-                </a:rPr>
-                <a:t>Client Thread</a:t>
-              </a:r>
-              <a:endParaRPr lang="ko-KR" altLang="en-US" dirty="0">
-                <a:solidFill>
-                  <a:schemeClr val="tx1"/>
-                </a:solidFill>
-              </a:endParaRPr>
-            </a:p>
-          </p:txBody>
-        </p:sp>
-        <p:cxnSp>
-          <p:nvCxnSpPr>
-            <p:cNvPr id="42" name="직선 화살표 연결선 41">
-              <a:extLst>
-                <a:ext uri="{FF2B5EF4-FFF2-40B4-BE49-F238E27FC236}">
-                  <a16:creationId xmlns:a16="http://schemas.microsoft.com/office/drawing/2014/main" id="{2C541523-3F07-492D-AF7A-5FDF554B9095}"/>
-                </a:ext>
-              </a:extLst>
-            </p:cNvPr>
-            <p:cNvCxnSpPr>
-              <a:cxnSpLocks/>
-              <a:endCxn id="39" idx="3"/>
-            </p:cNvCxnSpPr>
-            <p:nvPr/>
-          </p:nvCxnSpPr>
-          <p:spPr>
             <a:xfrm flipH="1" flipV="1">
-              <a:off x="8562715" y="951978"/>
-              <a:ext cx="761448" cy="676672"/>
-            </a:xfrm>
-            <a:prstGeom prst="straightConnector1">
-              <a:avLst/>
-            </a:prstGeom>
-            <a:ln w="38100">
-              <a:tailEnd type="triangle"/>
-            </a:ln>
-          </p:spPr>
-          <p:style>
-            <a:lnRef idx="3">
-              <a:schemeClr val="dk1"/>
-            </a:lnRef>
-            <a:fillRef idx="0">
-              <a:schemeClr val="dk1"/>
-            </a:fillRef>
-            <a:effectRef idx="2">
-              <a:schemeClr val="dk1"/>
-            </a:effectRef>
-            <a:fontRef idx="minor">
-              <a:schemeClr val="tx1"/>
-            </a:fontRef>
-          </p:style>
-        </p:cxnSp>
-        <p:cxnSp>
-          <p:nvCxnSpPr>
-            <p:cNvPr id="46" name="직선 화살표 연결선 45">
-              <a:extLst>
-                <a:ext uri="{FF2B5EF4-FFF2-40B4-BE49-F238E27FC236}">
-                  <a16:creationId xmlns:a16="http://schemas.microsoft.com/office/drawing/2014/main" id="{8A5AFF42-9CAC-43A1-A4A3-1F98BD0EB330}"/>
-                </a:ext>
-              </a:extLst>
-            </p:cNvPr>
-            <p:cNvCxnSpPr>
-              <a:cxnSpLocks/>
-              <a:endCxn id="38" idx="3"/>
-            </p:cNvCxnSpPr>
-            <p:nvPr/>
-          </p:nvCxnSpPr>
-          <p:spPr>
-            <a:xfrm flipH="1">
-              <a:off x="8562714" y="1650912"/>
-              <a:ext cx="761450" cy="1047438"/>
-            </a:xfrm>
-            <a:prstGeom prst="straightConnector1">
-              <a:avLst/>
-            </a:prstGeom>
-            <a:ln w="38100">
-              <a:tailEnd type="triangle"/>
-            </a:ln>
-          </p:spPr>
-          <p:style>
-            <a:lnRef idx="3">
-              <a:schemeClr val="dk1"/>
-            </a:lnRef>
-            <a:fillRef idx="0">
-              <a:schemeClr val="dk1"/>
-            </a:fillRef>
-            <a:effectRef idx="2">
-              <a:schemeClr val="dk1"/>
-            </a:effectRef>
-            <a:fontRef idx="minor">
-              <a:schemeClr val="tx1"/>
-            </a:fontRef>
-          </p:style>
-        </p:cxnSp>
-        <p:cxnSp>
-          <p:nvCxnSpPr>
-            <p:cNvPr id="51" name="직선 화살표 연결선 50">
-              <a:extLst>
-                <a:ext uri="{FF2B5EF4-FFF2-40B4-BE49-F238E27FC236}">
-                  <a16:creationId xmlns:a16="http://schemas.microsoft.com/office/drawing/2014/main" id="{BA5BC411-8B8C-4B7B-BF57-6D6FA0590F57}"/>
-                </a:ext>
-              </a:extLst>
-            </p:cNvPr>
-            <p:cNvCxnSpPr>
-              <a:cxnSpLocks/>
-              <a:endCxn id="37" idx="3"/>
-            </p:cNvCxnSpPr>
-            <p:nvPr/>
-          </p:nvCxnSpPr>
-          <p:spPr>
-            <a:xfrm flipH="1">
-              <a:off x="8562716" y="1646531"/>
-              <a:ext cx="748867" cy="173151"/>
-            </a:xfrm>
-            <a:prstGeom prst="straightConnector1">
-              <a:avLst/>
-            </a:prstGeom>
-            <a:ln w="38100">
-              <a:tailEnd type="triangle"/>
-            </a:ln>
-          </p:spPr>
-          <p:style>
-            <a:lnRef idx="3">
-              <a:schemeClr val="dk1"/>
-            </a:lnRef>
-            <a:fillRef idx="0">
-              <a:schemeClr val="dk1"/>
-            </a:fillRef>
-            <a:effectRef idx="2">
-              <a:schemeClr val="dk1"/>
-            </a:effectRef>
-            <a:fontRef idx="minor">
-              <a:schemeClr val="tx1"/>
-            </a:fontRef>
-          </p:style>
-        </p:cxnSp>
-        <p:cxnSp>
-          <p:nvCxnSpPr>
-            <p:cNvPr id="58" name="직선 화살표 연결선 57">
-              <a:extLst>
-                <a:ext uri="{FF2B5EF4-FFF2-40B4-BE49-F238E27FC236}">
-                  <a16:creationId xmlns:a16="http://schemas.microsoft.com/office/drawing/2014/main" id="{A7207150-CFE0-4F60-8F7D-5291BEDDAA92}"/>
-                </a:ext>
-              </a:extLst>
-            </p:cNvPr>
-            <p:cNvCxnSpPr>
-              <a:cxnSpLocks/>
-            </p:cNvCxnSpPr>
-            <p:nvPr/>
-          </p:nvCxnSpPr>
-          <p:spPr>
-            <a:xfrm flipH="1">
-              <a:off x="3468338" y="769940"/>
-              <a:ext cx="3045443" cy="104515"/>
-            </a:xfrm>
-            <a:prstGeom prst="straightConnector1">
-              <a:avLst/>
-            </a:prstGeom>
-            <a:ln w="38100">
-              <a:tailEnd type="triangle"/>
-            </a:ln>
-          </p:spPr>
-          <p:style>
-            <a:lnRef idx="3">
-              <a:schemeClr val="dk1"/>
-            </a:lnRef>
-            <a:fillRef idx="0">
-              <a:schemeClr val="dk1"/>
-            </a:fillRef>
-            <a:effectRef idx="2">
-              <a:schemeClr val="dk1"/>
-            </a:effectRef>
-            <a:fontRef idx="minor">
-              <a:schemeClr val="tx1"/>
-            </a:fontRef>
-          </p:style>
-        </p:cxnSp>
-        <p:cxnSp>
-          <p:nvCxnSpPr>
-            <p:cNvPr id="62" name="직선 화살표 연결선 61">
-              <a:extLst>
-                <a:ext uri="{FF2B5EF4-FFF2-40B4-BE49-F238E27FC236}">
-                  <a16:creationId xmlns:a16="http://schemas.microsoft.com/office/drawing/2014/main" id="{167C01CC-B01C-40F2-8988-4F6D0E6C5AC4}"/>
-                </a:ext>
-              </a:extLst>
-            </p:cNvPr>
-            <p:cNvCxnSpPr>
-              <a:cxnSpLocks/>
-              <a:stCxn id="17" idx="3"/>
-              <a:endCxn id="38" idx="1"/>
-            </p:cNvCxnSpPr>
-            <p:nvPr/>
-          </p:nvCxnSpPr>
-          <p:spPr>
-            <a:xfrm>
-              <a:off x="3481628" y="2557921"/>
-              <a:ext cx="3032153" cy="140429"/>
-            </a:xfrm>
-            <a:prstGeom prst="straightConnector1">
-              <a:avLst/>
-            </a:prstGeom>
-            <a:ln w="38100" cap="flat" cmpd="sng" algn="ctr">
-              <a:solidFill>
-                <a:schemeClr val="dk1"/>
-              </a:solidFill>
-              <a:prstDash val="solid"/>
-              <a:round/>
-              <a:headEnd type="arrow" w="med" len="med"/>
-              <a:tailEnd type="arrow" w="med" len="med"/>
-            </a:ln>
-          </p:spPr>
-          <p:style>
-            <a:lnRef idx="0">
-              <a:scrgbClr r="0" g="0" b="0"/>
-            </a:lnRef>
-            <a:fillRef idx="0">
-              <a:scrgbClr r="0" g="0" b="0"/>
-            </a:fillRef>
-            <a:effectRef idx="0">
-              <a:scrgbClr r="0" g="0" b="0"/>
-            </a:effectRef>
-            <a:fontRef idx="minor">
-              <a:schemeClr val="tx1"/>
-            </a:fontRef>
-          </p:style>
-        </p:cxnSp>
-        <p:cxnSp>
-          <p:nvCxnSpPr>
-            <p:cNvPr id="75" name="직선 화살표 연결선 74">
-              <a:extLst>
-                <a:ext uri="{FF2B5EF4-FFF2-40B4-BE49-F238E27FC236}">
-                  <a16:creationId xmlns:a16="http://schemas.microsoft.com/office/drawing/2014/main" id="{C2646748-776F-492D-99AE-546CA5C7CAE2}"/>
-                </a:ext>
-              </a:extLst>
-            </p:cNvPr>
-            <p:cNvCxnSpPr>
-              <a:cxnSpLocks/>
-              <a:stCxn id="6" idx="2"/>
-              <a:endCxn id="57" idx="0"/>
-            </p:cNvCxnSpPr>
-            <p:nvPr/>
-          </p:nvCxnSpPr>
-          <p:spPr>
-            <a:xfrm flipH="1">
-              <a:off x="10358739" y="3701000"/>
-              <a:ext cx="8432" cy="628858"/>
-            </a:xfrm>
-            <a:prstGeom prst="straightConnector1">
-              <a:avLst/>
-            </a:prstGeom>
-            <a:ln w="38100">
-              <a:tailEnd type="triangle"/>
-            </a:ln>
-          </p:spPr>
-          <p:style>
-            <a:lnRef idx="3">
-              <a:schemeClr val="dk1"/>
-            </a:lnRef>
-            <a:fillRef idx="0">
-              <a:schemeClr val="dk1"/>
-            </a:fillRef>
-            <a:effectRef idx="2">
-              <a:schemeClr val="dk1"/>
-            </a:effectRef>
-            <a:fontRef idx="minor">
-              <a:schemeClr val="tx1"/>
-            </a:fontRef>
-          </p:style>
-        </p:cxnSp>
-        <p:sp>
-          <p:nvSpPr>
-            <p:cNvPr id="76" name="직사각형 75">
-              <a:extLst>
-                <a:ext uri="{FF2B5EF4-FFF2-40B4-BE49-F238E27FC236}">
-                  <a16:creationId xmlns:a16="http://schemas.microsoft.com/office/drawing/2014/main" id="{B3BC0800-C409-42AF-A0A3-04EF20E66250}"/>
-                </a:ext>
-              </a:extLst>
-            </p:cNvPr>
-            <p:cNvSpPr/>
-            <p:nvPr/>
-          </p:nvSpPr>
-          <p:spPr>
-            <a:xfrm>
-              <a:off x="4817283" y="419851"/>
-              <a:ext cx="379169" cy="369332"/>
-            </a:xfrm>
-            <a:prstGeom prst="rect">
-              <a:avLst/>
-            </a:prstGeom>
-          </p:spPr>
-          <p:txBody>
-            <a:bodyPr wrap="square">
-              <a:spAutoFit/>
-            </a:bodyPr>
-            <a:lstStyle/>
-            <a:p>
-              <a:r>
-                <a:rPr lang="en-US" altLang="ko-KR" dirty="0"/>
-                <a:t>③</a:t>
-              </a:r>
-              <a:endParaRPr lang="ko-KR" altLang="en-US" dirty="0"/>
-            </a:p>
-          </p:txBody>
-        </p:sp>
-        <p:sp>
-          <p:nvSpPr>
-            <p:cNvPr id="82" name="직사각형 81">
-              <a:extLst>
-                <a:ext uri="{FF2B5EF4-FFF2-40B4-BE49-F238E27FC236}">
-                  <a16:creationId xmlns:a16="http://schemas.microsoft.com/office/drawing/2014/main" id="{F6A99C97-4736-4882-9499-6CC6198A6E6F}"/>
-                </a:ext>
-              </a:extLst>
-            </p:cNvPr>
-            <p:cNvSpPr/>
-            <p:nvPr/>
-          </p:nvSpPr>
-          <p:spPr>
-            <a:xfrm>
-              <a:off x="1399190" y="3600142"/>
-              <a:ext cx="2082439" cy="714874"/>
-            </a:xfrm>
-            <a:prstGeom prst="rect">
-              <a:avLst/>
-            </a:prstGeom>
-            <a:solidFill>
-              <a:schemeClr val="bg1"/>
-            </a:solidFill>
-            <a:ln>
-              <a:solidFill>
-                <a:schemeClr val="accent1"/>
-              </a:solidFill>
-            </a:ln>
-          </p:spPr>
-          <p:style>
-            <a:lnRef idx="2">
-              <a:schemeClr val="accent1">
-                <a:shade val="50000"/>
-              </a:schemeClr>
-            </a:lnRef>
-            <a:fillRef idx="1">
-              <a:schemeClr val="accent1"/>
-            </a:fillRef>
-            <a:effectRef idx="0">
-              <a:schemeClr val="accent1"/>
-            </a:effectRef>
-            <a:fontRef idx="minor">
-              <a:schemeClr val="lt1"/>
-            </a:fontRef>
-          </p:style>
-          <p:txBody>
-            <a:bodyPr rtlCol="0" anchor="ctr"/>
-            <a:lstStyle/>
-            <a:p>
-              <a:pPr algn="ctr"/>
-              <a:r>
-                <a:rPr lang="en-US" altLang="ko-KR" dirty="0">
-                  <a:solidFill>
-                    <a:schemeClr val="tx1"/>
-                  </a:solidFill>
-                </a:rPr>
-                <a:t>Play</a:t>
-              </a:r>
-              <a:r>
-                <a:rPr lang="ko-KR" altLang="en-US" dirty="0">
-                  <a:solidFill>
-                    <a:schemeClr val="tx1"/>
-                  </a:solidFill>
-                </a:rPr>
-                <a:t> </a:t>
-              </a:r>
-              <a:r>
-                <a:rPr lang="en-US" altLang="ko-KR" dirty="0">
-                  <a:solidFill>
-                    <a:schemeClr val="tx1"/>
-                  </a:solidFill>
-                </a:rPr>
-                <a:t>Scene</a:t>
-              </a:r>
-              <a:endParaRPr lang="ko-KR" altLang="en-US" dirty="0">
-                <a:solidFill>
-                  <a:schemeClr val="tx1"/>
-                </a:solidFill>
-              </a:endParaRPr>
-            </a:p>
-          </p:txBody>
-        </p:sp>
-        <p:sp>
-          <p:nvSpPr>
-            <p:cNvPr id="83" name="직사각형 82">
-              <a:extLst>
-                <a:ext uri="{FF2B5EF4-FFF2-40B4-BE49-F238E27FC236}">
-                  <a16:creationId xmlns:a16="http://schemas.microsoft.com/office/drawing/2014/main" id="{C5903DD3-B594-40AF-8488-E8BB423CD265}"/>
-                </a:ext>
-              </a:extLst>
-            </p:cNvPr>
-            <p:cNvSpPr/>
-            <p:nvPr/>
-          </p:nvSpPr>
-          <p:spPr>
-            <a:xfrm>
-              <a:off x="1399190" y="4466110"/>
-              <a:ext cx="2082439" cy="714874"/>
-            </a:xfrm>
-            <a:prstGeom prst="rect">
-              <a:avLst/>
-            </a:prstGeom>
-            <a:solidFill>
-              <a:schemeClr val="bg1"/>
-            </a:solidFill>
-            <a:ln>
-              <a:solidFill>
-                <a:schemeClr val="accent1"/>
-              </a:solidFill>
-            </a:ln>
-          </p:spPr>
-          <p:style>
-            <a:lnRef idx="2">
-              <a:schemeClr val="accent1">
-                <a:shade val="50000"/>
-              </a:schemeClr>
-            </a:lnRef>
-            <a:fillRef idx="1">
-              <a:schemeClr val="accent1"/>
-            </a:fillRef>
-            <a:effectRef idx="0">
-              <a:schemeClr val="accent1"/>
-            </a:effectRef>
-            <a:fontRef idx="minor">
-              <a:schemeClr val="lt1"/>
-            </a:fontRef>
-          </p:style>
-          <p:txBody>
-            <a:bodyPr rtlCol="0" anchor="ctr"/>
-            <a:lstStyle/>
-            <a:p>
-              <a:pPr algn="ctr"/>
-              <a:r>
-                <a:rPr lang="en-US" altLang="ko-KR" dirty="0">
-                  <a:solidFill>
-                    <a:schemeClr val="tx1"/>
-                  </a:solidFill>
-                </a:rPr>
-                <a:t>Play</a:t>
-              </a:r>
-              <a:r>
-                <a:rPr lang="ko-KR" altLang="en-US" dirty="0">
-                  <a:solidFill>
-                    <a:schemeClr val="tx1"/>
-                  </a:solidFill>
-                </a:rPr>
-                <a:t> </a:t>
-              </a:r>
-              <a:r>
-                <a:rPr lang="en-US" altLang="ko-KR" dirty="0">
-                  <a:solidFill>
-                    <a:schemeClr val="tx1"/>
-                  </a:solidFill>
-                </a:rPr>
-                <a:t>Scene</a:t>
-              </a:r>
-              <a:endParaRPr lang="ko-KR" altLang="en-US" dirty="0">
-                <a:solidFill>
-                  <a:schemeClr val="tx1"/>
-                </a:solidFill>
-              </a:endParaRPr>
-            </a:p>
-          </p:txBody>
-        </p:sp>
-        <p:sp>
-          <p:nvSpPr>
-            <p:cNvPr id="84" name="직사각형 83">
-              <a:extLst>
-                <a:ext uri="{FF2B5EF4-FFF2-40B4-BE49-F238E27FC236}">
-                  <a16:creationId xmlns:a16="http://schemas.microsoft.com/office/drawing/2014/main" id="{887D63CD-673D-4C4E-B885-0315C0E69327}"/>
-                </a:ext>
-              </a:extLst>
-            </p:cNvPr>
-            <p:cNvSpPr/>
-            <p:nvPr/>
-          </p:nvSpPr>
-          <p:spPr>
-            <a:xfrm>
-              <a:off x="1399189" y="5341694"/>
-              <a:ext cx="2082439" cy="714874"/>
-            </a:xfrm>
-            <a:prstGeom prst="rect">
-              <a:avLst/>
-            </a:prstGeom>
-            <a:solidFill>
-              <a:schemeClr val="bg1"/>
-            </a:solidFill>
-            <a:ln>
-              <a:solidFill>
-                <a:schemeClr val="accent1"/>
-              </a:solidFill>
-            </a:ln>
-          </p:spPr>
-          <p:style>
-            <a:lnRef idx="2">
-              <a:schemeClr val="accent1">
-                <a:shade val="50000"/>
-              </a:schemeClr>
-            </a:lnRef>
-            <a:fillRef idx="1">
-              <a:schemeClr val="accent1"/>
-            </a:fillRef>
-            <a:effectRef idx="0">
-              <a:schemeClr val="accent1"/>
-            </a:effectRef>
-            <a:fontRef idx="minor">
-              <a:schemeClr val="lt1"/>
-            </a:fontRef>
-          </p:style>
-          <p:txBody>
-            <a:bodyPr rtlCol="0" anchor="ctr"/>
-            <a:lstStyle/>
-            <a:p>
-              <a:pPr algn="ctr"/>
-              <a:r>
-                <a:rPr lang="en-US" altLang="ko-KR" dirty="0">
-                  <a:solidFill>
-                    <a:schemeClr val="tx1"/>
-                  </a:solidFill>
-                </a:rPr>
-                <a:t>Play</a:t>
-              </a:r>
-              <a:r>
-                <a:rPr lang="ko-KR" altLang="en-US" dirty="0">
-                  <a:solidFill>
-                    <a:schemeClr val="tx1"/>
-                  </a:solidFill>
-                </a:rPr>
-                <a:t> </a:t>
-              </a:r>
-              <a:r>
-                <a:rPr lang="en-US" altLang="ko-KR" dirty="0">
-                  <a:solidFill>
-                    <a:schemeClr val="tx1"/>
-                  </a:solidFill>
-                </a:rPr>
-                <a:t>Scene</a:t>
-              </a:r>
-              <a:endParaRPr lang="ko-KR" altLang="en-US" dirty="0">
-                <a:solidFill>
-                  <a:schemeClr val="tx1"/>
-                </a:solidFill>
-              </a:endParaRPr>
-            </a:p>
-          </p:txBody>
-        </p:sp>
-        <p:cxnSp>
-          <p:nvCxnSpPr>
-            <p:cNvPr id="171" name="직선 화살표 연결선 170">
-              <a:extLst>
-                <a:ext uri="{FF2B5EF4-FFF2-40B4-BE49-F238E27FC236}">
-                  <a16:creationId xmlns:a16="http://schemas.microsoft.com/office/drawing/2014/main" id="{2E5DE84C-B28D-4A4A-9A70-E7621F48F473}"/>
-                </a:ext>
-              </a:extLst>
-            </p:cNvPr>
-            <p:cNvCxnSpPr>
-              <a:cxnSpLocks/>
-              <a:stCxn id="17" idx="2"/>
-              <a:endCxn id="82" idx="0"/>
-            </p:cNvCxnSpPr>
-            <p:nvPr/>
-          </p:nvCxnSpPr>
-          <p:spPr>
-            <a:xfrm>
-              <a:off x="2440409" y="2888481"/>
-              <a:ext cx="1" cy="711661"/>
+              <a:off x="3764604" y="2383277"/>
+              <a:ext cx="1546698" cy="1935804"/>
             </a:xfrm>
             <a:prstGeom prst="straightConnector1">
               <a:avLst/>
@@ -4681,110 +3430,28 @@
         </p:cxnSp>
         <p:sp>
           <p:nvSpPr>
-            <p:cNvPr id="181" name="직사각형 180">
+            <p:cNvPr id="14" name="TextBox 13">
               <a:extLst>
                 <a:ext uri="{FF2B5EF4-FFF2-40B4-BE49-F238E27FC236}">
-                  <a16:creationId xmlns:a16="http://schemas.microsoft.com/office/drawing/2014/main" id="{4D31C6DF-1DD8-47F7-9776-4965D39D0A9E}"/>
+                  <a16:creationId xmlns:a16="http://schemas.microsoft.com/office/drawing/2014/main" id="{FAA9904C-31A5-4FC9-A866-C27082456250}"/>
                 </a:ext>
               </a:extLst>
             </p:cNvPr>
-            <p:cNvSpPr/>
+            <p:cNvSpPr txBox="1"/>
             <p:nvPr/>
           </p:nvSpPr>
           <p:spPr>
             <a:xfrm>
-              <a:off x="4784259" y="1102611"/>
-              <a:ext cx="415498" cy="369332"/>
+              <a:off x="4109936" y="3166513"/>
+              <a:ext cx="428017" cy="369332"/>
             </a:xfrm>
             <a:prstGeom prst="rect">
               <a:avLst/>
             </a:prstGeom>
+            <a:noFill/>
           </p:spPr>
           <p:txBody>
-            <a:bodyPr wrap="none">
-              <a:spAutoFit/>
-            </a:bodyPr>
-            <a:lstStyle/>
-            <a:p>
-              <a:r>
-                <a:rPr lang="ko-KR" altLang="en-US" dirty="0"/>
-                <a:t>④</a:t>
-              </a:r>
-            </a:p>
-          </p:txBody>
-        </p:sp>
-        <p:cxnSp>
-          <p:nvCxnSpPr>
-            <p:cNvPr id="45" name="직선 화살표 연결선 44">
-              <a:extLst>
-                <a:ext uri="{FF2B5EF4-FFF2-40B4-BE49-F238E27FC236}">
-                  <a16:creationId xmlns:a16="http://schemas.microsoft.com/office/drawing/2014/main" id="{07D601F5-9E3B-45E0-AAAD-58E68DC1AEB1}"/>
-                </a:ext>
-              </a:extLst>
-            </p:cNvPr>
-            <p:cNvCxnSpPr>
-              <a:cxnSpLocks/>
-              <a:stCxn id="4" idx="3"/>
-              <a:endCxn id="37" idx="1"/>
-            </p:cNvCxnSpPr>
-            <p:nvPr/>
-          </p:nvCxnSpPr>
-          <p:spPr>
-            <a:xfrm>
-              <a:off x="3481628" y="1804748"/>
-              <a:ext cx="3032155" cy="14934"/>
-            </a:xfrm>
-            <a:prstGeom prst="straightConnector1">
-              <a:avLst/>
-            </a:prstGeom>
-            <a:ln w="38100" cap="flat" cmpd="sng" algn="ctr">
-              <a:solidFill>
-                <a:schemeClr val="dk1"/>
-              </a:solidFill>
-              <a:prstDash val="solid"/>
-              <a:round/>
-              <a:headEnd type="arrow" w="med" len="med"/>
-              <a:tailEnd type="arrow" w="med" len="med"/>
-            </a:ln>
-          </p:spPr>
-          <p:style>
-            <a:lnRef idx="0">
-              <a:scrgbClr r="0" g="0" b="0"/>
-            </a:lnRef>
-            <a:fillRef idx="0">
-              <a:scrgbClr r="0" g="0" b="0"/>
-            </a:fillRef>
-            <a:effectRef idx="0">
-              <a:scrgbClr r="0" g="0" b="0"/>
-            </a:effectRef>
-            <a:fontRef idx="minor">
-              <a:schemeClr val="tx1"/>
-            </a:fontRef>
-          </p:style>
-        </p:cxnSp>
-        <p:sp>
-          <p:nvSpPr>
-            <p:cNvPr id="59" name="직사각형 58">
-              <a:extLst>
-                <a:ext uri="{FF2B5EF4-FFF2-40B4-BE49-F238E27FC236}">
-                  <a16:creationId xmlns:a16="http://schemas.microsoft.com/office/drawing/2014/main" id="{53B20420-4C6B-4756-BA98-4CFD23DFF211}"/>
-                </a:ext>
-              </a:extLst>
-            </p:cNvPr>
-            <p:cNvSpPr/>
-            <p:nvPr/>
-          </p:nvSpPr>
-          <p:spPr>
-            <a:xfrm>
-              <a:off x="2071197" y="3015570"/>
-              <a:ext cx="296978" cy="369332"/>
-            </a:xfrm>
-            <a:prstGeom prst="rect">
-              <a:avLst/>
-            </a:prstGeom>
-          </p:spPr>
-          <p:txBody>
-            <a:bodyPr wrap="square">
+            <a:bodyPr wrap="square" rtlCol="0">
               <a:spAutoFit/>
             </a:bodyPr>
             <a:lstStyle/>
@@ -4794,685 +3461,9 @@
                   <a:latin typeface="맑은 고딕" panose="020B0503020000020004" pitchFamily="50" charset="-127"/>
                   <a:ea typeface="맑은 고딕" panose="020B0503020000020004" pitchFamily="50" charset="-127"/>
                 </a:rPr>
-                <a:t>⑦</a:t>
-              </a:r>
-              <a:endParaRPr lang="ko-KR" altLang="en-US" dirty="0"/>
-            </a:p>
-          </p:txBody>
-        </p:sp>
-        <p:sp>
-          <p:nvSpPr>
-            <p:cNvPr id="77" name="직사각형 76">
-              <a:extLst>
-                <a:ext uri="{FF2B5EF4-FFF2-40B4-BE49-F238E27FC236}">
-                  <a16:creationId xmlns:a16="http://schemas.microsoft.com/office/drawing/2014/main" id="{5694CECA-1AF6-46FB-AF3F-A6D541CEE01A}"/>
-                </a:ext>
-              </a:extLst>
-            </p:cNvPr>
-            <p:cNvSpPr/>
-            <p:nvPr/>
-          </p:nvSpPr>
-          <p:spPr>
-            <a:xfrm>
-              <a:off x="8617269" y="4505705"/>
-              <a:ext cx="415498" cy="369332"/>
-            </a:xfrm>
-            <a:prstGeom prst="rect">
-              <a:avLst/>
-            </a:prstGeom>
-          </p:spPr>
-          <p:txBody>
-            <a:bodyPr wrap="square">
-              <a:spAutoFit/>
-            </a:bodyPr>
-            <a:lstStyle/>
-            <a:p>
-              <a:r>
-                <a:rPr lang="en-US" altLang="ko-KR" dirty="0">
-                  <a:latin typeface="맑은 고딕" panose="020B0503020000020004" pitchFamily="50" charset="-127"/>
-                  <a:ea typeface="맑은 고딕" panose="020B0503020000020004" pitchFamily="50" charset="-127"/>
-                </a:rPr>
                 <a:t>⑥</a:t>
               </a:r>
               <a:endParaRPr lang="ko-KR" altLang="en-US" dirty="0"/>
-            </a:p>
-          </p:txBody>
-        </p:sp>
-        <p:sp>
-          <p:nvSpPr>
-            <p:cNvPr id="78" name="직사각형 77">
-              <a:extLst>
-                <a:ext uri="{FF2B5EF4-FFF2-40B4-BE49-F238E27FC236}">
-                  <a16:creationId xmlns:a16="http://schemas.microsoft.com/office/drawing/2014/main" id="{876DD257-1AB3-4F30-9EA8-164266CAA578}"/>
-                </a:ext>
-              </a:extLst>
-            </p:cNvPr>
-            <p:cNvSpPr/>
-            <p:nvPr/>
-          </p:nvSpPr>
-          <p:spPr>
-            <a:xfrm>
-              <a:off x="6513782" y="4642444"/>
-              <a:ext cx="2048933" cy="712146"/>
-            </a:xfrm>
-            <a:prstGeom prst="rect">
-              <a:avLst/>
-            </a:prstGeom>
-            <a:solidFill>
-              <a:schemeClr val="bg1"/>
-            </a:solidFill>
-            <a:ln>
-              <a:solidFill>
-                <a:schemeClr val="accent2"/>
-              </a:solidFill>
-            </a:ln>
-          </p:spPr>
-          <p:style>
-            <a:lnRef idx="2">
-              <a:schemeClr val="accent1">
-                <a:shade val="50000"/>
-              </a:schemeClr>
-            </a:lnRef>
-            <a:fillRef idx="1">
-              <a:schemeClr val="accent1"/>
-            </a:fillRef>
-            <a:effectRef idx="0">
-              <a:schemeClr val="accent1"/>
-            </a:effectRef>
-            <a:fontRef idx="minor">
-              <a:schemeClr val="lt1"/>
-            </a:fontRef>
-          </p:style>
-          <p:txBody>
-            <a:bodyPr rtlCol="0" anchor="ctr"/>
-            <a:lstStyle/>
-            <a:p>
-              <a:pPr algn="ctr"/>
-              <a:r>
-                <a:rPr lang="en-US" altLang="ko-KR" dirty="0">
-                  <a:solidFill>
-                    <a:schemeClr val="tx1"/>
-                  </a:solidFill>
-                </a:rPr>
-                <a:t>Communication</a:t>
-              </a:r>
-            </a:p>
-            <a:p>
-              <a:pPr algn="ctr"/>
-              <a:r>
-                <a:rPr lang="en-US" altLang="ko-KR" dirty="0">
-                  <a:solidFill>
-                    <a:schemeClr val="tx1"/>
-                  </a:solidFill>
-                </a:rPr>
-                <a:t>Thread</a:t>
-              </a:r>
-              <a:endParaRPr lang="ko-KR" altLang="en-US" dirty="0">
-                <a:solidFill>
-                  <a:schemeClr val="tx1"/>
-                </a:solidFill>
-              </a:endParaRPr>
-            </a:p>
-          </p:txBody>
-        </p:sp>
-        <p:sp>
-          <p:nvSpPr>
-            <p:cNvPr id="79" name="직사각형 78">
-              <a:extLst>
-                <a:ext uri="{FF2B5EF4-FFF2-40B4-BE49-F238E27FC236}">
-                  <a16:creationId xmlns:a16="http://schemas.microsoft.com/office/drawing/2014/main" id="{452921AB-762F-4367-B597-39A61E75CED1}"/>
-                </a:ext>
-              </a:extLst>
-            </p:cNvPr>
-            <p:cNvSpPr/>
-            <p:nvPr/>
-          </p:nvSpPr>
-          <p:spPr>
-            <a:xfrm>
-              <a:off x="6513780" y="5521112"/>
-              <a:ext cx="2048933" cy="712146"/>
-            </a:xfrm>
-            <a:prstGeom prst="rect">
-              <a:avLst/>
-            </a:prstGeom>
-            <a:solidFill>
-              <a:schemeClr val="bg1"/>
-            </a:solidFill>
-            <a:ln>
-              <a:solidFill>
-                <a:schemeClr val="accent2"/>
-              </a:solidFill>
-            </a:ln>
-          </p:spPr>
-          <p:style>
-            <a:lnRef idx="2">
-              <a:schemeClr val="accent1">
-                <a:shade val="50000"/>
-              </a:schemeClr>
-            </a:lnRef>
-            <a:fillRef idx="1">
-              <a:schemeClr val="accent1"/>
-            </a:fillRef>
-            <a:effectRef idx="0">
-              <a:schemeClr val="accent1"/>
-            </a:effectRef>
-            <a:fontRef idx="minor">
-              <a:schemeClr val="lt1"/>
-            </a:fontRef>
-          </p:style>
-          <p:txBody>
-            <a:bodyPr rtlCol="0" anchor="ctr"/>
-            <a:lstStyle/>
-            <a:p>
-              <a:pPr algn="ctr"/>
-              <a:r>
-                <a:rPr lang="en-US" altLang="ko-KR" dirty="0">
-                  <a:solidFill>
-                    <a:schemeClr val="tx1"/>
-                  </a:solidFill>
-                </a:rPr>
-                <a:t>Communication</a:t>
-              </a:r>
-            </a:p>
-            <a:p>
-              <a:pPr algn="ctr"/>
-              <a:r>
-                <a:rPr lang="en-US" altLang="ko-KR" dirty="0">
-                  <a:solidFill>
-                    <a:schemeClr val="tx1"/>
-                  </a:solidFill>
-                </a:rPr>
-                <a:t>Thread</a:t>
-              </a:r>
-              <a:endParaRPr lang="ko-KR" altLang="en-US" dirty="0">
-                <a:solidFill>
-                  <a:schemeClr val="tx1"/>
-                </a:solidFill>
-              </a:endParaRPr>
-            </a:p>
-          </p:txBody>
-        </p:sp>
-        <p:sp>
-          <p:nvSpPr>
-            <p:cNvPr id="80" name="직사각형 79">
-              <a:extLst>
-                <a:ext uri="{FF2B5EF4-FFF2-40B4-BE49-F238E27FC236}">
-                  <a16:creationId xmlns:a16="http://schemas.microsoft.com/office/drawing/2014/main" id="{7A13853D-898C-4357-9270-C54063F83686}"/>
-                </a:ext>
-              </a:extLst>
-            </p:cNvPr>
-            <p:cNvSpPr/>
-            <p:nvPr/>
-          </p:nvSpPr>
-          <p:spPr>
-            <a:xfrm>
-              <a:off x="6513781" y="3773376"/>
-              <a:ext cx="2048933" cy="714874"/>
-            </a:xfrm>
-            <a:prstGeom prst="rect">
-              <a:avLst/>
-            </a:prstGeom>
-            <a:solidFill>
-              <a:schemeClr val="bg1"/>
-            </a:solidFill>
-            <a:ln>
-              <a:solidFill>
-                <a:schemeClr val="accent2"/>
-              </a:solidFill>
-            </a:ln>
-          </p:spPr>
-          <p:style>
-            <a:lnRef idx="2">
-              <a:schemeClr val="accent1">
-                <a:shade val="50000"/>
-              </a:schemeClr>
-            </a:lnRef>
-            <a:fillRef idx="1">
-              <a:schemeClr val="accent1"/>
-            </a:fillRef>
-            <a:effectRef idx="0">
-              <a:schemeClr val="accent1"/>
-            </a:effectRef>
-            <a:fontRef idx="minor">
-              <a:schemeClr val="lt1"/>
-            </a:fontRef>
-          </p:style>
-          <p:txBody>
-            <a:bodyPr rtlCol="0" anchor="ctr"/>
-            <a:lstStyle/>
-            <a:p>
-              <a:pPr algn="ctr"/>
-              <a:r>
-                <a:rPr lang="en-US" altLang="ko-KR" dirty="0">
-                  <a:solidFill>
-                    <a:schemeClr val="tx1"/>
-                  </a:solidFill>
-                </a:rPr>
-                <a:t>Communication</a:t>
-              </a:r>
-            </a:p>
-            <a:p>
-              <a:pPr algn="ctr"/>
-              <a:r>
-                <a:rPr lang="en-US" altLang="ko-KR" dirty="0">
-                  <a:solidFill>
-                    <a:schemeClr val="tx1"/>
-                  </a:solidFill>
-                </a:rPr>
-                <a:t>Thread</a:t>
-              </a:r>
-              <a:endParaRPr lang="ko-KR" altLang="en-US" dirty="0">
-                <a:solidFill>
-                  <a:schemeClr val="tx1"/>
-                </a:solidFill>
-              </a:endParaRPr>
-            </a:p>
-          </p:txBody>
-        </p:sp>
-        <p:cxnSp>
-          <p:nvCxnSpPr>
-            <p:cNvPr id="81" name="직선 화살표 연결선 80">
-              <a:extLst>
-                <a:ext uri="{FF2B5EF4-FFF2-40B4-BE49-F238E27FC236}">
-                  <a16:creationId xmlns:a16="http://schemas.microsoft.com/office/drawing/2014/main" id="{5F34B1D5-DA93-46D6-9AB8-CD315B2E9EC6}"/>
-                </a:ext>
-              </a:extLst>
-            </p:cNvPr>
-            <p:cNvCxnSpPr>
-              <a:cxnSpLocks/>
-              <a:endCxn id="80" idx="3"/>
-            </p:cNvCxnSpPr>
-            <p:nvPr/>
-          </p:nvCxnSpPr>
-          <p:spPr>
-            <a:xfrm flipH="1" flipV="1">
-              <a:off x="8562714" y="4130813"/>
-              <a:ext cx="771557" cy="688354"/>
-            </a:xfrm>
-            <a:prstGeom prst="straightConnector1">
-              <a:avLst/>
-            </a:prstGeom>
-            <a:ln w="38100">
-              <a:tailEnd type="triangle"/>
-            </a:ln>
-          </p:spPr>
-          <p:style>
-            <a:lnRef idx="3">
-              <a:schemeClr val="dk1"/>
-            </a:lnRef>
-            <a:fillRef idx="0">
-              <a:schemeClr val="dk1"/>
-            </a:fillRef>
-            <a:effectRef idx="2">
-              <a:schemeClr val="dk1"/>
-            </a:effectRef>
-            <a:fontRef idx="minor">
-              <a:schemeClr val="tx1"/>
-            </a:fontRef>
-          </p:style>
-        </p:cxnSp>
-        <p:cxnSp>
-          <p:nvCxnSpPr>
-            <p:cNvPr id="85" name="직선 화살표 연결선 84">
-              <a:extLst>
-                <a:ext uri="{FF2B5EF4-FFF2-40B4-BE49-F238E27FC236}">
-                  <a16:creationId xmlns:a16="http://schemas.microsoft.com/office/drawing/2014/main" id="{2A62712E-7630-4F73-B9BA-FC631DF8791A}"/>
-                </a:ext>
-              </a:extLst>
-            </p:cNvPr>
-            <p:cNvCxnSpPr>
-              <a:cxnSpLocks/>
-              <a:endCxn id="79" idx="3"/>
-            </p:cNvCxnSpPr>
-            <p:nvPr/>
-          </p:nvCxnSpPr>
-          <p:spPr>
-            <a:xfrm flipH="1">
-              <a:off x="8562713" y="4829747"/>
-              <a:ext cx="761450" cy="1047438"/>
-            </a:xfrm>
-            <a:prstGeom prst="straightConnector1">
-              <a:avLst/>
-            </a:prstGeom>
-            <a:ln w="38100">
-              <a:tailEnd type="triangle"/>
-            </a:ln>
-          </p:spPr>
-          <p:style>
-            <a:lnRef idx="3">
-              <a:schemeClr val="dk1"/>
-            </a:lnRef>
-            <a:fillRef idx="0">
-              <a:schemeClr val="dk1"/>
-            </a:fillRef>
-            <a:effectRef idx="2">
-              <a:schemeClr val="dk1"/>
-            </a:effectRef>
-            <a:fontRef idx="minor">
-              <a:schemeClr val="tx1"/>
-            </a:fontRef>
-          </p:style>
-        </p:cxnSp>
-        <p:cxnSp>
-          <p:nvCxnSpPr>
-            <p:cNvPr id="86" name="직선 화살표 연결선 85">
-              <a:extLst>
-                <a:ext uri="{FF2B5EF4-FFF2-40B4-BE49-F238E27FC236}">
-                  <a16:creationId xmlns:a16="http://schemas.microsoft.com/office/drawing/2014/main" id="{5CD87881-DB7D-4EAC-8693-DE9F28650734}"/>
-                </a:ext>
-              </a:extLst>
-            </p:cNvPr>
-            <p:cNvCxnSpPr>
-              <a:cxnSpLocks/>
-              <a:endCxn id="78" idx="3"/>
-            </p:cNvCxnSpPr>
-            <p:nvPr/>
-          </p:nvCxnSpPr>
-          <p:spPr>
-            <a:xfrm flipH="1">
-              <a:off x="8562715" y="4825366"/>
-              <a:ext cx="748867" cy="173151"/>
-            </a:xfrm>
-            <a:prstGeom prst="straightConnector1">
-              <a:avLst/>
-            </a:prstGeom>
-            <a:ln w="38100">
-              <a:tailEnd type="triangle"/>
-            </a:ln>
-          </p:spPr>
-          <p:style>
-            <a:lnRef idx="3">
-              <a:schemeClr val="dk1"/>
-            </a:lnRef>
-            <a:fillRef idx="0">
-              <a:schemeClr val="dk1"/>
-            </a:fillRef>
-            <a:effectRef idx="2">
-              <a:schemeClr val="dk1"/>
-            </a:effectRef>
-            <a:fontRef idx="minor">
-              <a:schemeClr val="tx1"/>
-            </a:fontRef>
-          </p:style>
-        </p:cxnSp>
-        <p:sp>
-          <p:nvSpPr>
-            <p:cNvPr id="43" name="직사각형 42">
-              <a:extLst>
-                <a:ext uri="{FF2B5EF4-FFF2-40B4-BE49-F238E27FC236}">
-                  <a16:creationId xmlns:a16="http://schemas.microsoft.com/office/drawing/2014/main" id="{5168B211-7F07-4038-85B7-D605D24A881C}"/>
-                </a:ext>
-              </a:extLst>
-            </p:cNvPr>
-            <p:cNvSpPr/>
-            <p:nvPr/>
-          </p:nvSpPr>
-          <p:spPr>
-            <a:xfrm>
-              <a:off x="9342704" y="1104664"/>
-              <a:ext cx="2048933" cy="1083734"/>
-            </a:xfrm>
-            <a:prstGeom prst="rect">
-              <a:avLst/>
-            </a:prstGeom>
-            <a:solidFill>
-              <a:schemeClr val="bg1"/>
-            </a:solidFill>
-            <a:ln>
-              <a:solidFill>
-                <a:schemeClr val="accent2"/>
-              </a:solidFill>
-            </a:ln>
-          </p:spPr>
-          <p:style>
-            <a:lnRef idx="2">
-              <a:schemeClr val="accent1">
-                <a:shade val="50000"/>
-              </a:schemeClr>
-            </a:lnRef>
-            <a:fillRef idx="1">
-              <a:schemeClr val="accent1"/>
-            </a:fillRef>
-            <a:effectRef idx="0">
-              <a:schemeClr val="accent1"/>
-            </a:effectRef>
-            <a:fontRef idx="minor">
-              <a:schemeClr val="lt1"/>
-            </a:fontRef>
-          </p:style>
-          <p:txBody>
-            <a:bodyPr rtlCol="0" anchor="ctr"/>
-            <a:lstStyle/>
-            <a:p>
-              <a:pPr algn="ctr"/>
-              <a:r>
-                <a:rPr lang="en-US" altLang="ko-KR" dirty="0">
-                  <a:solidFill>
-                    <a:schemeClr val="tx1"/>
-                  </a:solidFill>
-                </a:rPr>
-                <a:t>Main</a:t>
-              </a:r>
-              <a:endParaRPr lang="ko-KR" altLang="en-US" dirty="0">
-                <a:solidFill>
-                  <a:schemeClr val="tx1"/>
-                </a:solidFill>
-              </a:endParaRPr>
-            </a:p>
-          </p:txBody>
-        </p:sp>
-        <p:cxnSp>
-          <p:nvCxnSpPr>
-            <p:cNvPr id="44" name="직선 화살표 연결선 43">
-              <a:extLst>
-                <a:ext uri="{FF2B5EF4-FFF2-40B4-BE49-F238E27FC236}">
-                  <a16:creationId xmlns:a16="http://schemas.microsoft.com/office/drawing/2014/main" id="{BF10B638-7769-4797-B1DD-33E073BA1911}"/>
-                </a:ext>
-              </a:extLst>
-            </p:cNvPr>
-            <p:cNvCxnSpPr>
-              <a:cxnSpLocks/>
-              <a:stCxn id="43" idx="2"/>
-              <a:endCxn id="6" idx="0"/>
-            </p:cNvCxnSpPr>
-            <p:nvPr/>
-          </p:nvCxnSpPr>
-          <p:spPr>
-            <a:xfrm>
-              <a:off x="10367171" y="2188398"/>
-              <a:ext cx="0" cy="428868"/>
-            </a:xfrm>
-            <a:prstGeom prst="straightConnector1">
-              <a:avLst/>
-            </a:prstGeom>
-            <a:ln w="38100">
-              <a:tailEnd type="triangle"/>
-            </a:ln>
-          </p:spPr>
-          <p:style>
-            <a:lnRef idx="3">
-              <a:schemeClr val="dk1"/>
-            </a:lnRef>
-            <a:fillRef idx="0">
-              <a:schemeClr val="dk1"/>
-            </a:fillRef>
-            <a:effectRef idx="2">
-              <a:schemeClr val="dk1"/>
-            </a:effectRef>
-            <a:fontRef idx="minor">
-              <a:schemeClr val="tx1"/>
-            </a:fontRef>
-          </p:style>
-        </p:cxnSp>
-        <p:sp>
-          <p:nvSpPr>
-            <p:cNvPr id="49" name="직사각형 48">
-              <a:extLst>
-                <a:ext uri="{FF2B5EF4-FFF2-40B4-BE49-F238E27FC236}">
-                  <a16:creationId xmlns:a16="http://schemas.microsoft.com/office/drawing/2014/main" id="{6B670790-3368-4318-B4E5-14022AFEE81D}"/>
-                </a:ext>
-              </a:extLst>
-            </p:cNvPr>
-            <p:cNvSpPr/>
-            <p:nvPr/>
-          </p:nvSpPr>
-          <p:spPr>
-            <a:xfrm>
-              <a:off x="4950943" y="1437565"/>
-              <a:ext cx="415498" cy="369332"/>
-            </a:xfrm>
-            <a:prstGeom prst="rect">
-              <a:avLst/>
-            </a:prstGeom>
-          </p:spPr>
-          <p:txBody>
-            <a:bodyPr wrap="none">
-              <a:spAutoFit/>
-            </a:bodyPr>
-            <a:lstStyle/>
-            <a:p>
-              <a:r>
-                <a:rPr lang="ko-KR" altLang="en-US" dirty="0"/>
-                <a:t>④</a:t>
-              </a:r>
-            </a:p>
-          </p:txBody>
-        </p:sp>
-        <p:sp>
-          <p:nvSpPr>
-            <p:cNvPr id="50" name="직사각형 49">
-              <a:extLst>
-                <a:ext uri="{FF2B5EF4-FFF2-40B4-BE49-F238E27FC236}">
-                  <a16:creationId xmlns:a16="http://schemas.microsoft.com/office/drawing/2014/main" id="{2AA3985D-3FD5-4CE4-B10F-285ADA328571}"/>
-                </a:ext>
-              </a:extLst>
-            </p:cNvPr>
-            <p:cNvSpPr/>
-            <p:nvPr/>
-          </p:nvSpPr>
-          <p:spPr>
-            <a:xfrm>
-              <a:off x="4647680" y="1437565"/>
-              <a:ext cx="379169" cy="369332"/>
-            </a:xfrm>
-            <a:prstGeom prst="rect">
-              <a:avLst/>
-            </a:prstGeom>
-          </p:spPr>
-          <p:txBody>
-            <a:bodyPr wrap="square">
-              <a:spAutoFit/>
-            </a:bodyPr>
-            <a:lstStyle/>
-            <a:p>
-              <a:r>
-                <a:rPr lang="en-US" altLang="ko-KR" dirty="0"/>
-                <a:t>③</a:t>
-              </a:r>
-              <a:endParaRPr lang="ko-KR" altLang="en-US" dirty="0"/>
-            </a:p>
-          </p:txBody>
-        </p:sp>
-        <p:sp>
-          <p:nvSpPr>
-            <p:cNvPr id="52" name="직사각형 51">
-              <a:extLst>
-                <a:ext uri="{FF2B5EF4-FFF2-40B4-BE49-F238E27FC236}">
-                  <a16:creationId xmlns:a16="http://schemas.microsoft.com/office/drawing/2014/main" id="{3E059504-DE42-446C-9750-F33B4CCAB2AD}"/>
-                </a:ext>
-              </a:extLst>
-            </p:cNvPr>
-            <p:cNvSpPr/>
-            <p:nvPr/>
-          </p:nvSpPr>
-          <p:spPr>
-            <a:xfrm>
-              <a:off x="4905432" y="2276915"/>
-              <a:ext cx="415498" cy="369332"/>
-            </a:xfrm>
-            <a:prstGeom prst="rect">
-              <a:avLst/>
-            </a:prstGeom>
-          </p:spPr>
-          <p:txBody>
-            <a:bodyPr wrap="none">
-              <a:spAutoFit/>
-            </a:bodyPr>
-            <a:lstStyle/>
-            <a:p>
-              <a:r>
-                <a:rPr lang="ko-KR" altLang="en-US" dirty="0"/>
-                <a:t>④</a:t>
-              </a:r>
-            </a:p>
-          </p:txBody>
-        </p:sp>
-        <p:sp>
-          <p:nvSpPr>
-            <p:cNvPr id="53" name="직사각형 52">
-              <a:extLst>
-                <a:ext uri="{FF2B5EF4-FFF2-40B4-BE49-F238E27FC236}">
-                  <a16:creationId xmlns:a16="http://schemas.microsoft.com/office/drawing/2014/main" id="{50A43E47-4B23-4068-82BB-DB7A0FD646E5}"/>
-                </a:ext>
-              </a:extLst>
-            </p:cNvPr>
-            <p:cNvSpPr/>
-            <p:nvPr/>
-          </p:nvSpPr>
-          <p:spPr>
-            <a:xfrm>
-              <a:off x="4602169" y="2276915"/>
-              <a:ext cx="379169" cy="369332"/>
-            </a:xfrm>
-            <a:prstGeom prst="rect">
-              <a:avLst/>
-            </a:prstGeom>
-          </p:spPr>
-          <p:txBody>
-            <a:bodyPr wrap="square">
-              <a:spAutoFit/>
-            </a:bodyPr>
-            <a:lstStyle/>
-            <a:p>
-              <a:r>
-                <a:rPr lang="en-US" altLang="ko-KR" dirty="0"/>
-                <a:t>③</a:t>
-              </a:r>
-              <a:endParaRPr lang="ko-KR" altLang="en-US" dirty="0"/>
-            </a:p>
-          </p:txBody>
-        </p:sp>
-        <p:sp>
-          <p:nvSpPr>
-            <p:cNvPr id="55" name="직사각형 54">
-              <a:extLst>
-                <a:ext uri="{FF2B5EF4-FFF2-40B4-BE49-F238E27FC236}">
-                  <a16:creationId xmlns:a16="http://schemas.microsoft.com/office/drawing/2014/main" id="{A001D576-2422-4C97-B4BC-253D8F8E07F3}"/>
-                </a:ext>
-              </a:extLst>
-            </p:cNvPr>
-            <p:cNvSpPr/>
-            <p:nvPr/>
-          </p:nvSpPr>
-          <p:spPr>
-            <a:xfrm>
-              <a:off x="10348494" y="3773376"/>
-              <a:ext cx="296978" cy="369332"/>
-            </a:xfrm>
-            <a:prstGeom prst="rect">
-              <a:avLst/>
-            </a:prstGeom>
-          </p:spPr>
-          <p:txBody>
-            <a:bodyPr wrap="square">
-              <a:spAutoFit/>
-            </a:bodyPr>
-            <a:lstStyle/>
-            <a:p>
-              <a:r>
-                <a:rPr lang="ko-KR" altLang="en-US" dirty="0"/>
-                <a:t>⑤</a:t>
-              </a:r>
             </a:p>
           </p:txBody>
         </p:sp>
